--- a/resources/workshop-presentation.pptx
+++ b/resources/workshop-presentation.pptx
@@ -2,10 +2,10 @@
 <file path=ppt/presentation.xml><?xml version="1.0" encoding="utf-8"?>
 <p:presentation xmlns:a="http://schemas.openxmlformats.org/drawingml/2006/main" xmlns:r="http://schemas.openxmlformats.org/officeDocument/2006/relationships" xmlns:p="http://schemas.openxmlformats.org/presentationml/2006/main" saveSubsetFonts="1">
   <p:sldMasterIdLst>
-    <p:sldMasterId id="2147483648" r:id="rId1"/>
+    <p:sldMasterId id="2147483752" r:id="rId1"/>
   </p:sldMasterIdLst>
   <p:notesMasterIdLst>
-    <p:notesMasterId r:id="rId19"/>
+    <p:notesMasterId r:id="rId29"/>
   </p:notesMasterIdLst>
   <p:sldIdLst>
     <p:sldId id="256" r:id="rId2"/>
@@ -25,6 +25,16 @@
     <p:sldId id="271" r:id="rId16"/>
     <p:sldId id="270" r:id="rId17"/>
     <p:sldId id="265" r:id="rId18"/>
+    <p:sldId id="273" r:id="rId19"/>
+    <p:sldId id="274" r:id="rId20"/>
+    <p:sldId id="275" r:id="rId21"/>
+    <p:sldId id="276" r:id="rId22"/>
+    <p:sldId id="277" r:id="rId23"/>
+    <p:sldId id="281" r:id="rId24"/>
+    <p:sldId id="278" r:id="rId25"/>
+    <p:sldId id="279" r:id="rId26"/>
+    <p:sldId id="280" r:id="rId27"/>
+    <p:sldId id="282" r:id="rId28"/>
   </p:sldIdLst>
   <p:sldSz cx="12192000" cy="6858000"/>
   <p:notesSz cx="6858000" cy="9144000"/>
@@ -126,9 +136,13 @@
   <p:extLst>
     <p:ext uri="{521415D9-36F7-43E2-AB2F-B90AF26B5E84}">
       <p14:sectionLst xmlns:p14="http://schemas.microsoft.com/office/powerpoint/2010/main">
-        <p14:section name="Default Section" id="{546844EA-19D5-4730-A262-43E83386AECE}">
+        <p14:section name="Introduction" id="{546844EA-19D5-4730-A262-43E83386AECE}">
           <p14:sldIdLst>
             <p14:sldId id="256"/>
+          </p14:sldIdLst>
+        </p14:section>
+        <p14:section name="Day 1" id="{FEBCA56A-C87D-45CA-BFA3-500618349204}">
+          <p14:sldIdLst>
             <p14:sldId id="259"/>
             <p14:sldId id="257"/>
             <p14:sldId id="258"/>
@@ -145,6 +159,24 @@
             <p14:sldId id="271"/>
             <p14:sldId id="270"/>
             <p14:sldId id="265"/>
+          </p14:sldIdLst>
+        </p14:section>
+        <p14:section name="Day 2" id="{9C8BC237-F4AC-47F9-A435-051E47F317FB}">
+          <p14:sldIdLst>
+            <p14:sldId id="273"/>
+            <p14:sldId id="274"/>
+            <p14:sldId id="275"/>
+            <p14:sldId id="276"/>
+            <p14:sldId id="277"/>
+          </p14:sldIdLst>
+        </p14:section>
+        <p14:section name="Day 3" id="{45FCB812-0CBD-46B3-A1F6-A4BB27F0F8B1}">
+          <p14:sldIdLst>
+            <p14:sldId id="281"/>
+            <p14:sldId id="278"/>
+            <p14:sldId id="279"/>
+            <p14:sldId id="280"/>
+            <p14:sldId id="282"/>
           </p14:sldIdLst>
         </p14:section>
       </p14:sectionLst>
@@ -238,7 +270,7 @@
           <a:p>
             <a:fld id="{F4670F48-860A-4E6E-BAFE-6FC22D11B84B}" type="datetimeFigureOut">
               <a:rPr lang="en-US" smtClean="0"/>
-              <a:t>4/17/2022</a:t>
+              <a:t>4/22/2022</a:t>
             </a:fld>
             <a:endParaRPr lang="en-US"/>
           </a:p>
@@ -527,7 +559,7 @@
           <p:cNvPr id="2" name="Title 1">
             <a:extLst>
               <a:ext uri="{FF2B5EF4-FFF2-40B4-BE49-F238E27FC236}">
-                <a16:creationId xmlns:a16="http://schemas.microsoft.com/office/drawing/2014/main" id="{6E54C148-08D1-4AE8-B001-D2707CE6D06F}"/>
+                <a16:creationId xmlns:a16="http://schemas.microsoft.com/office/drawing/2014/main" id="{69B9CD18-F14F-4DC9-AA8F-75A93A98CAC6}"/>
               </a:ext>
             </a:extLst>
           </p:cNvPr>
@@ -564,7 +596,7 @@
           <p:cNvPr id="3" name="Subtitle 2">
             <a:extLst>
               <a:ext uri="{FF2B5EF4-FFF2-40B4-BE49-F238E27FC236}">
-                <a16:creationId xmlns:a16="http://schemas.microsoft.com/office/drawing/2014/main" id="{93308AA9-0799-41B7-B7F9-1292070C0D84}"/>
+                <a16:creationId xmlns:a16="http://schemas.microsoft.com/office/drawing/2014/main" id="{E7EF833F-EB80-42FE-87A3-0B3FD21C42AA}"/>
               </a:ext>
             </a:extLst>
           </p:cNvPr>
@@ -634,7 +666,7 @@
           <p:cNvPr id="4" name="Date Placeholder 3">
             <a:extLst>
               <a:ext uri="{FF2B5EF4-FFF2-40B4-BE49-F238E27FC236}">
-                <a16:creationId xmlns:a16="http://schemas.microsoft.com/office/drawing/2014/main" id="{26D4F37B-3BBC-4A0D-BBEB-E9BB785F3E86}"/>
+                <a16:creationId xmlns:a16="http://schemas.microsoft.com/office/drawing/2014/main" id="{FDE763C1-08C2-4AA2-946B-77148A9C7F63}"/>
               </a:ext>
             </a:extLst>
           </p:cNvPr>
@@ -652,7 +684,7 @@
           <a:p>
             <a:fld id="{F42C0E84-49D0-4011-ABBF-FFA0D6732281}" type="datetimeFigureOut">
               <a:rPr lang="en-US" smtClean="0"/>
-              <a:t>4/17/2022</a:t>
+              <a:t>4/22/2022</a:t>
             </a:fld>
             <a:endParaRPr lang="en-US"/>
           </a:p>
@@ -663,7 +695,7 @@
           <p:cNvPr id="5" name="Footer Placeholder 4">
             <a:extLst>
               <a:ext uri="{FF2B5EF4-FFF2-40B4-BE49-F238E27FC236}">
-                <a16:creationId xmlns:a16="http://schemas.microsoft.com/office/drawing/2014/main" id="{7FED1B91-18DC-4D0E-A34B-4CDA91B4921B}"/>
+                <a16:creationId xmlns:a16="http://schemas.microsoft.com/office/drawing/2014/main" id="{D0D5CEDE-224E-4AA4-836E-15FEB6B1F24F}"/>
               </a:ext>
             </a:extLst>
           </p:cNvPr>
@@ -688,7 +720,7 @@
           <p:cNvPr id="6" name="Slide Number Placeholder 5">
             <a:extLst>
               <a:ext uri="{FF2B5EF4-FFF2-40B4-BE49-F238E27FC236}">
-                <a16:creationId xmlns:a16="http://schemas.microsoft.com/office/drawing/2014/main" id="{4B58BDD5-E733-463F-AC56-6C46095D9419}"/>
+                <a16:creationId xmlns:a16="http://schemas.microsoft.com/office/drawing/2014/main" id="{BD0398AF-C884-4047-98F4-07692A418FF7}"/>
               </a:ext>
             </a:extLst>
           </p:cNvPr>
@@ -715,7 +747,7 @@
     </p:spTree>
     <p:extLst>
       <p:ext uri="{BB962C8B-B14F-4D97-AF65-F5344CB8AC3E}">
-        <p14:creationId xmlns:p14="http://schemas.microsoft.com/office/powerpoint/2010/main" val="189214739"/>
+        <p14:creationId xmlns:p14="http://schemas.microsoft.com/office/powerpoint/2010/main" val="4089874737"/>
       </p:ext>
     </p:extLst>
   </p:cSld>
@@ -747,7 +779,7 @@
           <p:cNvPr id="2" name="Title 1">
             <a:extLst>
               <a:ext uri="{FF2B5EF4-FFF2-40B4-BE49-F238E27FC236}">
-                <a16:creationId xmlns:a16="http://schemas.microsoft.com/office/drawing/2014/main" id="{8D83DFF9-AA49-402A-ABCB-E74213F1D45C}"/>
+                <a16:creationId xmlns:a16="http://schemas.microsoft.com/office/drawing/2014/main" id="{BEB210AB-4802-4D0E-8F9B-595489CDF99E}"/>
               </a:ext>
             </a:extLst>
           </p:cNvPr>
@@ -775,7 +807,7 @@
           <p:cNvPr id="3" name="Vertical Text Placeholder 2">
             <a:extLst>
               <a:ext uri="{FF2B5EF4-FFF2-40B4-BE49-F238E27FC236}">
-                <a16:creationId xmlns:a16="http://schemas.microsoft.com/office/drawing/2014/main" id="{6E5CB8C2-0BB3-4DE9-ABFE-DE7D18D3606C}"/>
+                <a16:creationId xmlns:a16="http://schemas.microsoft.com/office/drawing/2014/main" id="{78D762F1-8C27-4A48-BF86-2ED8D767D3CF}"/>
               </a:ext>
             </a:extLst>
           </p:cNvPr>
@@ -832,7 +864,7 @@
           <p:cNvPr id="4" name="Date Placeholder 3">
             <a:extLst>
               <a:ext uri="{FF2B5EF4-FFF2-40B4-BE49-F238E27FC236}">
-                <a16:creationId xmlns:a16="http://schemas.microsoft.com/office/drawing/2014/main" id="{80F3E0E2-05B6-4C4E-B43B-A879013270E6}"/>
+                <a16:creationId xmlns:a16="http://schemas.microsoft.com/office/drawing/2014/main" id="{D683FCEC-A23A-470B-B4F9-080BDCA769BC}"/>
               </a:ext>
             </a:extLst>
           </p:cNvPr>
@@ -850,7 +882,7 @@
           <a:p>
             <a:fld id="{F42C0E84-49D0-4011-ABBF-FFA0D6732281}" type="datetimeFigureOut">
               <a:rPr lang="en-US" smtClean="0"/>
-              <a:t>4/17/2022</a:t>
+              <a:t>4/22/2022</a:t>
             </a:fld>
             <a:endParaRPr lang="en-US"/>
           </a:p>
@@ -861,7 +893,7 @@
           <p:cNvPr id="5" name="Footer Placeholder 4">
             <a:extLst>
               <a:ext uri="{FF2B5EF4-FFF2-40B4-BE49-F238E27FC236}">
-                <a16:creationId xmlns:a16="http://schemas.microsoft.com/office/drawing/2014/main" id="{7C48991C-1132-45F3-B5D2-2EB5B2D8F7A7}"/>
+                <a16:creationId xmlns:a16="http://schemas.microsoft.com/office/drawing/2014/main" id="{4E8B237A-CAE3-4D37-9B6D-83EC1DF53531}"/>
               </a:ext>
             </a:extLst>
           </p:cNvPr>
@@ -886,7 +918,7 @@
           <p:cNvPr id="6" name="Slide Number Placeholder 5">
             <a:extLst>
               <a:ext uri="{FF2B5EF4-FFF2-40B4-BE49-F238E27FC236}">
-                <a16:creationId xmlns:a16="http://schemas.microsoft.com/office/drawing/2014/main" id="{BAF7EEAC-D50E-4057-9EC0-E99E0C522ED7}"/>
+                <a16:creationId xmlns:a16="http://schemas.microsoft.com/office/drawing/2014/main" id="{EB249EE8-3F9F-4798-B8BF-CE604E75F1BC}"/>
               </a:ext>
             </a:extLst>
           </p:cNvPr>
@@ -913,7 +945,7 @@
     </p:spTree>
     <p:extLst>
       <p:ext uri="{BB962C8B-B14F-4D97-AF65-F5344CB8AC3E}">
-        <p14:creationId xmlns:p14="http://schemas.microsoft.com/office/powerpoint/2010/main" val="2285564994"/>
+        <p14:creationId xmlns:p14="http://schemas.microsoft.com/office/powerpoint/2010/main" val="1484199664"/>
       </p:ext>
     </p:extLst>
   </p:cSld>
@@ -945,7 +977,7 @@
           <p:cNvPr id="2" name="Vertical Title 1">
             <a:extLst>
               <a:ext uri="{FF2B5EF4-FFF2-40B4-BE49-F238E27FC236}">
-                <a16:creationId xmlns:a16="http://schemas.microsoft.com/office/drawing/2014/main" id="{63C969F2-E662-4387-9398-8F737FBBA141}"/>
+                <a16:creationId xmlns:a16="http://schemas.microsoft.com/office/drawing/2014/main" id="{260677BE-D48B-4D19-83F7-50B1F04B530D}"/>
               </a:ext>
             </a:extLst>
           </p:cNvPr>
@@ -978,7 +1010,7 @@
           <p:cNvPr id="3" name="Vertical Text Placeholder 2">
             <a:extLst>
               <a:ext uri="{FF2B5EF4-FFF2-40B4-BE49-F238E27FC236}">
-                <a16:creationId xmlns:a16="http://schemas.microsoft.com/office/drawing/2014/main" id="{2120AC46-8E4E-439A-8B34-836279E5CEF1}"/>
+                <a16:creationId xmlns:a16="http://schemas.microsoft.com/office/drawing/2014/main" id="{023BA911-E361-4E98-88DB-329FBF7E8120}"/>
               </a:ext>
             </a:extLst>
           </p:cNvPr>
@@ -1040,7 +1072,7 @@
           <p:cNvPr id="4" name="Date Placeholder 3">
             <a:extLst>
               <a:ext uri="{FF2B5EF4-FFF2-40B4-BE49-F238E27FC236}">
-                <a16:creationId xmlns:a16="http://schemas.microsoft.com/office/drawing/2014/main" id="{E993E5CA-3CEC-40D6-AA29-970189E5C35C}"/>
+                <a16:creationId xmlns:a16="http://schemas.microsoft.com/office/drawing/2014/main" id="{1D1507E5-1825-4681-93DA-63ED912FBCA8}"/>
               </a:ext>
             </a:extLst>
           </p:cNvPr>
@@ -1058,7 +1090,7 @@
           <a:p>
             <a:fld id="{F42C0E84-49D0-4011-ABBF-FFA0D6732281}" type="datetimeFigureOut">
               <a:rPr lang="en-US" smtClean="0"/>
-              <a:t>4/17/2022</a:t>
+              <a:t>4/22/2022</a:t>
             </a:fld>
             <a:endParaRPr lang="en-US"/>
           </a:p>
@@ -1069,7 +1101,7 @@
           <p:cNvPr id="5" name="Footer Placeholder 4">
             <a:extLst>
               <a:ext uri="{FF2B5EF4-FFF2-40B4-BE49-F238E27FC236}">
-                <a16:creationId xmlns:a16="http://schemas.microsoft.com/office/drawing/2014/main" id="{62179A0E-5F41-41EA-8296-911C50FFE246}"/>
+                <a16:creationId xmlns:a16="http://schemas.microsoft.com/office/drawing/2014/main" id="{61A0EBBE-5543-492B-9735-1B469EAAD520}"/>
               </a:ext>
             </a:extLst>
           </p:cNvPr>
@@ -1094,7 +1126,7 @@
           <p:cNvPr id="6" name="Slide Number Placeholder 5">
             <a:extLst>
               <a:ext uri="{FF2B5EF4-FFF2-40B4-BE49-F238E27FC236}">
-                <a16:creationId xmlns:a16="http://schemas.microsoft.com/office/drawing/2014/main" id="{6F18009E-B47B-4F2D-BE96-AA1DBD75CA8E}"/>
+                <a16:creationId xmlns:a16="http://schemas.microsoft.com/office/drawing/2014/main" id="{4A01AA0B-3083-48B3-BE50-8BBC587A8C42}"/>
               </a:ext>
             </a:extLst>
           </p:cNvPr>
@@ -1121,7 +1153,7 @@
     </p:spTree>
     <p:extLst>
       <p:ext uri="{BB962C8B-B14F-4D97-AF65-F5344CB8AC3E}">
-        <p14:creationId xmlns:p14="http://schemas.microsoft.com/office/powerpoint/2010/main" val="2301315953"/>
+        <p14:creationId xmlns:p14="http://schemas.microsoft.com/office/powerpoint/2010/main" val="3801930564"/>
       </p:ext>
     </p:extLst>
   </p:cSld>
@@ -1153,7 +1185,7 @@
           <p:cNvPr id="2" name="Title 1">
             <a:extLst>
               <a:ext uri="{FF2B5EF4-FFF2-40B4-BE49-F238E27FC236}">
-                <a16:creationId xmlns:a16="http://schemas.microsoft.com/office/drawing/2014/main" id="{6FA63E44-A732-40F3-9B8A-5A53D9760005}"/>
+                <a16:creationId xmlns:a16="http://schemas.microsoft.com/office/drawing/2014/main" id="{10ACA3A7-1355-4DB6-97BF-3AFBB5C785A7}"/>
               </a:ext>
             </a:extLst>
           </p:cNvPr>
@@ -1181,7 +1213,7 @@
           <p:cNvPr id="3" name="Content Placeholder 2">
             <a:extLst>
               <a:ext uri="{FF2B5EF4-FFF2-40B4-BE49-F238E27FC236}">
-                <a16:creationId xmlns:a16="http://schemas.microsoft.com/office/drawing/2014/main" id="{8865F470-C109-41F5-B1EE-43752B689574}"/>
+                <a16:creationId xmlns:a16="http://schemas.microsoft.com/office/drawing/2014/main" id="{5E416CD1-0739-4DDA-8361-CF610C858ECA}"/>
               </a:ext>
             </a:extLst>
           </p:cNvPr>
@@ -1238,7 +1270,7 @@
           <p:cNvPr id="4" name="Date Placeholder 3">
             <a:extLst>
               <a:ext uri="{FF2B5EF4-FFF2-40B4-BE49-F238E27FC236}">
-                <a16:creationId xmlns:a16="http://schemas.microsoft.com/office/drawing/2014/main" id="{2D19E814-416F-45B8-BB04-B582E325772A}"/>
+                <a16:creationId xmlns:a16="http://schemas.microsoft.com/office/drawing/2014/main" id="{E15B84CD-72F6-46BF-9025-60713B142933}"/>
               </a:ext>
             </a:extLst>
           </p:cNvPr>
@@ -1256,7 +1288,7 @@
           <a:p>
             <a:fld id="{F42C0E84-49D0-4011-ABBF-FFA0D6732281}" type="datetimeFigureOut">
               <a:rPr lang="en-US" smtClean="0"/>
-              <a:t>4/17/2022</a:t>
+              <a:t>4/22/2022</a:t>
             </a:fld>
             <a:endParaRPr lang="en-US"/>
           </a:p>
@@ -1267,7 +1299,7 @@
           <p:cNvPr id="5" name="Footer Placeholder 4">
             <a:extLst>
               <a:ext uri="{FF2B5EF4-FFF2-40B4-BE49-F238E27FC236}">
-                <a16:creationId xmlns:a16="http://schemas.microsoft.com/office/drawing/2014/main" id="{0C88C5F2-AE2B-4E47-8136-0353536F105A}"/>
+                <a16:creationId xmlns:a16="http://schemas.microsoft.com/office/drawing/2014/main" id="{D7467DB3-AD55-4F49-ABB5-319BD43CC003}"/>
               </a:ext>
             </a:extLst>
           </p:cNvPr>
@@ -1292,7 +1324,7 @@
           <p:cNvPr id="6" name="Slide Number Placeholder 5">
             <a:extLst>
               <a:ext uri="{FF2B5EF4-FFF2-40B4-BE49-F238E27FC236}">
-                <a16:creationId xmlns:a16="http://schemas.microsoft.com/office/drawing/2014/main" id="{C72E2CBA-2995-4B21-BB50-5F09D0BDC367}"/>
+                <a16:creationId xmlns:a16="http://schemas.microsoft.com/office/drawing/2014/main" id="{611A6D78-9065-4F27-9916-711E4A99A0C1}"/>
               </a:ext>
             </a:extLst>
           </p:cNvPr>
@@ -1319,7 +1351,7 @@
     </p:spTree>
     <p:extLst>
       <p:ext uri="{BB962C8B-B14F-4D97-AF65-F5344CB8AC3E}">
-        <p14:creationId xmlns:p14="http://schemas.microsoft.com/office/powerpoint/2010/main" val="2853387748"/>
+        <p14:creationId xmlns:p14="http://schemas.microsoft.com/office/powerpoint/2010/main" val="986503990"/>
       </p:ext>
     </p:extLst>
   </p:cSld>
@@ -1351,7 +1383,7 @@
           <p:cNvPr id="2" name="Title 1">
             <a:extLst>
               <a:ext uri="{FF2B5EF4-FFF2-40B4-BE49-F238E27FC236}">
-                <a16:creationId xmlns:a16="http://schemas.microsoft.com/office/drawing/2014/main" id="{20876CF8-53F5-4864-B486-EACBC83E3E18}"/>
+                <a16:creationId xmlns:a16="http://schemas.microsoft.com/office/drawing/2014/main" id="{0109316E-C002-47BD-8716-3E43F849B208}"/>
               </a:ext>
             </a:extLst>
           </p:cNvPr>
@@ -1388,7 +1420,7 @@
           <p:cNvPr id="3" name="Text Placeholder 2">
             <a:extLst>
               <a:ext uri="{FF2B5EF4-FFF2-40B4-BE49-F238E27FC236}">
-                <a16:creationId xmlns:a16="http://schemas.microsoft.com/office/drawing/2014/main" id="{EAC967E1-75A3-4665-A85F-0B0FE7A3F6BB}"/>
+                <a16:creationId xmlns:a16="http://schemas.microsoft.com/office/drawing/2014/main" id="{C01D3F5E-D69B-4925-A6DA-D8EFA8D7ACCF}"/>
               </a:ext>
             </a:extLst>
           </p:cNvPr>
@@ -1513,7 +1545,7 @@
           <p:cNvPr id="4" name="Date Placeholder 3">
             <a:extLst>
               <a:ext uri="{FF2B5EF4-FFF2-40B4-BE49-F238E27FC236}">
-                <a16:creationId xmlns:a16="http://schemas.microsoft.com/office/drawing/2014/main" id="{3E017F03-1A19-4734-A61B-B4752A590281}"/>
+                <a16:creationId xmlns:a16="http://schemas.microsoft.com/office/drawing/2014/main" id="{701582AE-FF5C-4249-B681-1D167866359C}"/>
               </a:ext>
             </a:extLst>
           </p:cNvPr>
@@ -1531,7 +1563,7 @@
           <a:p>
             <a:fld id="{F42C0E84-49D0-4011-ABBF-FFA0D6732281}" type="datetimeFigureOut">
               <a:rPr lang="en-US" smtClean="0"/>
-              <a:t>4/17/2022</a:t>
+              <a:t>4/22/2022</a:t>
             </a:fld>
             <a:endParaRPr lang="en-US"/>
           </a:p>
@@ -1542,7 +1574,7 @@
           <p:cNvPr id="5" name="Footer Placeholder 4">
             <a:extLst>
               <a:ext uri="{FF2B5EF4-FFF2-40B4-BE49-F238E27FC236}">
-                <a16:creationId xmlns:a16="http://schemas.microsoft.com/office/drawing/2014/main" id="{D7829E13-CA70-488F-B275-6F1187E8FBBB}"/>
+                <a16:creationId xmlns:a16="http://schemas.microsoft.com/office/drawing/2014/main" id="{2D10B58A-303C-4AC7-929C-C34F7D1505A5}"/>
               </a:ext>
             </a:extLst>
           </p:cNvPr>
@@ -1567,7 +1599,7 @@
           <p:cNvPr id="6" name="Slide Number Placeholder 5">
             <a:extLst>
               <a:ext uri="{FF2B5EF4-FFF2-40B4-BE49-F238E27FC236}">
-                <a16:creationId xmlns:a16="http://schemas.microsoft.com/office/drawing/2014/main" id="{2BC2DFDB-898C-4388-B7F5-0994EBE0CF66}"/>
+                <a16:creationId xmlns:a16="http://schemas.microsoft.com/office/drawing/2014/main" id="{743A5AB5-D79F-48BB-B102-2EC297D4E1C4}"/>
               </a:ext>
             </a:extLst>
           </p:cNvPr>
@@ -1594,7 +1626,7 @@
     </p:spTree>
     <p:extLst>
       <p:ext uri="{BB962C8B-B14F-4D97-AF65-F5344CB8AC3E}">
-        <p14:creationId xmlns:p14="http://schemas.microsoft.com/office/powerpoint/2010/main" val="720488750"/>
+        <p14:creationId xmlns:p14="http://schemas.microsoft.com/office/powerpoint/2010/main" val="884738434"/>
       </p:ext>
     </p:extLst>
   </p:cSld>
@@ -1626,7 +1658,7 @@
           <p:cNvPr id="2" name="Title 1">
             <a:extLst>
               <a:ext uri="{FF2B5EF4-FFF2-40B4-BE49-F238E27FC236}">
-                <a16:creationId xmlns:a16="http://schemas.microsoft.com/office/drawing/2014/main" id="{17A89DB2-6A09-4FEF-9263-475B391199BB}"/>
+                <a16:creationId xmlns:a16="http://schemas.microsoft.com/office/drawing/2014/main" id="{FEAF36E0-FA7C-4FFA-AF20-522F2EA1D938}"/>
               </a:ext>
             </a:extLst>
           </p:cNvPr>
@@ -1654,7 +1686,7 @@
           <p:cNvPr id="3" name="Content Placeholder 2">
             <a:extLst>
               <a:ext uri="{FF2B5EF4-FFF2-40B4-BE49-F238E27FC236}">
-                <a16:creationId xmlns:a16="http://schemas.microsoft.com/office/drawing/2014/main" id="{BE3EE884-24BD-4914-873F-C76750DE5E6E}"/>
+                <a16:creationId xmlns:a16="http://schemas.microsoft.com/office/drawing/2014/main" id="{EACC97C8-0C12-4AB5-AC2E-B5A5ED7F2796}"/>
               </a:ext>
             </a:extLst>
           </p:cNvPr>
@@ -1716,7 +1748,7 @@
           <p:cNvPr id="4" name="Content Placeholder 3">
             <a:extLst>
               <a:ext uri="{FF2B5EF4-FFF2-40B4-BE49-F238E27FC236}">
-                <a16:creationId xmlns:a16="http://schemas.microsoft.com/office/drawing/2014/main" id="{EB543E02-09F4-4EEA-A408-BA08A7181C6F}"/>
+                <a16:creationId xmlns:a16="http://schemas.microsoft.com/office/drawing/2014/main" id="{8BBF599C-CDDD-4FB4-AF2F-767989BC2E79}"/>
               </a:ext>
             </a:extLst>
           </p:cNvPr>
@@ -1778,7 +1810,7 @@
           <p:cNvPr id="5" name="Date Placeholder 4">
             <a:extLst>
               <a:ext uri="{FF2B5EF4-FFF2-40B4-BE49-F238E27FC236}">
-                <a16:creationId xmlns:a16="http://schemas.microsoft.com/office/drawing/2014/main" id="{FF27ADA1-E294-4F57-8970-B691316A8A15}"/>
+                <a16:creationId xmlns:a16="http://schemas.microsoft.com/office/drawing/2014/main" id="{EA185781-5206-4593-9E76-81459C7583E7}"/>
               </a:ext>
             </a:extLst>
           </p:cNvPr>
@@ -1796,7 +1828,7 @@
           <a:p>
             <a:fld id="{F42C0E84-49D0-4011-ABBF-FFA0D6732281}" type="datetimeFigureOut">
               <a:rPr lang="en-US" smtClean="0"/>
-              <a:t>4/17/2022</a:t>
+              <a:t>4/22/2022</a:t>
             </a:fld>
             <a:endParaRPr lang="en-US"/>
           </a:p>
@@ -1807,7 +1839,7 @@
           <p:cNvPr id="6" name="Footer Placeholder 5">
             <a:extLst>
               <a:ext uri="{FF2B5EF4-FFF2-40B4-BE49-F238E27FC236}">
-                <a16:creationId xmlns:a16="http://schemas.microsoft.com/office/drawing/2014/main" id="{BB0E1965-8FE3-4CBA-A8AF-80870784C16B}"/>
+                <a16:creationId xmlns:a16="http://schemas.microsoft.com/office/drawing/2014/main" id="{F4947268-1D3D-434D-B152-CBA963DB891A}"/>
               </a:ext>
             </a:extLst>
           </p:cNvPr>
@@ -1832,7 +1864,7 @@
           <p:cNvPr id="7" name="Slide Number Placeholder 6">
             <a:extLst>
               <a:ext uri="{FF2B5EF4-FFF2-40B4-BE49-F238E27FC236}">
-                <a16:creationId xmlns:a16="http://schemas.microsoft.com/office/drawing/2014/main" id="{16940868-09D6-4EC2-A019-0CC88C3EBDC8}"/>
+                <a16:creationId xmlns:a16="http://schemas.microsoft.com/office/drawing/2014/main" id="{FD496E8B-26F6-4E23-8B85-712F6848324D}"/>
               </a:ext>
             </a:extLst>
           </p:cNvPr>
@@ -1859,7 +1891,7 @@
     </p:spTree>
     <p:extLst>
       <p:ext uri="{BB962C8B-B14F-4D97-AF65-F5344CB8AC3E}">
-        <p14:creationId xmlns:p14="http://schemas.microsoft.com/office/powerpoint/2010/main" val="3761290862"/>
+        <p14:creationId xmlns:p14="http://schemas.microsoft.com/office/powerpoint/2010/main" val="3069740919"/>
       </p:ext>
     </p:extLst>
   </p:cSld>
@@ -1891,7 +1923,7 @@
           <p:cNvPr id="2" name="Title 1">
             <a:extLst>
               <a:ext uri="{FF2B5EF4-FFF2-40B4-BE49-F238E27FC236}">
-                <a16:creationId xmlns:a16="http://schemas.microsoft.com/office/drawing/2014/main" id="{164D743E-FADE-4B43-A8F4-213DBC889B26}"/>
+                <a16:creationId xmlns:a16="http://schemas.microsoft.com/office/drawing/2014/main" id="{FB292B87-B163-468B-BB4A-16F73B01CDF5}"/>
               </a:ext>
             </a:extLst>
           </p:cNvPr>
@@ -1924,7 +1956,7 @@
           <p:cNvPr id="3" name="Text Placeholder 2">
             <a:extLst>
               <a:ext uri="{FF2B5EF4-FFF2-40B4-BE49-F238E27FC236}">
-                <a16:creationId xmlns:a16="http://schemas.microsoft.com/office/drawing/2014/main" id="{804F9E9E-2F4A-4D99-B94C-BDE4027EB67D}"/>
+                <a16:creationId xmlns:a16="http://schemas.microsoft.com/office/drawing/2014/main" id="{DFF52B33-498E-47D2-A1CE-5A0D2BEC918C}"/>
               </a:ext>
             </a:extLst>
           </p:cNvPr>
@@ -1995,7 +2027,7 @@
           <p:cNvPr id="4" name="Content Placeholder 3">
             <a:extLst>
               <a:ext uri="{FF2B5EF4-FFF2-40B4-BE49-F238E27FC236}">
-                <a16:creationId xmlns:a16="http://schemas.microsoft.com/office/drawing/2014/main" id="{48C4E962-F9DB-47C2-830B-E529219C5070}"/>
+                <a16:creationId xmlns:a16="http://schemas.microsoft.com/office/drawing/2014/main" id="{93B51448-5B45-4600-B6FE-9826D25753CE}"/>
               </a:ext>
             </a:extLst>
           </p:cNvPr>
@@ -2057,7 +2089,7 @@
           <p:cNvPr id="5" name="Text Placeholder 4">
             <a:extLst>
               <a:ext uri="{FF2B5EF4-FFF2-40B4-BE49-F238E27FC236}">
-                <a16:creationId xmlns:a16="http://schemas.microsoft.com/office/drawing/2014/main" id="{FD46A81F-61B9-4DCC-A53A-77B29843F499}"/>
+                <a16:creationId xmlns:a16="http://schemas.microsoft.com/office/drawing/2014/main" id="{48099A48-D4FB-44B3-8F61-7E3619EA51C8}"/>
               </a:ext>
             </a:extLst>
           </p:cNvPr>
@@ -2128,7 +2160,7 @@
           <p:cNvPr id="6" name="Content Placeholder 5">
             <a:extLst>
               <a:ext uri="{FF2B5EF4-FFF2-40B4-BE49-F238E27FC236}">
-                <a16:creationId xmlns:a16="http://schemas.microsoft.com/office/drawing/2014/main" id="{7D88CDD4-1654-4A1D-8DD1-237F13DC6CF9}"/>
+                <a16:creationId xmlns:a16="http://schemas.microsoft.com/office/drawing/2014/main" id="{E23DC644-B1C4-43F2-90C1-5D399C12410F}"/>
               </a:ext>
             </a:extLst>
           </p:cNvPr>
@@ -2190,7 +2222,7 @@
           <p:cNvPr id="7" name="Date Placeholder 6">
             <a:extLst>
               <a:ext uri="{FF2B5EF4-FFF2-40B4-BE49-F238E27FC236}">
-                <a16:creationId xmlns:a16="http://schemas.microsoft.com/office/drawing/2014/main" id="{614F2DC4-DC79-4D8F-A1BB-28DAA42CA1DA}"/>
+                <a16:creationId xmlns:a16="http://schemas.microsoft.com/office/drawing/2014/main" id="{5E31A321-6FC9-42AE-B8B4-84721470E2A2}"/>
               </a:ext>
             </a:extLst>
           </p:cNvPr>
@@ -2208,7 +2240,7 @@
           <a:p>
             <a:fld id="{F42C0E84-49D0-4011-ABBF-FFA0D6732281}" type="datetimeFigureOut">
               <a:rPr lang="en-US" smtClean="0"/>
-              <a:t>4/17/2022</a:t>
+              <a:t>4/22/2022</a:t>
             </a:fld>
             <a:endParaRPr lang="en-US"/>
           </a:p>
@@ -2219,7 +2251,7 @@
           <p:cNvPr id="8" name="Footer Placeholder 7">
             <a:extLst>
               <a:ext uri="{FF2B5EF4-FFF2-40B4-BE49-F238E27FC236}">
-                <a16:creationId xmlns:a16="http://schemas.microsoft.com/office/drawing/2014/main" id="{51E721B4-D5D7-4888-8C76-E9001B890985}"/>
+                <a16:creationId xmlns:a16="http://schemas.microsoft.com/office/drawing/2014/main" id="{A9A31D4E-0D29-44E7-9816-6DCA632AF01C}"/>
               </a:ext>
             </a:extLst>
           </p:cNvPr>
@@ -2244,7 +2276,7 @@
           <p:cNvPr id="9" name="Slide Number Placeholder 8">
             <a:extLst>
               <a:ext uri="{FF2B5EF4-FFF2-40B4-BE49-F238E27FC236}">
-                <a16:creationId xmlns:a16="http://schemas.microsoft.com/office/drawing/2014/main" id="{C3605D53-956C-4549-8A24-A76B951640FE}"/>
+                <a16:creationId xmlns:a16="http://schemas.microsoft.com/office/drawing/2014/main" id="{7ABE1BAD-4AED-4F79-846D-36B9A12FF559}"/>
               </a:ext>
             </a:extLst>
           </p:cNvPr>
@@ -2271,7 +2303,7 @@
     </p:spTree>
     <p:extLst>
       <p:ext uri="{BB962C8B-B14F-4D97-AF65-F5344CB8AC3E}">
-        <p14:creationId xmlns:p14="http://schemas.microsoft.com/office/powerpoint/2010/main" val="790451685"/>
+        <p14:creationId xmlns:p14="http://schemas.microsoft.com/office/powerpoint/2010/main" val="3138879026"/>
       </p:ext>
     </p:extLst>
   </p:cSld>
@@ -2303,7 +2335,7 @@
           <p:cNvPr id="2" name="Title 1">
             <a:extLst>
               <a:ext uri="{FF2B5EF4-FFF2-40B4-BE49-F238E27FC236}">
-                <a16:creationId xmlns:a16="http://schemas.microsoft.com/office/drawing/2014/main" id="{BEC353E9-192D-4732-A93B-18E8011B1646}"/>
+                <a16:creationId xmlns:a16="http://schemas.microsoft.com/office/drawing/2014/main" id="{7DB110B9-8871-4974-9CF2-5EDF84E67676}"/>
               </a:ext>
             </a:extLst>
           </p:cNvPr>
@@ -2331,7 +2363,7 @@
           <p:cNvPr id="3" name="Date Placeholder 2">
             <a:extLst>
               <a:ext uri="{FF2B5EF4-FFF2-40B4-BE49-F238E27FC236}">
-                <a16:creationId xmlns:a16="http://schemas.microsoft.com/office/drawing/2014/main" id="{7B36328C-FB5D-4703-ACEE-C25E972E87B2}"/>
+                <a16:creationId xmlns:a16="http://schemas.microsoft.com/office/drawing/2014/main" id="{BF2FEAE1-BEEF-4BD6-BC75-B9AB6B721A3A}"/>
               </a:ext>
             </a:extLst>
           </p:cNvPr>
@@ -2349,7 +2381,7 @@
           <a:p>
             <a:fld id="{F42C0E84-49D0-4011-ABBF-FFA0D6732281}" type="datetimeFigureOut">
               <a:rPr lang="en-US" smtClean="0"/>
-              <a:t>4/17/2022</a:t>
+              <a:t>4/22/2022</a:t>
             </a:fld>
             <a:endParaRPr lang="en-US"/>
           </a:p>
@@ -2360,7 +2392,7 @@
           <p:cNvPr id="4" name="Footer Placeholder 3">
             <a:extLst>
               <a:ext uri="{FF2B5EF4-FFF2-40B4-BE49-F238E27FC236}">
-                <a16:creationId xmlns:a16="http://schemas.microsoft.com/office/drawing/2014/main" id="{FB6B82E8-ACFE-4196-B8CA-F4B35603EAB1}"/>
+                <a16:creationId xmlns:a16="http://schemas.microsoft.com/office/drawing/2014/main" id="{F247E86F-D1B5-4784-AB93-4B829C838644}"/>
               </a:ext>
             </a:extLst>
           </p:cNvPr>
@@ -2385,7 +2417,7 @@
           <p:cNvPr id="5" name="Slide Number Placeholder 4">
             <a:extLst>
               <a:ext uri="{FF2B5EF4-FFF2-40B4-BE49-F238E27FC236}">
-                <a16:creationId xmlns:a16="http://schemas.microsoft.com/office/drawing/2014/main" id="{6CD48D1D-4AEA-4B67-B3AC-034FB9190F86}"/>
+                <a16:creationId xmlns:a16="http://schemas.microsoft.com/office/drawing/2014/main" id="{3B62B854-52E2-4A2A-B1A9-17B0A41EC23A}"/>
               </a:ext>
             </a:extLst>
           </p:cNvPr>
@@ -2412,7 +2444,7 @@
     </p:spTree>
     <p:extLst>
       <p:ext uri="{BB962C8B-B14F-4D97-AF65-F5344CB8AC3E}">
-        <p14:creationId xmlns:p14="http://schemas.microsoft.com/office/powerpoint/2010/main" val="1362854473"/>
+        <p14:creationId xmlns:p14="http://schemas.microsoft.com/office/powerpoint/2010/main" val="1089238894"/>
       </p:ext>
     </p:extLst>
   </p:cSld>
@@ -2444,7 +2476,7 @@
           <p:cNvPr id="2" name="Date Placeholder 1">
             <a:extLst>
               <a:ext uri="{FF2B5EF4-FFF2-40B4-BE49-F238E27FC236}">
-                <a16:creationId xmlns:a16="http://schemas.microsoft.com/office/drawing/2014/main" id="{13287F76-6434-4EDF-B9B9-3AFD95099142}"/>
+                <a16:creationId xmlns:a16="http://schemas.microsoft.com/office/drawing/2014/main" id="{D7A99D9D-F77C-4C4E-AAA4-177F2E7765F2}"/>
               </a:ext>
             </a:extLst>
           </p:cNvPr>
@@ -2462,7 +2494,7 @@
           <a:p>
             <a:fld id="{F42C0E84-49D0-4011-ABBF-FFA0D6732281}" type="datetimeFigureOut">
               <a:rPr lang="en-US" smtClean="0"/>
-              <a:t>4/17/2022</a:t>
+              <a:t>4/22/2022</a:t>
             </a:fld>
             <a:endParaRPr lang="en-US"/>
           </a:p>
@@ -2473,7 +2505,7 @@
           <p:cNvPr id="3" name="Footer Placeholder 2">
             <a:extLst>
               <a:ext uri="{FF2B5EF4-FFF2-40B4-BE49-F238E27FC236}">
-                <a16:creationId xmlns:a16="http://schemas.microsoft.com/office/drawing/2014/main" id="{0B9E5C5E-398E-4D59-93F7-4C572F4E3E5D}"/>
+                <a16:creationId xmlns:a16="http://schemas.microsoft.com/office/drawing/2014/main" id="{F256B2CE-20EF-45E7-9245-84686E7EC28F}"/>
               </a:ext>
             </a:extLst>
           </p:cNvPr>
@@ -2498,7 +2530,7 @@
           <p:cNvPr id="4" name="Slide Number Placeholder 3">
             <a:extLst>
               <a:ext uri="{FF2B5EF4-FFF2-40B4-BE49-F238E27FC236}">
-                <a16:creationId xmlns:a16="http://schemas.microsoft.com/office/drawing/2014/main" id="{24DCB8AF-B028-40BF-BEFF-34ED7213D89D}"/>
+                <a16:creationId xmlns:a16="http://schemas.microsoft.com/office/drawing/2014/main" id="{7A25C985-F95A-4E22-B84E-AAFF02AC66BE}"/>
               </a:ext>
             </a:extLst>
           </p:cNvPr>
@@ -2525,7 +2557,7 @@
     </p:spTree>
     <p:extLst>
       <p:ext uri="{BB962C8B-B14F-4D97-AF65-F5344CB8AC3E}">
-        <p14:creationId xmlns:p14="http://schemas.microsoft.com/office/powerpoint/2010/main" val="1703732242"/>
+        <p14:creationId xmlns:p14="http://schemas.microsoft.com/office/powerpoint/2010/main" val="4189760289"/>
       </p:ext>
     </p:extLst>
   </p:cSld>
@@ -2557,7 +2589,7 @@
           <p:cNvPr id="2" name="Title 1">
             <a:extLst>
               <a:ext uri="{FF2B5EF4-FFF2-40B4-BE49-F238E27FC236}">
-                <a16:creationId xmlns:a16="http://schemas.microsoft.com/office/drawing/2014/main" id="{1B80F3F8-AB35-4A1F-8B32-D0C3E4C50EDA}"/>
+                <a16:creationId xmlns:a16="http://schemas.microsoft.com/office/drawing/2014/main" id="{D83796F6-A125-4680-9BFC-63CC34B59B91}"/>
               </a:ext>
             </a:extLst>
           </p:cNvPr>
@@ -2594,7 +2626,7 @@
           <p:cNvPr id="3" name="Content Placeholder 2">
             <a:extLst>
               <a:ext uri="{FF2B5EF4-FFF2-40B4-BE49-F238E27FC236}">
-                <a16:creationId xmlns:a16="http://schemas.microsoft.com/office/drawing/2014/main" id="{58C90B8F-5E91-4904-A97A-802BA15E109F}"/>
+                <a16:creationId xmlns:a16="http://schemas.microsoft.com/office/drawing/2014/main" id="{BA03AB9F-458D-4C22-B24C-2A71ABECCF2E}"/>
               </a:ext>
             </a:extLst>
           </p:cNvPr>
@@ -2684,7 +2716,7 @@
           <p:cNvPr id="4" name="Text Placeholder 3">
             <a:extLst>
               <a:ext uri="{FF2B5EF4-FFF2-40B4-BE49-F238E27FC236}">
-                <a16:creationId xmlns:a16="http://schemas.microsoft.com/office/drawing/2014/main" id="{2AA5ACCD-2A26-4B7C-9DDE-9CEF9C88405B}"/>
+                <a16:creationId xmlns:a16="http://schemas.microsoft.com/office/drawing/2014/main" id="{E97B083C-8614-4394-BDB1-C1F4331B5161}"/>
               </a:ext>
             </a:extLst>
           </p:cNvPr>
@@ -2755,7 +2787,7 @@
           <p:cNvPr id="5" name="Date Placeholder 4">
             <a:extLst>
               <a:ext uri="{FF2B5EF4-FFF2-40B4-BE49-F238E27FC236}">
-                <a16:creationId xmlns:a16="http://schemas.microsoft.com/office/drawing/2014/main" id="{909F3F17-9A05-4636-87DC-ADA4930CCEEA}"/>
+                <a16:creationId xmlns:a16="http://schemas.microsoft.com/office/drawing/2014/main" id="{6565854B-83DD-4413-83BB-79DF6CF0F153}"/>
               </a:ext>
             </a:extLst>
           </p:cNvPr>
@@ -2773,7 +2805,7 @@
           <a:p>
             <a:fld id="{F42C0E84-49D0-4011-ABBF-FFA0D6732281}" type="datetimeFigureOut">
               <a:rPr lang="en-US" smtClean="0"/>
-              <a:t>4/17/2022</a:t>
+              <a:t>4/22/2022</a:t>
             </a:fld>
             <a:endParaRPr lang="en-US"/>
           </a:p>
@@ -2784,7 +2816,7 @@
           <p:cNvPr id="6" name="Footer Placeholder 5">
             <a:extLst>
               <a:ext uri="{FF2B5EF4-FFF2-40B4-BE49-F238E27FC236}">
-                <a16:creationId xmlns:a16="http://schemas.microsoft.com/office/drawing/2014/main" id="{D8554AB8-FBC3-49B9-B63B-62A57934DC45}"/>
+                <a16:creationId xmlns:a16="http://schemas.microsoft.com/office/drawing/2014/main" id="{2EDAE3AD-615D-49E9-8CF8-69F3A55AE9BB}"/>
               </a:ext>
             </a:extLst>
           </p:cNvPr>
@@ -2809,7 +2841,7 @@
           <p:cNvPr id="7" name="Slide Number Placeholder 6">
             <a:extLst>
               <a:ext uri="{FF2B5EF4-FFF2-40B4-BE49-F238E27FC236}">
-                <a16:creationId xmlns:a16="http://schemas.microsoft.com/office/drawing/2014/main" id="{90E5C4E5-17A5-41DB-80B0-18D8F7B74406}"/>
+                <a16:creationId xmlns:a16="http://schemas.microsoft.com/office/drawing/2014/main" id="{771292AB-B584-44E6-AB16-3397A6E28742}"/>
               </a:ext>
             </a:extLst>
           </p:cNvPr>
@@ -2836,7 +2868,7 @@
     </p:spTree>
     <p:extLst>
       <p:ext uri="{BB962C8B-B14F-4D97-AF65-F5344CB8AC3E}">
-        <p14:creationId xmlns:p14="http://schemas.microsoft.com/office/powerpoint/2010/main" val="2901614780"/>
+        <p14:creationId xmlns:p14="http://schemas.microsoft.com/office/powerpoint/2010/main" val="2571529782"/>
       </p:ext>
     </p:extLst>
   </p:cSld>
@@ -2868,7 +2900,7 @@
           <p:cNvPr id="2" name="Title 1">
             <a:extLst>
               <a:ext uri="{FF2B5EF4-FFF2-40B4-BE49-F238E27FC236}">
-                <a16:creationId xmlns:a16="http://schemas.microsoft.com/office/drawing/2014/main" id="{EAAD2749-C228-450E-8D71-B7F1B9FA2584}"/>
+                <a16:creationId xmlns:a16="http://schemas.microsoft.com/office/drawing/2014/main" id="{5913C45C-C2DA-41E4-AC93-E1E93D3CBD92}"/>
               </a:ext>
             </a:extLst>
           </p:cNvPr>
@@ -2905,7 +2937,7 @@
           <p:cNvPr id="3" name="Picture Placeholder 2">
             <a:extLst>
               <a:ext uri="{FF2B5EF4-FFF2-40B4-BE49-F238E27FC236}">
-                <a16:creationId xmlns:a16="http://schemas.microsoft.com/office/drawing/2014/main" id="{B8E9EF62-8DC1-430B-819C-FD1C8AB581E0}"/>
+                <a16:creationId xmlns:a16="http://schemas.microsoft.com/office/drawing/2014/main" id="{41F9DDB2-9D92-4456-9043-8991D72331AA}"/>
               </a:ext>
             </a:extLst>
           </p:cNvPr>
@@ -2972,7 +3004,7 @@
           <p:cNvPr id="4" name="Text Placeholder 3">
             <a:extLst>
               <a:ext uri="{FF2B5EF4-FFF2-40B4-BE49-F238E27FC236}">
-                <a16:creationId xmlns:a16="http://schemas.microsoft.com/office/drawing/2014/main" id="{6A9DDE91-8E4E-48B2-BB11-6789CBFAB2C7}"/>
+                <a16:creationId xmlns:a16="http://schemas.microsoft.com/office/drawing/2014/main" id="{AA47CAB0-E399-4191-8722-F133D89456D4}"/>
               </a:ext>
             </a:extLst>
           </p:cNvPr>
@@ -3043,7 +3075,7 @@
           <p:cNvPr id="5" name="Date Placeholder 4">
             <a:extLst>
               <a:ext uri="{FF2B5EF4-FFF2-40B4-BE49-F238E27FC236}">
-                <a16:creationId xmlns:a16="http://schemas.microsoft.com/office/drawing/2014/main" id="{61D8A490-F38E-4EC0-8203-0AD98BBD867B}"/>
+                <a16:creationId xmlns:a16="http://schemas.microsoft.com/office/drawing/2014/main" id="{5D1B812C-261D-4186-9B26-4CB3C0DC16BD}"/>
               </a:ext>
             </a:extLst>
           </p:cNvPr>
@@ -3061,7 +3093,7 @@
           <a:p>
             <a:fld id="{F42C0E84-49D0-4011-ABBF-FFA0D6732281}" type="datetimeFigureOut">
               <a:rPr lang="en-US" smtClean="0"/>
-              <a:t>4/17/2022</a:t>
+              <a:t>4/22/2022</a:t>
             </a:fld>
             <a:endParaRPr lang="en-US"/>
           </a:p>
@@ -3072,7 +3104,7 @@
           <p:cNvPr id="6" name="Footer Placeholder 5">
             <a:extLst>
               <a:ext uri="{FF2B5EF4-FFF2-40B4-BE49-F238E27FC236}">
-                <a16:creationId xmlns:a16="http://schemas.microsoft.com/office/drawing/2014/main" id="{2638F361-6B86-49DD-9494-A1B82C38B0BB}"/>
+                <a16:creationId xmlns:a16="http://schemas.microsoft.com/office/drawing/2014/main" id="{6591F804-CEE8-431F-947B-618F0DBA2B4E}"/>
               </a:ext>
             </a:extLst>
           </p:cNvPr>
@@ -3097,7 +3129,7 @@
           <p:cNvPr id="7" name="Slide Number Placeholder 6">
             <a:extLst>
               <a:ext uri="{FF2B5EF4-FFF2-40B4-BE49-F238E27FC236}">
-                <a16:creationId xmlns:a16="http://schemas.microsoft.com/office/drawing/2014/main" id="{A097C4ED-97B7-4C35-AE1F-1F95AB9B29C9}"/>
+                <a16:creationId xmlns:a16="http://schemas.microsoft.com/office/drawing/2014/main" id="{7EE9184D-9774-4C55-976C-6E9C7EB13CB9}"/>
               </a:ext>
             </a:extLst>
           </p:cNvPr>
@@ -3124,7 +3156,7 @@
     </p:spTree>
     <p:extLst>
       <p:ext uri="{BB962C8B-B14F-4D97-AF65-F5344CB8AC3E}">
-        <p14:creationId xmlns:p14="http://schemas.microsoft.com/office/powerpoint/2010/main" val="1894406332"/>
+        <p14:creationId xmlns:p14="http://schemas.microsoft.com/office/powerpoint/2010/main" val="4141106215"/>
       </p:ext>
     </p:extLst>
   </p:cSld>
@@ -3161,7 +3193,7 @@
           <p:cNvPr id="2" name="Title Placeholder 1">
             <a:extLst>
               <a:ext uri="{FF2B5EF4-FFF2-40B4-BE49-F238E27FC236}">
-                <a16:creationId xmlns:a16="http://schemas.microsoft.com/office/drawing/2014/main" id="{6EC735BD-7361-4E54-88C9-CCAEA34122D2}"/>
+                <a16:creationId xmlns:a16="http://schemas.microsoft.com/office/drawing/2014/main" id="{236C1FB3-7FB2-4036-A2BB-A70C0ED3C988}"/>
               </a:ext>
             </a:extLst>
           </p:cNvPr>
@@ -3199,7 +3231,7 @@
           <p:cNvPr id="3" name="Text Placeholder 2">
             <a:extLst>
               <a:ext uri="{FF2B5EF4-FFF2-40B4-BE49-F238E27FC236}">
-                <a16:creationId xmlns:a16="http://schemas.microsoft.com/office/drawing/2014/main" id="{1CCF73C5-D9F4-4789-8443-4232C8E1D8DC}"/>
+                <a16:creationId xmlns:a16="http://schemas.microsoft.com/office/drawing/2014/main" id="{209B3588-8081-449D-9770-8A699D8FEDA9}"/>
               </a:ext>
             </a:extLst>
           </p:cNvPr>
@@ -3266,7 +3298,7 @@
           <p:cNvPr id="4" name="Date Placeholder 3">
             <a:extLst>
               <a:ext uri="{FF2B5EF4-FFF2-40B4-BE49-F238E27FC236}">
-                <a16:creationId xmlns:a16="http://schemas.microsoft.com/office/drawing/2014/main" id="{1C6AB6E2-2DB9-4E81-875C-107B1D18FDDF}"/>
+                <a16:creationId xmlns:a16="http://schemas.microsoft.com/office/drawing/2014/main" id="{4CD6834F-A167-4C30-9AA2-F917C58519A1}"/>
               </a:ext>
             </a:extLst>
           </p:cNvPr>
@@ -3302,7 +3334,7 @@
           <a:p>
             <a:fld id="{F42C0E84-49D0-4011-ABBF-FFA0D6732281}" type="datetimeFigureOut">
               <a:rPr lang="en-US" smtClean="0"/>
-              <a:t>4/17/2022</a:t>
+              <a:t>4/22/2022</a:t>
             </a:fld>
             <a:endParaRPr lang="en-US"/>
           </a:p>
@@ -3313,7 +3345,7 @@
           <p:cNvPr id="5" name="Footer Placeholder 4">
             <a:extLst>
               <a:ext uri="{FF2B5EF4-FFF2-40B4-BE49-F238E27FC236}">
-                <a16:creationId xmlns:a16="http://schemas.microsoft.com/office/drawing/2014/main" id="{069CDA68-2745-418C-A721-572E491BDB5C}"/>
+                <a16:creationId xmlns:a16="http://schemas.microsoft.com/office/drawing/2014/main" id="{611E2015-7877-4AEA-8794-69F37399B266}"/>
               </a:ext>
             </a:extLst>
           </p:cNvPr>
@@ -3356,7 +3388,7 @@
           <p:cNvPr id="6" name="Slide Number Placeholder 5">
             <a:extLst>
               <a:ext uri="{FF2B5EF4-FFF2-40B4-BE49-F238E27FC236}">
-                <a16:creationId xmlns:a16="http://schemas.microsoft.com/office/drawing/2014/main" id="{99D851A8-B1B5-4B01-B86B-0E6F9B770CC9}"/>
+                <a16:creationId xmlns:a16="http://schemas.microsoft.com/office/drawing/2014/main" id="{DCF6FCB4-A900-4B04-9253-1536F85B3268}"/>
               </a:ext>
             </a:extLst>
           </p:cNvPr>
@@ -3401,23 +3433,23 @@
     </p:spTree>
     <p:extLst>
       <p:ext uri="{BB962C8B-B14F-4D97-AF65-F5344CB8AC3E}">
-        <p14:creationId xmlns:p14="http://schemas.microsoft.com/office/powerpoint/2010/main" val="3920348493"/>
+        <p14:creationId xmlns:p14="http://schemas.microsoft.com/office/powerpoint/2010/main" val="1461762329"/>
       </p:ext>
     </p:extLst>
   </p:cSld>
   <p:clrMap bg1="lt1" tx1="dk1" bg2="lt2" tx2="dk2" accent1="accent1" accent2="accent2" accent3="accent3" accent4="accent4" accent5="accent5" accent6="accent6" hlink="hlink" folHlink="folHlink"/>
   <p:sldLayoutIdLst>
-    <p:sldLayoutId id="2147483649" r:id="rId1"/>
-    <p:sldLayoutId id="2147483650" r:id="rId2"/>
-    <p:sldLayoutId id="2147483651" r:id="rId3"/>
-    <p:sldLayoutId id="2147483652" r:id="rId4"/>
-    <p:sldLayoutId id="2147483653" r:id="rId5"/>
-    <p:sldLayoutId id="2147483654" r:id="rId6"/>
-    <p:sldLayoutId id="2147483655" r:id="rId7"/>
-    <p:sldLayoutId id="2147483656" r:id="rId8"/>
-    <p:sldLayoutId id="2147483657" r:id="rId9"/>
-    <p:sldLayoutId id="2147483658" r:id="rId10"/>
-    <p:sldLayoutId id="2147483659" r:id="rId11"/>
+    <p:sldLayoutId id="2147483753" r:id="rId1"/>
+    <p:sldLayoutId id="2147483754" r:id="rId2"/>
+    <p:sldLayoutId id="2147483755" r:id="rId3"/>
+    <p:sldLayoutId id="2147483756" r:id="rId4"/>
+    <p:sldLayoutId id="2147483757" r:id="rId5"/>
+    <p:sldLayoutId id="2147483758" r:id="rId6"/>
+    <p:sldLayoutId id="2147483759" r:id="rId7"/>
+    <p:sldLayoutId id="2147483760" r:id="rId8"/>
+    <p:sldLayoutId id="2147483761" r:id="rId9"/>
+    <p:sldLayoutId id="2147483762" r:id="rId10"/>
+    <p:sldLayoutId id="2147483763" r:id="rId11"/>
   </p:sldLayoutIdLst>
   <p:txStyles>
     <p:titleStyle>
@@ -5941,6 +5973,250 @@
 </p:sld>
 </file>
 
+<file path=ppt/slides/slide18.xml><?xml version="1.0" encoding="utf-8"?>
+<p:sld xmlns:a="http://schemas.openxmlformats.org/drawingml/2006/main" xmlns:r="http://schemas.openxmlformats.org/officeDocument/2006/relationships" xmlns:p="http://schemas.openxmlformats.org/presentationml/2006/main">
+  <p:cSld>
+    <p:spTree>
+      <p:nvGrpSpPr>
+        <p:cNvPr id="1" name=""/>
+        <p:cNvGrpSpPr/>
+        <p:nvPr/>
+      </p:nvGrpSpPr>
+      <p:grpSpPr>
+        <a:xfrm>
+          <a:off x="0" y="0"/>
+          <a:ext cx="0" cy="0"/>
+          <a:chOff x="0" y="0"/>
+          <a:chExt cx="0" cy="0"/>
+        </a:xfrm>
+      </p:grpSpPr>
+      <p:sp>
+        <p:nvSpPr>
+          <p:cNvPr id="2" name="Title 1">
+            <a:extLst>
+              <a:ext uri="{FF2B5EF4-FFF2-40B4-BE49-F238E27FC236}">
+                <a16:creationId xmlns:a16="http://schemas.microsoft.com/office/drawing/2014/main" id="{6092AF6E-3839-4FF6-98AE-78320859EF51}"/>
+              </a:ext>
+            </a:extLst>
+          </p:cNvPr>
+          <p:cNvSpPr>
+            <a:spLocks noGrp="1"/>
+          </p:cNvSpPr>
+          <p:nvPr>
+            <p:ph type="title"/>
+          </p:nvPr>
+        </p:nvSpPr>
+        <p:spPr/>
+        <p:txBody>
+          <a:bodyPr/>
+          <a:lstStyle/>
+          <a:p>
+            <a:r>
+              <a:rPr lang="en-US" b="1" dirty="0">
+                <a:latin typeface="Manrope" pitchFamily="2" charset="0"/>
+              </a:rPr>
+              <a:t>Day 2</a:t>
+            </a:r>
+          </a:p>
+        </p:txBody>
+      </p:sp>
+      <p:sp>
+        <p:nvSpPr>
+          <p:cNvPr id="3" name="Content Placeholder 2">
+            <a:extLst>
+              <a:ext uri="{FF2B5EF4-FFF2-40B4-BE49-F238E27FC236}">
+                <a16:creationId xmlns:a16="http://schemas.microsoft.com/office/drawing/2014/main" id="{3516D0C5-50A3-406C-A0B2-1189F966299A}"/>
+              </a:ext>
+            </a:extLst>
+          </p:cNvPr>
+          <p:cNvSpPr>
+            <a:spLocks noGrp="1"/>
+          </p:cNvSpPr>
+          <p:nvPr>
+            <p:ph idx="1"/>
+          </p:nvPr>
+        </p:nvSpPr>
+        <p:spPr/>
+        <p:txBody>
+          <a:bodyPr/>
+          <a:lstStyle/>
+          <a:p>
+            <a:r>
+              <a:rPr lang="en-US" dirty="0">
+                <a:latin typeface="Segoe UI" panose="020B0502040204020203" pitchFamily="34" charset="0"/>
+                <a:cs typeface="Segoe UI" panose="020B0502040204020203" pitchFamily="34" charset="0"/>
+              </a:rPr>
+              <a:t>Introduction to JavaScript</a:t>
+            </a:r>
+          </a:p>
+        </p:txBody>
+      </p:sp>
+    </p:spTree>
+    <p:extLst>
+      <p:ext uri="{BB962C8B-B14F-4D97-AF65-F5344CB8AC3E}">
+        <p14:creationId xmlns:p14="http://schemas.microsoft.com/office/powerpoint/2010/main" val="3756357480"/>
+      </p:ext>
+    </p:extLst>
+  </p:cSld>
+  <p:clrMapOvr>
+    <a:masterClrMapping/>
+  </p:clrMapOvr>
+</p:sld>
+</file>
+
+<file path=ppt/slides/slide19.xml><?xml version="1.0" encoding="utf-8"?>
+<p:sld xmlns:a="http://schemas.openxmlformats.org/drawingml/2006/main" xmlns:r="http://schemas.openxmlformats.org/officeDocument/2006/relationships" xmlns:p="http://schemas.openxmlformats.org/presentationml/2006/main">
+  <p:cSld>
+    <p:spTree>
+      <p:nvGrpSpPr>
+        <p:cNvPr id="1" name=""/>
+        <p:cNvGrpSpPr/>
+        <p:nvPr/>
+      </p:nvGrpSpPr>
+      <p:grpSpPr>
+        <a:xfrm>
+          <a:off x="0" y="0"/>
+          <a:ext cx="0" cy="0"/>
+          <a:chOff x="0" y="0"/>
+          <a:chExt cx="0" cy="0"/>
+        </a:xfrm>
+      </p:grpSpPr>
+      <p:sp>
+        <p:nvSpPr>
+          <p:cNvPr id="2" name="Title 1">
+            <a:extLst>
+              <a:ext uri="{FF2B5EF4-FFF2-40B4-BE49-F238E27FC236}">
+                <a16:creationId xmlns:a16="http://schemas.microsoft.com/office/drawing/2014/main" id="{49EB81B7-AAFC-4999-8140-FF71E4BF48DE}"/>
+              </a:ext>
+            </a:extLst>
+          </p:cNvPr>
+          <p:cNvSpPr>
+            <a:spLocks noGrp="1"/>
+          </p:cNvSpPr>
+          <p:nvPr>
+            <p:ph type="title"/>
+          </p:nvPr>
+        </p:nvSpPr>
+        <p:spPr/>
+        <p:txBody>
+          <a:bodyPr/>
+          <a:lstStyle/>
+          <a:p>
+            <a:r>
+              <a:rPr lang="en-US" b="1" dirty="0">
+                <a:latin typeface="Manrope" pitchFamily="2" charset="0"/>
+              </a:rPr>
+              <a:t>JavaScript</a:t>
+            </a:r>
+          </a:p>
+        </p:txBody>
+      </p:sp>
+      <p:sp>
+        <p:nvSpPr>
+          <p:cNvPr id="3" name="Content Placeholder 2">
+            <a:extLst>
+              <a:ext uri="{FF2B5EF4-FFF2-40B4-BE49-F238E27FC236}">
+                <a16:creationId xmlns:a16="http://schemas.microsoft.com/office/drawing/2014/main" id="{AC7C5C76-7ABA-44E4-85FE-9DF2249771EA}"/>
+              </a:ext>
+            </a:extLst>
+          </p:cNvPr>
+          <p:cNvSpPr>
+            <a:spLocks noGrp="1"/>
+          </p:cNvSpPr>
+          <p:nvPr>
+            <p:ph idx="1"/>
+          </p:nvPr>
+        </p:nvSpPr>
+        <p:spPr/>
+        <p:txBody>
+          <a:bodyPr>
+            <a:normAutofit/>
+          </a:bodyPr>
+          <a:lstStyle/>
+          <a:p>
+            <a:r>
+              <a:rPr lang="en-US" sz="2400" dirty="0">
+                <a:latin typeface="Segoe UI" panose="020B0502040204020203" pitchFamily="34" charset="0"/>
+                <a:cs typeface="Segoe UI" panose="020B0502040204020203" pitchFamily="34" charset="0"/>
+              </a:rPr>
+              <a:t>JavaScript is a prototype-based, multi-paradigm, single-threaded, dynamic.</a:t>
+            </a:r>
+          </a:p>
+          <a:p>
+            <a:r>
+              <a:rPr lang="en-US" sz="2400" dirty="0">
+                <a:latin typeface="Segoe UI" panose="020B0502040204020203" pitchFamily="34" charset="0"/>
+                <a:cs typeface="Segoe UI" panose="020B0502040204020203" pitchFamily="34" charset="0"/>
+              </a:rPr>
+              <a:t>JavaScript is designed to make interactive and dynamic website and webapps.</a:t>
+            </a:r>
+          </a:p>
+          <a:p>
+            <a:r>
+              <a:rPr lang="en-US" sz="2400" dirty="0">
+                <a:latin typeface="Segoe UI" panose="020B0502040204020203" pitchFamily="34" charset="0"/>
+                <a:cs typeface="Segoe UI" panose="020B0502040204020203" pitchFamily="34" charset="0"/>
+              </a:rPr>
+              <a:t>JavaScript can run on client side with web browser as well as on server side with NodeJS</a:t>
+            </a:r>
+          </a:p>
+          <a:p>
+            <a:r>
+              <a:rPr lang="en-US" sz="2400" dirty="0">
+                <a:latin typeface="Segoe UI" panose="020B0502040204020203" pitchFamily="34" charset="0"/>
+                <a:cs typeface="Segoe UI" panose="020B0502040204020203" pitchFamily="34" charset="0"/>
+              </a:rPr>
+              <a:t>NodeJS is JavaScript runtime based on chrome’s V8 engine</a:t>
+            </a:r>
+          </a:p>
+          <a:p>
+            <a:r>
+              <a:rPr lang="en-US" sz="2400" dirty="0">
+                <a:latin typeface="Segoe UI" panose="020B0502040204020203" pitchFamily="34" charset="0"/>
+                <a:cs typeface="Segoe UI" panose="020B0502040204020203" pitchFamily="34" charset="0"/>
+              </a:rPr>
+              <a:t>NodeJS can be download from </a:t>
+            </a:r>
+            <a:r>
+              <a:rPr lang="en-US" sz="2400" dirty="0">
+                <a:latin typeface="Segoe UI" panose="020B0502040204020203" pitchFamily="34" charset="0"/>
+                <a:cs typeface="Segoe UI" panose="020B0502040204020203" pitchFamily="34" charset="0"/>
+                <a:hlinkClick r:id="rId2"/>
+              </a:rPr>
+              <a:t>https://nodejs.org/</a:t>
+            </a:r>
+            <a:r>
+              <a:rPr lang="en-US" sz="2400" dirty="0">
+                <a:latin typeface="Segoe UI" panose="020B0502040204020203" pitchFamily="34" charset="0"/>
+                <a:cs typeface="Segoe UI" panose="020B0502040204020203" pitchFamily="34" charset="0"/>
+              </a:rPr>
+              <a:t> or using any package manager</a:t>
+            </a:r>
+          </a:p>
+          <a:p>
+            <a:r>
+              <a:rPr lang="en-US" sz="2400" dirty="0">
+                <a:latin typeface="Segoe UI" panose="020B0502040204020203" pitchFamily="34" charset="0"/>
+                <a:cs typeface="Segoe UI" panose="020B0502040204020203" pitchFamily="34" charset="0"/>
+              </a:rPr>
+              <a:t>JavaScript has noting to do with Java</a:t>
+            </a:r>
+          </a:p>
+        </p:txBody>
+      </p:sp>
+    </p:spTree>
+    <p:extLst>
+      <p:ext uri="{BB962C8B-B14F-4D97-AF65-F5344CB8AC3E}">
+        <p14:creationId xmlns:p14="http://schemas.microsoft.com/office/powerpoint/2010/main" val="634512803"/>
+      </p:ext>
+    </p:extLst>
+  </p:cSld>
+  <p:clrMapOvr>
+    <a:masterClrMapping/>
+  </p:clrMapOvr>
+</p:sld>
+</file>
+
 <file path=ppt/slides/slide2.xml><?xml version="1.0" encoding="utf-8"?>
 <p:sld xmlns:a="http://schemas.openxmlformats.org/drawingml/2006/main" xmlns:r="http://schemas.openxmlformats.org/officeDocument/2006/relationships" xmlns:p="http://schemas.openxmlformats.org/presentationml/2006/main">
   <p:cSld>
@@ -6032,6 +6308,811 @@
     <p:extLst>
       <p:ext uri="{BB962C8B-B14F-4D97-AF65-F5344CB8AC3E}">
         <p14:creationId xmlns:p14="http://schemas.microsoft.com/office/powerpoint/2010/main" val="366820717"/>
+      </p:ext>
+    </p:extLst>
+  </p:cSld>
+  <p:clrMapOvr>
+    <a:masterClrMapping/>
+  </p:clrMapOvr>
+</p:sld>
+</file>
+
+<file path=ppt/slides/slide20.xml><?xml version="1.0" encoding="utf-8"?>
+<p:sld xmlns:a="http://schemas.openxmlformats.org/drawingml/2006/main" xmlns:r="http://schemas.openxmlformats.org/officeDocument/2006/relationships" xmlns:p="http://schemas.openxmlformats.org/presentationml/2006/main">
+  <p:cSld>
+    <p:spTree>
+      <p:nvGrpSpPr>
+        <p:cNvPr id="1" name=""/>
+        <p:cNvGrpSpPr/>
+        <p:nvPr/>
+      </p:nvGrpSpPr>
+      <p:grpSpPr>
+        <a:xfrm>
+          <a:off x="0" y="0"/>
+          <a:ext cx="0" cy="0"/>
+          <a:chOff x="0" y="0"/>
+          <a:chExt cx="0" cy="0"/>
+        </a:xfrm>
+      </p:grpSpPr>
+      <p:sp>
+        <p:nvSpPr>
+          <p:cNvPr id="2" name="Title 1">
+            <a:extLst>
+              <a:ext uri="{FF2B5EF4-FFF2-40B4-BE49-F238E27FC236}">
+                <a16:creationId xmlns:a16="http://schemas.microsoft.com/office/drawing/2014/main" id="{1BC1F221-F741-484F-A858-F467D527C1E4}"/>
+              </a:ext>
+            </a:extLst>
+          </p:cNvPr>
+          <p:cNvSpPr>
+            <a:spLocks noGrp="1"/>
+          </p:cNvSpPr>
+          <p:nvPr>
+            <p:ph type="title"/>
+          </p:nvPr>
+        </p:nvSpPr>
+        <p:spPr/>
+        <p:txBody>
+          <a:bodyPr/>
+          <a:lstStyle/>
+          <a:p>
+            <a:r>
+              <a:rPr lang="en-US" b="1" dirty="0">
+                <a:latin typeface="Manrope" pitchFamily="2" charset="0"/>
+              </a:rPr>
+              <a:t>Important Concept</a:t>
+            </a:r>
+          </a:p>
+        </p:txBody>
+      </p:sp>
+      <p:sp>
+        <p:nvSpPr>
+          <p:cNvPr id="3" name="Content Placeholder 2">
+            <a:extLst>
+              <a:ext uri="{FF2B5EF4-FFF2-40B4-BE49-F238E27FC236}">
+                <a16:creationId xmlns:a16="http://schemas.microsoft.com/office/drawing/2014/main" id="{F9D7BF44-9F61-4B68-A21E-71A655E81144}"/>
+              </a:ext>
+            </a:extLst>
+          </p:cNvPr>
+          <p:cNvSpPr>
+            <a:spLocks noGrp="1"/>
+          </p:cNvSpPr>
+          <p:nvPr>
+            <p:ph idx="1"/>
+          </p:nvPr>
+        </p:nvSpPr>
+        <p:spPr/>
+        <p:txBody>
+          <a:bodyPr>
+            <a:normAutofit/>
+          </a:bodyPr>
+          <a:lstStyle/>
+          <a:p>
+            <a:r>
+              <a:rPr lang="en-US" sz="2400" dirty="0">
+                <a:latin typeface="Segoe UI" panose="020B0502040204020203" pitchFamily="34" charset="0"/>
+                <a:cs typeface="Segoe UI" panose="020B0502040204020203" pitchFamily="34" charset="0"/>
+              </a:rPr>
+              <a:t>Variables and Data types</a:t>
+            </a:r>
+          </a:p>
+          <a:p>
+            <a:r>
+              <a:rPr lang="en-US" sz="2400" dirty="0">
+                <a:latin typeface="Segoe UI" panose="020B0502040204020203" pitchFamily="34" charset="0"/>
+                <a:cs typeface="Segoe UI" panose="020B0502040204020203" pitchFamily="34" charset="0"/>
+              </a:rPr>
+              <a:t>Object and Array</a:t>
+            </a:r>
+          </a:p>
+          <a:p>
+            <a:r>
+              <a:rPr lang="en-US" sz="2400" dirty="0">
+                <a:latin typeface="Segoe UI" panose="020B0502040204020203" pitchFamily="34" charset="0"/>
+                <a:cs typeface="Segoe UI" panose="020B0502040204020203" pitchFamily="34" charset="0"/>
+              </a:rPr>
+              <a:t>Loops</a:t>
+            </a:r>
+          </a:p>
+          <a:p>
+            <a:r>
+              <a:rPr lang="en-US" sz="2400" dirty="0">
+                <a:latin typeface="Segoe UI" panose="020B0502040204020203" pitchFamily="34" charset="0"/>
+                <a:cs typeface="Segoe UI" panose="020B0502040204020203" pitchFamily="34" charset="0"/>
+              </a:rPr>
+              <a:t>Conditional Statements</a:t>
+            </a:r>
+          </a:p>
+          <a:p>
+            <a:r>
+              <a:rPr lang="en-US" sz="2400" dirty="0">
+                <a:latin typeface="Segoe UI" panose="020B0502040204020203" pitchFamily="34" charset="0"/>
+                <a:cs typeface="Segoe UI" panose="020B0502040204020203" pitchFamily="34" charset="0"/>
+              </a:rPr>
+              <a:t>Functions</a:t>
+            </a:r>
+          </a:p>
+          <a:p>
+            <a:r>
+              <a:rPr lang="en-US" sz="2400" dirty="0">
+                <a:latin typeface="Segoe UI" panose="020B0502040204020203" pitchFamily="34" charset="0"/>
+                <a:cs typeface="Segoe UI" panose="020B0502040204020203" pitchFamily="34" charset="0"/>
+              </a:rPr>
+              <a:t>Asynchronous JavaScript</a:t>
+            </a:r>
+          </a:p>
+          <a:p>
+            <a:endParaRPr lang="en-US" sz="2400" dirty="0">
+              <a:latin typeface="Segoe UI" panose="020B0502040204020203" pitchFamily="34" charset="0"/>
+              <a:cs typeface="Segoe UI" panose="020B0502040204020203" pitchFamily="34" charset="0"/>
+            </a:endParaRPr>
+          </a:p>
+        </p:txBody>
+      </p:sp>
+    </p:spTree>
+    <p:extLst>
+      <p:ext uri="{BB962C8B-B14F-4D97-AF65-F5344CB8AC3E}">
+        <p14:creationId xmlns:p14="http://schemas.microsoft.com/office/powerpoint/2010/main" val="182133588"/>
+      </p:ext>
+    </p:extLst>
+  </p:cSld>
+  <p:clrMapOvr>
+    <a:masterClrMapping/>
+  </p:clrMapOvr>
+</p:sld>
+</file>
+
+<file path=ppt/slides/slide21.xml><?xml version="1.0" encoding="utf-8"?>
+<p:sld xmlns:a="http://schemas.openxmlformats.org/drawingml/2006/main" xmlns:r="http://schemas.openxmlformats.org/officeDocument/2006/relationships" xmlns:p="http://schemas.openxmlformats.org/presentationml/2006/main">
+  <p:cSld>
+    <p:spTree>
+      <p:nvGrpSpPr>
+        <p:cNvPr id="1" name=""/>
+        <p:cNvGrpSpPr/>
+        <p:nvPr/>
+      </p:nvGrpSpPr>
+      <p:grpSpPr>
+        <a:xfrm>
+          <a:off x="0" y="0"/>
+          <a:ext cx="0" cy="0"/>
+          <a:chOff x="0" y="0"/>
+          <a:chExt cx="0" cy="0"/>
+        </a:xfrm>
+      </p:grpSpPr>
+      <p:sp>
+        <p:nvSpPr>
+          <p:cNvPr id="2" name="Title 1">
+            <a:extLst>
+              <a:ext uri="{FF2B5EF4-FFF2-40B4-BE49-F238E27FC236}">
+                <a16:creationId xmlns:a16="http://schemas.microsoft.com/office/drawing/2014/main" id="{00E27680-5231-4755-ADC6-ACC253FF0525}"/>
+              </a:ext>
+            </a:extLst>
+          </p:cNvPr>
+          <p:cNvSpPr>
+            <a:spLocks noGrp="1"/>
+          </p:cNvSpPr>
+          <p:nvPr>
+            <p:ph type="title"/>
+          </p:nvPr>
+        </p:nvSpPr>
+        <p:spPr>
+          <a:xfrm>
+            <a:off x="838200" y="2766218"/>
+            <a:ext cx="10515600" cy="1325563"/>
+          </a:xfrm>
+        </p:spPr>
+        <p:txBody>
+          <a:bodyPr/>
+          <a:lstStyle/>
+          <a:p>
+            <a:pPr algn="ctr"/>
+            <a:r>
+              <a:rPr lang="en-US" b="1" dirty="0">
+                <a:latin typeface="Manrope" pitchFamily="2" charset="0"/>
+              </a:rPr>
+              <a:t>Practical Time !</a:t>
+            </a:r>
+          </a:p>
+        </p:txBody>
+      </p:sp>
+    </p:spTree>
+    <p:extLst>
+      <p:ext uri="{BB962C8B-B14F-4D97-AF65-F5344CB8AC3E}">
+        <p14:creationId xmlns:p14="http://schemas.microsoft.com/office/powerpoint/2010/main" val="603545581"/>
+      </p:ext>
+    </p:extLst>
+  </p:cSld>
+  <p:clrMapOvr>
+    <a:masterClrMapping/>
+  </p:clrMapOvr>
+</p:sld>
+</file>
+
+<file path=ppt/slides/slide22.xml><?xml version="1.0" encoding="utf-8"?>
+<p:sld xmlns:a="http://schemas.openxmlformats.org/drawingml/2006/main" xmlns:r="http://schemas.openxmlformats.org/officeDocument/2006/relationships" xmlns:p="http://schemas.openxmlformats.org/presentationml/2006/main">
+  <p:cSld>
+    <p:spTree>
+      <p:nvGrpSpPr>
+        <p:cNvPr id="1" name=""/>
+        <p:cNvGrpSpPr/>
+        <p:nvPr/>
+      </p:nvGrpSpPr>
+      <p:grpSpPr>
+        <a:xfrm>
+          <a:off x="0" y="0"/>
+          <a:ext cx="0" cy="0"/>
+          <a:chOff x="0" y="0"/>
+          <a:chExt cx="0" cy="0"/>
+        </a:xfrm>
+      </p:grpSpPr>
+      <p:sp>
+        <p:nvSpPr>
+          <p:cNvPr id="2" name="Title 1">
+            <a:extLst>
+              <a:ext uri="{FF2B5EF4-FFF2-40B4-BE49-F238E27FC236}">
+                <a16:creationId xmlns:a16="http://schemas.microsoft.com/office/drawing/2014/main" id="{C67DF5B5-1E01-4305-BE9E-F1C60C2991D5}"/>
+              </a:ext>
+            </a:extLst>
+          </p:cNvPr>
+          <p:cNvSpPr>
+            <a:spLocks noGrp="1"/>
+          </p:cNvSpPr>
+          <p:nvPr>
+            <p:ph type="title"/>
+          </p:nvPr>
+        </p:nvSpPr>
+        <p:spPr/>
+        <p:txBody>
+          <a:bodyPr/>
+          <a:lstStyle/>
+          <a:p>
+            <a:r>
+              <a:rPr lang="en-US" b="1" dirty="0">
+                <a:latin typeface="Manrope" pitchFamily="2" charset="0"/>
+              </a:rPr>
+              <a:t>Some Great Resource</a:t>
+            </a:r>
+          </a:p>
+        </p:txBody>
+      </p:sp>
+      <p:sp>
+        <p:nvSpPr>
+          <p:cNvPr id="3" name="Content Placeholder 2">
+            <a:extLst>
+              <a:ext uri="{FF2B5EF4-FFF2-40B4-BE49-F238E27FC236}">
+                <a16:creationId xmlns:a16="http://schemas.microsoft.com/office/drawing/2014/main" id="{E3E8460A-AE73-47F8-9782-2E2C012E5DAC}"/>
+              </a:ext>
+            </a:extLst>
+          </p:cNvPr>
+          <p:cNvSpPr>
+            <a:spLocks noGrp="1"/>
+          </p:cNvSpPr>
+          <p:nvPr>
+            <p:ph idx="1"/>
+          </p:nvPr>
+        </p:nvSpPr>
+        <p:spPr/>
+        <p:txBody>
+          <a:bodyPr>
+            <a:normAutofit/>
+          </a:bodyPr>
+          <a:lstStyle/>
+          <a:p>
+            <a:r>
+              <a:rPr lang="en-US" sz="2400" dirty="0">
+                <a:latin typeface="Segoe UI" panose="020B0502040204020203" pitchFamily="34" charset="0"/>
+                <a:cs typeface="Segoe UI" panose="020B0502040204020203" pitchFamily="34" charset="0"/>
+                <a:hlinkClick r:id="rId2"/>
+              </a:rPr>
+              <a:t>Mozilla Developer Network</a:t>
+            </a:r>
+            <a:endParaRPr lang="en-US" sz="2400" dirty="0">
+              <a:latin typeface="Segoe UI" panose="020B0502040204020203" pitchFamily="34" charset="0"/>
+              <a:cs typeface="Segoe UI" panose="020B0502040204020203" pitchFamily="34" charset="0"/>
+            </a:endParaRPr>
+          </a:p>
+          <a:p>
+            <a:r>
+              <a:rPr lang="en-US" sz="2400" dirty="0">
+                <a:latin typeface="Segoe UI" panose="020B0502040204020203" pitchFamily="34" charset="0"/>
+                <a:cs typeface="Segoe UI" panose="020B0502040204020203" pitchFamily="34" charset="0"/>
+                <a:hlinkClick r:id="rId3"/>
+              </a:rPr>
+              <a:t>freeCodeCamp - YouTube</a:t>
+            </a:r>
+            <a:endParaRPr lang="en-US" sz="2400" dirty="0">
+              <a:latin typeface="Segoe UI" panose="020B0502040204020203" pitchFamily="34" charset="0"/>
+              <a:cs typeface="Segoe UI" panose="020B0502040204020203" pitchFamily="34" charset="0"/>
+            </a:endParaRPr>
+          </a:p>
+        </p:txBody>
+      </p:sp>
+    </p:spTree>
+    <p:extLst>
+      <p:ext uri="{BB962C8B-B14F-4D97-AF65-F5344CB8AC3E}">
+        <p14:creationId xmlns:p14="http://schemas.microsoft.com/office/powerpoint/2010/main" val="2349371693"/>
+      </p:ext>
+    </p:extLst>
+  </p:cSld>
+  <p:clrMapOvr>
+    <a:masterClrMapping/>
+  </p:clrMapOvr>
+</p:sld>
+</file>
+
+<file path=ppt/slides/slide23.xml><?xml version="1.0" encoding="utf-8"?>
+<p:sld xmlns:a="http://schemas.openxmlformats.org/drawingml/2006/main" xmlns:r="http://schemas.openxmlformats.org/officeDocument/2006/relationships" xmlns:p="http://schemas.openxmlformats.org/presentationml/2006/main">
+  <p:cSld>
+    <p:spTree>
+      <p:nvGrpSpPr>
+        <p:cNvPr id="1" name=""/>
+        <p:cNvGrpSpPr/>
+        <p:nvPr/>
+      </p:nvGrpSpPr>
+      <p:grpSpPr>
+        <a:xfrm>
+          <a:off x="0" y="0"/>
+          <a:ext cx="0" cy="0"/>
+          <a:chOff x="0" y="0"/>
+          <a:chExt cx="0" cy="0"/>
+        </a:xfrm>
+      </p:grpSpPr>
+      <p:sp>
+        <p:nvSpPr>
+          <p:cNvPr id="2" name="Title 1">
+            <a:extLst>
+              <a:ext uri="{FF2B5EF4-FFF2-40B4-BE49-F238E27FC236}">
+                <a16:creationId xmlns:a16="http://schemas.microsoft.com/office/drawing/2014/main" id="{E7C6BD5F-4C39-486E-9B6C-BABB7EE6ED7A}"/>
+              </a:ext>
+            </a:extLst>
+          </p:cNvPr>
+          <p:cNvSpPr>
+            <a:spLocks noGrp="1"/>
+          </p:cNvSpPr>
+          <p:nvPr>
+            <p:ph type="title"/>
+          </p:nvPr>
+        </p:nvSpPr>
+        <p:spPr/>
+        <p:txBody>
+          <a:bodyPr/>
+          <a:lstStyle/>
+          <a:p>
+            <a:r>
+              <a:rPr lang="en-US" b="1" dirty="0">
+                <a:latin typeface="Manrope" pitchFamily="2" charset="0"/>
+              </a:rPr>
+              <a:t>Day 3</a:t>
+            </a:r>
+          </a:p>
+        </p:txBody>
+      </p:sp>
+      <p:sp>
+        <p:nvSpPr>
+          <p:cNvPr id="3" name="Content Placeholder 2">
+            <a:extLst>
+              <a:ext uri="{FF2B5EF4-FFF2-40B4-BE49-F238E27FC236}">
+                <a16:creationId xmlns:a16="http://schemas.microsoft.com/office/drawing/2014/main" id="{F06B73F7-C7F5-44F2-9A5A-744E7A7D7666}"/>
+              </a:ext>
+            </a:extLst>
+          </p:cNvPr>
+          <p:cNvSpPr>
+            <a:spLocks noGrp="1"/>
+          </p:cNvSpPr>
+          <p:nvPr>
+            <p:ph idx="1"/>
+          </p:nvPr>
+        </p:nvSpPr>
+        <p:spPr/>
+        <p:txBody>
+          <a:bodyPr>
+            <a:normAutofit/>
+          </a:bodyPr>
+          <a:lstStyle/>
+          <a:p>
+            <a:r>
+              <a:rPr lang="en-US" sz="2400" dirty="0">
+                <a:latin typeface="Segoe UI" panose="020B0502040204020203" pitchFamily="34" charset="0"/>
+                <a:cs typeface="Segoe UI" panose="020B0502040204020203" pitchFamily="34" charset="0"/>
+              </a:rPr>
+              <a:t>NodeJS, NPM &amp; NPX</a:t>
+            </a:r>
+          </a:p>
+          <a:p>
+            <a:r>
+              <a:rPr lang="en-US" sz="2400" dirty="0">
+                <a:latin typeface="Segoe UI" panose="020B0502040204020203" pitchFamily="34" charset="0"/>
+                <a:cs typeface="Segoe UI" panose="020B0502040204020203" pitchFamily="34" charset="0"/>
+              </a:rPr>
+              <a:t>Intro to React</a:t>
+            </a:r>
+          </a:p>
+          <a:p>
+            <a:r>
+              <a:rPr lang="en-US" sz="2400" dirty="0">
+                <a:latin typeface="Segoe UI" panose="020B0502040204020203" pitchFamily="34" charset="0"/>
+                <a:cs typeface="Segoe UI" panose="020B0502040204020203" pitchFamily="34" charset="0"/>
+              </a:rPr>
+              <a:t>Basics of express</a:t>
+            </a:r>
+          </a:p>
+        </p:txBody>
+      </p:sp>
+    </p:spTree>
+    <p:extLst>
+      <p:ext uri="{BB962C8B-B14F-4D97-AF65-F5344CB8AC3E}">
+        <p14:creationId xmlns:p14="http://schemas.microsoft.com/office/powerpoint/2010/main" val="2281427463"/>
+      </p:ext>
+    </p:extLst>
+  </p:cSld>
+  <p:clrMapOvr>
+    <a:masterClrMapping/>
+  </p:clrMapOvr>
+</p:sld>
+</file>
+
+<file path=ppt/slides/slide24.xml><?xml version="1.0" encoding="utf-8"?>
+<p:sld xmlns:a="http://schemas.openxmlformats.org/drawingml/2006/main" xmlns:r="http://schemas.openxmlformats.org/officeDocument/2006/relationships" xmlns:p="http://schemas.openxmlformats.org/presentationml/2006/main">
+  <p:cSld>
+    <p:spTree>
+      <p:nvGrpSpPr>
+        <p:cNvPr id="1" name=""/>
+        <p:cNvGrpSpPr/>
+        <p:nvPr/>
+      </p:nvGrpSpPr>
+      <p:grpSpPr>
+        <a:xfrm>
+          <a:off x="0" y="0"/>
+          <a:ext cx="0" cy="0"/>
+          <a:chOff x="0" y="0"/>
+          <a:chExt cx="0" cy="0"/>
+        </a:xfrm>
+      </p:grpSpPr>
+      <p:sp>
+        <p:nvSpPr>
+          <p:cNvPr id="2" name="Title 1">
+            <a:extLst>
+              <a:ext uri="{FF2B5EF4-FFF2-40B4-BE49-F238E27FC236}">
+                <a16:creationId xmlns:a16="http://schemas.microsoft.com/office/drawing/2014/main" id="{E4256FA9-F6A5-4EA5-880C-F0F2A29564FE}"/>
+              </a:ext>
+            </a:extLst>
+          </p:cNvPr>
+          <p:cNvSpPr>
+            <a:spLocks noGrp="1"/>
+          </p:cNvSpPr>
+          <p:nvPr>
+            <p:ph type="title"/>
+          </p:nvPr>
+        </p:nvSpPr>
+        <p:spPr/>
+        <p:txBody>
+          <a:bodyPr/>
+          <a:lstStyle/>
+          <a:p>
+            <a:r>
+              <a:rPr lang="en-US" b="1" dirty="0">
+                <a:latin typeface="Manrope" pitchFamily="2" charset="0"/>
+              </a:rPr>
+              <a:t>NodeJS, NPM &amp; NPX</a:t>
+            </a:r>
+          </a:p>
+        </p:txBody>
+      </p:sp>
+      <p:sp>
+        <p:nvSpPr>
+          <p:cNvPr id="3" name="Content Placeholder 2">
+            <a:extLst>
+              <a:ext uri="{FF2B5EF4-FFF2-40B4-BE49-F238E27FC236}">
+                <a16:creationId xmlns:a16="http://schemas.microsoft.com/office/drawing/2014/main" id="{FC5E2F9E-B172-417D-AFE6-A161B5C41E9D}"/>
+              </a:ext>
+            </a:extLst>
+          </p:cNvPr>
+          <p:cNvSpPr>
+            <a:spLocks noGrp="1"/>
+          </p:cNvSpPr>
+          <p:nvPr>
+            <p:ph idx="1"/>
+          </p:nvPr>
+        </p:nvSpPr>
+        <p:spPr/>
+        <p:txBody>
+          <a:bodyPr>
+            <a:normAutofit/>
+          </a:bodyPr>
+          <a:lstStyle/>
+          <a:p>
+            <a:r>
+              <a:rPr lang="en-US" sz="2400" dirty="0">
+                <a:latin typeface="Segoe UI" panose="020B0502040204020203" pitchFamily="34" charset="0"/>
+                <a:cs typeface="Segoe UI" panose="020B0502040204020203" pitchFamily="34" charset="0"/>
+              </a:rPr>
+              <a:t>NodeJS is JavaScript runtime built on top of Chrome’s V8 Engine</a:t>
+            </a:r>
+          </a:p>
+          <a:p>
+            <a:r>
+              <a:rPr lang="en-US" sz="2400" dirty="0">
+                <a:latin typeface="Segoe UI" panose="020B0502040204020203" pitchFamily="34" charset="0"/>
+                <a:cs typeface="Segoe UI" panose="020B0502040204020203" pitchFamily="34" charset="0"/>
+              </a:rPr>
+              <a:t>Contains an interpreter and lots of modules like fs, path, http …</a:t>
+            </a:r>
+          </a:p>
+          <a:p>
+            <a:r>
+              <a:rPr lang="en-US" sz="2400" dirty="0">
+                <a:latin typeface="Segoe UI" panose="020B0502040204020203" pitchFamily="34" charset="0"/>
+                <a:cs typeface="Segoe UI" panose="020B0502040204020203" pitchFamily="34" charset="0"/>
+              </a:rPr>
+              <a:t>NPM is package manager used to manage third party packages written by someone else</a:t>
+            </a:r>
+          </a:p>
+          <a:p>
+            <a:endParaRPr lang="en-US" sz="2400" dirty="0">
+              <a:latin typeface="Segoe UI" panose="020B0502040204020203" pitchFamily="34" charset="0"/>
+              <a:cs typeface="Segoe UI" panose="020B0502040204020203" pitchFamily="34" charset="0"/>
+            </a:endParaRPr>
+          </a:p>
+        </p:txBody>
+      </p:sp>
+    </p:spTree>
+    <p:extLst>
+      <p:ext uri="{BB962C8B-B14F-4D97-AF65-F5344CB8AC3E}">
+        <p14:creationId xmlns:p14="http://schemas.microsoft.com/office/powerpoint/2010/main" val="2837107120"/>
+      </p:ext>
+    </p:extLst>
+  </p:cSld>
+  <p:clrMapOvr>
+    <a:masterClrMapping/>
+  </p:clrMapOvr>
+</p:sld>
+</file>
+
+<file path=ppt/slides/slide25.xml><?xml version="1.0" encoding="utf-8"?>
+<p:sld xmlns:a="http://schemas.openxmlformats.org/drawingml/2006/main" xmlns:r="http://schemas.openxmlformats.org/officeDocument/2006/relationships" xmlns:p="http://schemas.openxmlformats.org/presentationml/2006/main">
+  <p:cSld>
+    <p:spTree>
+      <p:nvGrpSpPr>
+        <p:cNvPr id="1" name=""/>
+        <p:cNvGrpSpPr/>
+        <p:nvPr/>
+      </p:nvGrpSpPr>
+      <p:grpSpPr>
+        <a:xfrm>
+          <a:off x="0" y="0"/>
+          <a:ext cx="0" cy="0"/>
+          <a:chOff x="0" y="0"/>
+          <a:chExt cx="0" cy="0"/>
+        </a:xfrm>
+      </p:grpSpPr>
+      <p:sp>
+        <p:nvSpPr>
+          <p:cNvPr id="2" name="Title 1">
+            <a:extLst>
+              <a:ext uri="{FF2B5EF4-FFF2-40B4-BE49-F238E27FC236}">
+                <a16:creationId xmlns:a16="http://schemas.microsoft.com/office/drawing/2014/main" id="{34877B28-4AB2-4039-A0FA-0FAA755B1468}"/>
+              </a:ext>
+            </a:extLst>
+          </p:cNvPr>
+          <p:cNvSpPr>
+            <a:spLocks noGrp="1"/>
+          </p:cNvSpPr>
+          <p:nvPr>
+            <p:ph type="title"/>
+          </p:nvPr>
+        </p:nvSpPr>
+        <p:spPr>
+          <a:xfrm>
+            <a:off x="838200" y="2766218"/>
+            <a:ext cx="10515600" cy="1325563"/>
+          </a:xfrm>
+        </p:spPr>
+        <p:txBody>
+          <a:bodyPr/>
+          <a:lstStyle/>
+          <a:p>
+            <a:pPr algn="ctr"/>
+            <a:r>
+              <a:rPr lang="en-US" b="1" dirty="0">
+                <a:latin typeface="Manrope" pitchFamily="2" charset="0"/>
+              </a:rPr>
+              <a:t>Practical Time !</a:t>
+            </a:r>
+          </a:p>
+        </p:txBody>
+      </p:sp>
+    </p:spTree>
+    <p:extLst>
+      <p:ext uri="{BB962C8B-B14F-4D97-AF65-F5344CB8AC3E}">
+        <p14:creationId xmlns:p14="http://schemas.microsoft.com/office/powerpoint/2010/main" val="2337510389"/>
+      </p:ext>
+    </p:extLst>
+  </p:cSld>
+  <p:clrMapOvr>
+    <a:masterClrMapping/>
+  </p:clrMapOvr>
+</p:sld>
+</file>
+
+<file path=ppt/slides/slide26.xml><?xml version="1.0" encoding="utf-8"?>
+<p:sld xmlns:a="http://schemas.openxmlformats.org/drawingml/2006/main" xmlns:r="http://schemas.openxmlformats.org/officeDocument/2006/relationships" xmlns:p="http://schemas.openxmlformats.org/presentationml/2006/main">
+  <p:cSld>
+    <p:spTree>
+      <p:nvGrpSpPr>
+        <p:cNvPr id="1" name=""/>
+        <p:cNvGrpSpPr/>
+        <p:nvPr/>
+      </p:nvGrpSpPr>
+      <p:grpSpPr>
+        <a:xfrm>
+          <a:off x="0" y="0"/>
+          <a:ext cx="0" cy="0"/>
+          <a:chOff x="0" y="0"/>
+          <a:chExt cx="0" cy="0"/>
+        </a:xfrm>
+      </p:grpSpPr>
+      <p:sp>
+        <p:nvSpPr>
+          <p:cNvPr id="2" name="Title 1">
+            <a:extLst>
+              <a:ext uri="{FF2B5EF4-FFF2-40B4-BE49-F238E27FC236}">
+                <a16:creationId xmlns:a16="http://schemas.microsoft.com/office/drawing/2014/main" id="{CAEA2674-362D-435F-A1A2-B23AD3D9AE3A}"/>
+              </a:ext>
+            </a:extLst>
+          </p:cNvPr>
+          <p:cNvSpPr>
+            <a:spLocks noGrp="1"/>
+          </p:cNvSpPr>
+          <p:nvPr>
+            <p:ph type="title"/>
+          </p:nvPr>
+        </p:nvSpPr>
+        <p:spPr/>
+        <p:txBody>
+          <a:bodyPr/>
+          <a:lstStyle/>
+          <a:p>
+            <a:r>
+              <a:rPr lang="en-US" b="1" dirty="0">
+                <a:latin typeface="Manrope" pitchFamily="2" charset="0"/>
+              </a:rPr>
+              <a:t>React</a:t>
+            </a:r>
+          </a:p>
+        </p:txBody>
+      </p:sp>
+      <p:sp>
+        <p:nvSpPr>
+          <p:cNvPr id="3" name="Content Placeholder 2">
+            <a:extLst>
+              <a:ext uri="{FF2B5EF4-FFF2-40B4-BE49-F238E27FC236}">
+                <a16:creationId xmlns:a16="http://schemas.microsoft.com/office/drawing/2014/main" id="{29ABBCD6-E3F9-4C52-9600-71720720C058}"/>
+              </a:ext>
+            </a:extLst>
+          </p:cNvPr>
+          <p:cNvSpPr>
+            <a:spLocks noGrp="1"/>
+          </p:cNvSpPr>
+          <p:nvPr>
+            <p:ph idx="1"/>
+          </p:nvPr>
+        </p:nvSpPr>
+        <p:spPr/>
+        <p:txBody>
+          <a:bodyPr>
+            <a:normAutofit/>
+          </a:bodyPr>
+          <a:lstStyle/>
+          <a:p>
+            <a:r>
+              <a:rPr lang="en-US" sz="2400" dirty="0">
+                <a:latin typeface="Segoe UI" panose="020B0502040204020203" pitchFamily="34" charset="0"/>
+                <a:cs typeface="Segoe UI" panose="020B0502040204020203" pitchFamily="34" charset="0"/>
+              </a:rPr>
+              <a:t>A JavaScript library for building user interfaces.</a:t>
+            </a:r>
+          </a:p>
+          <a:p>
+            <a:r>
+              <a:rPr lang="en-US" sz="2400" dirty="0">
+                <a:latin typeface="Segoe UI" panose="020B0502040204020203" pitchFamily="34" charset="0"/>
+                <a:cs typeface="Segoe UI" panose="020B0502040204020203" pitchFamily="34" charset="0"/>
+              </a:rPr>
+              <a:t>Keeps the application state and UI in sync, It reacts whenever any state in changes.</a:t>
+            </a:r>
+          </a:p>
+          <a:p>
+            <a:r>
+              <a:rPr lang="en-US" sz="2400" dirty="0">
+                <a:latin typeface="Segoe UI" panose="020B0502040204020203" pitchFamily="34" charset="0"/>
+                <a:cs typeface="Segoe UI" panose="020B0502040204020203" pitchFamily="34" charset="0"/>
+              </a:rPr>
+              <a:t>State is some data that can change overtime, e.g. user, likes count on a post, etc.</a:t>
+            </a:r>
+          </a:p>
+          <a:p>
+            <a:r>
+              <a:rPr lang="en-US" sz="2400" dirty="0">
+                <a:latin typeface="Segoe UI" panose="020B0502040204020203" pitchFamily="34" charset="0"/>
+                <a:cs typeface="Segoe UI" panose="020B0502040204020203" pitchFamily="34" charset="0"/>
+              </a:rPr>
+              <a:t>UI is made using reusable components</a:t>
+            </a:r>
+          </a:p>
+          <a:p>
+            <a:r>
+              <a:rPr lang="en-US" sz="2400" dirty="0">
+                <a:latin typeface="Segoe UI" panose="020B0502040204020203" pitchFamily="34" charset="0"/>
+                <a:cs typeface="Segoe UI" panose="020B0502040204020203" pitchFamily="34" charset="0"/>
+              </a:rPr>
+              <a:t>Components are encapsulated UI element that manage their own state, then gets composed to make complex UIs.</a:t>
+            </a:r>
+          </a:p>
+        </p:txBody>
+      </p:sp>
+    </p:spTree>
+    <p:extLst>
+      <p:ext uri="{BB962C8B-B14F-4D97-AF65-F5344CB8AC3E}">
+        <p14:creationId xmlns:p14="http://schemas.microsoft.com/office/powerpoint/2010/main" val="2237845214"/>
+      </p:ext>
+    </p:extLst>
+  </p:cSld>
+  <p:clrMapOvr>
+    <a:masterClrMapping/>
+  </p:clrMapOvr>
+</p:sld>
+</file>
+
+<file path=ppt/slides/slide27.xml><?xml version="1.0" encoding="utf-8"?>
+<p:sld xmlns:a="http://schemas.openxmlformats.org/drawingml/2006/main" xmlns:r="http://schemas.openxmlformats.org/officeDocument/2006/relationships" xmlns:p="http://schemas.openxmlformats.org/presentationml/2006/main">
+  <p:cSld>
+    <p:spTree>
+      <p:nvGrpSpPr>
+        <p:cNvPr id="1" name=""/>
+        <p:cNvGrpSpPr/>
+        <p:nvPr/>
+      </p:nvGrpSpPr>
+      <p:grpSpPr>
+        <a:xfrm>
+          <a:off x="0" y="0"/>
+          <a:ext cx="0" cy="0"/>
+          <a:chOff x="0" y="0"/>
+          <a:chExt cx="0" cy="0"/>
+        </a:xfrm>
+      </p:grpSpPr>
+      <p:sp>
+        <p:nvSpPr>
+          <p:cNvPr id="2" name="Title 1">
+            <a:extLst>
+              <a:ext uri="{FF2B5EF4-FFF2-40B4-BE49-F238E27FC236}">
+                <a16:creationId xmlns:a16="http://schemas.microsoft.com/office/drawing/2014/main" id="{EB16362D-D482-4FA0-ACDF-328B48BA0C43}"/>
+              </a:ext>
+            </a:extLst>
+          </p:cNvPr>
+          <p:cNvSpPr>
+            <a:spLocks noGrp="1"/>
+          </p:cNvSpPr>
+          <p:nvPr>
+            <p:ph type="title"/>
+          </p:nvPr>
+        </p:nvSpPr>
+        <p:spPr/>
+        <p:txBody>
+          <a:bodyPr/>
+          <a:lstStyle/>
+          <a:p>
+            <a:r>
+              <a:rPr lang="en-US" b="1" dirty="0">
+                <a:latin typeface="Manrope" pitchFamily="2" charset="0"/>
+              </a:rPr>
+              <a:t>Example of a Component</a:t>
+            </a:r>
+          </a:p>
+        </p:txBody>
+      </p:sp>
+    </p:spTree>
+    <p:extLst>
+      <p:ext uri="{BB962C8B-B14F-4D97-AF65-F5344CB8AC3E}">
+        <p14:creationId xmlns:p14="http://schemas.microsoft.com/office/powerpoint/2010/main" val="3830347457"/>
       </p:ext>
     </p:extLst>
   </p:cSld>

--- a/resources/workshop-presentation.pptx
+++ b/resources/workshop-presentation.pptx
@@ -5,7 +5,7 @@
     <p:sldMasterId id="2147483752" r:id="rId1"/>
   </p:sldMasterIdLst>
   <p:notesMasterIdLst>
-    <p:notesMasterId r:id="rId29"/>
+    <p:notesMasterId r:id="rId34"/>
   </p:notesMasterIdLst>
   <p:sldIdLst>
     <p:sldId id="256" r:id="rId2"/>
@@ -35,6 +35,11 @@
     <p:sldId id="279" r:id="rId26"/>
     <p:sldId id="280" r:id="rId27"/>
     <p:sldId id="282" r:id="rId28"/>
+    <p:sldId id="285" r:id="rId29"/>
+    <p:sldId id="283" r:id="rId30"/>
+    <p:sldId id="284" r:id="rId31"/>
+    <p:sldId id="287" r:id="rId32"/>
+    <p:sldId id="286" r:id="rId33"/>
   </p:sldIdLst>
   <p:sldSz cx="12192000" cy="6858000"/>
   <p:notesSz cx="6858000" cy="9144000"/>
@@ -177,6 +182,11 @@
             <p14:sldId id="279"/>
             <p14:sldId id="280"/>
             <p14:sldId id="282"/>
+            <p14:sldId id="285"/>
+            <p14:sldId id="283"/>
+            <p14:sldId id="284"/>
+            <p14:sldId id="287"/>
+            <p14:sldId id="286"/>
           </p14:sldIdLst>
         </p14:section>
       </p14:sectionLst>
@@ -270,7 +280,7 @@
           <a:p>
             <a:fld id="{F4670F48-860A-4E6E-BAFE-6FC22D11B84B}" type="datetimeFigureOut">
               <a:rPr lang="en-US" smtClean="0"/>
-              <a:t>4/22/2022</a:t>
+              <a:t>4/27/2022</a:t>
             </a:fld>
             <a:endParaRPr lang="en-US"/>
           </a:p>
@@ -684,7 +694,7 @@
           <a:p>
             <a:fld id="{F42C0E84-49D0-4011-ABBF-FFA0D6732281}" type="datetimeFigureOut">
               <a:rPr lang="en-US" smtClean="0"/>
-              <a:t>4/22/2022</a:t>
+              <a:t>4/27/2022</a:t>
             </a:fld>
             <a:endParaRPr lang="en-US"/>
           </a:p>
@@ -882,7 +892,7 @@
           <a:p>
             <a:fld id="{F42C0E84-49D0-4011-ABBF-FFA0D6732281}" type="datetimeFigureOut">
               <a:rPr lang="en-US" smtClean="0"/>
-              <a:t>4/22/2022</a:t>
+              <a:t>4/27/2022</a:t>
             </a:fld>
             <a:endParaRPr lang="en-US"/>
           </a:p>
@@ -1090,7 +1100,7 @@
           <a:p>
             <a:fld id="{F42C0E84-49D0-4011-ABBF-FFA0D6732281}" type="datetimeFigureOut">
               <a:rPr lang="en-US" smtClean="0"/>
-              <a:t>4/22/2022</a:t>
+              <a:t>4/27/2022</a:t>
             </a:fld>
             <a:endParaRPr lang="en-US"/>
           </a:p>
@@ -1288,7 +1298,7 @@
           <a:p>
             <a:fld id="{F42C0E84-49D0-4011-ABBF-FFA0D6732281}" type="datetimeFigureOut">
               <a:rPr lang="en-US" smtClean="0"/>
-              <a:t>4/22/2022</a:t>
+              <a:t>4/27/2022</a:t>
             </a:fld>
             <a:endParaRPr lang="en-US"/>
           </a:p>
@@ -1563,7 +1573,7 @@
           <a:p>
             <a:fld id="{F42C0E84-49D0-4011-ABBF-FFA0D6732281}" type="datetimeFigureOut">
               <a:rPr lang="en-US" smtClean="0"/>
-              <a:t>4/22/2022</a:t>
+              <a:t>4/27/2022</a:t>
             </a:fld>
             <a:endParaRPr lang="en-US"/>
           </a:p>
@@ -1828,7 +1838,7 @@
           <a:p>
             <a:fld id="{F42C0E84-49D0-4011-ABBF-FFA0D6732281}" type="datetimeFigureOut">
               <a:rPr lang="en-US" smtClean="0"/>
-              <a:t>4/22/2022</a:t>
+              <a:t>4/27/2022</a:t>
             </a:fld>
             <a:endParaRPr lang="en-US"/>
           </a:p>
@@ -2240,7 +2250,7 @@
           <a:p>
             <a:fld id="{F42C0E84-49D0-4011-ABBF-FFA0D6732281}" type="datetimeFigureOut">
               <a:rPr lang="en-US" smtClean="0"/>
-              <a:t>4/22/2022</a:t>
+              <a:t>4/27/2022</a:t>
             </a:fld>
             <a:endParaRPr lang="en-US"/>
           </a:p>
@@ -2381,7 +2391,7 @@
           <a:p>
             <a:fld id="{F42C0E84-49D0-4011-ABBF-FFA0D6732281}" type="datetimeFigureOut">
               <a:rPr lang="en-US" smtClean="0"/>
-              <a:t>4/22/2022</a:t>
+              <a:t>4/27/2022</a:t>
             </a:fld>
             <a:endParaRPr lang="en-US"/>
           </a:p>
@@ -2494,7 +2504,7 @@
           <a:p>
             <a:fld id="{F42C0E84-49D0-4011-ABBF-FFA0D6732281}" type="datetimeFigureOut">
               <a:rPr lang="en-US" smtClean="0"/>
-              <a:t>4/22/2022</a:t>
+              <a:t>4/27/2022</a:t>
             </a:fld>
             <a:endParaRPr lang="en-US"/>
           </a:p>
@@ -2805,7 +2815,7 @@
           <a:p>
             <a:fld id="{F42C0E84-49D0-4011-ABBF-FFA0D6732281}" type="datetimeFigureOut">
               <a:rPr lang="en-US" smtClean="0"/>
-              <a:t>4/22/2022</a:t>
+              <a:t>4/27/2022</a:t>
             </a:fld>
             <a:endParaRPr lang="en-US"/>
           </a:p>
@@ -3093,7 +3103,7 @@
           <a:p>
             <a:fld id="{F42C0E84-49D0-4011-ABBF-FFA0D6732281}" type="datetimeFigureOut">
               <a:rPr lang="en-US" smtClean="0"/>
-              <a:t>4/22/2022</a:t>
+              <a:t>4/27/2022</a:t>
             </a:fld>
             <a:endParaRPr lang="en-US"/>
           </a:p>
@@ -3334,7 +3344,7 @@
           <a:p>
             <a:fld id="{F42C0E84-49D0-4011-ABBF-FFA0D6732281}" type="datetimeFigureOut">
               <a:rPr lang="en-US" smtClean="0"/>
-              <a:t>4/22/2022</a:t>
+              <a:t>4/27/2022</a:t>
             </a:fld>
             <a:endParaRPr lang="en-US"/>
           </a:p>
@@ -6392,7 +6402,7 @@
                 <a:latin typeface="Segoe UI" panose="020B0502040204020203" pitchFamily="34" charset="0"/>
                 <a:cs typeface="Segoe UI" panose="020B0502040204020203" pitchFamily="34" charset="0"/>
               </a:rPr>
-              <a:t>Variables and Data types</a:t>
+              <a:t>Constants, Variables and Data types</a:t>
             </a:r>
           </a:p>
           <a:p>
@@ -7047,6 +7057,15 @@
               <a:t>Components are encapsulated UI element that manage their own state, then gets composed to make complex UIs.</a:t>
             </a:r>
           </a:p>
+          <a:p>
+            <a:r>
+              <a:rPr lang="en-US" sz="2400" dirty="0">
+                <a:latin typeface="Segoe UI" panose="020B0502040204020203" pitchFamily="34" charset="0"/>
+                <a:cs typeface="Segoe UI" panose="020B0502040204020203" pitchFamily="34" charset="0"/>
+              </a:rPr>
+              <a:t>Visuals of the components are defined with JSX</a:t>
+            </a:r>
+          </a:p>
         </p:txBody>
       </p:sp>
     </p:spTree>
@@ -7104,7 +7123,90 @@
               <a:rPr lang="en-US" b="1" dirty="0">
                 <a:latin typeface="Manrope" pitchFamily="2" charset="0"/>
               </a:rPr>
-              <a:t>Example of a Component</a:t>
+              <a:t>Why React ?</a:t>
+            </a:r>
+          </a:p>
+        </p:txBody>
+      </p:sp>
+      <p:sp>
+        <p:nvSpPr>
+          <p:cNvPr id="3" name="Content Placeholder 2">
+            <a:extLst>
+              <a:ext uri="{FF2B5EF4-FFF2-40B4-BE49-F238E27FC236}">
+                <a16:creationId xmlns:a16="http://schemas.microsoft.com/office/drawing/2014/main" id="{B2FEDA5F-3669-49F7-B109-427145C936A4}"/>
+              </a:ext>
+            </a:extLst>
+          </p:cNvPr>
+          <p:cNvSpPr>
+            <a:spLocks noGrp="1"/>
+          </p:cNvSpPr>
+          <p:nvPr>
+            <p:ph idx="1"/>
+          </p:nvPr>
+        </p:nvSpPr>
+        <p:spPr>
+          <a:xfrm>
+            <a:off x="838200" y="1825625"/>
+            <a:ext cx="10515600" cy="4351338"/>
+          </a:xfrm>
+        </p:spPr>
+        <p:txBody>
+          <a:bodyPr>
+            <a:normAutofit/>
+          </a:bodyPr>
+          <a:lstStyle/>
+          <a:p>
+            <a:r>
+              <a:rPr lang="en-US" sz="2400" dirty="0">
+                <a:latin typeface="Segoe UI" panose="020B0502040204020203" pitchFamily="34" charset="0"/>
+                <a:cs typeface="Segoe UI" panose="020B0502040204020203" pitchFamily="34" charset="0"/>
+              </a:rPr>
+              <a:t>Opensource and free to use</a:t>
+            </a:r>
+          </a:p>
+          <a:p>
+            <a:r>
+              <a:rPr lang="en-US" sz="2400" dirty="0">
+                <a:latin typeface="Segoe UI" panose="020B0502040204020203" pitchFamily="34" charset="0"/>
+                <a:cs typeface="Segoe UI" panose="020B0502040204020203" pitchFamily="34" charset="0"/>
+              </a:rPr>
+              <a:t>Blazing fast performance in web &amp; great improvement over time</a:t>
+            </a:r>
+          </a:p>
+          <a:p>
+            <a:r>
+              <a:rPr lang="en-US" sz="2400" dirty="0">
+                <a:latin typeface="Segoe UI" panose="020B0502040204020203" pitchFamily="34" charset="0"/>
+                <a:cs typeface="Segoe UI" panose="020B0502040204020203" pitchFamily="34" charset="0"/>
+              </a:rPr>
+              <a:t>Easy to learn and easy to implement</a:t>
+            </a:r>
+          </a:p>
+          <a:p>
+            <a:r>
+              <a:rPr lang="en-US" sz="2400" dirty="0">
+                <a:latin typeface="Segoe UI" panose="020B0502040204020203" pitchFamily="34" charset="0"/>
+                <a:cs typeface="Segoe UI" panose="020B0502040204020203" pitchFamily="34" charset="0"/>
+              </a:rPr>
+              <a:t>Large ecosystem of libraries and tools</a:t>
+            </a:r>
+          </a:p>
+          <a:p>
+            <a:r>
+              <a:rPr lang="en-US" sz="2400" dirty="0">
+                <a:latin typeface="Segoe UI" panose="020B0502040204020203" pitchFamily="34" charset="0"/>
+                <a:cs typeface="Segoe UI" panose="020B0502040204020203" pitchFamily="34" charset="0"/>
+              </a:rPr>
+              <a:t>Develop cross-platform mobile application with react-native</a:t>
+            </a:r>
+          </a:p>
+          <a:p>
+            <a:r>
+              <a:rPr lang="en-US" sz="2400" dirty="0">
+                <a:latin typeface="Segoe UI" panose="020B0502040204020203" pitchFamily="34" charset="0"/>
+                <a:cs typeface="Segoe UI" panose="020B0502040204020203" pitchFamily="34" charset="0"/>
+              </a:rPr>
+              <a:t>Widely used by popular webapp like Instagram, whatsapp-web, flipkart, discord, piniterest and many more…</a:t>
             </a:r>
           </a:p>
         </p:txBody>
@@ -7113,6 +7215,438 @@
     <p:extLst>
       <p:ext uri="{BB962C8B-B14F-4D97-AF65-F5344CB8AC3E}">
         <p14:creationId xmlns:p14="http://schemas.microsoft.com/office/powerpoint/2010/main" val="3830347457"/>
+      </p:ext>
+    </p:extLst>
+  </p:cSld>
+  <p:clrMapOvr>
+    <a:masterClrMapping/>
+  </p:clrMapOvr>
+</p:sld>
+</file>
+
+<file path=ppt/slides/slide28.xml><?xml version="1.0" encoding="utf-8"?>
+<p:sld xmlns:a="http://schemas.openxmlformats.org/drawingml/2006/main" xmlns:r="http://schemas.openxmlformats.org/officeDocument/2006/relationships" xmlns:p="http://schemas.openxmlformats.org/presentationml/2006/main">
+  <p:cSld>
+    <p:spTree>
+      <p:nvGrpSpPr>
+        <p:cNvPr id="1" name=""/>
+        <p:cNvGrpSpPr/>
+        <p:nvPr/>
+      </p:nvGrpSpPr>
+      <p:grpSpPr>
+        <a:xfrm>
+          <a:off x="0" y="0"/>
+          <a:ext cx="0" cy="0"/>
+          <a:chOff x="0" y="0"/>
+          <a:chExt cx="0" cy="0"/>
+        </a:xfrm>
+      </p:grpSpPr>
+      <p:sp>
+        <p:nvSpPr>
+          <p:cNvPr id="2" name="Title 1">
+            <a:extLst>
+              <a:ext uri="{FF2B5EF4-FFF2-40B4-BE49-F238E27FC236}">
+                <a16:creationId xmlns:a16="http://schemas.microsoft.com/office/drawing/2014/main" id="{C938F5B6-30A9-4BD4-9C60-73FDBB554098}"/>
+              </a:ext>
+            </a:extLst>
+          </p:cNvPr>
+          <p:cNvSpPr>
+            <a:spLocks noGrp="1"/>
+          </p:cNvSpPr>
+          <p:nvPr>
+            <p:ph type="title"/>
+          </p:nvPr>
+        </p:nvSpPr>
+        <p:spPr/>
+        <p:txBody>
+          <a:bodyPr/>
+          <a:lstStyle/>
+          <a:p>
+            <a:r>
+              <a:rPr lang="en-US" dirty="0"/>
+              <a:t>How React Works ?</a:t>
+            </a:r>
+          </a:p>
+        </p:txBody>
+      </p:sp>
+      <p:sp>
+        <p:nvSpPr>
+          <p:cNvPr id="6" name="Content Placeholder 5">
+            <a:extLst>
+              <a:ext uri="{FF2B5EF4-FFF2-40B4-BE49-F238E27FC236}">
+                <a16:creationId xmlns:a16="http://schemas.microsoft.com/office/drawing/2014/main" id="{08D77FC3-ED23-4BD4-AE9A-22C0146B9451}"/>
+              </a:ext>
+            </a:extLst>
+          </p:cNvPr>
+          <p:cNvSpPr>
+            <a:spLocks noGrp="1"/>
+          </p:cNvSpPr>
+          <p:nvPr>
+            <p:ph idx="1"/>
+          </p:nvPr>
+        </p:nvSpPr>
+        <p:spPr/>
+        <p:txBody>
+          <a:bodyPr/>
+          <a:lstStyle/>
+          <a:p>
+            <a:r>
+              <a:rPr lang="en-US" dirty="0"/>
+              <a:t>React create a virtual DOM using the nesting of react components</a:t>
+            </a:r>
+          </a:p>
+          <a:p>
+            <a:r>
+              <a:rPr lang="en-US" dirty="0"/>
+              <a:t>Each components has its own independent logic and state  </a:t>
+            </a:r>
+          </a:p>
+          <a:p>
+            <a:r>
+              <a:rPr lang="en-US" dirty="0"/>
+              <a:t>The virtual Dom is used to modify only the part of the actual Dom which uses that state</a:t>
+            </a:r>
+          </a:p>
+        </p:txBody>
+      </p:sp>
+    </p:spTree>
+    <p:extLst>
+      <p:ext uri="{BB962C8B-B14F-4D97-AF65-F5344CB8AC3E}">
+        <p14:creationId xmlns:p14="http://schemas.microsoft.com/office/powerpoint/2010/main" val="3607468608"/>
+      </p:ext>
+    </p:extLst>
+  </p:cSld>
+  <p:clrMapOvr>
+    <a:masterClrMapping/>
+  </p:clrMapOvr>
+</p:sld>
+</file>
+
+<file path=ppt/slides/slide29.xml><?xml version="1.0" encoding="utf-8"?>
+<p:sld xmlns:a="http://schemas.openxmlformats.org/drawingml/2006/main" xmlns:r="http://schemas.openxmlformats.org/officeDocument/2006/relationships" xmlns:p="http://schemas.openxmlformats.org/presentationml/2006/main">
+  <p:cSld>
+    <p:spTree>
+      <p:nvGrpSpPr>
+        <p:cNvPr id="1" name=""/>
+        <p:cNvGrpSpPr/>
+        <p:nvPr/>
+      </p:nvGrpSpPr>
+      <p:grpSpPr>
+        <a:xfrm>
+          <a:off x="0" y="0"/>
+          <a:ext cx="0" cy="0"/>
+          <a:chOff x="0" y="0"/>
+          <a:chExt cx="0" cy="0"/>
+        </a:xfrm>
+      </p:grpSpPr>
+      <p:sp>
+        <p:nvSpPr>
+          <p:cNvPr id="2" name="Title 1">
+            <a:extLst>
+              <a:ext uri="{FF2B5EF4-FFF2-40B4-BE49-F238E27FC236}">
+                <a16:creationId xmlns:a16="http://schemas.microsoft.com/office/drawing/2014/main" id="{E4D61F9D-E164-4E76-9B1A-04B3E64C92D2}"/>
+              </a:ext>
+            </a:extLst>
+          </p:cNvPr>
+          <p:cNvSpPr>
+            <a:spLocks noGrp="1"/>
+          </p:cNvSpPr>
+          <p:nvPr>
+            <p:ph type="title"/>
+          </p:nvPr>
+        </p:nvSpPr>
+        <p:spPr/>
+        <p:txBody>
+          <a:bodyPr/>
+          <a:lstStyle/>
+          <a:p>
+            <a:r>
+              <a:rPr lang="en-US" dirty="0"/>
+              <a:t>Defining a React Component</a:t>
+            </a:r>
+          </a:p>
+        </p:txBody>
+      </p:sp>
+      <p:sp>
+        <p:nvSpPr>
+          <p:cNvPr id="3" name="Content Placeholder 2">
+            <a:extLst>
+              <a:ext uri="{FF2B5EF4-FFF2-40B4-BE49-F238E27FC236}">
+                <a16:creationId xmlns:a16="http://schemas.microsoft.com/office/drawing/2014/main" id="{A0A8F5D5-6D0E-462F-AF9C-4ABEC1F1B0C4}"/>
+              </a:ext>
+            </a:extLst>
+          </p:cNvPr>
+          <p:cNvSpPr>
+            <a:spLocks noGrp="1"/>
+          </p:cNvSpPr>
+          <p:nvPr>
+            <p:ph idx="1"/>
+          </p:nvPr>
+        </p:nvSpPr>
+        <p:spPr/>
+        <p:txBody>
+          <a:bodyPr>
+            <a:normAutofit/>
+          </a:bodyPr>
+          <a:lstStyle/>
+          <a:p>
+            <a:pPr marL="0" indent="0">
+              <a:buNone/>
+            </a:pPr>
+            <a:r>
+              <a:rPr lang="en-US" sz="2400" dirty="0">
+                <a:solidFill>
+                  <a:schemeClr val="accent1"/>
+                </a:solidFill>
+                <a:latin typeface="Consolas" panose="020B0609020204030204" pitchFamily="49" charset="0"/>
+              </a:rPr>
+              <a:t>function</a:t>
+            </a:r>
+            <a:r>
+              <a:rPr lang="en-US" sz="2400" dirty="0">
+                <a:latin typeface="Consolas" panose="020B0609020204030204" pitchFamily="49" charset="0"/>
+              </a:rPr>
+              <a:t> ComponentName(</a:t>
+            </a:r>
+            <a:r>
+              <a:rPr lang="en-US" sz="2400" dirty="0">
+                <a:solidFill>
+                  <a:schemeClr val="accent4">
+                    <a:lumMod val="75000"/>
+                  </a:schemeClr>
+                </a:solidFill>
+                <a:latin typeface="Consolas" panose="020B0609020204030204" pitchFamily="49" charset="0"/>
+              </a:rPr>
+              <a:t>props</a:t>
+            </a:r>
+            <a:r>
+              <a:rPr lang="en-US" sz="2400" dirty="0">
+                <a:latin typeface="Consolas" panose="020B0609020204030204" pitchFamily="49" charset="0"/>
+              </a:rPr>
+              <a:t>){</a:t>
+            </a:r>
+          </a:p>
+          <a:p>
+            <a:pPr marL="0" indent="0">
+              <a:buNone/>
+            </a:pPr>
+            <a:r>
+              <a:rPr lang="en-US" sz="2400" dirty="0">
+                <a:latin typeface="Consolas" panose="020B0609020204030204" pitchFamily="49" charset="0"/>
+              </a:rPr>
+              <a:t>	</a:t>
+            </a:r>
+            <a:r>
+              <a:rPr lang="en-US" sz="2400" dirty="0">
+                <a:solidFill>
+                  <a:srgbClr val="7030A0"/>
+                </a:solidFill>
+                <a:latin typeface="Consolas" panose="020B0609020204030204" pitchFamily="49" charset="0"/>
+              </a:rPr>
+              <a:t>return</a:t>
+            </a:r>
+            <a:r>
+              <a:rPr lang="en-US" sz="2400" dirty="0">
+                <a:latin typeface="Consolas" panose="020B0609020204030204" pitchFamily="49" charset="0"/>
+              </a:rPr>
+              <a:t> (</a:t>
+            </a:r>
+          </a:p>
+          <a:p>
+            <a:pPr marL="0" indent="0">
+              <a:buNone/>
+            </a:pPr>
+            <a:r>
+              <a:rPr lang="en-US" sz="2400" dirty="0">
+                <a:latin typeface="Consolas" panose="020B0609020204030204" pitchFamily="49" charset="0"/>
+              </a:rPr>
+              <a:t>		</a:t>
+            </a:r>
+            <a:r>
+              <a:rPr lang="en-US" sz="2400" dirty="0">
+                <a:solidFill>
+                  <a:schemeClr val="accent1"/>
+                </a:solidFill>
+                <a:latin typeface="Consolas" panose="020B0609020204030204" pitchFamily="49" charset="0"/>
+              </a:rPr>
+              <a:t>&lt;h1 </a:t>
+            </a:r>
+            <a:r>
+              <a:rPr lang="en-US" sz="2400" dirty="0">
+                <a:solidFill>
+                  <a:schemeClr val="accent2">
+                    <a:lumMod val="75000"/>
+                  </a:schemeClr>
+                </a:solidFill>
+                <a:latin typeface="Consolas" panose="020B0609020204030204" pitchFamily="49" charset="0"/>
+              </a:rPr>
+              <a:t>class</a:t>
+            </a:r>
+            <a:r>
+              <a:rPr lang="en-US" sz="2400" dirty="0">
+                <a:latin typeface="Consolas" panose="020B0609020204030204" pitchFamily="49" charset="0"/>
+              </a:rPr>
+              <a:t>=</a:t>
+            </a:r>
+            <a:r>
+              <a:rPr lang="en-US" sz="2400" dirty="0">
+                <a:solidFill>
+                  <a:schemeClr val="accent6"/>
+                </a:solidFill>
+                <a:latin typeface="Consolas" panose="020B0609020204030204" pitchFamily="49" charset="0"/>
+              </a:rPr>
+              <a:t>"heading"</a:t>
+            </a:r>
+            <a:r>
+              <a:rPr lang="en-US" sz="2400" dirty="0">
+                <a:solidFill>
+                  <a:schemeClr val="accent1"/>
+                </a:solidFill>
+                <a:latin typeface="Consolas" panose="020B0609020204030204" pitchFamily="49" charset="0"/>
+              </a:rPr>
+              <a:t>&gt;</a:t>
+            </a:r>
+            <a:r>
+              <a:rPr lang="en-US" sz="2400" dirty="0">
+                <a:latin typeface="Consolas" panose="020B0609020204030204" pitchFamily="49" charset="0"/>
+              </a:rPr>
+              <a:t>Hello, World!</a:t>
+            </a:r>
+            <a:r>
+              <a:rPr lang="en-US" sz="2400" dirty="0">
+                <a:solidFill>
+                  <a:schemeClr val="accent1"/>
+                </a:solidFill>
+                <a:latin typeface="Consolas" panose="020B0609020204030204" pitchFamily="49" charset="0"/>
+              </a:rPr>
+              <a:t>&lt;h1/&gt;</a:t>
+            </a:r>
+          </a:p>
+          <a:p>
+            <a:pPr marL="0" indent="0">
+              <a:buNone/>
+            </a:pPr>
+            <a:r>
+              <a:rPr lang="en-US" sz="2400" dirty="0">
+                <a:latin typeface="Consolas" panose="020B0609020204030204" pitchFamily="49" charset="0"/>
+              </a:rPr>
+              <a:t>	)</a:t>
+            </a:r>
+          </a:p>
+          <a:p>
+            <a:pPr marL="0" indent="0">
+              <a:buNone/>
+            </a:pPr>
+            <a:r>
+              <a:rPr lang="en-US" sz="2400" dirty="0">
+                <a:latin typeface="Consolas" panose="020B0609020204030204" pitchFamily="49" charset="0"/>
+              </a:rPr>
+              <a:t>}</a:t>
+            </a:r>
+          </a:p>
+          <a:p>
+            <a:pPr marL="0" indent="0">
+              <a:buNone/>
+            </a:pPr>
+            <a:endParaRPr lang="en-US" sz="2400" dirty="0">
+              <a:latin typeface="Consolas" panose="020B0609020204030204" pitchFamily="49" charset="0"/>
+            </a:endParaRPr>
+          </a:p>
+          <a:p>
+            <a:pPr marL="0" indent="0">
+              <a:buNone/>
+            </a:pPr>
+            <a:r>
+              <a:rPr lang="en-US" sz="2400" dirty="0">
+                <a:solidFill>
+                  <a:schemeClr val="accent1"/>
+                </a:solidFill>
+                <a:latin typeface="Consolas" panose="020B0609020204030204" pitchFamily="49" charset="0"/>
+              </a:rPr>
+              <a:t>&lt;div&gt;</a:t>
+            </a:r>
+          </a:p>
+          <a:p>
+            <a:pPr marL="0" indent="0">
+              <a:buNone/>
+            </a:pPr>
+            <a:r>
+              <a:rPr lang="en-US" sz="2400" dirty="0">
+                <a:latin typeface="Consolas" panose="020B0609020204030204" pitchFamily="49" charset="0"/>
+              </a:rPr>
+              <a:t>	</a:t>
+            </a:r>
+            <a:r>
+              <a:rPr lang="en-US" sz="2400" dirty="0">
+                <a:solidFill>
+                  <a:schemeClr val="accent1"/>
+                </a:solidFill>
+                <a:latin typeface="Consolas" panose="020B0609020204030204" pitchFamily="49" charset="0"/>
+              </a:rPr>
+              <a:t>&lt;ComponentName</a:t>
+            </a:r>
+            <a:r>
+              <a:rPr lang="en-US" sz="2400" dirty="0">
+                <a:latin typeface="Consolas" panose="020B0609020204030204" pitchFamily="49" charset="0"/>
+              </a:rPr>
+              <a:t> </a:t>
+            </a:r>
+            <a:r>
+              <a:rPr lang="en-US" sz="2400" dirty="0">
+                <a:solidFill>
+                  <a:schemeClr val="accent2">
+                    <a:lumMod val="75000"/>
+                  </a:schemeClr>
+                </a:solidFill>
+                <a:latin typeface="Consolas" panose="020B0609020204030204" pitchFamily="49" charset="0"/>
+              </a:rPr>
+              <a:t>id</a:t>
+            </a:r>
+            <a:r>
+              <a:rPr lang="en-US" sz="2400" dirty="0">
+                <a:latin typeface="Consolas" panose="020B0609020204030204" pitchFamily="49" charset="0"/>
+              </a:rPr>
+              <a:t>=</a:t>
+            </a:r>
+            <a:r>
+              <a:rPr lang="en-US" sz="2400" dirty="0">
+                <a:solidFill>
+                  <a:schemeClr val="accent6"/>
+                </a:solidFill>
+                <a:latin typeface="Consolas" panose="020B0609020204030204" pitchFamily="49" charset="0"/>
+              </a:rPr>
+              <a:t>"my-component"</a:t>
+            </a:r>
+            <a:r>
+              <a:rPr lang="en-US" sz="2400" dirty="0">
+                <a:solidFill>
+                  <a:schemeClr val="accent1"/>
+                </a:solidFill>
+                <a:latin typeface="Consolas" panose="020B0609020204030204" pitchFamily="49" charset="0"/>
+              </a:rPr>
+              <a:t>/&gt;</a:t>
+            </a:r>
+          </a:p>
+          <a:p>
+            <a:pPr marL="0" indent="0">
+              <a:buNone/>
+            </a:pPr>
+            <a:r>
+              <a:rPr lang="en-US" sz="2400" dirty="0">
+                <a:solidFill>
+                  <a:schemeClr val="accent1"/>
+                </a:solidFill>
+                <a:latin typeface="Consolas" panose="020B0609020204030204" pitchFamily="49" charset="0"/>
+              </a:rPr>
+              <a:t>&lt;/div&gt;</a:t>
+            </a:r>
+          </a:p>
+        </p:txBody>
+      </p:sp>
+    </p:spTree>
+    <p:extLst>
+      <p:ext uri="{BB962C8B-B14F-4D97-AF65-F5344CB8AC3E}">
+        <p14:creationId xmlns:p14="http://schemas.microsoft.com/office/powerpoint/2010/main" val="2299696543"/>
       </p:ext>
     </p:extLst>
   </p:cSld>
@@ -7218,6 +7752,1647 @@
     <p:extLst>
       <p:ext uri="{BB962C8B-B14F-4D97-AF65-F5344CB8AC3E}">
         <p14:creationId xmlns:p14="http://schemas.microsoft.com/office/powerpoint/2010/main" val="2621716647"/>
+      </p:ext>
+    </p:extLst>
+  </p:cSld>
+  <p:clrMapOvr>
+    <a:masterClrMapping/>
+  </p:clrMapOvr>
+</p:sld>
+</file>
+
+<file path=ppt/slides/slide30.xml><?xml version="1.0" encoding="utf-8"?>
+<p:sld xmlns:a="http://schemas.openxmlformats.org/drawingml/2006/main" xmlns:r="http://schemas.openxmlformats.org/officeDocument/2006/relationships" xmlns:p="http://schemas.openxmlformats.org/presentationml/2006/main">
+  <p:cSld>
+    <p:spTree>
+      <p:nvGrpSpPr>
+        <p:cNvPr id="1" name=""/>
+        <p:cNvGrpSpPr/>
+        <p:nvPr/>
+      </p:nvGrpSpPr>
+      <p:grpSpPr>
+        <a:xfrm>
+          <a:off x="0" y="0"/>
+          <a:ext cx="0" cy="0"/>
+          <a:chOff x="0" y="0"/>
+          <a:chExt cx="0" cy="0"/>
+        </a:xfrm>
+      </p:grpSpPr>
+      <p:sp>
+        <p:nvSpPr>
+          <p:cNvPr id="2" name="Title 1">
+            <a:extLst>
+              <a:ext uri="{FF2B5EF4-FFF2-40B4-BE49-F238E27FC236}">
+                <a16:creationId xmlns:a16="http://schemas.microsoft.com/office/drawing/2014/main" id="{E4D61F9D-E164-4E76-9B1A-04B3E64C92D2}"/>
+              </a:ext>
+            </a:extLst>
+          </p:cNvPr>
+          <p:cNvSpPr>
+            <a:spLocks noGrp="1"/>
+          </p:cNvSpPr>
+          <p:nvPr>
+            <p:ph type="title"/>
+          </p:nvPr>
+        </p:nvSpPr>
+        <p:spPr/>
+        <p:txBody>
+          <a:bodyPr/>
+          <a:lstStyle/>
+          <a:p>
+            <a:r>
+              <a:rPr lang="en-US" dirty="0"/>
+              <a:t>Defining a React Component</a:t>
+            </a:r>
+          </a:p>
+        </p:txBody>
+      </p:sp>
+      <p:sp>
+        <p:nvSpPr>
+          <p:cNvPr id="3" name="Content Placeholder 2">
+            <a:extLst>
+              <a:ext uri="{FF2B5EF4-FFF2-40B4-BE49-F238E27FC236}">
+                <a16:creationId xmlns:a16="http://schemas.microsoft.com/office/drawing/2014/main" id="{A0A8F5D5-6D0E-462F-AF9C-4ABEC1F1B0C4}"/>
+              </a:ext>
+            </a:extLst>
+          </p:cNvPr>
+          <p:cNvSpPr>
+            <a:spLocks noGrp="1"/>
+          </p:cNvSpPr>
+          <p:nvPr>
+            <p:ph idx="1"/>
+          </p:nvPr>
+        </p:nvSpPr>
+        <p:spPr/>
+        <p:txBody>
+          <a:bodyPr>
+            <a:normAutofit/>
+          </a:bodyPr>
+          <a:lstStyle/>
+          <a:p>
+            <a:pPr marL="0" indent="0">
+              <a:buNone/>
+            </a:pPr>
+            <a:r>
+              <a:rPr lang="en-US" sz="2400" dirty="0">
+                <a:solidFill>
+                  <a:schemeClr val="accent1"/>
+                </a:solidFill>
+                <a:latin typeface="Consolas" panose="020B0609020204030204" pitchFamily="49" charset="0"/>
+              </a:rPr>
+              <a:t>function</a:t>
+            </a:r>
+            <a:r>
+              <a:rPr lang="en-US" sz="2400" dirty="0">
+                <a:latin typeface="Consolas" panose="020B0609020204030204" pitchFamily="49" charset="0"/>
+              </a:rPr>
+              <a:t> ComponentName(</a:t>
+            </a:r>
+            <a:r>
+              <a:rPr lang="en-US" sz="2400" dirty="0">
+                <a:solidFill>
+                  <a:schemeClr val="accent4">
+                    <a:lumMod val="75000"/>
+                  </a:schemeClr>
+                </a:solidFill>
+                <a:latin typeface="Consolas" panose="020B0609020204030204" pitchFamily="49" charset="0"/>
+              </a:rPr>
+              <a:t>props</a:t>
+            </a:r>
+            <a:r>
+              <a:rPr lang="en-US" sz="2400" dirty="0">
+                <a:latin typeface="Consolas" panose="020B0609020204030204" pitchFamily="49" charset="0"/>
+              </a:rPr>
+              <a:t>){</a:t>
+            </a:r>
+          </a:p>
+          <a:p>
+            <a:pPr marL="0" indent="0">
+              <a:buNone/>
+            </a:pPr>
+            <a:r>
+              <a:rPr lang="en-US" sz="2400" dirty="0">
+                <a:latin typeface="Consolas" panose="020B0609020204030204" pitchFamily="49" charset="0"/>
+              </a:rPr>
+              <a:t>	</a:t>
+            </a:r>
+            <a:r>
+              <a:rPr lang="en-US" sz="2400" dirty="0">
+                <a:solidFill>
+                  <a:srgbClr val="7030A0"/>
+                </a:solidFill>
+                <a:latin typeface="Consolas" panose="020B0609020204030204" pitchFamily="49" charset="0"/>
+              </a:rPr>
+              <a:t>return</a:t>
+            </a:r>
+            <a:r>
+              <a:rPr lang="en-US" sz="2400" dirty="0">
+                <a:latin typeface="Consolas" panose="020B0609020204030204" pitchFamily="49" charset="0"/>
+              </a:rPr>
+              <a:t> (</a:t>
+            </a:r>
+          </a:p>
+          <a:p>
+            <a:pPr marL="0" indent="0">
+              <a:buNone/>
+            </a:pPr>
+            <a:r>
+              <a:rPr lang="en-US" sz="2400" dirty="0">
+                <a:latin typeface="Consolas" panose="020B0609020204030204" pitchFamily="49" charset="0"/>
+              </a:rPr>
+              <a:t>		</a:t>
+            </a:r>
+            <a:r>
+              <a:rPr lang="en-US" sz="2400" dirty="0">
+                <a:solidFill>
+                  <a:schemeClr val="accent1"/>
+                </a:solidFill>
+                <a:latin typeface="Consolas" panose="020B0609020204030204" pitchFamily="49" charset="0"/>
+              </a:rPr>
+              <a:t>&lt;h1 </a:t>
+            </a:r>
+            <a:r>
+              <a:rPr lang="en-US" sz="2400" dirty="0">
+                <a:solidFill>
+                  <a:schemeClr val="accent2">
+                    <a:lumMod val="75000"/>
+                  </a:schemeClr>
+                </a:solidFill>
+                <a:latin typeface="Consolas" panose="020B0609020204030204" pitchFamily="49" charset="0"/>
+              </a:rPr>
+              <a:t>class</a:t>
+            </a:r>
+            <a:r>
+              <a:rPr lang="en-US" sz="2400" dirty="0">
+                <a:latin typeface="Consolas" panose="020B0609020204030204" pitchFamily="49" charset="0"/>
+              </a:rPr>
+              <a:t>=</a:t>
+            </a:r>
+            <a:r>
+              <a:rPr lang="en-US" sz="2400" dirty="0">
+                <a:solidFill>
+                  <a:schemeClr val="accent6"/>
+                </a:solidFill>
+                <a:latin typeface="Consolas" panose="020B0609020204030204" pitchFamily="49" charset="0"/>
+              </a:rPr>
+              <a:t>"heading"</a:t>
+            </a:r>
+            <a:r>
+              <a:rPr lang="en-US" sz="2400" dirty="0">
+                <a:solidFill>
+                  <a:schemeClr val="accent1"/>
+                </a:solidFill>
+                <a:latin typeface="Consolas" panose="020B0609020204030204" pitchFamily="49" charset="0"/>
+              </a:rPr>
+              <a:t>&gt;</a:t>
+            </a:r>
+            <a:r>
+              <a:rPr lang="en-US" sz="2400" dirty="0">
+                <a:latin typeface="Consolas" panose="020B0609020204030204" pitchFamily="49" charset="0"/>
+              </a:rPr>
+              <a:t>Hello, World!</a:t>
+            </a:r>
+            <a:r>
+              <a:rPr lang="en-US" sz="2400" dirty="0">
+                <a:solidFill>
+                  <a:schemeClr val="accent1"/>
+                </a:solidFill>
+                <a:latin typeface="Consolas" panose="020B0609020204030204" pitchFamily="49" charset="0"/>
+              </a:rPr>
+              <a:t>&lt;h1/&gt;</a:t>
+            </a:r>
+          </a:p>
+          <a:p>
+            <a:pPr marL="0" indent="0">
+              <a:buNone/>
+            </a:pPr>
+            <a:r>
+              <a:rPr lang="en-US" sz="2400" dirty="0">
+                <a:latin typeface="Consolas" panose="020B0609020204030204" pitchFamily="49" charset="0"/>
+              </a:rPr>
+              <a:t>	)</a:t>
+            </a:r>
+          </a:p>
+          <a:p>
+            <a:pPr marL="0" indent="0">
+              <a:buNone/>
+            </a:pPr>
+            <a:r>
+              <a:rPr lang="en-US" sz="2400" dirty="0">
+                <a:latin typeface="Consolas" panose="020B0609020204030204" pitchFamily="49" charset="0"/>
+              </a:rPr>
+              <a:t>}</a:t>
+            </a:r>
+          </a:p>
+          <a:p>
+            <a:pPr marL="0" indent="0">
+              <a:buNone/>
+            </a:pPr>
+            <a:endParaRPr lang="en-US" sz="2400" dirty="0">
+              <a:latin typeface="Consolas" panose="020B0609020204030204" pitchFamily="49" charset="0"/>
+            </a:endParaRPr>
+          </a:p>
+          <a:p>
+            <a:pPr marL="0" indent="0">
+              <a:buNone/>
+            </a:pPr>
+            <a:r>
+              <a:rPr lang="en-US" sz="2400" dirty="0">
+                <a:solidFill>
+                  <a:schemeClr val="accent1"/>
+                </a:solidFill>
+                <a:latin typeface="Consolas" panose="020B0609020204030204" pitchFamily="49" charset="0"/>
+              </a:rPr>
+              <a:t>&lt;div&gt;</a:t>
+            </a:r>
+          </a:p>
+          <a:p>
+            <a:pPr marL="0" indent="0">
+              <a:buNone/>
+            </a:pPr>
+            <a:r>
+              <a:rPr lang="en-US" sz="2400" dirty="0">
+                <a:latin typeface="Consolas" panose="020B0609020204030204" pitchFamily="49" charset="0"/>
+              </a:rPr>
+              <a:t>	</a:t>
+            </a:r>
+            <a:r>
+              <a:rPr lang="en-US" sz="2400" dirty="0">
+                <a:solidFill>
+                  <a:schemeClr val="accent1"/>
+                </a:solidFill>
+                <a:latin typeface="Consolas" panose="020B0609020204030204" pitchFamily="49" charset="0"/>
+              </a:rPr>
+              <a:t>&lt;ComponentName</a:t>
+            </a:r>
+            <a:r>
+              <a:rPr lang="en-US" sz="2400" dirty="0">
+                <a:latin typeface="Consolas" panose="020B0609020204030204" pitchFamily="49" charset="0"/>
+              </a:rPr>
+              <a:t> </a:t>
+            </a:r>
+            <a:r>
+              <a:rPr lang="en-US" sz="2400" dirty="0">
+                <a:solidFill>
+                  <a:schemeClr val="accent2">
+                    <a:lumMod val="75000"/>
+                  </a:schemeClr>
+                </a:solidFill>
+                <a:latin typeface="Consolas" panose="020B0609020204030204" pitchFamily="49" charset="0"/>
+              </a:rPr>
+              <a:t>id</a:t>
+            </a:r>
+            <a:r>
+              <a:rPr lang="en-US" sz="2400" dirty="0">
+                <a:latin typeface="Consolas" panose="020B0609020204030204" pitchFamily="49" charset="0"/>
+              </a:rPr>
+              <a:t>=</a:t>
+            </a:r>
+            <a:r>
+              <a:rPr lang="en-US" sz="2400" dirty="0">
+                <a:solidFill>
+                  <a:schemeClr val="accent6"/>
+                </a:solidFill>
+                <a:latin typeface="Consolas" panose="020B0609020204030204" pitchFamily="49" charset="0"/>
+              </a:rPr>
+              <a:t>"my-component"</a:t>
+            </a:r>
+            <a:r>
+              <a:rPr lang="en-US" sz="2400" dirty="0">
+                <a:solidFill>
+                  <a:schemeClr val="accent1"/>
+                </a:solidFill>
+                <a:latin typeface="Consolas" panose="020B0609020204030204" pitchFamily="49" charset="0"/>
+              </a:rPr>
+              <a:t>/&gt;</a:t>
+            </a:r>
+          </a:p>
+          <a:p>
+            <a:pPr marL="0" indent="0">
+              <a:buNone/>
+            </a:pPr>
+            <a:r>
+              <a:rPr lang="en-US" sz="2400" dirty="0">
+                <a:solidFill>
+                  <a:schemeClr val="accent1"/>
+                </a:solidFill>
+                <a:latin typeface="Consolas" panose="020B0609020204030204" pitchFamily="49" charset="0"/>
+              </a:rPr>
+              <a:t>&lt;/div&gt;</a:t>
+            </a:r>
+          </a:p>
+        </p:txBody>
+      </p:sp>
+      <p:sp>
+        <p:nvSpPr>
+          <p:cNvPr id="6" name="Rectangle 5">
+            <a:extLst>
+              <a:ext uri="{FF2B5EF4-FFF2-40B4-BE49-F238E27FC236}">
+                <a16:creationId xmlns:a16="http://schemas.microsoft.com/office/drawing/2014/main" id="{4E8C6B1D-0A6E-40D3-B347-825AFCE5E9E6}"/>
+              </a:ext>
+            </a:extLst>
+          </p:cNvPr>
+          <p:cNvSpPr/>
+          <p:nvPr/>
+        </p:nvSpPr>
+        <p:spPr>
+          <a:xfrm>
+            <a:off x="2654423" y="2734322"/>
+            <a:ext cx="6604987" cy="399495"/>
+          </a:xfrm>
+          <a:prstGeom prst="rect">
+            <a:avLst/>
+          </a:prstGeom>
+          <a:noFill/>
+          <a:ln w="19050">
+            <a:solidFill>
+              <a:schemeClr val="accent2">
+                <a:lumMod val="75000"/>
+              </a:schemeClr>
+            </a:solidFill>
+          </a:ln>
+        </p:spPr>
+        <p:style>
+          <a:lnRef idx="2">
+            <a:schemeClr val="accent1">
+              <a:shade val="50000"/>
+            </a:schemeClr>
+          </a:lnRef>
+          <a:fillRef idx="1">
+            <a:schemeClr val="accent1"/>
+          </a:fillRef>
+          <a:effectRef idx="0">
+            <a:schemeClr val="accent1"/>
+          </a:effectRef>
+          <a:fontRef idx="minor">
+            <a:schemeClr val="lt1"/>
+          </a:fontRef>
+        </p:style>
+        <p:txBody>
+          <a:bodyPr rtlCol="0" anchor="ctr"/>
+          <a:lstStyle/>
+          <a:p>
+            <a:pPr algn="ctr"/>
+            <a:endParaRPr lang="en-US"/>
+          </a:p>
+        </p:txBody>
+      </p:sp>
+    </p:spTree>
+    <p:extLst>
+      <p:ext uri="{BB962C8B-B14F-4D97-AF65-F5344CB8AC3E}">
+        <p14:creationId xmlns:p14="http://schemas.microsoft.com/office/powerpoint/2010/main" val="2371310677"/>
+      </p:ext>
+    </p:extLst>
+  </p:cSld>
+  <p:clrMapOvr>
+    <a:masterClrMapping/>
+  </p:clrMapOvr>
+</p:sld>
+</file>
+
+<file path=ppt/slides/slide31.xml><?xml version="1.0" encoding="utf-8"?>
+<p:sld xmlns:a="http://schemas.openxmlformats.org/drawingml/2006/main" xmlns:r="http://schemas.openxmlformats.org/officeDocument/2006/relationships" xmlns:p="http://schemas.openxmlformats.org/presentationml/2006/main">
+  <p:cSld>
+    <p:spTree>
+      <p:nvGrpSpPr>
+        <p:cNvPr id="1" name=""/>
+        <p:cNvGrpSpPr/>
+        <p:nvPr/>
+      </p:nvGrpSpPr>
+      <p:grpSpPr>
+        <a:xfrm>
+          <a:off x="0" y="0"/>
+          <a:ext cx="0" cy="0"/>
+          <a:chOff x="0" y="0"/>
+          <a:chExt cx="0" cy="0"/>
+        </a:xfrm>
+      </p:grpSpPr>
+      <p:sp>
+        <p:nvSpPr>
+          <p:cNvPr id="2" name="Title 1">
+            <a:extLst>
+              <a:ext uri="{FF2B5EF4-FFF2-40B4-BE49-F238E27FC236}">
+                <a16:creationId xmlns:a16="http://schemas.microsoft.com/office/drawing/2014/main" id="{7C26DD32-8D7C-4139-8C5F-827E8599EA85}"/>
+              </a:ext>
+            </a:extLst>
+          </p:cNvPr>
+          <p:cNvSpPr>
+            <a:spLocks noGrp="1"/>
+          </p:cNvSpPr>
+          <p:nvPr>
+            <p:ph type="title"/>
+          </p:nvPr>
+        </p:nvSpPr>
+        <p:spPr/>
+        <p:txBody>
+          <a:bodyPr/>
+          <a:lstStyle/>
+          <a:p>
+            <a:r>
+              <a:rPr lang="en-US" dirty="0"/>
+              <a:t>Example</a:t>
+            </a:r>
+          </a:p>
+        </p:txBody>
+      </p:sp>
+      <p:sp>
+        <p:nvSpPr>
+          <p:cNvPr id="3" name="Content Placeholder 2">
+            <a:extLst>
+              <a:ext uri="{FF2B5EF4-FFF2-40B4-BE49-F238E27FC236}">
+                <a16:creationId xmlns:a16="http://schemas.microsoft.com/office/drawing/2014/main" id="{AFC33335-1038-45D8-B9B1-4E247AE80B8B}"/>
+              </a:ext>
+            </a:extLst>
+          </p:cNvPr>
+          <p:cNvSpPr>
+            <a:spLocks noGrp="1"/>
+          </p:cNvSpPr>
+          <p:nvPr>
+            <p:ph idx="1"/>
+          </p:nvPr>
+        </p:nvSpPr>
+        <p:spPr/>
+        <p:txBody>
+          <a:bodyPr/>
+          <a:lstStyle/>
+          <a:p>
+            <a:r>
+              <a:rPr lang="en-US" dirty="0"/>
+              <a:t>Now consider the Homepage of the </a:t>
+            </a:r>
+            <a:r>
+              <a:rPr lang="en-US" dirty="0" err="1"/>
+              <a:t>Instgram</a:t>
+            </a:r>
+            <a:endParaRPr lang="en-US" dirty="0"/>
+          </a:p>
+        </p:txBody>
+      </p:sp>
+    </p:spTree>
+    <p:extLst>
+      <p:ext uri="{BB962C8B-B14F-4D97-AF65-F5344CB8AC3E}">
+        <p14:creationId xmlns:p14="http://schemas.microsoft.com/office/powerpoint/2010/main" val="2190305817"/>
+      </p:ext>
+    </p:extLst>
+  </p:cSld>
+  <p:clrMapOvr>
+    <a:masterClrMapping/>
+  </p:clrMapOvr>
+</p:sld>
+</file>
+
+<file path=ppt/slides/slide32.xml><?xml version="1.0" encoding="utf-8"?>
+<p:sld xmlns:a="http://schemas.openxmlformats.org/drawingml/2006/main" xmlns:r="http://schemas.openxmlformats.org/officeDocument/2006/relationships" xmlns:p="http://schemas.openxmlformats.org/presentationml/2006/main">
+  <p:cSld>
+    <p:spTree>
+      <p:nvGrpSpPr>
+        <p:cNvPr id="1" name=""/>
+        <p:cNvGrpSpPr/>
+        <p:nvPr/>
+      </p:nvGrpSpPr>
+      <p:grpSpPr>
+        <a:xfrm>
+          <a:off x="0" y="0"/>
+          <a:ext cx="0" cy="0"/>
+          <a:chOff x="0" y="0"/>
+          <a:chExt cx="0" cy="0"/>
+        </a:xfrm>
+      </p:grpSpPr>
+      <p:sp>
+        <p:nvSpPr>
+          <p:cNvPr id="2" name="Title 1">
+            <a:extLst>
+              <a:ext uri="{FF2B5EF4-FFF2-40B4-BE49-F238E27FC236}">
+                <a16:creationId xmlns:a16="http://schemas.microsoft.com/office/drawing/2014/main" id="{381CE2C0-3C4D-4095-B553-654E3E0938A8}"/>
+              </a:ext>
+            </a:extLst>
+          </p:cNvPr>
+          <p:cNvSpPr>
+            <a:spLocks noGrp="1"/>
+          </p:cNvSpPr>
+          <p:nvPr>
+            <p:ph type="title"/>
+          </p:nvPr>
+        </p:nvSpPr>
+        <p:spPr/>
+        <p:txBody>
+          <a:bodyPr/>
+          <a:lstStyle/>
+          <a:p>
+            <a:r>
+              <a:rPr lang="en-US" dirty="0"/>
+              <a:t>Example</a:t>
+            </a:r>
+          </a:p>
+        </p:txBody>
+      </p:sp>
+      <p:sp>
+        <p:nvSpPr>
+          <p:cNvPr id="4" name="Rectangle: Rounded Corners 3">
+            <a:extLst>
+              <a:ext uri="{FF2B5EF4-FFF2-40B4-BE49-F238E27FC236}">
+                <a16:creationId xmlns:a16="http://schemas.microsoft.com/office/drawing/2014/main" id="{952F17CF-E2DC-4B32-ADDF-F109C1819D8D}"/>
+              </a:ext>
+            </a:extLst>
+          </p:cNvPr>
+          <p:cNvSpPr/>
+          <p:nvPr/>
+        </p:nvSpPr>
+        <p:spPr>
+          <a:xfrm>
+            <a:off x="2826798" y="2154548"/>
+            <a:ext cx="1038687" cy="443883"/>
+          </a:xfrm>
+          <a:prstGeom prst="roundRect">
+            <a:avLst/>
+          </a:prstGeom>
+        </p:spPr>
+        <p:style>
+          <a:lnRef idx="2">
+            <a:schemeClr val="accent1">
+              <a:shade val="50000"/>
+            </a:schemeClr>
+          </a:lnRef>
+          <a:fillRef idx="1">
+            <a:schemeClr val="accent1"/>
+          </a:fillRef>
+          <a:effectRef idx="0">
+            <a:schemeClr val="accent1"/>
+          </a:effectRef>
+          <a:fontRef idx="minor">
+            <a:schemeClr val="lt1"/>
+          </a:fontRef>
+        </p:style>
+        <p:txBody>
+          <a:bodyPr rtlCol="0" anchor="ctr"/>
+          <a:lstStyle/>
+          <a:p>
+            <a:pPr algn="ctr"/>
+            <a:r>
+              <a:rPr lang="en-US" dirty="0"/>
+              <a:t>Root</a:t>
+            </a:r>
+          </a:p>
+        </p:txBody>
+      </p:sp>
+      <p:sp>
+        <p:nvSpPr>
+          <p:cNvPr id="5" name="Rectangle: Rounded Corners 4">
+            <a:extLst>
+              <a:ext uri="{FF2B5EF4-FFF2-40B4-BE49-F238E27FC236}">
+                <a16:creationId xmlns:a16="http://schemas.microsoft.com/office/drawing/2014/main" id="{AAFCF0FB-BA6E-4BAE-B868-BEB1A9ED2550}"/>
+              </a:ext>
+            </a:extLst>
+          </p:cNvPr>
+          <p:cNvSpPr/>
+          <p:nvPr/>
+        </p:nvSpPr>
+        <p:spPr>
+          <a:xfrm>
+            <a:off x="1788111" y="2985118"/>
+            <a:ext cx="1038687" cy="443883"/>
+          </a:xfrm>
+          <a:prstGeom prst="roundRect">
+            <a:avLst/>
+          </a:prstGeom>
+        </p:spPr>
+        <p:style>
+          <a:lnRef idx="2">
+            <a:schemeClr val="accent1">
+              <a:shade val="50000"/>
+            </a:schemeClr>
+          </a:lnRef>
+          <a:fillRef idx="1">
+            <a:schemeClr val="accent1"/>
+          </a:fillRef>
+          <a:effectRef idx="0">
+            <a:schemeClr val="accent1"/>
+          </a:effectRef>
+          <a:fontRef idx="minor">
+            <a:schemeClr val="lt1"/>
+          </a:fontRef>
+        </p:style>
+        <p:txBody>
+          <a:bodyPr rtlCol="0" anchor="ctr"/>
+          <a:lstStyle/>
+          <a:p>
+            <a:pPr algn="ctr"/>
+            <a:r>
+              <a:rPr lang="en-US" dirty="0"/>
+              <a:t>Nav Bar</a:t>
+            </a:r>
+          </a:p>
+        </p:txBody>
+      </p:sp>
+      <p:sp>
+        <p:nvSpPr>
+          <p:cNvPr id="6" name="Rectangle: Rounded Corners 5">
+            <a:extLst>
+              <a:ext uri="{FF2B5EF4-FFF2-40B4-BE49-F238E27FC236}">
+                <a16:creationId xmlns:a16="http://schemas.microsoft.com/office/drawing/2014/main" id="{29627189-17F9-4075-BBBB-73DBA9DABAE3}"/>
+              </a:ext>
+            </a:extLst>
+          </p:cNvPr>
+          <p:cNvSpPr/>
+          <p:nvPr/>
+        </p:nvSpPr>
+        <p:spPr>
+          <a:xfrm>
+            <a:off x="3735280" y="2985117"/>
+            <a:ext cx="1038687" cy="443883"/>
+          </a:xfrm>
+          <a:prstGeom prst="roundRect">
+            <a:avLst/>
+          </a:prstGeom>
+        </p:spPr>
+        <p:style>
+          <a:lnRef idx="2">
+            <a:schemeClr val="accent1">
+              <a:shade val="50000"/>
+            </a:schemeClr>
+          </a:lnRef>
+          <a:fillRef idx="1">
+            <a:schemeClr val="accent1"/>
+          </a:fillRef>
+          <a:effectRef idx="0">
+            <a:schemeClr val="accent1"/>
+          </a:effectRef>
+          <a:fontRef idx="minor">
+            <a:schemeClr val="lt1"/>
+          </a:fontRef>
+        </p:style>
+        <p:txBody>
+          <a:bodyPr rtlCol="0" anchor="ctr"/>
+          <a:lstStyle/>
+          <a:p>
+            <a:pPr algn="ctr"/>
+            <a:r>
+              <a:rPr lang="en-US" dirty="0"/>
+              <a:t>Feed</a:t>
+            </a:r>
+          </a:p>
+        </p:txBody>
+      </p:sp>
+      <p:cxnSp>
+        <p:nvCxnSpPr>
+          <p:cNvPr id="8" name="Connector: Elbow 7">
+            <a:extLst>
+              <a:ext uri="{FF2B5EF4-FFF2-40B4-BE49-F238E27FC236}">
+                <a16:creationId xmlns:a16="http://schemas.microsoft.com/office/drawing/2014/main" id="{6AC290AB-06B7-4609-8C2F-DAB149FAEFCE}"/>
+              </a:ext>
+            </a:extLst>
+          </p:cNvPr>
+          <p:cNvCxnSpPr>
+            <a:stCxn id="4" idx="2"/>
+            <a:endCxn id="6" idx="0"/>
+          </p:cNvCxnSpPr>
+          <p:nvPr/>
+        </p:nvCxnSpPr>
+        <p:spPr>
+          <a:xfrm rot="16200000" flipH="1">
+            <a:off x="3607040" y="2337533"/>
+            <a:ext cx="386686" cy="908482"/>
+          </a:xfrm>
+          <a:prstGeom prst="bentConnector3">
+            <a:avLst/>
+          </a:prstGeom>
+          <a:ln>
+            <a:tailEnd type="triangle"/>
+          </a:ln>
+        </p:spPr>
+        <p:style>
+          <a:lnRef idx="1">
+            <a:schemeClr val="accent1"/>
+          </a:lnRef>
+          <a:fillRef idx="0">
+            <a:schemeClr val="accent1"/>
+          </a:fillRef>
+          <a:effectRef idx="0">
+            <a:schemeClr val="accent1"/>
+          </a:effectRef>
+          <a:fontRef idx="minor">
+            <a:schemeClr val="tx1"/>
+          </a:fontRef>
+        </p:style>
+      </p:cxnSp>
+      <p:cxnSp>
+        <p:nvCxnSpPr>
+          <p:cNvPr id="10" name="Connector: Elbow 9">
+            <a:extLst>
+              <a:ext uri="{FF2B5EF4-FFF2-40B4-BE49-F238E27FC236}">
+                <a16:creationId xmlns:a16="http://schemas.microsoft.com/office/drawing/2014/main" id="{E754A400-03C6-4E6E-8423-45D911DC8A20}"/>
+              </a:ext>
+            </a:extLst>
+          </p:cNvPr>
+          <p:cNvCxnSpPr>
+            <a:stCxn id="4" idx="2"/>
+            <a:endCxn id="5" idx="0"/>
+          </p:cNvCxnSpPr>
+          <p:nvPr/>
+        </p:nvCxnSpPr>
+        <p:spPr>
+          <a:xfrm rot="5400000">
+            <a:off x="2633456" y="2272431"/>
+            <a:ext cx="386687" cy="1038687"/>
+          </a:xfrm>
+          <a:prstGeom prst="bentConnector3">
+            <a:avLst/>
+          </a:prstGeom>
+          <a:ln>
+            <a:tailEnd type="triangle"/>
+          </a:ln>
+        </p:spPr>
+        <p:style>
+          <a:lnRef idx="1">
+            <a:schemeClr val="accent1"/>
+          </a:lnRef>
+          <a:fillRef idx="0">
+            <a:schemeClr val="accent1"/>
+          </a:fillRef>
+          <a:effectRef idx="0">
+            <a:schemeClr val="accent1"/>
+          </a:effectRef>
+          <a:fontRef idx="minor">
+            <a:schemeClr val="tx1"/>
+          </a:fontRef>
+        </p:style>
+      </p:cxnSp>
+      <p:sp>
+        <p:nvSpPr>
+          <p:cNvPr id="11" name="Rectangle: Rounded Corners 10">
+            <a:extLst>
+              <a:ext uri="{FF2B5EF4-FFF2-40B4-BE49-F238E27FC236}">
+                <a16:creationId xmlns:a16="http://schemas.microsoft.com/office/drawing/2014/main" id="{B33D7583-F33C-4593-A31F-F537D58CCF9C}"/>
+              </a:ext>
+            </a:extLst>
+          </p:cNvPr>
+          <p:cNvSpPr/>
+          <p:nvPr/>
+        </p:nvSpPr>
+        <p:spPr>
+          <a:xfrm>
+            <a:off x="1131163" y="3815685"/>
+            <a:ext cx="1313896" cy="443883"/>
+          </a:xfrm>
+          <a:prstGeom prst="roundRect">
+            <a:avLst/>
+          </a:prstGeom>
+        </p:spPr>
+        <p:style>
+          <a:lnRef idx="2">
+            <a:schemeClr val="accent1">
+              <a:shade val="50000"/>
+            </a:schemeClr>
+          </a:lnRef>
+          <a:fillRef idx="1">
+            <a:schemeClr val="accent1"/>
+          </a:fillRef>
+          <a:effectRef idx="0">
+            <a:schemeClr val="accent1"/>
+          </a:effectRef>
+          <a:fontRef idx="minor">
+            <a:schemeClr val="lt1"/>
+          </a:fontRef>
+        </p:style>
+        <p:txBody>
+          <a:bodyPr rtlCol="0" anchor="ctr"/>
+          <a:lstStyle/>
+          <a:p>
+            <a:pPr algn="ctr"/>
+            <a:r>
+              <a:rPr lang="en-US" dirty="0"/>
+              <a:t>Nav Links</a:t>
+            </a:r>
+          </a:p>
+        </p:txBody>
+      </p:sp>
+      <p:sp>
+        <p:nvSpPr>
+          <p:cNvPr id="12" name="Rectangle: Rounded Corners 11">
+            <a:extLst>
+              <a:ext uri="{FF2B5EF4-FFF2-40B4-BE49-F238E27FC236}">
+                <a16:creationId xmlns:a16="http://schemas.microsoft.com/office/drawing/2014/main" id="{A09206EA-88D4-4375-9954-3159E9B57F76}"/>
+              </a:ext>
+            </a:extLst>
+          </p:cNvPr>
+          <p:cNvSpPr/>
+          <p:nvPr/>
+        </p:nvSpPr>
+        <p:spPr>
+          <a:xfrm>
+            <a:off x="2800163" y="3815683"/>
+            <a:ext cx="1099355" cy="443883"/>
+          </a:xfrm>
+          <a:prstGeom prst="roundRect">
+            <a:avLst/>
+          </a:prstGeom>
+        </p:spPr>
+        <p:style>
+          <a:lnRef idx="2">
+            <a:schemeClr val="accent1">
+              <a:shade val="50000"/>
+            </a:schemeClr>
+          </a:lnRef>
+          <a:fillRef idx="1">
+            <a:schemeClr val="accent1"/>
+          </a:fillRef>
+          <a:effectRef idx="0">
+            <a:schemeClr val="accent1"/>
+          </a:effectRef>
+          <a:fontRef idx="minor">
+            <a:schemeClr val="lt1"/>
+          </a:fontRef>
+        </p:style>
+        <p:txBody>
+          <a:bodyPr rtlCol="0" anchor="ctr"/>
+          <a:lstStyle/>
+          <a:p>
+            <a:pPr algn="ctr"/>
+            <a:r>
+              <a:rPr lang="en-US" dirty="0"/>
+              <a:t>Post List</a:t>
+            </a:r>
+          </a:p>
+        </p:txBody>
+      </p:sp>
+      <p:sp>
+        <p:nvSpPr>
+          <p:cNvPr id="13" name="Rectangle: Rounded Corners 12">
+            <a:extLst>
+              <a:ext uri="{FF2B5EF4-FFF2-40B4-BE49-F238E27FC236}">
+                <a16:creationId xmlns:a16="http://schemas.microsoft.com/office/drawing/2014/main" id="{16FEAB9E-057D-4768-8785-D84AD64AFBAD}"/>
+              </a:ext>
+            </a:extLst>
+          </p:cNvPr>
+          <p:cNvSpPr/>
+          <p:nvPr/>
+        </p:nvSpPr>
+        <p:spPr>
+          <a:xfrm>
+            <a:off x="4254624" y="3815684"/>
+            <a:ext cx="1239917" cy="443883"/>
+          </a:xfrm>
+          <a:prstGeom prst="roundRect">
+            <a:avLst/>
+          </a:prstGeom>
+        </p:spPr>
+        <p:style>
+          <a:lnRef idx="2">
+            <a:schemeClr val="accent1">
+              <a:shade val="50000"/>
+            </a:schemeClr>
+          </a:lnRef>
+          <a:fillRef idx="1">
+            <a:schemeClr val="accent1"/>
+          </a:fillRef>
+          <a:effectRef idx="0">
+            <a:schemeClr val="accent1"/>
+          </a:effectRef>
+          <a:fontRef idx="minor">
+            <a:schemeClr val="lt1"/>
+          </a:fontRef>
+        </p:style>
+        <p:txBody>
+          <a:bodyPr rtlCol="0" anchor="ctr"/>
+          <a:lstStyle/>
+          <a:p>
+            <a:pPr algn="ctr"/>
+            <a:r>
+              <a:rPr lang="en-US" dirty="0"/>
+              <a:t>Side Bar</a:t>
+            </a:r>
+          </a:p>
+        </p:txBody>
+      </p:sp>
+      <p:cxnSp>
+        <p:nvCxnSpPr>
+          <p:cNvPr id="15" name="Connector: Elbow 14">
+            <a:extLst>
+              <a:ext uri="{FF2B5EF4-FFF2-40B4-BE49-F238E27FC236}">
+                <a16:creationId xmlns:a16="http://schemas.microsoft.com/office/drawing/2014/main" id="{A6709E64-1A15-4163-B8CF-DA624E5C08A7}"/>
+              </a:ext>
+            </a:extLst>
+          </p:cNvPr>
+          <p:cNvCxnSpPr>
+            <a:stCxn id="6" idx="2"/>
+            <a:endCxn id="13" idx="0"/>
+          </p:cNvCxnSpPr>
+          <p:nvPr/>
+        </p:nvCxnSpPr>
+        <p:spPr>
+          <a:xfrm rot="16200000" flipH="1">
+            <a:off x="4371261" y="3312362"/>
+            <a:ext cx="386684" cy="619959"/>
+          </a:xfrm>
+          <a:prstGeom prst="bentConnector3">
+            <a:avLst/>
+          </a:prstGeom>
+          <a:ln>
+            <a:tailEnd type="triangle"/>
+          </a:ln>
+        </p:spPr>
+        <p:style>
+          <a:lnRef idx="1">
+            <a:schemeClr val="accent1"/>
+          </a:lnRef>
+          <a:fillRef idx="0">
+            <a:schemeClr val="accent1"/>
+          </a:fillRef>
+          <a:effectRef idx="0">
+            <a:schemeClr val="accent1"/>
+          </a:effectRef>
+          <a:fontRef idx="minor">
+            <a:schemeClr val="tx1"/>
+          </a:fontRef>
+        </p:style>
+      </p:cxnSp>
+      <p:cxnSp>
+        <p:nvCxnSpPr>
+          <p:cNvPr id="17" name="Connector: Elbow 16">
+            <a:extLst>
+              <a:ext uri="{FF2B5EF4-FFF2-40B4-BE49-F238E27FC236}">
+                <a16:creationId xmlns:a16="http://schemas.microsoft.com/office/drawing/2014/main" id="{F7805529-E24A-44A6-999E-08B05F89A0D2}"/>
+              </a:ext>
+            </a:extLst>
+          </p:cNvPr>
+          <p:cNvCxnSpPr>
+            <a:cxnSpLocks/>
+            <a:stCxn id="6" idx="2"/>
+            <a:endCxn id="12" idx="0"/>
+          </p:cNvCxnSpPr>
+          <p:nvPr/>
+        </p:nvCxnSpPr>
+        <p:spPr>
+          <a:xfrm rot="5400000">
+            <a:off x="3608892" y="3169950"/>
+            <a:ext cx="386683" cy="904783"/>
+          </a:xfrm>
+          <a:prstGeom prst="bentConnector3">
+            <a:avLst/>
+          </a:prstGeom>
+          <a:ln>
+            <a:tailEnd type="triangle"/>
+          </a:ln>
+        </p:spPr>
+        <p:style>
+          <a:lnRef idx="1">
+            <a:schemeClr val="accent1"/>
+          </a:lnRef>
+          <a:fillRef idx="0">
+            <a:schemeClr val="accent1"/>
+          </a:fillRef>
+          <a:effectRef idx="0">
+            <a:schemeClr val="accent1"/>
+          </a:effectRef>
+          <a:fontRef idx="minor">
+            <a:schemeClr val="tx1"/>
+          </a:fontRef>
+        </p:style>
+      </p:cxnSp>
+      <p:cxnSp>
+        <p:nvCxnSpPr>
+          <p:cNvPr id="19" name="Connector: Elbow 18">
+            <a:extLst>
+              <a:ext uri="{FF2B5EF4-FFF2-40B4-BE49-F238E27FC236}">
+                <a16:creationId xmlns:a16="http://schemas.microsoft.com/office/drawing/2014/main" id="{5D78F125-6AE9-49EF-9A2D-2F0C97286F70}"/>
+              </a:ext>
+            </a:extLst>
+          </p:cNvPr>
+          <p:cNvCxnSpPr>
+            <a:stCxn id="5" idx="2"/>
+            <a:endCxn id="11" idx="0"/>
+          </p:cNvCxnSpPr>
+          <p:nvPr/>
+        </p:nvCxnSpPr>
+        <p:spPr>
+          <a:xfrm rot="5400000">
+            <a:off x="1854441" y="3362671"/>
+            <a:ext cx="386684" cy="519344"/>
+          </a:xfrm>
+          <a:prstGeom prst="bentConnector3">
+            <a:avLst/>
+          </a:prstGeom>
+          <a:ln>
+            <a:tailEnd type="triangle"/>
+          </a:ln>
+        </p:spPr>
+        <p:style>
+          <a:lnRef idx="1">
+            <a:schemeClr val="accent1"/>
+          </a:lnRef>
+          <a:fillRef idx="0">
+            <a:schemeClr val="accent1"/>
+          </a:fillRef>
+          <a:effectRef idx="0">
+            <a:schemeClr val="accent1"/>
+          </a:effectRef>
+          <a:fontRef idx="minor">
+            <a:schemeClr val="tx1"/>
+          </a:fontRef>
+        </p:style>
+      </p:cxnSp>
+      <p:sp>
+        <p:nvSpPr>
+          <p:cNvPr id="29" name="Rectangle: Rounded Corners 28">
+            <a:extLst>
+              <a:ext uri="{FF2B5EF4-FFF2-40B4-BE49-F238E27FC236}">
+                <a16:creationId xmlns:a16="http://schemas.microsoft.com/office/drawing/2014/main" id="{66EDD653-FD45-405D-85AF-F7A8E89706F5}"/>
+              </a:ext>
+            </a:extLst>
+          </p:cNvPr>
+          <p:cNvSpPr/>
+          <p:nvPr/>
+        </p:nvSpPr>
+        <p:spPr>
+          <a:xfrm>
+            <a:off x="8379783" y="2154548"/>
+            <a:ext cx="1038687" cy="443883"/>
+          </a:xfrm>
+          <a:prstGeom prst="roundRect">
+            <a:avLst/>
+          </a:prstGeom>
+        </p:spPr>
+        <p:style>
+          <a:lnRef idx="2">
+            <a:schemeClr val="accent3">
+              <a:shade val="50000"/>
+            </a:schemeClr>
+          </a:lnRef>
+          <a:fillRef idx="1">
+            <a:schemeClr val="accent3"/>
+          </a:fillRef>
+          <a:effectRef idx="0">
+            <a:schemeClr val="accent3"/>
+          </a:effectRef>
+          <a:fontRef idx="minor">
+            <a:schemeClr val="lt1"/>
+          </a:fontRef>
+        </p:style>
+        <p:txBody>
+          <a:bodyPr rtlCol="0" anchor="ctr"/>
+          <a:lstStyle/>
+          <a:p>
+            <a:pPr algn="ctr"/>
+            <a:r>
+              <a:rPr lang="en-US" dirty="0"/>
+              <a:t>Root</a:t>
+            </a:r>
+          </a:p>
+        </p:txBody>
+      </p:sp>
+      <p:sp>
+        <p:nvSpPr>
+          <p:cNvPr id="30" name="Rectangle: Rounded Corners 29">
+            <a:extLst>
+              <a:ext uri="{FF2B5EF4-FFF2-40B4-BE49-F238E27FC236}">
+                <a16:creationId xmlns:a16="http://schemas.microsoft.com/office/drawing/2014/main" id="{9E127CA0-E2AD-4ED4-A464-113C28B86061}"/>
+              </a:ext>
+            </a:extLst>
+          </p:cNvPr>
+          <p:cNvSpPr/>
+          <p:nvPr/>
+        </p:nvSpPr>
+        <p:spPr>
+          <a:xfrm>
+            <a:off x="7341096" y="2985118"/>
+            <a:ext cx="1038687" cy="443883"/>
+          </a:xfrm>
+          <a:prstGeom prst="roundRect">
+            <a:avLst/>
+          </a:prstGeom>
+        </p:spPr>
+        <p:style>
+          <a:lnRef idx="2">
+            <a:schemeClr val="accent3">
+              <a:shade val="50000"/>
+            </a:schemeClr>
+          </a:lnRef>
+          <a:fillRef idx="1">
+            <a:schemeClr val="accent3"/>
+          </a:fillRef>
+          <a:effectRef idx="0">
+            <a:schemeClr val="accent3"/>
+          </a:effectRef>
+          <a:fontRef idx="minor">
+            <a:schemeClr val="lt1"/>
+          </a:fontRef>
+        </p:style>
+        <p:txBody>
+          <a:bodyPr rtlCol="0" anchor="ctr"/>
+          <a:lstStyle/>
+          <a:p>
+            <a:pPr algn="ctr"/>
+            <a:r>
+              <a:rPr lang="en-US" dirty="0"/>
+              <a:t>Nav Bar</a:t>
+            </a:r>
+          </a:p>
+        </p:txBody>
+      </p:sp>
+      <p:sp>
+        <p:nvSpPr>
+          <p:cNvPr id="31" name="Rectangle: Rounded Corners 30">
+            <a:extLst>
+              <a:ext uri="{FF2B5EF4-FFF2-40B4-BE49-F238E27FC236}">
+                <a16:creationId xmlns:a16="http://schemas.microsoft.com/office/drawing/2014/main" id="{8B1DFE27-574F-4EC5-8988-7223D7F389BB}"/>
+              </a:ext>
+            </a:extLst>
+          </p:cNvPr>
+          <p:cNvSpPr/>
+          <p:nvPr/>
+        </p:nvSpPr>
+        <p:spPr>
+          <a:xfrm>
+            <a:off x="9288265" y="2985117"/>
+            <a:ext cx="1038687" cy="443883"/>
+          </a:xfrm>
+          <a:prstGeom prst="roundRect">
+            <a:avLst/>
+          </a:prstGeom>
+        </p:spPr>
+        <p:style>
+          <a:lnRef idx="2">
+            <a:schemeClr val="accent3">
+              <a:shade val="50000"/>
+            </a:schemeClr>
+          </a:lnRef>
+          <a:fillRef idx="1">
+            <a:schemeClr val="accent3"/>
+          </a:fillRef>
+          <a:effectRef idx="0">
+            <a:schemeClr val="accent3"/>
+          </a:effectRef>
+          <a:fontRef idx="minor">
+            <a:schemeClr val="lt1"/>
+          </a:fontRef>
+        </p:style>
+        <p:txBody>
+          <a:bodyPr rtlCol="0" anchor="ctr"/>
+          <a:lstStyle/>
+          <a:p>
+            <a:pPr algn="ctr"/>
+            <a:r>
+              <a:rPr lang="en-US" dirty="0"/>
+              <a:t>Feed</a:t>
+            </a:r>
+          </a:p>
+        </p:txBody>
+      </p:sp>
+      <p:cxnSp>
+        <p:nvCxnSpPr>
+          <p:cNvPr id="32" name="Connector: Elbow 31">
+            <a:extLst>
+              <a:ext uri="{FF2B5EF4-FFF2-40B4-BE49-F238E27FC236}">
+                <a16:creationId xmlns:a16="http://schemas.microsoft.com/office/drawing/2014/main" id="{65080CEE-6D34-430B-9FE7-D230FA039E8C}"/>
+              </a:ext>
+            </a:extLst>
+          </p:cNvPr>
+          <p:cNvCxnSpPr>
+            <a:stCxn id="29" idx="2"/>
+            <a:endCxn id="31" idx="0"/>
+          </p:cNvCxnSpPr>
+          <p:nvPr/>
+        </p:nvCxnSpPr>
+        <p:spPr>
+          <a:xfrm rot="16200000" flipH="1">
+            <a:off x="9160025" y="2337533"/>
+            <a:ext cx="386686" cy="908482"/>
+          </a:xfrm>
+          <a:prstGeom prst="bentConnector3">
+            <a:avLst/>
+          </a:prstGeom>
+          <a:ln>
+            <a:tailEnd type="triangle"/>
+          </a:ln>
+        </p:spPr>
+        <p:style>
+          <a:lnRef idx="2">
+            <a:schemeClr val="accent3">
+              <a:shade val="50000"/>
+            </a:schemeClr>
+          </a:lnRef>
+          <a:fillRef idx="1">
+            <a:schemeClr val="accent3"/>
+          </a:fillRef>
+          <a:effectRef idx="0">
+            <a:schemeClr val="accent3"/>
+          </a:effectRef>
+          <a:fontRef idx="minor">
+            <a:schemeClr val="lt1"/>
+          </a:fontRef>
+        </p:style>
+      </p:cxnSp>
+      <p:cxnSp>
+        <p:nvCxnSpPr>
+          <p:cNvPr id="33" name="Connector: Elbow 32">
+            <a:extLst>
+              <a:ext uri="{FF2B5EF4-FFF2-40B4-BE49-F238E27FC236}">
+                <a16:creationId xmlns:a16="http://schemas.microsoft.com/office/drawing/2014/main" id="{B659A47B-8C85-4523-A5D2-E5B32864FCC4}"/>
+              </a:ext>
+            </a:extLst>
+          </p:cNvPr>
+          <p:cNvCxnSpPr>
+            <a:stCxn id="29" idx="2"/>
+            <a:endCxn id="30" idx="0"/>
+          </p:cNvCxnSpPr>
+          <p:nvPr/>
+        </p:nvCxnSpPr>
+        <p:spPr>
+          <a:xfrm rot="5400000">
+            <a:off x="8186441" y="2272431"/>
+            <a:ext cx="386687" cy="1038687"/>
+          </a:xfrm>
+          <a:prstGeom prst="bentConnector3">
+            <a:avLst/>
+          </a:prstGeom>
+          <a:ln>
+            <a:tailEnd type="triangle"/>
+          </a:ln>
+        </p:spPr>
+        <p:style>
+          <a:lnRef idx="2">
+            <a:schemeClr val="accent3">
+              <a:shade val="50000"/>
+            </a:schemeClr>
+          </a:lnRef>
+          <a:fillRef idx="1">
+            <a:schemeClr val="accent3"/>
+          </a:fillRef>
+          <a:effectRef idx="0">
+            <a:schemeClr val="accent3"/>
+          </a:effectRef>
+          <a:fontRef idx="minor">
+            <a:schemeClr val="lt1"/>
+          </a:fontRef>
+        </p:style>
+      </p:cxnSp>
+      <p:sp>
+        <p:nvSpPr>
+          <p:cNvPr id="34" name="Rectangle: Rounded Corners 33">
+            <a:extLst>
+              <a:ext uri="{FF2B5EF4-FFF2-40B4-BE49-F238E27FC236}">
+                <a16:creationId xmlns:a16="http://schemas.microsoft.com/office/drawing/2014/main" id="{D320C371-2D3D-4600-BCD2-9D3552BB1293}"/>
+              </a:ext>
+            </a:extLst>
+          </p:cNvPr>
+          <p:cNvSpPr/>
+          <p:nvPr/>
+        </p:nvSpPr>
+        <p:spPr>
+          <a:xfrm>
+            <a:off x="6684148" y="3815685"/>
+            <a:ext cx="1313896" cy="443883"/>
+          </a:xfrm>
+          <a:prstGeom prst="roundRect">
+            <a:avLst/>
+          </a:prstGeom>
+        </p:spPr>
+        <p:style>
+          <a:lnRef idx="2">
+            <a:schemeClr val="accent3">
+              <a:shade val="50000"/>
+            </a:schemeClr>
+          </a:lnRef>
+          <a:fillRef idx="1">
+            <a:schemeClr val="accent3"/>
+          </a:fillRef>
+          <a:effectRef idx="0">
+            <a:schemeClr val="accent3"/>
+          </a:effectRef>
+          <a:fontRef idx="minor">
+            <a:schemeClr val="lt1"/>
+          </a:fontRef>
+        </p:style>
+        <p:txBody>
+          <a:bodyPr rtlCol="0" anchor="ctr"/>
+          <a:lstStyle/>
+          <a:p>
+            <a:pPr algn="ctr"/>
+            <a:r>
+              <a:rPr lang="en-US" dirty="0"/>
+              <a:t>Nav Links</a:t>
+            </a:r>
+          </a:p>
+        </p:txBody>
+      </p:sp>
+      <p:sp>
+        <p:nvSpPr>
+          <p:cNvPr id="35" name="Rectangle: Rounded Corners 34">
+            <a:extLst>
+              <a:ext uri="{FF2B5EF4-FFF2-40B4-BE49-F238E27FC236}">
+                <a16:creationId xmlns:a16="http://schemas.microsoft.com/office/drawing/2014/main" id="{0BB0D2C1-5CCB-4D74-A737-10B4F7AF6131}"/>
+              </a:ext>
+            </a:extLst>
+          </p:cNvPr>
+          <p:cNvSpPr/>
+          <p:nvPr/>
+        </p:nvSpPr>
+        <p:spPr>
+          <a:xfrm>
+            <a:off x="8279171" y="3815681"/>
+            <a:ext cx="1239917" cy="443883"/>
+          </a:xfrm>
+          <a:prstGeom prst="roundRect">
+            <a:avLst/>
+          </a:prstGeom>
+        </p:spPr>
+        <p:style>
+          <a:lnRef idx="2">
+            <a:schemeClr val="accent3">
+              <a:shade val="50000"/>
+            </a:schemeClr>
+          </a:lnRef>
+          <a:fillRef idx="1">
+            <a:schemeClr val="accent3"/>
+          </a:fillRef>
+          <a:effectRef idx="0">
+            <a:schemeClr val="accent3"/>
+          </a:effectRef>
+          <a:fontRef idx="minor">
+            <a:schemeClr val="lt1"/>
+          </a:fontRef>
+        </p:style>
+        <p:txBody>
+          <a:bodyPr rtlCol="0" anchor="ctr"/>
+          <a:lstStyle/>
+          <a:p>
+            <a:pPr algn="ctr"/>
+            <a:r>
+              <a:rPr lang="en-US" dirty="0"/>
+              <a:t>Posts List</a:t>
+            </a:r>
+          </a:p>
+        </p:txBody>
+      </p:sp>
+      <p:sp>
+        <p:nvSpPr>
+          <p:cNvPr id="36" name="Rectangle: Rounded Corners 35">
+            <a:extLst>
+              <a:ext uri="{FF2B5EF4-FFF2-40B4-BE49-F238E27FC236}">
+                <a16:creationId xmlns:a16="http://schemas.microsoft.com/office/drawing/2014/main" id="{5A88EC01-49AB-46F5-9765-C0DF16492692}"/>
+              </a:ext>
+            </a:extLst>
+          </p:cNvPr>
+          <p:cNvSpPr/>
+          <p:nvPr/>
+        </p:nvSpPr>
+        <p:spPr>
+          <a:xfrm>
+            <a:off x="9807609" y="3815684"/>
+            <a:ext cx="1239917" cy="443883"/>
+          </a:xfrm>
+          <a:prstGeom prst="roundRect">
+            <a:avLst/>
+          </a:prstGeom>
+        </p:spPr>
+        <p:style>
+          <a:lnRef idx="2">
+            <a:schemeClr val="accent3">
+              <a:shade val="50000"/>
+            </a:schemeClr>
+          </a:lnRef>
+          <a:fillRef idx="1">
+            <a:schemeClr val="accent3"/>
+          </a:fillRef>
+          <a:effectRef idx="0">
+            <a:schemeClr val="accent3"/>
+          </a:effectRef>
+          <a:fontRef idx="minor">
+            <a:schemeClr val="lt1"/>
+          </a:fontRef>
+        </p:style>
+        <p:txBody>
+          <a:bodyPr rtlCol="0" anchor="ctr"/>
+          <a:lstStyle/>
+          <a:p>
+            <a:pPr algn="ctr"/>
+            <a:r>
+              <a:rPr lang="en-US" dirty="0"/>
+              <a:t>Side Bar</a:t>
+            </a:r>
+          </a:p>
+        </p:txBody>
+      </p:sp>
+      <p:cxnSp>
+        <p:nvCxnSpPr>
+          <p:cNvPr id="37" name="Connector: Elbow 36">
+            <a:extLst>
+              <a:ext uri="{FF2B5EF4-FFF2-40B4-BE49-F238E27FC236}">
+                <a16:creationId xmlns:a16="http://schemas.microsoft.com/office/drawing/2014/main" id="{044309DE-D0BD-44EC-A276-C296A34D8D6D}"/>
+              </a:ext>
+            </a:extLst>
+          </p:cNvPr>
+          <p:cNvCxnSpPr>
+            <a:stCxn id="31" idx="2"/>
+            <a:endCxn id="36" idx="0"/>
+          </p:cNvCxnSpPr>
+          <p:nvPr/>
+        </p:nvCxnSpPr>
+        <p:spPr>
+          <a:xfrm rot="16200000" flipH="1">
+            <a:off x="9924246" y="3312362"/>
+            <a:ext cx="386684" cy="619959"/>
+          </a:xfrm>
+          <a:prstGeom prst="bentConnector3">
+            <a:avLst/>
+          </a:prstGeom>
+          <a:ln>
+            <a:tailEnd type="triangle"/>
+          </a:ln>
+        </p:spPr>
+        <p:style>
+          <a:lnRef idx="2">
+            <a:schemeClr val="accent3">
+              <a:shade val="50000"/>
+            </a:schemeClr>
+          </a:lnRef>
+          <a:fillRef idx="1">
+            <a:schemeClr val="accent3"/>
+          </a:fillRef>
+          <a:effectRef idx="0">
+            <a:schemeClr val="accent3"/>
+          </a:effectRef>
+          <a:fontRef idx="minor">
+            <a:schemeClr val="lt1"/>
+          </a:fontRef>
+        </p:style>
+      </p:cxnSp>
+      <p:cxnSp>
+        <p:nvCxnSpPr>
+          <p:cNvPr id="38" name="Connector: Elbow 37">
+            <a:extLst>
+              <a:ext uri="{FF2B5EF4-FFF2-40B4-BE49-F238E27FC236}">
+                <a16:creationId xmlns:a16="http://schemas.microsoft.com/office/drawing/2014/main" id="{454DDE29-25CE-4835-A4A9-F2A72E9F66D3}"/>
+              </a:ext>
+            </a:extLst>
+          </p:cNvPr>
+          <p:cNvCxnSpPr>
+            <a:cxnSpLocks/>
+            <a:stCxn id="31" idx="2"/>
+            <a:endCxn id="35" idx="0"/>
+          </p:cNvCxnSpPr>
+          <p:nvPr/>
+        </p:nvCxnSpPr>
+        <p:spPr>
+          <a:xfrm rot="5400000">
+            <a:off x="9160030" y="3168101"/>
+            <a:ext cx="386681" cy="908479"/>
+          </a:xfrm>
+          <a:prstGeom prst="bentConnector3">
+            <a:avLst/>
+          </a:prstGeom>
+          <a:ln>
+            <a:tailEnd type="triangle"/>
+          </a:ln>
+        </p:spPr>
+        <p:style>
+          <a:lnRef idx="2">
+            <a:schemeClr val="accent3">
+              <a:shade val="50000"/>
+            </a:schemeClr>
+          </a:lnRef>
+          <a:fillRef idx="1">
+            <a:schemeClr val="accent3"/>
+          </a:fillRef>
+          <a:effectRef idx="0">
+            <a:schemeClr val="accent3"/>
+          </a:effectRef>
+          <a:fontRef idx="minor">
+            <a:schemeClr val="lt1"/>
+          </a:fontRef>
+        </p:style>
+      </p:cxnSp>
+      <p:cxnSp>
+        <p:nvCxnSpPr>
+          <p:cNvPr id="39" name="Connector: Elbow 38">
+            <a:extLst>
+              <a:ext uri="{FF2B5EF4-FFF2-40B4-BE49-F238E27FC236}">
+                <a16:creationId xmlns:a16="http://schemas.microsoft.com/office/drawing/2014/main" id="{325F0D88-7593-4D11-B707-CE8969720101}"/>
+              </a:ext>
+            </a:extLst>
+          </p:cNvPr>
+          <p:cNvCxnSpPr>
+            <a:stCxn id="30" idx="2"/>
+            <a:endCxn id="34" idx="0"/>
+          </p:cNvCxnSpPr>
+          <p:nvPr/>
+        </p:nvCxnSpPr>
+        <p:spPr>
+          <a:xfrm rot="5400000">
+            <a:off x="7407426" y="3362671"/>
+            <a:ext cx="386684" cy="519344"/>
+          </a:xfrm>
+          <a:prstGeom prst="bentConnector3">
+            <a:avLst/>
+          </a:prstGeom>
+          <a:ln>
+            <a:tailEnd type="triangle"/>
+          </a:ln>
+        </p:spPr>
+        <p:style>
+          <a:lnRef idx="2">
+            <a:schemeClr val="accent3">
+              <a:shade val="50000"/>
+            </a:schemeClr>
+          </a:lnRef>
+          <a:fillRef idx="1">
+            <a:schemeClr val="accent3"/>
+          </a:fillRef>
+          <a:effectRef idx="0">
+            <a:schemeClr val="accent3"/>
+          </a:effectRef>
+          <a:fontRef idx="minor">
+            <a:schemeClr val="lt1"/>
+          </a:fontRef>
+        </p:style>
+      </p:cxnSp>
+      <p:sp>
+        <p:nvSpPr>
+          <p:cNvPr id="40" name="TextBox 39">
+            <a:extLst>
+              <a:ext uri="{FF2B5EF4-FFF2-40B4-BE49-F238E27FC236}">
+                <a16:creationId xmlns:a16="http://schemas.microsoft.com/office/drawing/2014/main" id="{F7381A31-486E-4867-A372-105FE982F11A}"/>
+              </a:ext>
+            </a:extLst>
+          </p:cNvPr>
+          <p:cNvSpPr txBox="1"/>
+          <p:nvPr/>
+        </p:nvSpPr>
+        <p:spPr>
+          <a:xfrm>
+            <a:off x="838200" y="5090134"/>
+            <a:ext cx="10515600" cy="830997"/>
+          </a:xfrm>
+          <a:prstGeom prst="rect">
+            <a:avLst/>
+          </a:prstGeom>
+          <a:noFill/>
+        </p:spPr>
+        <p:txBody>
+          <a:bodyPr wrap="square" rtlCol="0">
+            <a:spAutoFit/>
+          </a:bodyPr>
+          <a:lstStyle/>
+          <a:p>
+            <a:r>
+              <a:rPr lang="en-US" sz="2400" dirty="0"/>
+              <a:t>Post List component will have multiple post in it and number of post in this component will change over time that means post will be a state for post list</a:t>
+            </a:r>
+          </a:p>
+        </p:txBody>
+      </p:sp>
+      <p:sp>
+        <p:nvSpPr>
+          <p:cNvPr id="42" name="Rectangle: Rounded Corners 41">
+            <a:extLst>
+              <a:ext uri="{FF2B5EF4-FFF2-40B4-BE49-F238E27FC236}">
+                <a16:creationId xmlns:a16="http://schemas.microsoft.com/office/drawing/2014/main" id="{18EC6BAF-3E2D-445E-9286-A83BAF615585}"/>
+              </a:ext>
+            </a:extLst>
+          </p:cNvPr>
+          <p:cNvSpPr/>
+          <p:nvPr/>
+        </p:nvSpPr>
+        <p:spPr>
+          <a:xfrm>
+            <a:off x="8468927" y="4202369"/>
+            <a:ext cx="860397" cy="310719"/>
+          </a:xfrm>
+          <a:prstGeom prst="roundRect">
+            <a:avLst/>
+          </a:prstGeom>
+        </p:spPr>
+        <p:style>
+          <a:lnRef idx="2">
+            <a:schemeClr val="accent2">
+              <a:shade val="50000"/>
+            </a:schemeClr>
+          </a:lnRef>
+          <a:fillRef idx="1">
+            <a:schemeClr val="accent2"/>
+          </a:fillRef>
+          <a:effectRef idx="0">
+            <a:schemeClr val="accent2"/>
+          </a:effectRef>
+          <a:fontRef idx="minor">
+            <a:schemeClr val="lt1"/>
+          </a:fontRef>
+        </p:style>
+        <p:txBody>
+          <a:bodyPr rtlCol="0" anchor="ctr"/>
+          <a:lstStyle/>
+          <a:p>
+            <a:pPr algn="ctr"/>
+            <a:r>
+              <a:rPr lang="en-US" dirty="0"/>
+              <a:t>post</a:t>
+            </a:r>
+          </a:p>
+        </p:txBody>
+      </p:sp>
+    </p:spTree>
+    <p:extLst>
+      <p:ext uri="{BB962C8B-B14F-4D97-AF65-F5344CB8AC3E}">
+        <p14:creationId xmlns:p14="http://schemas.microsoft.com/office/powerpoint/2010/main" val="1784839868"/>
       </p:ext>
     </p:extLst>
   </p:cSld>
@@ -9929,110 +12104,16 @@
         <a:srgbClr val="954F72"/>
       </a:folHlink>
     </a:clrScheme>
-    <a:fontScheme name="Office">
+    <a:fontScheme name="Custom 3">
       <a:majorFont>
-        <a:latin typeface="Calibri Light" panose="020F0302020204030204"/>
+        <a:latin typeface="Manrope ExtraBold"/>
         <a:ea typeface=""/>
         <a:cs typeface=""/>
-        <a:font script="Jpan" typeface="游ゴシック Light"/>
-        <a:font script="Hang" typeface="맑은 고딕"/>
-        <a:font script="Hans" typeface="等线 Light"/>
-        <a:font script="Hant" typeface="新細明體"/>
-        <a:font script="Arab" typeface="Times New Roman"/>
-        <a:font script="Hebr" typeface="Times New Roman"/>
-        <a:font script="Thai" typeface="Angsana New"/>
-        <a:font script="Ethi" typeface="Nyala"/>
-        <a:font script="Beng" typeface="Vrinda"/>
-        <a:font script="Gujr" typeface="Shruti"/>
-        <a:font script="Khmr" typeface="MoolBoran"/>
-        <a:font script="Knda" typeface="Tunga"/>
-        <a:font script="Guru" typeface="Raavi"/>
-        <a:font script="Cans" typeface="Euphemia"/>
-        <a:font script="Cher" typeface="Plantagenet Cherokee"/>
-        <a:font script="Yiii" typeface="Microsoft Yi Baiti"/>
-        <a:font script="Tibt" typeface="Microsoft Himalaya"/>
-        <a:font script="Thaa" typeface="MV Boli"/>
-        <a:font script="Deva" typeface="Mangal"/>
-        <a:font script="Telu" typeface="Gautami"/>
-        <a:font script="Taml" typeface="Latha"/>
-        <a:font script="Syrc" typeface="Estrangelo Edessa"/>
-        <a:font script="Orya" typeface="Kalinga"/>
-        <a:font script="Mlym" typeface="Kartika"/>
-        <a:font script="Laoo" typeface="DokChampa"/>
-        <a:font script="Sinh" typeface="Iskoola Pota"/>
-        <a:font script="Mong" typeface="Mongolian Baiti"/>
-        <a:font script="Viet" typeface="Times New Roman"/>
-        <a:font script="Uigh" typeface="Microsoft Uighur"/>
-        <a:font script="Geor" typeface="Sylfaen"/>
-        <a:font script="Armn" typeface="Arial"/>
-        <a:font script="Bugi" typeface="Leelawadee UI"/>
-        <a:font script="Bopo" typeface="Microsoft JhengHei"/>
-        <a:font script="Java" typeface="Javanese Text"/>
-        <a:font script="Lisu" typeface="Segoe UI"/>
-        <a:font script="Mymr" typeface="Myanmar Text"/>
-        <a:font script="Nkoo" typeface="Ebrima"/>
-        <a:font script="Olck" typeface="Nirmala UI"/>
-        <a:font script="Osma" typeface="Ebrima"/>
-        <a:font script="Phag" typeface="Phagspa"/>
-        <a:font script="Syrn" typeface="Estrangelo Edessa"/>
-        <a:font script="Syrj" typeface="Estrangelo Edessa"/>
-        <a:font script="Syre" typeface="Estrangelo Edessa"/>
-        <a:font script="Sora" typeface="Nirmala UI"/>
-        <a:font script="Tale" typeface="Microsoft Tai Le"/>
-        <a:font script="Talu" typeface="Microsoft New Tai Lue"/>
-        <a:font script="Tfng" typeface="Ebrima"/>
       </a:majorFont>
       <a:minorFont>
-        <a:latin typeface="Calibri" panose="020F0502020204030204"/>
+        <a:latin typeface="Segoe UI"/>
         <a:ea typeface=""/>
         <a:cs typeface=""/>
-        <a:font script="Jpan" typeface="游ゴシック"/>
-        <a:font script="Hang" typeface="맑은 고딕"/>
-        <a:font script="Hans" typeface="等线"/>
-        <a:font script="Hant" typeface="新細明體"/>
-        <a:font script="Arab" typeface="Arial"/>
-        <a:font script="Hebr" typeface="Arial"/>
-        <a:font script="Thai" typeface="Cordia New"/>
-        <a:font script="Ethi" typeface="Nyala"/>
-        <a:font script="Beng" typeface="Vrinda"/>
-        <a:font script="Gujr" typeface="Shruti"/>
-        <a:font script="Khmr" typeface="DaunPenh"/>
-        <a:font script="Knda" typeface="Tunga"/>
-        <a:font script="Guru" typeface="Raavi"/>
-        <a:font script="Cans" typeface="Euphemia"/>
-        <a:font script="Cher" typeface="Plantagenet Cherokee"/>
-        <a:font script="Yiii" typeface="Microsoft Yi Baiti"/>
-        <a:font script="Tibt" typeface="Microsoft Himalaya"/>
-        <a:font script="Thaa" typeface="MV Boli"/>
-        <a:font script="Deva" typeface="Mangal"/>
-        <a:font script="Telu" typeface="Gautami"/>
-        <a:font script="Taml" typeface="Latha"/>
-        <a:font script="Syrc" typeface="Estrangelo Edessa"/>
-        <a:font script="Orya" typeface="Kalinga"/>
-        <a:font script="Mlym" typeface="Kartika"/>
-        <a:font script="Laoo" typeface="DokChampa"/>
-        <a:font script="Sinh" typeface="Iskoola Pota"/>
-        <a:font script="Mong" typeface="Mongolian Baiti"/>
-        <a:font script="Viet" typeface="Arial"/>
-        <a:font script="Uigh" typeface="Microsoft Uighur"/>
-        <a:font script="Geor" typeface="Sylfaen"/>
-        <a:font script="Armn" typeface="Arial"/>
-        <a:font script="Bugi" typeface="Leelawadee UI"/>
-        <a:font script="Bopo" typeface="Microsoft JhengHei"/>
-        <a:font script="Java" typeface="Javanese Text"/>
-        <a:font script="Lisu" typeface="Segoe UI"/>
-        <a:font script="Mymr" typeface="Myanmar Text"/>
-        <a:font script="Nkoo" typeface="Ebrima"/>
-        <a:font script="Olck" typeface="Nirmala UI"/>
-        <a:font script="Osma" typeface="Ebrima"/>
-        <a:font script="Phag" typeface="Phagspa"/>
-        <a:font script="Syrn" typeface="Estrangelo Edessa"/>
-        <a:font script="Syrj" typeface="Estrangelo Edessa"/>
-        <a:font script="Syre" typeface="Estrangelo Edessa"/>
-        <a:font script="Sora" typeface="Nirmala UI"/>
-        <a:font script="Tale" typeface="Microsoft Tai Le"/>
-        <a:font script="Talu" typeface="Microsoft New Tai Lue"/>
-        <a:font script="Tfng" typeface="Ebrima"/>
       </a:minorFont>
     </a:fontScheme>
     <a:fmtScheme name="Office">

--- a/resources/workshop-presentation.pptx
+++ b/resources/workshop-presentation.pptx
@@ -5,7 +5,7 @@
     <p:sldMasterId id="2147483752" r:id="rId1"/>
   </p:sldMasterIdLst>
   <p:notesMasterIdLst>
-    <p:notesMasterId r:id="rId34"/>
+    <p:notesMasterId r:id="rId37"/>
   </p:notesMasterIdLst>
   <p:sldIdLst>
     <p:sldId id="256" r:id="rId2"/>
@@ -35,11 +35,14 @@
     <p:sldId id="279" r:id="rId26"/>
     <p:sldId id="280" r:id="rId27"/>
     <p:sldId id="282" r:id="rId28"/>
-    <p:sldId id="285" r:id="rId29"/>
-    <p:sldId id="283" r:id="rId30"/>
-    <p:sldId id="284" r:id="rId31"/>
-    <p:sldId id="287" r:id="rId32"/>
-    <p:sldId id="286" r:id="rId33"/>
+    <p:sldId id="283" r:id="rId29"/>
+    <p:sldId id="285" r:id="rId30"/>
+    <p:sldId id="287" r:id="rId31"/>
+    <p:sldId id="288" r:id="rId32"/>
+    <p:sldId id="289" r:id="rId33"/>
+    <p:sldId id="290" r:id="rId34"/>
+    <p:sldId id="291" r:id="rId35"/>
+    <p:sldId id="286" r:id="rId36"/>
   </p:sldIdLst>
   <p:sldSz cx="12192000" cy="6858000"/>
   <p:notesSz cx="6858000" cy="9144000"/>
@@ -182,10 +185,13 @@
             <p14:sldId id="279"/>
             <p14:sldId id="280"/>
             <p14:sldId id="282"/>
+            <p14:sldId id="283"/>
             <p14:sldId id="285"/>
-            <p14:sldId id="283"/>
-            <p14:sldId id="284"/>
             <p14:sldId id="287"/>
+            <p14:sldId id="288"/>
+            <p14:sldId id="289"/>
+            <p14:sldId id="290"/>
+            <p14:sldId id="291"/>
             <p14:sldId id="286"/>
           </p14:sldIdLst>
         </p14:section>
@@ -280,7 +286,7 @@
           <a:p>
             <a:fld id="{F4670F48-860A-4E6E-BAFE-6FC22D11B84B}" type="datetimeFigureOut">
               <a:rPr lang="en-US" smtClean="0"/>
-              <a:t>4/27/2022</a:t>
+              <a:t>4/29/2022</a:t>
             </a:fld>
             <a:endParaRPr lang="en-US"/>
           </a:p>
@@ -694,7 +700,7 @@
           <a:p>
             <a:fld id="{F42C0E84-49D0-4011-ABBF-FFA0D6732281}" type="datetimeFigureOut">
               <a:rPr lang="en-US" smtClean="0"/>
-              <a:t>4/27/2022</a:t>
+              <a:t>4/29/2022</a:t>
             </a:fld>
             <a:endParaRPr lang="en-US"/>
           </a:p>
@@ -892,7 +898,7 @@
           <a:p>
             <a:fld id="{F42C0E84-49D0-4011-ABBF-FFA0D6732281}" type="datetimeFigureOut">
               <a:rPr lang="en-US" smtClean="0"/>
-              <a:t>4/27/2022</a:t>
+              <a:t>4/29/2022</a:t>
             </a:fld>
             <a:endParaRPr lang="en-US"/>
           </a:p>
@@ -1100,7 +1106,7 @@
           <a:p>
             <a:fld id="{F42C0E84-49D0-4011-ABBF-FFA0D6732281}" type="datetimeFigureOut">
               <a:rPr lang="en-US" smtClean="0"/>
-              <a:t>4/27/2022</a:t>
+              <a:t>4/29/2022</a:t>
             </a:fld>
             <a:endParaRPr lang="en-US"/>
           </a:p>
@@ -1298,7 +1304,7 @@
           <a:p>
             <a:fld id="{F42C0E84-49D0-4011-ABBF-FFA0D6732281}" type="datetimeFigureOut">
               <a:rPr lang="en-US" smtClean="0"/>
-              <a:t>4/27/2022</a:t>
+              <a:t>4/29/2022</a:t>
             </a:fld>
             <a:endParaRPr lang="en-US"/>
           </a:p>
@@ -1573,7 +1579,7 @@
           <a:p>
             <a:fld id="{F42C0E84-49D0-4011-ABBF-FFA0D6732281}" type="datetimeFigureOut">
               <a:rPr lang="en-US" smtClean="0"/>
-              <a:t>4/27/2022</a:t>
+              <a:t>4/29/2022</a:t>
             </a:fld>
             <a:endParaRPr lang="en-US"/>
           </a:p>
@@ -1838,7 +1844,7 @@
           <a:p>
             <a:fld id="{F42C0E84-49D0-4011-ABBF-FFA0D6732281}" type="datetimeFigureOut">
               <a:rPr lang="en-US" smtClean="0"/>
-              <a:t>4/27/2022</a:t>
+              <a:t>4/29/2022</a:t>
             </a:fld>
             <a:endParaRPr lang="en-US"/>
           </a:p>
@@ -2250,7 +2256,7 @@
           <a:p>
             <a:fld id="{F42C0E84-49D0-4011-ABBF-FFA0D6732281}" type="datetimeFigureOut">
               <a:rPr lang="en-US" smtClean="0"/>
-              <a:t>4/27/2022</a:t>
+              <a:t>4/29/2022</a:t>
             </a:fld>
             <a:endParaRPr lang="en-US"/>
           </a:p>
@@ -2391,7 +2397,7 @@
           <a:p>
             <a:fld id="{F42C0E84-49D0-4011-ABBF-FFA0D6732281}" type="datetimeFigureOut">
               <a:rPr lang="en-US" smtClean="0"/>
-              <a:t>4/27/2022</a:t>
+              <a:t>4/29/2022</a:t>
             </a:fld>
             <a:endParaRPr lang="en-US"/>
           </a:p>
@@ -2504,7 +2510,7 @@
           <a:p>
             <a:fld id="{F42C0E84-49D0-4011-ABBF-FFA0D6732281}" type="datetimeFigureOut">
               <a:rPr lang="en-US" smtClean="0"/>
-              <a:t>4/27/2022</a:t>
+              <a:t>4/29/2022</a:t>
             </a:fld>
             <a:endParaRPr lang="en-US"/>
           </a:p>
@@ -2815,7 +2821,7 @@
           <a:p>
             <a:fld id="{F42C0E84-49D0-4011-ABBF-FFA0D6732281}" type="datetimeFigureOut">
               <a:rPr lang="en-US" smtClean="0"/>
-              <a:t>4/27/2022</a:t>
+              <a:t>4/29/2022</a:t>
             </a:fld>
             <a:endParaRPr lang="en-US"/>
           </a:p>
@@ -3103,7 +3109,7 @@
           <a:p>
             <a:fld id="{F42C0E84-49D0-4011-ABBF-FFA0D6732281}" type="datetimeFigureOut">
               <a:rPr lang="en-US" smtClean="0"/>
-              <a:t>4/27/2022</a:t>
+              <a:t>4/29/2022</a:t>
             </a:fld>
             <a:endParaRPr lang="en-US"/>
           </a:p>
@@ -3344,7 +3350,7 @@
           <a:p>
             <a:fld id="{F42C0E84-49D0-4011-ABBF-FFA0D6732281}" type="datetimeFigureOut">
               <a:rPr lang="en-US" smtClean="0"/>
-              <a:t>4/27/2022</a:t>
+              <a:t>4/29/2022</a:t>
             </a:fld>
             <a:endParaRPr lang="en-US"/>
           </a:p>
@@ -6149,7 +6155,7 @@
                 <a:latin typeface="Segoe UI" panose="020B0502040204020203" pitchFamily="34" charset="0"/>
                 <a:cs typeface="Segoe UI" panose="020B0502040204020203" pitchFamily="34" charset="0"/>
               </a:rPr>
-              <a:t>JavaScript is a prototype-based, multi-paradigm, single-threaded, dynamic.</a:t>
+              <a:t>JavaScript is prototype-based, multi-paradigm, single-threaded, dynamic.</a:t>
             </a:r>
           </a:p>
           <a:p>
@@ -6167,7 +6173,7 @@
                 <a:latin typeface="Segoe UI" panose="020B0502040204020203" pitchFamily="34" charset="0"/>
                 <a:cs typeface="Segoe UI" panose="020B0502040204020203" pitchFamily="34" charset="0"/>
               </a:rPr>
-              <a:t>JavaScript can run on client side with web browser as well as on server side with NodeJS</a:t>
+              <a:t>JavaScript can run on client side via web browser as well as on server side via NodeJS</a:t>
             </a:r>
           </a:p>
           <a:p>
@@ -7027,7 +7033,7 @@
                 <a:latin typeface="Segoe UI" panose="020B0502040204020203" pitchFamily="34" charset="0"/>
                 <a:cs typeface="Segoe UI" panose="020B0502040204020203" pitchFamily="34" charset="0"/>
               </a:rPr>
-              <a:t>Keeps the application state and UI in sync, It reacts whenever any state in changes.</a:t>
+              <a:t>Keeps the application state and UI in sync, It reacts whenever any state in the app changes.</a:t>
             </a:r>
           </a:p>
           <a:p>
@@ -7063,7 +7069,7 @@
                 <a:latin typeface="Segoe UI" panose="020B0502040204020203" pitchFamily="34" charset="0"/>
                 <a:cs typeface="Segoe UI" panose="020B0502040204020203" pitchFamily="34" charset="0"/>
               </a:rPr>
-              <a:t>Visuals of the components are defined with JSX</a:t>
+              <a:t>Visuals of the components are defined with JSX which is compiled to JavaScript using babel.</a:t>
             </a:r>
           </a:p>
         </p:txBody>
@@ -7246,7 +7252,7 @@
           <p:cNvPr id="2" name="Title 1">
             <a:extLst>
               <a:ext uri="{FF2B5EF4-FFF2-40B4-BE49-F238E27FC236}">
-                <a16:creationId xmlns:a16="http://schemas.microsoft.com/office/drawing/2014/main" id="{C938F5B6-30A9-4BD4-9C60-73FDBB554098}"/>
+                <a16:creationId xmlns:a16="http://schemas.microsoft.com/office/drawing/2014/main" id="{E4D61F9D-E164-4E76-9B1A-04B3E64C92D2}"/>
               </a:ext>
             </a:extLst>
           </p:cNvPr>
@@ -7264,17 +7270,17 @@
           <a:p>
             <a:r>
               <a:rPr lang="en-US" dirty="0"/>
-              <a:t>How React Works ?</a:t>
-            </a:r>
-          </a:p>
-        </p:txBody>
-      </p:sp>
-      <p:sp>
-        <p:nvSpPr>
-          <p:cNvPr id="6" name="Content Placeholder 5">
-            <a:extLst>
-              <a:ext uri="{FF2B5EF4-FFF2-40B4-BE49-F238E27FC236}">
-                <a16:creationId xmlns:a16="http://schemas.microsoft.com/office/drawing/2014/main" id="{08D77FC3-ED23-4BD4-AE9A-22C0146B9451}"/>
+              <a:t>Defining a React Component</a:t>
+            </a:r>
+          </a:p>
+        </p:txBody>
+      </p:sp>
+      <p:sp>
+        <p:nvSpPr>
+          <p:cNvPr id="3" name="Content Placeholder 2">
+            <a:extLst>
+              <a:ext uri="{FF2B5EF4-FFF2-40B4-BE49-F238E27FC236}">
+                <a16:creationId xmlns:a16="http://schemas.microsoft.com/office/drawing/2014/main" id="{A0A8F5D5-6D0E-462F-AF9C-4ABEC1F1B0C4}"/>
               </a:ext>
             </a:extLst>
           </p:cNvPr>
@@ -7287,24 +7293,381 @@
         </p:nvSpPr>
         <p:spPr/>
         <p:txBody>
-          <a:bodyPr/>
-          <a:lstStyle/>
-          <a:p>
-            <a:r>
-              <a:rPr lang="en-US" dirty="0"/>
-              <a:t>React create a virtual DOM using the nesting of react components</a:t>
-            </a:r>
-          </a:p>
-          <a:p>
-            <a:r>
-              <a:rPr lang="en-US" dirty="0"/>
-              <a:t>Each components has its own independent logic and state  </a:t>
-            </a:r>
-          </a:p>
-          <a:p>
-            <a:r>
-              <a:rPr lang="en-US" dirty="0"/>
-              <a:t>The virtual Dom is used to modify only the part of the actual Dom which uses that state</a:t>
+          <a:bodyPr>
+            <a:normAutofit fontScale="92500" lnSpcReduction="20000"/>
+          </a:bodyPr>
+          <a:lstStyle/>
+          <a:p>
+            <a:pPr marL="0" indent="0">
+              <a:buNone/>
+            </a:pPr>
+            <a:r>
+              <a:rPr lang="en-US" sz="2400" dirty="0">
+                <a:solidFill>
+                  <a:schemeClr val="accent1"/>
+                </a:solidFill>
+                <a:latin typeface="Consolas" panose="020B0609020204030204" pitchFamily="49" charset="0"/>
+              </a:rPr>
+              <a:t>function</a:t>
+            </a:r>
+            <a:r>
+              <a:rPr lang="en-US" sz="2400" dirty="0">
+                <a:latin typeface="Consolas" panose="020B0609020204030204" pitchFamily="49" charset="0"/>
+              </a:rPr>
+              <a:t> MyComponent(</a:t>
+            </a:r>
+            <a:r>
+              <a:rPr lang="en-US" sz="2400" dirty="0">
+                <a:solidFill>
+                  <a:schemeClr val="accent4">
+                    <a:lumMod val="75000"/>
+                  </a:schemeClr>
+                </a:solidFill>
+                <a:latin typeface="Consolas" panose="020B0609020204030204" pitchFamily="49" charset="0"/>
+              </a:rPr>
+              <a:t>props</a:t>
+            </a:r>
+            <a:r>
+              <a:rPr lang="en-US" sz="2400" dirty="0">
+                <a:latin typeface="Consolas" panose="020B0609020204030204" pitchFamily="49" charset="0"/>
+              </a:rPr>
+              <a:t>){</a:t>
+            </a:r>
+          </a:p>
+          <a:p>
+            <a:pPr marL="0" indent="0">
+              <a:buNone/>
+            </a:pPr>
+            <a:r>
+              <a:rPr lang="en-US" sz="2400" dirty="0">
+                <a:latin typeface="Consolas" panose="020B0609020204030204" pitchFamily="49" charset="0"/>
+              </a:rPr>
+              <a:t>	</a:t>
+            </a:r>
+            <a:r>
+              <a:rPr lang="en-US" sz="2400" dirty="0">
+                <a:solidFill>
+                  <a:schemeClr val="accent1"/>
+                </a:solidFill>
+                <a:latin typeface="Consolas" panose="020B0609020204030204" pitchFamily="49" charset="0"/>
+              </a:rPr>
+              <a:t>const</a:t>
+            </a:r>
+            <a:r>
+              <a:rPr lang="en-US" sz="2400" dirty="0">
+                <a:latin typeface="Consolas" panose="020B0609020204030204" pitchFamily="49" charset="0"/>
+              </a:rPr>
+              <a:t> name = </a:t>
+            </a:r>
+            <a:r>
+              <a:rPr lang="en-US" sz="2400" dirty="0">
+                <a:solidFill>
+                  <a:schemeClr val="accent6"/>
+                </a:solidFill>
+                <a:latin typeface="Consolas" panose="020B0609020204030204" pitchFamily="49" charset="0"/>
+              </a:rPr>
+              <a:t>"World"</a:t>
+            </a:r>
+            <a:endParaRPr lang="en-US" sz="2400" dirty="0">
+              <a:latin typeface="Consolas" panose="020B0609020204030204" pitchFamily="49" charset="0"/>
+            </a:endParaRPr>
+          </a:p>
+          <a:p>
+            <a:pPr marL="0" indent="0">
+              <a:buNone/>
+            </a:pPr>
+            <a:r>
+              <a:rPr lang="en-US" sz="2400" dirty="0">
+                <a:solidFill>
+                  <a:srgbClr val="7030A0"/>
+                </a:solidFill>
+                <a:latin typeface="Consolas" panose="020B0609020204030204" pitchFamily="49" charset="0"/>
+              </a:rPr>
+              <a:t>	return</a:t>
+            </a:r>
+            <a:r>
+              <a:rPr lang="en-US" sz="2400" dirty="0">
+                <a:latin typeface="Consolas" panose="020B0609020204030204" pitchFamily="49" charset="0"/>
+              </a:rPr>
+              <a:t> (</a:t>
+            </a:r>
+          </a:p>
+          <a:p>
+            <a:pPr marL="0" indent="0">
+              <a:buNone/>
+            </a:pPr>
+            <a:r>
+              <a:rPr lang="en-US" sz="2400" dirty="0">
+                <a:latin typeface="Consolas" panose="020B0609020204030204" pitchFamily="49" charset="0"/>
+              </a:rPr>
+              <a:t>		</a:t>
+            </a:r>
+            <a:r>
+              <a:rPr lang="en-US" sz="2400" dirty="0">
+                <a:solidFill>
+                  <a:schemeClr val="accent1"/>
+                </a:solidFill>
+                <a:latin typeface="Consolas" panose="020B0609020204030204" pitchFamily="49" charset="0"/>
+              </a:rPr>
+              <a:t>&lt;h1 </a:t>
+            </a:r>
+            <a:r>
+              <a:rPr lang="en-US" sz="2400" dirty="0">
+                <a:solidFill>
+                  <a:schemeClr val="accent2">
+                    <a:lumMod val="75000"/>
+                  </a:schemeClr>
+                </a:solidFill>
+                <a:latin typeface="Consolas" panose="020B0609020204030204" pitchFamily="49" charset="0"/>
+              </a:rPr>
+              <a:t>id</a:t>
+            </a:r>
+            <a:r>
+              <a:rPr lang="en-US" sz="2400" dirty="0">
+                <a:solidFill>
+                  <a:schemeClr val="accent1"/>
+                </a:solidFill>
+                <a:latin typeface="Consolas" panose="020B0609020204030204" pitchFamily="49" charset="0"/>
+              </a:rPr>
+              <a:t>={</a:t>
+            </a:r>
+            <a:r>
+              <a:rPr lang="en-US" sz="2400" dirty="0">
+                <a:solidFill>
+                  <a:schemeClr val="accent4">
+                    <a:lumMod val="75000"/>
+                  </a:schemeClr>
+                </a:solidFill>
+                <a:latin typeface="Consolas" panose="020B0609020204030204" pitchFamily="49" charset="0"/>
+              </a:rPr>
+              <a:t>props.id</a:t>
+            </a:r>
+            <a:r>
+              <a:rPr lang="en-US" sz="2400" dirty="0">
+                <a:solidFill>
+                  <a:schemeClr val="accent1"/>
+                </a:solidFill>
+                <a:latin typeface="Consolas" panose="020B0609020204030204" pitchFamily="49" charset="0"/>
+              </a:rPr>
+              <a:t>} </a:t>
+            </a:r>
+            <a:r>
+              <a:rPr lang="en-US" sz="2400" dirty="0">
+                <a:solidFill>
+                  <a:schemeClr val="accent2">
+                    <a:lumMod val="75000"/>
+                  </a:schemeClr>
+                </a:solidFill>
+                <a:latin typeface="Consolas" panose="020B0609020204030204" pitchFamily="49" charset="0"/>
+              </a:rPr>
+              <a:t>className</a:t>
+            </a:r>
+            <a:r>
+              <a:rPr lang="en-US" sz="2400" dirty="0">
+                <a:latin typeface="Consolas" panose="020B0609020204030204" pitchFamily="49" charset="0"/>
+              </a:rPr>
+              <a:t>=</a:t>
+            </a:r>
+            <a:r>
+              <a:rPr lang="en-US" sz="2400" dirty="0">
+                <a:solidFill>
+                  <a:schemeClr val="accent6"/>
+                </a:solidFill>
+                <a:latin typeface="Consolas" panose="020B0609020204030204" pitchFamily="49" charset="0"/>
+              </a:rPr>
+              <a:t>"heading"</a:t>
+            </a:r>
+            <a:r>
+              <a:rPr lang="en-US" sz="2400" dirty="0">
+                <a:solidFill>
+                  <a:schemeClr val="accent1"/>
+                </a:solidFill>
+                <a:latin typeface="Consolas" panose="020B0609020204030204" pitchFamily="49" charset="0"/>
+              </a:rPr>
+              <a:t>&gt;</a:t>
+            </a:r>
+          </a:p>
+          <a:p>
+            <a:pPr marL="0" indent="0">
+              <a:buNone/>
+            </a:pPr>
+            <a:r>
+              <a:rPr lang="en-US" sz="2400" dirty="0">
+                <a:solidFill>
+                  <a:schemeClr val="accent1"/>
+                </a:solidFill>
+                <a:latin typeface="Consolas" panose="020B0609020204030204" pitchFamily="49" charset="0"/>
+              </a:rPr>
+              <a:t>			</a:t>
+            </a:r>
+            <a:r>
+              <a:rPr lang="en-US" sz="2400" dirty="0">
+                <a:latin typeface="Consolas" panose="020B0609020204030204" pitchFamily="49" charset="0"/>
+              </a:rPr>
+              <a:t>Hello, </a:t>
+            </a:r>
+            <a:r>
+              <a:rPr lang="en-US" sz="2400" dirty="0">
+                <a:solidFill>
+                  <a:schemeClr val="accent1"/>
+                </a:solidFill>
+                <a:latin typeface="Consolas" panose="020B0609020204030204" pitchFamily="49" charset="0"/>
+              </a:rPr>
+              <a:t>{</a:t>
+            </a:r>
+            <a:r>
+              <a:rPr lang="en-US" sz="2400" dirty="0">
+                <a:latin typeface="Consolas" panose="020B0609020204030204" pitchFamily="49" charset="0"/>
+              </a:rPr>
+              <a:t>name</a:t>
+            </a:r>
+            <a:r>
+              <a:rPr lang="en-US" sz="2400" dirty="0">
+                <a:solidFill>
+                  <a:schemeClr val="accent1"/>
+                </a:solidFill>
+                <a:latin typeface="Consolas" panose="020B0609020204030204" pitchFamily="49" charset="0"/>
+              </a:rPr>
+              <a:t>}</a:t>
+            </a:r>
+            <a:r>
+              <a:rPr lang="en-US" sz="2400" dirty="0">
+                <a:latin typeface="Consolas" panose="020B0609020204030204" pitchFamily="49" charset="0"/>
+              </a:rPr>
+              <a:t>!</a:t>
+            </a:r>
+          </a:p>
+          <a:p>
+            <a:pPr marL="0" indent="0">
+              <a:buNone/>
+            </a:pPr>
+            <a:r>
+              <a:rPr lang="en-US" sz="2400" dirty="0">
+                <a:solidFill>
+                  <a:schemeClr val="accent1"/>
+                </a:solidFill>
+                <a:latin typeface="Consolas" panose="020B0609020204030204" pitchFamily="49" charset="0"/>
+              </a:rPr>
+              <a:t>		&lt;h1/&gt;</a:t>
+            </a:r>
+          </a:p>
+          <a:p>
+            <a:pPr marL="0" indent="0">
+              <a:buNone/>
+            </a:pPr>
+            <a:r>
+              <a:rPr lang="en-US" sz="2400" dirty="0">
+                <a:latin typeface="Consolas" panose="020B0609020204030204" pitchFamily="49" charset="0"/>
+              </a:rPr>
+              <a:t>	)</a:t>
+            </a:r>
+          </a:p>
+          <a:p>
+            <a:pPr marL="0" indent="0">
+              <a:buNone/>
+            </a:pPr>
+            <a:r>
+              <a:rPr lang="en-US" sz="2400" dirty="0">
+                <a:latin typeface="Consolas" panose="020B0609020204030204" pitchFamily="49" charset="0"/>
+              </a:rPr>
+              <a:t>}</a:t>
+            </a:r>
+          </a:p>
+          <a:p>
+            <a:pPr marL="0" indent="0">
+              <a:buNone/>
+            </a:pPr>
+            <a:endParaRPr lang="en-US" sz="2400" dirty="0">
+              <a:latin typeface="Consolas" panose="020B0609020204030204" pitchFamily="49" charset="0"/>
+            </a:endParaRPr>
+          </a:p>
+          <a:p>
+            <a:pPr marL="0" indent="0">
+              <a:buNone/>
+            </a:pPr>
+            <a:r>
+              <a:rPr lang="en-US" sz="2400" dirty="0">
+                <a:solidFill>
+                  <a:schemeClr val="accent1"/>
+                </a:solidFill>
+                <a:latin typeface="Consolas" panose="020B0609020204030204" pitchFamily="49" charset="0"/>
+              </a:rPr>
+              <a:t>&lt;div&gt;</a:t>
+            </a:r>
+          </a:p>
+          <a:p>
+            <a:pPr marL="0" indent="0">
+              <a:buNone/>
+            </a:pPr>
+            <a:r>
+              <a:rPr lang="en-US" sz="2400" dirty="0">
+                <a:latin typeface="Consolas" panose="020B0609020204030204" pitchFamily="49" charset="0"/>
+              </a:rPr>
+              <a:t>	</a:t>
+            </a:r>
+            <a:r>
+              <a:rPr lang="en-US" sz="2400" dirty="0">
+                <a:solidFill>
+                  <a:schemeClr val="accent1"/>
+                </a:solidFill>
+                <a:latin typeface="Consolas" panose="020B0609020204030204" pitchFamily="49" charset="0"/>
+              </a:rPr>
+              <a:t>&lt;MyComponent</a:t>
+            </a:r>
+            <a:r>
+              <a:rPr lang="en-US" sz="2400" dirty="0">
+                <a:latin typeface="Consolas" panose="020B0609020204030204" pitchFamily="49" charset="0"/>
+              </a:rPr>
+              <a:t> </a:t>
+            </a:r>
+            <a:r>
+              <a:rPr lang="en-US" sz="2400" dirty="0">
+                <a:solidFill>
+                  <a:schemeClr val="accent2">
+                    <a:lumMod val="75000"/>
+                  </a:schemeClr>
+                </a:solidFill>
+                <a:latin typeface="Consolas" panose="020B0609020204030204" pitchFamily="49" charset="0"/>
+              </a:rPr>
+              <a:t>name</a:t>
+            </a:r>
+            <a:r>
+              <a:rPr lang="en-US" sz="2400" dirty="0">
+                <a:latin typeface="Consolas" panose="020B0609020204030204" pitchFamily="49" charset="0"/>
+              </a:rPr>
+              <a:t>=</a:t>
+            </a:r>
+            <a:r>
+              <a:rPr lang="en-US" sz="2400" dirty="0">
+                <a:solidFill>
+                  <a:schemeClr val="accent6"/>
+                </a:solidFill>
+                <a:latin typeface="Consolas" panose="020B0609020204030204" pitchFamily="49" charset="0"/>
+              </a:rPr>
+              <a:t>"component-1"</a:t>
+            </a:r>
+            <a:r>
+              <a:rPr lang="en-US" sz="2400" dirty="0">
+                <a:solidFill>
+                  <a:schemeClr val="accent1"/>
+                </a:solidFill>
+                <a:latin typeface="Consolas" panose="020B0609020204030204" pitchFamily="49" charset="0"/>
+              </a:rPr>
+              <a:t>/&gt;</a:t>
+            </a:r>
+          </a:p>
+          <a:p>
+            <a:pPr marL="0" indent="0">
+              <a:buNone/>
+            </a:pPr>
+            <a:r>
+              <a:rPr lang="en-US" sz="2400" dirty="0">
+                <a:solidFill>
+                  <a:schemeClr val="accent1"/>
+                </a:solidFill>
+                <a:latin typeface="Consolas" panose="020B0609020204030204" pitchFamily="49" charset="0"/>
+              </a:rPr>
+              <a:t>&lt;/div&gt;</a:t>
             </a:r>
           </a:p>
         </p:txBody>
@@ -7312,7 +7675,7 @@
     </p:spTree>
     <p:extLst>
       <p:ext uri="{BB962C8B-B14F-4D97-AF65-F5344CB8AC3E}">
-        <p14:creationId xmlns:p14="http://schemas.microsoft.com/office/powerpoint/2010/main" val="3607468608"/>
+        <p14:creationId xmlns:p14="http://schemas.microsoft.com/office/powerpoint/2010/main" val="2299696543"/>
       </p:ext>
     </p:extLst>
   </p:cSld>
@@ -7344,7 +7707,7 @@
           <p:cNvPr id="2" name="Title 1">
             <a:extLst>
               <a:ext uri="{FF2B5EF4-FFF2-40B4-BE49-F238E27FC236}">
-                <a16:creationId xmlns:a16="http://schemas.microsoft.com/office/drawing/2014/main" id="{E4D61F9D-E164-4E76-9B1A-04B3E64C92D2}"/>
+                <a16:creationId xmlns:a16="http://schemas.microsoft.com/office/drawing/2014/main" id="{C938F5B6-30A9-4BD4-9C60-73FDBB554098}"/>
               </a:ext>
             </a:extLst>
           </p:cNvPr>
@@ -7362,17 +7725,17 @@
           <a:p>
             <a:r>
               <a:rPr lang="en-US" dirty="0"/>
-              <a:t>Defining a React Component</a:t>
-            </a:r>
-          </a:p>
-        </p:txBody>
-      </p:sp>
-      <p:sp>
-        <p:nvSpPr>
-          <p:cNvPr id="3" name="Content Placeholder 2">
-            <a:extLst>
-              <a:ext uri="{FF2B5EF4-FFF2-40B4-BE49-F238E27FC236}">
-                <a16:creationId xmlns:a16="http://schemas.microsoft.com/office/drawing/2014/main" id="{A0A8F5D5-6D0E-462F-AF9C-4ABEC1F1B0C4}"/>
+              <a:t>How React Works ?</a:t>
+            </a:r>
+          </a:p>
+        </p:txBody>
+      </p:sp>
+      <p:sp>
+        <p:nvSpPr>
+          <p:cNvPr id="6" name="Content Placeholder 5">
+            <a:extLst>
+              <a:ext uri="{FF2B5EF4-FFF2-40B4-BE49-F238E27FC236}">
+                <a16:creationId xmlns:a16="http://schemas.microsoft.com/office/drawing/2014/main" id="{08D77FC3-ED23-4BD4-AE9A-22C0146B9451}"/>
               </a:ext>
             </a:extLst>
           </p:cNvPr>
@@ -7385,260 +7748,24 @@
         </p:nvSpPr>
         <p:spPr/>
         <p:txBody>
-          <a:bodyPr>
-            <a:normAutofit/>
-          </a:bodyPr>
-          <a:lstStyle/>
-          <a:p>
-            <a:pPr marL="0" indent="0">
-              <a:buNone/>
-            </a:pPr>
-            <a:r>
-              <a:rPr lang="en-US" sz="2400" dirty="0">
-                <a:solidFill>
-                  <a:schemeClr val="accent1"/>
-                </a:solidFill>
-                <a:latin typeface="Consolas" panose="020B0609020204030204" pitchFamily="49" charset="0"/>
-              </a:rPr>
-              <a:t>function</a:t>
-            </a:r>
-            <a:r>
-              <a:rPr lang="en-US" sz="2400" dirty="0">
-                <a:latin typeface="Consolas" panose="020B0609020204030204" pitchFamily="49" charset="0"/>
-              </a:rPr>
-              <a:t> ComponentName(</a:t>
-            </a:r>
-            <a:r>
-              <a:rPr lang="en-US" sz="2400" dirty="0">
-                <a:solidFill>
-                  <a:schemeClr val="accent4">
-                    <a:lumMod val="75000"/>
-                  </a:schemeClr>
-                </a:solidFill>
-                <a:latin typeface="Consolas" panose="020B0609020204030204" pitchFamily="49" charset="0"/>
-              </a:rPr>
-              <a:t>props</a:t>
-            </a:r>
-            <a:r>
-              <a:rPr lang="en-US" sz="2400" dirty="0">
-                <a:latin typeface="Consolas" panose="020B0609020204030204" pitchFamily="49" charset="0"/>
-              </a:rPr>
-              <a:t>){</a:t>
-            </a:r>
-          </a:p>
-          <a:p>
-            <a:pPr marL="0" indent="0">
-              <a:buNone/>
-            </a:pPr>
-            <a:r>
-              <a:rPr lang="en-US" sz="2400" dirty="0">
-                <a:latin typeface="Consolas" panose="020B0609020204030204" pitchFamily="49" charset="0"/>
-              </a:rPr>
-              <a:t>	</a:t>
-            </a:r>
-            <a:r>
-              <a:rPr lang="en-US" sz="2400" dirty="0">
-                <a:solidFill>
-                  <a:srgbClr val="7030A0"/>
-                </a:solidFill>
-                <a:latin typeface="Consolas" panose="020B0609020204030204" pitchFamily="49" charset="0"/>
-              </a:rPr>
-              <a:t>return</a:t>
-            </a:r>
-            <a:r>
-              <a:rPr lang="en-US" sz="2400" dirty="0">
-                <a:latin typeface="Consolas" panose="020B0609020204030204" pitchFamily="49" charset="0"/>
-              </a:rPr>
-              <a:t> (</a:t>
-            </a:r>
-          </a:p>
-          <a:p>
-            <a:pPr marL="0" indent="0">
-              <a:buNone/>
-            </a:pPr>
-            <a:r>
-              <a:rPr lang="en-US" sz="2400" dirty="0">
-                <a:latin typeface="Consolas" panose="020B0609020204030204" pitchFamily="49" charset="0"/>
-              </a:rPr>
-              <a:t>		</a:t>
-            </a:r>
-            <a:r>
-              <a:rPr lang="en-US" sz="2400" dirty="0">
-                <a:solidFill>
-                  <a:schemeClr val="accent1"/>
-                </a:solidFill>
-                <a:latin typeface="Consolas" panose="020B0609020204030204" pitchFamily="49" charset="0"/>
-              </a:rPr>
-              <a:t>&lt;h1 </a:t>
-            </a:r>
-            <a:r>
-              <a:rPr lang="en-US" sz="2400" dirty="0">
-                <a:solidFill>
-                  <a:schemeClr val="accent2">
-                    <a:lumMod val="75000"/>
-                  </a:schemeClr>
-                </a:solidFill>
-                <a:latin typeface="Consolas" panose="020B0609020204030204" pitchFamily="49" charset="0"/>
-              </a:rPr>
-              <a:t>class</a:t>
-            </a:r>
-            <a:r>
-              <a:rPr lang="en-US" sz="2400" dirty="0">
-                <a:latin typeface="Consolas" panose="020B0609020204030204" pitchFamily="49" charset="0"/>
-              </a:rPr>
-              <a:t>=</a:t>
-            </a:r>
-            <a:r>
-              <a:rPr lang="en-US" sz="2400" dirty="0">
-                <a:solidFill>
-                  <a:schemeClr val="accent6"/>
-                </a:solidFill>
-                <a:latin typeface="Consolas" panose="020B0609020204030204" pitchFamily="49" charset="0"/>
-              </a:rPr>
-              <a:t>"heading"</a:t>
-            </a:r>
-            <a:r>
-              <a:rPr lang="en-US" sz="2400" dirty="0">
-                <a:solidFill>
-                  <a:schemeClr val="accent1"/>
-                </a:solidFill>
-                <a:latin typeface="Consolas" panose="020B0609020204030204" pitchFamily="49" charset="0"/>
-              </a:rPr>
-              <a:t>&gt;</a:t>
-            </a:r>
-            <a:r>
-              <a:rPr lang="en-US" sz="2400" dirty="0">
-                <a:latin typeface="Consolas" panose="020B0609020204030204" pitchFamily="49" charset="0"/>
-              </a:rPr>
-              <a:t>Hello, World!</a:t>
-            </a:r>
-            <a:r>
-              <a:rPr lang="en-US" sz="2400" dirty="0">
-                <a:solidFill>
-                  <a:schemeClr val="accent1"/>
-                </a:solidFill>
-                <a:latin typeface="Consolas" panose="020B0609020204030204" pitchFamily="49" charset="0"/>
-              </a:rPr>
-              <a:t>&lt;h1/&gt;</a:t>
-            </a:r>
-          </a:p>
-          <a:p>
-            <a:pPr marL="0" indent="0">
-              <a:buNone/>
-            </a:pPr>
-            <a:r>
-              <a:rPr lang="en-US" sz="2400" dirty="0">
-                <a:latin typeface="Consolas" panose="020B0609020204030204" pitchFamily="49" charset="0"/>
-              </a:rPr>
-              <a:t>	)</a:t>
-            </a:r>
-          </a:p>
-          <a:p>
-            <a:pPr marL="0" indent="0">
-              <a:buNone/>
-            </a:pPr>
-            <a:r>
-              <a:rPr lang="en-US" sz="2400" dirty="0">
-                <a:latin typeface="Consolas" panose="020B0609020204030204" pitchFamily="49" charset="0"/>
-              </a:rPr>
-              <a:t>}</a:t>
-            </a:r>
-          </a:p>
-          <a:p>
-            <a:pPr marL="0" indent="0">
-              <a:buNone/>
-            </a:pPr>
-            <a:endParaRPr lang="en-US" sz="2400" dirty="0">
-              <a:latin typeface="Consolas" panose="020B0609020204030204" pitchFamily="49" charset="0"/>
-            </a:endParaRPr>
-          </a:p>
-          <a:p>
-            <a:pPr marL="0" indent="0">
-              <a:buNone/>
-            </a:pPr>
-            <a:r>
-              <a:rPr lang="en-US" sz="2400" dirty="0">
-                <a:solidFill>
-                  <a:schemeClr val="accent1"/>
-                </a:solidFill>
-                <a:latin typeface="Consolas" panose="020B0609020204030204" pitchFamily="49" charset="0"/>
-              </a:rPr>
-              <a:t>&lt;div&gt;</a:t>
-            </a:r>
-          </a:p>
-          <a:p>
-            <a:pPr marL="0" indent="0">
-              <a:buNone/>
-            </a:pPr>
-            <a:r>
-              <a:rPr lang="en-US" sz="2400" dirty="0">
-                <a:latin typeface="Consolas" panose="020B0609020204030204" pitchFamily="49" charset="0"/>
-              </a:rPr>
-              <a:t>	</a:t>
-            </a:r>
-            <a:r>
-              <a:rPr lang="en-US" sz="2400" dirty="0">
-                <a:solidFill>
-                  <a:schemeClr val="accent1"/>
-                </a:solidFill>
-                <a:latin typeface="Consolas" panose="020B0609020204030204" pitchFamily="49" charset="0"/>
-              </a:rPr>
-              <a:t>&lt;ComponentName</a:t>
-            </a:r>
-            <a:r>
-              <a:rPr lang="en-US" sz="2400" dirty="0">
-                <a:latin typeface="Consolas" panose="020B0609020204030204" pitchFamily="49" charset="0"/>
-              </a:rPr>
-              <a:t> </a:t>
-            </a:r>
-            <a:r>
-              <a:rPr lang="en-US" sz="2400" dirty="0">
-                <a:solidFill>
-                  <a:schemeClr val="accent2">
-                    <a:lumMod val="75000"/>
-                  </a:schemeClr>
-                </a:solidFill>
-                <a:latin typeface="Consolas" panose="020B0609020204030204" pitchFamily="49" charset="0"/>
-              </a:rPr>
-              <a:t>id</a:t>
-            </a:r>
-            <a:r>
-              <a:rPr lang="en-US" sz="2400" dirty="0">
-                <a:latin typeface="Consolas" panose="020B0609020204030204" pitchFamily="49" charset="0"/>
-              </a:rPr>
-              <a:t>=</a:t>
-            </a:r>
-            <a:r>
-              <a:rPr lang="en-US" sz="2400" dirty="0">
-                <a:solidFill>
-                  <a:schemeClr val="accent6"/>
-                </a:solidFill>
-                <a:latin typeface="Consolas" panose="020B0609020204030204" pitchFamily="49" charset="0"/>
-              </a:rPr>
-              <a:t>"my-component"</a:t>
-            </a:r>
-            <a:r>
-              <a:rPr lang="en-US" sz="2400" dirty="0">
-                <a:solidFill>
-                  <a:schemeClr val="accent1"/>
-                </a:solidFill>
-                <a:latin typeface="Consolas" panose="020B0609020204030204" pitchFamily="49" charset="0"/>
-              </a:rPr>
-              <a:t>/&gt;</a:t>
-            </a:r>
-          </a:p>
-          <a:p>
-            <a:pPr marL="0" indent="0">
-              <a:buNone/>
-            </a:pPr>
-            <a:r>
-              <a:rPr lang="en-US" sz="2400" dirty="0">
-                <a:solidFill>
-                  <a:schemeClr val="accent1"/>
-                </a:solidFill>
-                <a:latin typeface="Consolas" panose="020B0609020204030204" pitchFamily="49" charset="0"/>
-              </a:rPr>
-              <a:t>&lt;/div&gt;</a:t>
+          <a:bodyPr/>
+          <a:lstStyle/>
+          <a:p>
+            <a:r>
+              <a:rPr lang="en-US" dirty="0"/>
+              <a:t>React create a virtual DOM using the nesting of react components</a:t>
+            </a:r>
+          </a:p>
+          <a:p>
+            <a:r>
+              <a:rPr lang="en-US" dirty="0"/>
+              <a:t>Each components has its own independent logic and state  </a:t>
+            </a:r>
+          </a:p>
+          <a:p>
+            <a:r>
+              <a:rPr lang="en-US" dirty="0"/>
+              <a:t>The virtual Dom is used to modify only the part of the actual Dom which uses that state</a:t>
             </a:r>
           </a:p>
         </p:txBody>
@@ -7646,7 +7773,7 @@
     </p:spTree>
     <p:extLst>
       <p:ext uri="{BB962C8B-B14F-4D97-AF65-F5344CB8AC3E}">
-        <p14:creationId xmlns:p14="http://schemas.microsoft.com/office/powerpoint/2010/main" val="2299696543"/>
+        <p14:creationId xmlns:p14="http://schemas.microsoft.com/office/powerpoint/2010/main" val="3607468608"/>
       </p:ext>
     </p:extLst>
   </p:cSld>
@@ -7783,7 +7910,7 @@
           <p:cNvPr id="2" name="Title 1">
             <a:extLst>
               <a:ext uri="{FF2B5EF4-FFF2-40B4-BE49-F238E27FC236}">
-                <a16:creationId xmlns:a16="http://schemas.microsoft.com/office/drawing/2014/main" id="{E4D61F9D-E164-4E76-9B1A-04B3E64C92D2}"/>
+                <a16:creationId xmlns:a16="http://schemas.microsoft.com/office/drawing/2014/main" id="{7C26DD32-8D7C-4139-8C5F-827E8599EA85}"/>
               </a:ext>
             </a:extLst>
           </p:cNvPr>
@@ -7801,7 +7928,7 @@
           <a:p>
             <a:r>
               <a:rPr lang="en-US" dirty="0"/>
-              <a:t>Defining a React Component</a:t>
+              <a:t>Example</a:t>
             </a:r>
           </a:p>
         </p:txBody>
@@ -7811,7 +7938,7 @@
           <p:cNvPr id="3" name="Content Placeholder 2">
             <a:extLst>
               <a:ext uri="{FF2B5EF4-FFF2-40B4-BE49-F238E27FC236}">
-                <a16:creationId xmlns:a16="http://schemas.microsoft.com/office/drawing/2014/main" id="{A0A8F5D5-6D0E-462F-AF9C-4ABEC1F1B0C4}"/>
+                <a16:creationId xmlns:a16="http://schemas.microsoft.com/office/drawing/2014/main" id="{AFC33335-1038-45D8-B9B1-4E247AE80B8B}"/>
               </a:ext>
             </a:extLst>
           </p:cNvPr>
@@ -7822,324 +7949,62 @@
             <p:ph idx="1"/>
           </p:nvPr>
         </p:nvSpPr>
-        <p:spPr/>
-        <p:txBody>
-          <a:bodyPr>
-            <a:normAutofit/>
-          </a:bodyPr>
-          <a:lstStyle/>
-          <a:p>
-            <a:pPr marL="0" indent="0">
-              <a:buNone/>
-            </a:pPr>
-            <a:r>
-              <a:rPr lang="en-US" sz="2400" dirty="0">
-                <a:solidFill>
-                  <a:schemeClr val="accent1"/>
-                </a:solidFill>
-                <a:latin typeface="Consolas" panose="020B0609020204030204" pitchFamily="49" charset="0"/>
-              </a:rPr>
-              <a:t>function</a:t>
-            </a:r>
-            <a:r>
-              <a:rPr lang="en-US" sz="2400" dirty="0">
-                <a:latin typeface="Consolas" panose="020B0609020204030204" pitchFamily="49" charset="0"/>
-              </a:rPr>
-              <a:t> ComponentName(</a:t>
-            </a:r>
-            <a:r>
-              <a:rPr lang="en-US" sz="2400" dirty="0">
-                <a:solidFill>
-                  <a:schemeClr val="accent4">
-                    <a:lumMod val="75000"/>
-                  </a:schemeClr>
-                </a:solidFill>
-                <a:latin typeface="Consolas" panose="020B0609020204030204" pitchFamily="49" charset="0"/>
-              </a:rPr>
-              <a:t>props</a:t>
-            </a:r>
-            <a:r>
-              <a:rPr lang="en-US" sz="2400" dirty="0">
-                <a:latin typeface="Consolas" panose="020B0609020204030204" pitchFamily="49" charset="0"/>
-              </a:rPr>
-              <a:t>){</a:t>
-            </a:r>
-          </a:p>
-          <a:p>
-            <a:pPr marL="0" indent="0">
-              <a:buNone/>
-            </a:pPr>
-            <a:r>
-              <a:rPr lang="en-US" sz="2400" dirty="0">
-                <a:latin typeface="Consolas" panose="020B0609020204030204" pitchFamily="49" charset="0"/>
-              </a:rPr>
-              <a:t>	</a:t>
-            </a:r>
-            <a:r>
-              <a:rPr lang="en-US" sz="2400" dirty="0">
-                <a:solidFill>
-                  <a:srgbClr val="7030A0"/>
-                </a:solidFill>
-                <a:latin typeface="Consolas" panose="020B0609020204030204" pitchFamily="49" charset="0"/>
-              </a:rPr>
-              <a:t>return</a:t>
-            </a:r>
-            <a:r>
-              <a:rPr lang="en-US" sz="2400" dirty="0">
-                <a:latin typeface="Consolas" panose="020B0609020204030204" pitchFamily="49" charset="0"/>
-              </a:rPr>
-              <a:t> (</a:t>
-            </a:r>
-          </a:p>
-          <a:p>
-            <a:pPr marL="0" indent="0">
-              <a:buNone/>
-            </a:pPr>
-            <a:r>
-              <a:rPr lang="en-US" sz="2400" dirty="0">
-                <a:latin typeface="Consolas" panose="020B0609020204030204" pitchFamily="49" charset="0"/>
-              </a:rPr>
-              <a:t>		</a:t>
-            </a:r>
-            <a:r>
-              <a:rPr lang="en-US" sz="2400" dirty="0">
-                <a:solidFill>
-                  <a:schemeClr val="accent1"/>
-                </a:solidFill>
-                <a:latin typeface="Consolas" panose="020B0609020204030204" pitchFamily="49" charset="0"/>
-              </a:rPr>
-              <a:t>&lt;h1 </a:t>
-            </a:r>
-            <a:r>
-              <a:rPr lang="en-US" sz="2400" dirty="0">
-                <a:solidFill>
-                  <a:schemeClr val="accent2">
-                    <a:lumMod val="75000"/>
-                  </a:schemeClr>
-                </a:solidFill>
-                <a:latin typeface="Consolas" panose="020B0609020204030204" pitchFamily="49" charset="0"/>
-              </a:rPr>
-              <a:t>class</a:t>
-            </a:r>
-            <a:r>
-              <a:rPr lang="en-US" sz="2400" dirty="0">
-                <a:latin typeface="Consolas" panose="020B0609020204030204" pitchFamily="49" charset="0"/>
-              </a:rPr>
-              <a:t>=</a:t>
-            </a:r>
-            <a:r>
-              <a:rPr lang="en-US" sz="2400" dirty="0">
-                <a:solidFill>
-                  <a:schemeClr val="accent6"/>
-                </a:solidFill>
-                <a:latin typeface="Consolas" panose="020B0609020204030204" pitchFamily="49" charset="0"/>
-              </a:rPr>
-              <a:t>"heading"</a:t>
-            </a:r>
-            <a:r>
-              <a:rPr lang="en-US" sz="2400" dirty="0">
-                <a:solidFill>
-                  <a:schemeClr val="accent1"/>
-                </a:solidFill>
-                <a:latin typeface="Consolas" panose="020B0609020204030204" pitchFamily="49" charset="0"/>
-              </a:rPr>
-              <a:t>&gt;</a:t>
-            </a:r>
-            <a:r>
-              <a:rPr lang="en-US" sz="2400" dirty="0">
-                <a:latin typeface="Consolas" panose="020B0609020204030204" pitchFamily="49" charset="0"/>
-              </a:rPr>
-              <a:t>Hello, World!</a:t>
-            </a:r>
-            <a:r>
-              <a:rPr lang="en-US" sz="2400" dirty="0">
-                <a:solidFill>
-                  <a:schemeClr val="accent1"/>
-                </a:solidFill>
-                <a:latin typeface="Consolas" panose="020B0609020204030204" pitchFamily="49" charset="0"/>
-              </a:rPr>
-              <a:t>&lt;h1/&gt;</a:t>
-            </a:r>
-          </a:p>
-          <a:p>
-            <a:pPr marL="0" indent="0">
-              <a:buNone/>
-            </a:pPr>
-            <a:r>
-              <a:rPr lang="en-US" sz="2400" dirty="0">
-                <a:latin typeface="Consolas" panose="020B0609020204030204" pitchFamily="49" charset="0"/>
-              </a:rPr>
-              <a:t>	)</a:t>
-            </a:r>
-          </a:p>
-          <a:p>
-            <a:pPr marL="0" indent="0">
-              <a:buNone/>
-            </a:pPr>
-            <a:r>
-              <a:rPr lang="en-US" sz="2400" dirty="0">
-                <a:latin typeface="Consolas" panose="020B0609020204030204" pitchFamily="49" charset="0"/>
-              </a:rPr>
-              <a:t>}</a:t>
-            </a:r>
-          </a:p>
-          <a:p>
-            <a:pPr marL="0" indent="0">
-              <a:buNone/>
-            </a:pPr>
-            <a:endParaRPr lang="en-US" sz="2400" dirty="0">
-              <a:latin typeface="Consolas" panose="020B0609020204030204" pitchFamily="49" charset="0"/>
-            </a:endParaRPr>
-          </a:p>
-          <a:p>
-            <a:pPr marL="0" indent="0">
-              <a:buNone/>
-            </a:pPr>
-            <a:r>
-              <a:rPr lang="en-US" sz="2400" dirty="0">
-                <a:solidFill>
-                  <a:schemeClr val="accent1"/>
-                </a:solidFill>
-                <a:latin typeface="Consolas" panose="020B0609020204030204" pitchFamily="49" charset="0"/>
-              </a:rPr>
-              <a:t>&lt;div&gt;</a:t>
-            </a:r>
-          </a:p>
-          <a:p>
-            <a:pPr marL="0" indent="0">
-              <a:buNone/>
-            </a:pPr>
-            <a:r>
-              <a:rPr lang="en-US" sz="2400" dirty="0">
-                <a:latin typeface="Consolas" panose="020B0609020204030204" pitchFamily="49" charset="0"/>
-              </a:rPr>
-              <a:t>	</a:t>
-            </a:r>
-            <a:r>
-              <a:rPr lang="en-US" sz="2400" dirty="0">
-                <a:solidFill>
-                  <a:schemeClr val="accent1"/>
-                </a:solidFill>
-                <a:latin typeface="Consolas" panose="020B0609020204030204" pitchFamily="49" charset="0"/>
-              </a:rPr>
-              <a:t>&lt;ComponentName</a:t>
-            </a:r>
-            <a:r>
-              <a:rPr lang="en-US" sz="2400" dirty="0">
-                <a:latin typeface="Consolas" panose="020B0609020204030204" pitchFamily="49" charset="0"/>
-              </a:rPr>
-              <a:t> </a:t>
-            </a:r>
-            <a:r>
-              <a:rPr lang="en-US" sz="2400" dirty="0">
-                <a:solidFill>
-                  <a:schemeClr val="accent2">
-                    <a:lumMod val="75000"/>
-                  </a:schemeClr>
-                </a:solidFill>
-                <a:latin typeface="Consolas" panose="020B0609020204030204" pitchFamily="49" charset="0"/>
-              </a:rPr>
-              <a:t>id</a:t>
-            </a:r>
-            <a:r>
-              <a:rPr lang="en-US" sz="2400" dirty="0">
-                <a:latin typeface="Consolas" panose="020B0609020204030204" pitchFamily="49" charset="0"/>
-              </a:rPr>
-              <a:t>=</a:t>
-            </a:r>
-            <a:r>
-              <a:rPr lang="en-US" sz="2400" dirty="0">
-                <a:solidFill>
-                  <a:schemeClr val="accent6"/>
-                </a:solidFill>
-                <a:latin typeface="Consolas" panose="020B0609020204030204" pitchFamily="49" charset="0"/>
-              </a:rPr>
-              <a:t>"my-component"</a:t>
-            </a:r>
-            <a:r>
-              <a:rPr lang="en-US" sz="2400" dirty="0">
-                <a:solidFill>
-                  <a:schemeClr val="accent1"/>
-                </a:solidFill>
-                <a:latin typeface="Consolas" panose="020B0609020204030204" pitchFamily="49" charset="0"/>
-              </a:rPr>
-              <a:t>/&gt;</a:t>
-            </a:r>
-          </a:p>
-          <a:p>
-            <a:pPr marL="0" indent="0">
-              <a:buNone/>
-            </a:pPr>
-            <a:r>
-              <a:rPr lang="en-US" sz="2400" dirty="0">
-                <a:solidFill>
-                  <a:schemeClr val="accent1"/>
-                </a:solidFill>
-                <a:latin typeface="Consolas" panose="020B0609020204030204" pitchFamily="49" charset="0"/>
-              </a:rPr>
-              <a:t>&lt;/div&gt;</a:t>
-            </a:r>
-          </a:p>
-        </p:txBody>
-      </p:sp>
-      <p:sp>
-        <p:nvSpPr>
-          <p:cNvPr id="6" name="Rectangle 5">
-            <a:extLst>
-              <a:ext uri="{FF2B5EF4-FFF2-40B4-BE49-F238E27FC236}">
-                <a16:creationId xmlns:a16="http://schemas.microsoft.com/office/drawing/2014/main" id="{4E8C6B1D-0A6E-40D3-B347-825AFCE5E9E6}"/>
-              </a:ext>
-            </a:extLst>
-          </p:cNvPr>
-          <p:cNvSpPr/>
+        <p:spPr>
+          <a:xfrm>
+            <a:off x="838200" y="1825625"/>
+            <a:ext cx="3849210" cy="4351338"/>
+          </a:xfrm>
+        </p:spPr>
+        <p:txBody>
+          <a:bodyPr/>
+          <a:lstStyle/>
+          <a:p>
+            <a:r>
+              <a:rPr lang="en-US" dirty="0"/>
+              <a:t>Now consider the Homepage of the Twitter</a:t>
+            </a:r>
+          </a:p>
+        </p:txBody>
+      </p:sp>
+      <p:pic>
+        <p:nvPicPr>
+          <p:cNvPr id="10" name="Picture 9">
+            <a:extLst>
+              <a:ext uri="{FF2B5EF4-FFF2-40B4-BE49-F238E27FC236}">
+                <a16:creationId xmlns:a16="http://schemas.microsoft.com/office/drawing/2014/main" id="{825AB8FA-EAF5-4897-9AE5-213DF03C9E6A}"/>
+              </a:ext>
+            </a:extLst>
+          </p:cNvPr>
+          <p:cNvPicPr>
+            <a:picLocks noChangeAspect="1"/>
+          </p:cNvPicPr>
           <p:nvPr/>
-        </p:nvSpPr>
+        </p:nvPicPr>
+        <p:blipFill>
+          <a:blip r:embed="rId2"/>
+          <a:stretch>
+            <a:fillRect/>
+          </a:stretch>
+        </p:blipFill>
         <p:spPr>
           <a:xfrm>
-            <a:off x="2654423" y="2734322"/>
-            <a:ext cx="6604987" cy="399495"/>
+            <a:off x="5047141" y="182560"/>
+            <a:ext cx="6377830" cy="6492875"/>
           </a:xfrm>
           <a:prstGeom prst="rect">
             <a:avLst/>
           </a:prstGeom>
-          <a:noFill/>
-          <a:ln w="19050">
+          <a:ln>
             <a:solidFill>
-              <a:schemeClr val="accent2">
-                <a:lumMod val="75000"/>
-              </a:schemeClr>
+              <a:schemeClr val="tx1"/>
             </a:solidFill>
           </a:ln>
         </p:spPr>
-        <p:style>
-          <a:lnRef idx="2">
-            <a:schemeClr val="accent1">
-              <a:shade val="50000"/>
-            </a:schemeClr>
-          </a:lnRef>
-          <a:fillRef idx="1">
-            <a:schemeClr val="accent1"/>
-          </a:fillRef>
-          <a:effectRef idx="0">
-            <a:schemeClr val="accent1"/>
-          </a:effectRef>
-          <a:fontRef idx="minor">
-            <a:schemeClr val="lt1"/>
-          </a:fontRef>
-        </p:style>
-        <p:txBody>
-          <a:bodyPr rtlCol="0" anchor="ctr"/>
-          <a:lstStyle/>
-          <a:p>
-            <a:pPr algn="ctr"/>
-            <a:endParaRPr lang="en-US"/>
-          </a:p>
-        </p:txBody>
-      </p:sp>
+      </p:pic>
     </p:spTree>
     <p:extLst>
       <p:ext uri="{BB962C8B-B14F-4D97-AF65-F5344CB8AC3E}">
-        <p14:creationId xmlns:p14="http://schemas.microsoft.com/office/powerpoint/2010/main" val="2371310677"/>
+        <p14:creationId xmlns:p14="http://schemas.microsoft.com/office/powerpoint/2010/main" val="2190305817"/>
       </p:ext>
     </p:extLst>
   </p:cSld>
@@ -8210,27 +8075,402 @@
             <p:ph idx="1"/>
           </p:nvPr>
         </p:nvSpPr>
-        <p:spPr/>
+        <p:spPr>
+          <a:xfrm>
+            <a:off x="838200" y="1825625"/>
+            <a:ext cx="3849210" cy="4351338"/>
+          </a:xfrm>
+        </p:spPr>
         <p:txBody>
           <a:bodyPr/>
           <a:lstStyle/>
           <a:p>
             <a:r>
               <a:rPr lang="en-US" dirty="0"/>
-              <a:t>Now consider the Homepage of the </a:t>
-            </a:r>
-            <a:r>
-              <a:rPr lang="en-US" dirty="0" err="1"/>
-              <a:t>Instgram</a:t>
-            </a:r>
-            <a:endParaRPr lang="en-US" dirty="0"/>
-          </a:p>
-        </p:txBody>
-      </p:sp>
+              <a:t>Now consider the Homepage of the Twitter</a:t>
+            </a:r>
+          </a:p>
+        </p:txBody>
+      </p:sp>
+      <p:pic>
+        <p:nvPicPr>
+          <p:cNvPr id="9" name="Picture 8">
+            <a:extLst>
+              <a:ext uri="{FF2B5EF4-FFF2-40B4-BE49-F238E27FC236}">
+                <a16:creationId xmlns:a16="http://schemas.microsoft.com/office/drawing/2014/main" id="{F00C5E31-6303-4BF7-945B-BCB352468EAF}"/>
+              </a:ext>
+            </a:extLst>
+          </p:cNvPr>
+          <p:cNvPicPr>
+            <a:picLocks noChangeAspect="1"/>
+          </p:cNvPicPr>
+          <p:nvPr/>
+        </p:nvPicPr>
+        <p:blipFill>
+          <a:blip r:embed="rId2"/>
+          <a:stretch>
+            <a:fillRect/>
+          </a:stretch>
+        </p:blipFill>
+        <p:spPr>
+          <a:xfrm>
+            <a:off x="5047141" y="182560"/>
+            <a:ext cx="6377830" cy="6492875"/>
+          </a:xfrm>
+          <a:prstGeom prst="rect">
+            <a:avLst/>
+          </a:prstGeom>
+          <a:ln>
+            <a:solidFill>
+              <a:schemeClr val="tx1"/>
+            </a:solidFill>
+          </a:ln>
+        </p:spPr>
+      </p:pic>
+      <p:sp>
+        <p:nvSpPr>
+          <p:cNvPr id="5" name="Rectangle 4">
+            <a:extLst>
+              <a:ext uri="{FF2B5EF4-FFF2-40B4-BE49-F238E27FC236}">
+                <a16:creationId xmlns:a16="http://schemas.microsoft.com/office/drawing/2014/main" id="{2356D33C-D252-4EB3-A3EA-34F5E5B6C3B7}"/>
+              </a:ext>
+            </a:extLst>
+          </p:cNvPr>
+          <p:cNvSpPr/>
+          <p:nvPr/>
+        </p:nvSpPr>
+        <p:spPr>
+          <a:xfrm>
+            <a:off x="5047141" y="182560"/>
+            <a:ext cx="1957191" cy="6492875"/>
+          </a:xfrm>
+          <a:prstGeom prst="rect">
+            <a:avLst/>
+          </a:prstGeom>
+          <a:noFill/>
+          <a:ln w="38100">
+            <a:solidFill>
+              <a:schemeClr val="accent2"/>
+            </a:solidFill>
+          </a:ln>
+        </p:spPr>
+        <p:style>
+          <a:lnRef idx="2">
+            <a:schemeClr val="accent1">
+              <a:shade val="50000"/>
+            </a:schemeClr>
+          </a:lnRef>
+          <a:fillRef idx="1">
+            <a:schemeClr val="accent1"/>
+          </a:fillRef>
+          <a:effectRef idx="0">
+            <a:schemeClr val="accent1"/>
+          </a:effectRef>
+          <a:fontRef idx="minor">
+            <a:schemeClr val="lt1"/>
+          </a:fontRef>
+        </p:style>
+        <p:txBody>
+          <a:bodyPr rtlCol="0" anchor="ctr"/>
+          <a:lstStyle/>
+          <a:p>
+            <a:pPr algn="ctr"/>
+            <a:endParaRPr lang="en-US"/>
+          </a:p>
+        </p:txBody>
+      </p:sp>
+      <p:sp>
+        <p:nvSpPr>
+          <p:cNvPr id="8" name="Rectangle 7">
+            <a:extLst>
+              <a:ext uri="{FF2B5EF4-FFF2-40B4-BE49-F238E27FC236}">
+                <a16:creationId xmlns:a16="http://schemas.microsoft.com/office/drawing/2014/main" id="{ADBE58E6-3AAA-4CC5-BF72-F71A60170E6F}"/>
+              </a:ext>
+            </a:extLst>
+          </p:cNvPr>
+          <p:cNvSpPr/>
+          <p:nvPr/>
+        </p:nvSpPr>
+        <p:spPr>
+          <a:xfrm>
+            <a:off x="7063740" y="182560"/>
+            <a:ext cx="4361231" cy="6492875"/>
+          </a:xfrm>
+          <a:prstGeom prst="rect">
+            <a:avLst/>
+          </a:prstGeom>
+          <a:noFill/>
+          <a:ln w="38100">
+            <a:solidFill>
+              <a:srgbClr val="00B0F0"/>
+            </a:solidFill>
+          </a:ln>
+        </p:spPr>
+        <p:style>
+          <a:lnRef idx="2">
+            <a:schemeClr val="accent1">
+              <a:shade val="50000"/>
+            </a:schemeClr>
+          </a:lnRef>
+          <a:fillRef idx="1">
+            <a:schemeClr val="accent1"/>
+          </a:fillRef>
+          <a:effectRef idx="0">
+            <a:schemeClr val="accent1"/>
+          </a:effectRef>
+          <a:fontRef idx="minor">
+            <a:schemeClr val="lt1"/>
+          </a:fontRef>
+        </p:style>
+        <p:txBody>
+          <a:bodyPr rtlCol="0" anchor="ctr"/>
+          <a:lstStyle/>
+          <a:p>
+            <a:pPr algn="ctr"/>
+            <a:endParaRPr lang="en-US"/>
+          </a:p>
+        </p:txBody>
+      </p:sp>
+      <p:sp>
+        <p:nvSpPr>
+          <p:cNvPr id="11" name="Rectangle: Rounded Corners 10">
+            <a:extLst>
+              <a:ext uri="{FF2B5EF4-FFF2-40B4-BE49-F238E27FC236}">
+                <a16:creationId xmlns:a16="http://schemas.microsoft.com/office/drawing/2014/main" id="{D1B78FE9-F71B-4672-AA57-1DAAA64D62F1}"/>
+              </a:ext>
+            </a:extLst>
+          </p:cNvPr>
+          <p:cNvSpPr/>
+          <p:nvPr/>
+        </p:nvSpPr>
+        <p:spPr>
+          <a:xfrm>
+            <a:off x="2061430" y="3429000"/>
+            <a:ext cx="1038687" cy="443883"/>
+          </a:xfrm>
+          <a:prstGeom prst="roundRect">
+            <a:avLst/>
+          </a:prstGeom>
+        </p:spPr>
+        <p:style>
+          <a:lnRef idx="2">
+            <a:schemeClr val="accent1">
+              <a:shade val="50000"/>
+            </a:schemeClr>
+          </a:lnRef>
+          <a:fillRef idx="1">
+            <a:schemeClr val="accent1"/>
+          </a:fillRef>
+          <a:effectRef idx="0">
+            <a:schemeClr val="accent1"/>
+          </a:effectRef>
+          <a:fontRef idx="minor">
+            <a:schemeClr val="lt1"/>
+          </a:fontRef>
+        </p:style>
+        <p:txBody>
+          <a:bodyPr rtlCol="0" anchor="ctr"/>
+          <a:lstStyle/>
+          <a:p>
+            <a:pPr algn="ctr"/>
+            <a:r>
+              <a:rPr lang="en-US" dirty="0"/>
+              <a:t>App</a:t>
+            </a:r>
+          </a:p>
+        </p:txBody>
+      </p:sp>
+      <p:sp>
+        <p:nvSpPr>
+          <p:cNvPr id="12" name="Rectangle: Rounded Corners 11">
+            <a:extLst>
+              <a:ext uri="{FF2B5EF4-FFF2-40B4-BE49-F238E27FC236}">
+                <a16:creationId xmlns:a16="http://schemas.microsoft.com/office/drawing/2014/main" id="{2713A625-7974-42E4-889B-82E4F31CA1B9}"/>
+              </a:ext>
+            </a:extLst>
+          </p:cNvPr>
+          <p:cNvSpPr/>
+          <p:nvPr/>
+        </p:nvSpPr>
+        <p:spPr>
+          <a:xfrm>
+            <a:off x="1353694" y="4267196"/>
+            <a:ext cx="1185908" cy="443883"/>
+          </a:xfrm>
+          <a:prstGeom prst="roundRect">
+            <a:avLst/>
+          </a:prstGeom>
+        </p:spPr>
+        <p:style>
+          <a:lnRef idx="2">
+            <a:schemeClr val="accent1">
+              <a:shade val="50000"/>
+            </a:schemeClr>
+          </a:lnRef>
+          <a:fillRef idx="1">
+            <a:schemeClr val="accent1"/>
+          </a:fillRef>
+          <a:effectRef idx="0">
+            <a:schemeClr val="accent1"/>
+          </a:effectRef>
+          <a:fontRef idx="minor">
+            <a:schemeClr val="lt1"/>
+          </a:fontRef>
+        </p:style>
+        <p:txBody>
+          <a:bodyPr rtlCol="0" anchor="ctr"/>
+          <a:lstStyle/>
+          <a:p>
+            <a:pPr algn="ctr"/>
+            <a:r>
+              <a:rPr lang="en-US" dirty="0"/>
+              <a:t>Side Bar</a:t>
+            </a:r>
+          </a:p>
+        </p:txBody>
+      </p:sp>
+      <p:sp>
+        <p:nvSpPr>
+          <p:cNvPr id="13" name="Rectangle: Rounded Corners 12">
+            <a:extLst>
+              <a:ext uri="{FF2B5EF4-FFF2-40B4-BE49-F238E27FC236}">
+                <a16:creationId xmlns:a16="http://schemas.microsoft.com/office/drawing/2014/main" id="{89441B08-68E4-4902-8935-67613388BD93}"/>
+              </a:ext>
+            </a:extLst>
+          </p:cNvPr>
+          <p:cNvSpPr/>
+          <p:nvPr/>
+        </p:nvSpPr>
+        <p:spPr>
+          <a:xfrm>
+            <a:off x="2710168" y="4259569"/>
+            <a:ext cx="1038687" cy="443883"/>
+          </a:xfrm>
+          <a:prstGeom prst="roundRect">
+            <a:avLst/>
+          </a:prstGeom>
+        </p:spPr>
+        <p:style>
+          <a:lnRef idx="2">
+            <a:schemeClr val="accent1">
+              <a:shade val="50000"/>
+            </a:schemeClr>
+          </a:lnRef>
+          <a:fillRef idx="1">
+            <a:schemeClr val="accent1"/>
+          </a:fillRef>
+          <a:effectRef idx="0">
+            <a:schemeClr val="accent1"/>
+          </a:effectRef>
+          <a:fontRef idx="minor">
+            <a:schemeClr val="lt1"/>
+          </a:fontRef>
+        </p:style>
+        <p:txBody>
+          <a:bodyPr rtlCol="0" anchor="ctr"/>
+          <a:lstStyle/>
+          <a:p>
+            <a:pPr algn="ctr"/>
+            <a:r>
+              <a:rPr lang="en-US" dirty="0"/>
+              <a:t>Feed</a:t>
+            </a:r>
+          </a:p>
+        </p:txBody>
+      </p:sp>
+      <p:cxnSp>
+        <p:nvCxnSpPr>
+          <p:cNvPr id="14" name="Connector: Elbow 13">
+            <a:extLst>
+              <a:ext uri="{FF2B5EF4-FFF2-40B4-BE49-F238E27FC236}">
+                <a16:creationId xmlns:a16="http://schemas.microsoft.com/office/drawing/2014/main" id="{FADD358B-58DD-4A9E-B0CA-00955007548C}"/>
+              </a:ext>
+            </a:extLst>
+          </p:cNvPr>
+          <p:cNvCxnSpPr>
+            <a:stCxn id="11" idx="2"/>
+            <a:endCxn id="13" idx="0"/>
+          </p:cNvCxnSpPr>
+          <p:nvPr/>
+        </p:nvCxnSpPr>
+        <p:spPr>
+          <a:xfrm rot="16200000" flipH="1">
+            <a:off x="2711800" y="3741857"/>
+            <a:ext cx="386686" cy="648738"/>
+          </a:xfrm>
+          <a:prstGeom prst="bentConnector3">
+            <a:avLst/>
+          </a:prstGeom>
+          <a:ln>
+            <a:tailEnd type="triangle"/>
+          </a:ln>
+        </p:spPr>
+        <p:style>
+          <a:lnRef idx="2">
+            <a:schemeClr val="accent1">
+              <a:shade val="50000"/>
+            </a:schemeClr>
+          </a:lnRef>
+          <a:fillRef idx="1">
+            <a:schemeClr val="accent1"/>
+          </a:fillRef>
+          <a:effectRef idx="0">
+            <a:schemeClr val="accent1"/>
+          </a:effectRef>
+          <a:fontRef idx="minor">
+            <a:schemeClr val="lt1"/>
+          </a:fontRef>
+        </p:style>
+      </p:cxnSp>
+      <p:cxnSp>
+        <p:nvCxnSpPr>
+          <p:cNvPr id="15" name="Connector: Elbow 14">
+            <a:extLst>
+              <a:ext uri="{FF2B5EF4-FFF2-40B4-BE49-F238E27FC236}">
+                <a16:creationId xmlns:a16="http://schemas.microsoft.com/office/drawing/2014/main" id="{B1FF23B2-2AA8-4E33-A763-A2D981935F63}"/>
+              </a:ext>
+            </a:extLst>
+          </p:cNvPr>
+          <p:cNvCxnSpPr>
+            <a:cxnSpLocks/>
+            <a:stCxn id="11" idx="2"/>
+            <a:endCxn id="12" idx="0"/>
+          </p:cNvCxnSpPr>
+          <p:nvPr/>
+        </p:nvCxnSpPr>
+        <p:spPr>
+          <a:xfrm rot="5400000">
+            <a:off x="2066555" y="3752976"/>
+            <a:ext cx="394313" cy="634126"/>
+          </a:xfrm>
+          <a:prstGeom prst="bentConnector3">
+            <a:avLst/>
+          </a:prstGeom>
+          <a:ln>
+            <a:tailEnd type="triangle"/>
+          </a:ln>
+        </p:spPr>
+        <p:style>
+          <a:lnRef idx="2">
+            <a:schemeClr val="accent1">
+              <a:shade val="50000"/>
+            </a:schemeClr>
+          </a:lnRef>
+          <a:fillRef idx="1">
+            <a:schemeClr val="accent1"/>
+          </a:fillRef>
+          <a:effectRef idx="0">
+            <a:schemeClr val="accent1"/>
+          </a:effectRef>
+          <a:fontRef idx="minor">
+            <a:schemeClr val="lt1"/>
+          </a:fontRef>
+        </p:style>
+      </p:cxnSp>
     </p:spTree>
     <p:extLst>
       <p:ext uri="{BB962C8B-B14F-4D97-AF65-F5344CB8AC3E}">
-        <p14:creationId xmlns:p14="http://schemas.microsoft.com/office/powerpoint/2010/main" val="2190305817"/>
+        <p14:creationId xmlns:p14="http://schemas.microsoft.com/office/powerpoint/2010/main" val="1887026124"/>
       </p:ext>
     </p:extLst>
   </p:cSld>
@@ -8262,7 +8502,7 @@
           <p:cNvPr id="2" name="Title 1">
             <a:extLst>
               <a:ext uri="{FF2B5EF4-FFF2-40B4-BE49-F238E27FC236}">
-                <a16:creationId xmlns:a16="http://schemas.microsoft.com/office/drawing/2014/main" id="{381CE2C0-3C4D-4095-B553-654E3E0938A8}"/>
+                <a16:creationId xmlns:a16="http://schemas.microsoft.com/office/drawing/2014/main" id="{7C26DD32-8D7C-4139-8C5F-827E8599EA85}"/>
               </a:ext>
             </a:extLst>
           </p:cNvPr>
@@ -8287,10 +8527,78 @@
       </p:sp>
       <p:sp>
         <p:nvSpPr>
-          <p:cNvPr id="4" name="Rectangle: Rounded Corners 3">
-            <a:extLst>
-              <a:ext uri="{FF2B5EF4-FFF2-40B4-BE49-F238E27FC236}">
-                <a16:creationId xmlns:a16="http://schemas.microsoft.com/office/drawing/2014/main" id="{952F17CF-E2DC-4B32-ADDF-F109C1819D8D}"/>
+          <p:cNvPr id="3" name="Content Placeholder 2">
+            <a:extLst>
+              <a:ext uri="{FF2B5EF4-FFF2-40B4-BE49-F238E27FC236}">
+                <a16:creationId xmlns:a16="http://schemas.microsoft.com/office/drawing/2014/main" id="{AFC33335-1038-45D8-B9B1-4E247AE80B8B}"/>
+              </a:ext>
+            </a:extLst>
+          </p:cNvPr>
+          <p:cNvSpPr>
+            <a:spLocks noGrp="1"/>
+          </p:cNvSpPr>
+          <p:nvPr>
+            <p:ph idx="1"/>
+          </p:nvPr>
+        </p:nvSpPr>
+        <p:spPr>
+          <a:xfrm>
+            <a:off x="838200" y="1825625"/>
+            <a:ext cx="3849210" cy="4351338"/>
+          </a:xfrm>
+        </p:spPr>
+        <p:txBody>
+          <a:bodyPr/>
+          <a:lstStyle/>
+          <a:p>
+            <a:r>
+              <a:rPr lang="en-US" dirty="0"/>
+              <a:t>Now consider the Homepage of the Twitter</a:t>
+            </a:r>
+          </a:p>
+        </p:txBody>
+      </p:sp>
+      <p:pic>
+        <p:nvPicPr>
+          <p:cNvPr id="9" name="Picture 8">
+            <a:extLst>
+              <a:ext uri="{FF2B5EF4-FFF2-40B4-BE49-F238E27FC236}">
+                <a16:creationId xmlns:a16="http://schemas.microsoft.com/office/drawing/2014/main" id="{F00C5E31-6303-4BF7-945B-BCB352468EAF}"/>
+              </a:ext>
+            </a:extLst>
+          </p:cNvPr>
+          <p:cNvPicPr>
+            <a:picLocks noChangeAspect="1"/>
+          </p:cNvPicPr>
+          <p:nvPr/>
+        </p:nvPicPr>
+        <p:blipFill>
+          <a:blip r:embed="rId2"/>
+          <a:stretch>
+            <a:fillRect/>
+          </a:stretch>
+        </p:blipFill>
+        <p:spPr>
+          <a:xfrm>
+            <a:off x="5047141" y="182560"/>
+            <a:ext cx="6377830" cy="6492875"/>
+          </a:xfrm>
+          <a:prstGeom prst="rect">
+            <a:avLst/>
+          </a:prstGeom>
+          <a:ln>
+            <a:solidFill>
+              <a:schemeClr val="tx1"/>
+            </a:solidFill>
+          </a:ln>
+        </p:spPr>
+      </p:pic>
+      <p:sp>
+        <p:nvSpPr>
+          <p:cNvPr id="5" name="Rectangle 4">
+            <a:extLst>
+              <a:ext uri="{FF2B5EF4-FFF2-40B4-BE49-F238E27FC236}">
+                <a16:creationId xmlns:a16="http://schemas.microsoft.com/office/drawing/2014/main" id="{2356D33C-D252-4EB3-A3EA-34F5E5B6C3B7}"/>
               </a:ext>
             </a:extLst>
           </p:cNvPr>
@@ -8299,12 +8607,18 @@
         </p:nvSpPr>
         <p:spPr>
           <a:xfrm>
-            <a:off x="2826798" y="2154548"/>
-            <a:ext cx="1038687" cy="443883"/>
-          </a:xfrm>
-          <a:prstGeom prst="roundRect">
+            <a:off x="5047141" y="182560"/>
+            <a:ext cx="1957191" cy="6492875"/>
+          </a:xfrm>
+          <a:prstGeom prst="rect">
             <a:avLst/>
           </a:prstGeom>
+          <a:noFill/>
+          <a:ln w="38100">
+            <a:solidFill>
+              <a:schemeClr val="accent2"/>
+            </a:solidFill>
+          </a:ln>
         </p:spPr>
         <p:style>
           <a:lnRef idx="2">
@@ -8327,19 +8641,16 @@
           <a:lstStyle/>
           <a:p>
             <a:pPr algn="ctr"/>
-            <a:r>
-              <a:rPr lang="en-US" dirty="0"/>
-              <a:t>Root</a:t>
-            </a:r>
-          </a:p>
-        </p:txBody>
-      </p:sp>
-      <p:sp>
-        <p:nvSpPr>
-          <p:cNvPr id="5" name="Rectangle: Rounded Corners 4">
-            <a:extLst>
-              <a:ext uri="{FF2B5EF4-FFF2-40B4-BE49-F238E27FC236}">
-                <a16:creationId xmlns:a16="http://schemas.microsoft.com/office/drawing/2014/main" id="{AAFCF0FB-BA6E-4BAE-B868-BEB1A9ED2550}"/>
+            <a:endParaRPr lang="en-US"/>
+          </a:p>
+        </p:txBody>
+      </p:sp>
+      <p:sp>
+        <p:nvSpPr>
+          <p:cNvPr id="8" name="Rectangle 7">
+            <a:extLst>
+              <a:ext uri="{FF2B5EF4-FFF2-40B4-BE49-F238E27FC236}">
+                <a16:creationId xmlns:a16="http://schemas.microsoft.com/office/drawing/2014/main" id="{ADBE58E6-3AAA-4CC5-BF72-F71A60170E6F}"/>
               </a:ext>
             </a:extLst>
           </p:cNvPr>
@@ -8348,12 +8659,18 @@
         </p:nvSpPr>
         <p:spPr>
           <a:xfrm>
-            <a:off x="1788111" y="2985118"/>
-            <a:ext cx="1038687" cy="443883"/>
-          </a:xfrm>
-          <a:prstGeom prst="roundRect">
+            <a:off x="7063740" y="182560"/>
+            <a:ext cx="4361231" cy="6492875"/>
+          </a:xfrm>
+          <a:prstGeom prst="rect">
             <a:avLst/>
           </a:prstGeom>
+          <a:noFill/>
+          <a:ln w="38100">
+            <a:solidFill>
+              <a:srgbClr val="00B0F0"/>
+            </a:solidFill>
+          </a:ln>
         </p:spPr>
         <p:style>
           <a:lnRef idx="2">
@@ -8376,19 +8693,16 @@
           <a:lstStyle/>
           <a:p>
             <a:pPr algn="ctr"/>
-            <a:r>
-              <a:rPr lang="en-US" dirty="0"/>
-              <a:t>Nav Bar</a:t>
-            </a:r>
-          </a:p>
-        </p:txBody>
-      </p:sp>
-      <p:sp>
-        <p:nvSpPr>
-          <p:cNvPr id="6" name="Rectangle: Rounded Corners 5">
-            <a:extLst>
-              <a:ext uri="{FF2B5EF4-FFF2-40B4-BE49-F238E27FC236}">
-                <a16:creationId xmlns:a16="http://schemas.microsoft.com/office/drawing/2014/main" id="{29627189-17F9-4075-BBBB-73DBA9DABAE3}"/>
+            <a:endParaRPr lang="en-US"/>
+          </a:p>
+        </p:txBody>
+      </p:sp>
+      <p:sp>
+        <p:nvSpPr>
+          <p:cNvPr id="7" name="Rectangle 6">
+            <a:extLst>
+              <a:ext uri="{FF2B5EF4-FFF2-40B4-BE49-F238E27FC236}">
+                <a16:creationId xmlns:a16="http://schemas.microsoft.com/office/drawing/2014/main" id="{B38BA0A3-6D99-4148-9C50-2AF32E8A0A4A}"/>
               </a:ext>
             </a:extLst>
           </p:cNvPr>
@@ -8397,12 +8711,20 @@
         </p:nvSpPr>
         <p:spPr>
           <a:xfrm>
-            <a:off x="3735280" y="2985117"/>
-            <a:ext cx="1038687" cy="443883"/>
-          </a:xfrm>
-          <a:prstGeom prst="roundRect">
+            <a:off x="5106549" y="653254"/>
+            <a:ext cx="1839434" cy="283369"/>
+          </a:xfrm>
+          <a:prstGeom prst="rect">
             <a:avLst/>
           </a:prstGeom>
+          <a:noFill/>
+          <a:ln w="38100">
+            <a:solidFill>
+              <a:schemeClr val="accent6">
+                <a:lumMod val="75000"/>
+              </a:schemeClr>
+            </a:solidFill>
+          </a:ln>
         </p:spPr>
         <p:style>
           <a:lnRef idx="2">
@@ -8425,6 +8747,2363 @@
           <a:lstStyle/>
           <a:p>
             <a:pPr algn="ctr"/>
+            <a:endParaRPr lang="en-US"/>
+          </a:p>
+        </p:txBody>
+      </p:sp>
+      <p:sp>
+        <p:nvSpPr>
+          <p:cNvPr id="12" name="Rectangle 11">
+            <a:extLst>
+              <a:ext uri="{FF2B5EF4-FFF2-40B4-BE49-F238E27FC236}">
+                <a16:creationId xmlns:a16="http://schemas.microsoft.com/office/drawing/2014/main" id="{80EAF265-5C41-456A-9041-D80EF333BAD8}"/>
+              </a:ext>
+            </a:extLst>
+          </p:cNvPr>
+          <p:cNvSpPr/>
+          <p:nvPr/>
+        </p:nvSpPr>
+        <p:spPr>
+          <a:xfrm>
+            <a:off x="5103849" y="1071560"/>
+            <a:ext cx="1839434" cy="283369"/>
+          </a:xfrm>
+          <a:prstGeom prst="rect">
+            <a:avLst/>
+          </a:prstGeom>
+          <a:noFill/>
+          <a:ln w="38100">
+            <a:solidFill>
+              <a:schemeClr val="accent6">
+                <a:lumMod val="75000"/>
+              </a:schemeClr>
+            </a:solidFill>
+          </a:ln>
+        </p:spPr>
+        <p:style>
+          <a:lnRef idx="2">
+            <a:schemeClr val="accent1">
+              <a:shade val="50000"/>
+            </a:schemeClr>
+          </a:lnRef>
+          <a:fillRef idx="1">
+            <a:schemeClr val="accent1"/>
+          </a:fillRef>
+          <a:effectRef idx="0">
+            <a:schemeClr val="accent1"/>
+          </a:effectRef>
+          <a:fontRef idx="minor">
+            <a:schemeClr val="lt1"/>
+          </a:fontRef>
+        </p:style>
+        <p:txBody>
+          <a:bodyPr rtlCol="0" anchor="ctr"/>
+          <a:lstStyle/>
+          <a:p>
+            <a:pPr algn="ctr"/>
+            <a:endParaRPr lang="en-US"/>
+          </a:p>
+        </p:txBody>
+      </p:sp>
+      <p:sp>
+        <p:nvSpPr>
+          <p:cNvPr id="13" name="Rectangle: Rounded Corners 12">
+            <a:extLst>
+              <a:ext uri="{FF2B5EF4-FFF2-40B4-BE49-F238E27FC236}">
+                <a16:creationId xmlns:a16="http://schemas.microsoft.com/office/drawing/2014/main" id="{743C83F7-2E5D-48B4-A04D-0D8A755367EA}"/>
+              </a:ext>
+            </a:extLst>
+          </p:cNvPr>
+          <p:cNvSpPr/>
+          <p:nvPr/>
+        </p:nvSpPr>
+        <p:spPr>
+          <a:xfrm>
+            <a:off x="2061430" y="3429000"/>
+            <a:ext cx="1038687" cy="443883"/>
+          </a:xfrm>
+          <a:prstGeom prst="roundRect">
+            <a:avLst/>
+          </a:prstGeom>
+        </p:spPr>
+        <p:style>
+          <a:lnRef idx="2">
+            <a:schemeClr val="accent1">
+              <a:shade val="50000"/>
+            </a:schemeClr>
+          </a:lnRef>
+          <a:fillRef idx="1">
+            <a:schemeClr val="accent1"/>
+          </a:fillRef>
+          <a:effectRef idx="0">
+            <a:schemeClr val="accent1"/>
+          </a:effectRef>
+          <a:fontRef idx="minor">
+            <a:schemeClr val="lt1"/>
+          </a:fontRef>
+        </p:style>
+        <p:txBody>
+          <a:bodyPr rtlCol="0" anchor="ctr"/>
+          <a:lstStyle/>
+          <a:p>
+            <a:pPr algn="ctr"/>
+            <a:r>
+              <a:rPr lang="en-US" dirty="0"/>
+              <a:t>App</a:t>
+            </a:r>
+          </a:p>
+        </p:txBody>
+      </p:sp>
+      <p:sp>
+        <p:nvSpPr>
+          <p:cNvPr id="14" name="Rectangle: Rounded Corners 13">
+            <a:extLst>
+              <a:ext uri="{FF2B5EF4-FFF2-40B4-BE49-F238E27FC236}">
+                <a16:creationId xmlns:a16="http://schemas.microsoft.com/office/drawing/2014/main" id="{C047ED5D-E8F2-4080-956B-ECA5A7E0BB07}"/>
+              </a:ext>
+            </a:extLst>
+          </p:cNvPr>
+          <p:cNvSpPr/>
+          <p:nvPr/>
+        </p:nvSpPr>
+        <p:spPr>
+          <a:xfrm>
+            <a:off x="1353694" y="4267196"/>
+            <a:ext cx="1185908" cy="443883"/>
+          </a:xfrm>
+          <a:prstGeom prst="roundRect">
+            <a:avLst/>
+          </a:prstGeom>
+        </p:spPr>
+        <p:style>
+          <a:lnRef idx="2">
+            <a:schemeClr val="accent1">
+              <a:shade val="50000"/>
+            </a:schemeClr>
+          </a:lnRef>
+          <a:fillRef idx="1">
+            <a:schemeClr val="accent1"/>
+          </a:fillRef>
+          <a:effectRef idx="0">
+            <a:schemeClr val="accent1"/>
+          </a:effectRef>
+          <a:fontRef idx="minor">
+            <a:schemeClr val="lt1"/>
+          </a:fontRef>
+        </p:style>
+        <p:txBody>
+          <a:bodyPr rtlCol="0" anchor="ctr"/>
+          <a:lstStyle/>
+          <a:p>
+            <a:pPr algn="ctr"/>
+            <a:r>
+              <a:rPr lang="en-US" dirty="0"/>
+              <a:t>Side Bar</a:t>
+            </a:r>
+          </a:p>
+        </p:txBody>
+      </p:sp>
+      <p:sp>
+        <p:nvSpPr>
+          <p:cNvPr id="15" name="Rectangle: Rounded Corners 14">
+            <a:extLst>
+              <a:ext uri="{FF2B5EF4-FFF2-40B4-BE49-F238E27FC236}">
+                <a16:creationId xmlns:a16="http://schemas.microsoft.com/office/drawing/2014/main" id="{C83C7570-7D50-4587-8E10-BD0DF4696D62}"/>
+              </a:ext>
+            </a:extLst>
+          </p:cNvPr>
+          <p:cNvSpPr/>
+          <p:nvPr/>
+        </p:nvSpPr>
+        <p:spPr>
+          <a:xfrm>
+            <a:off x="2710168" y="4259569"/>
+            <a:ext cx="1038687" cy="443883"/>
+          </a:xfrm>
+          <a:prstGeom prst="roundRect">
+            <a:avLst/>
+          </a:prstGeom>
+        </p:spPr>
+        <p:style>
+          <a:lnRef idx="2">
+            <a:schemeClr val="accent1">
+              <a:shade val="50000"/>
+            </a:schemeClr>
+          </a:lnRef>
+          <a:fillRef idx="1">
+            <a:schemeClr val="accent1"/>
+          </a:fillRef>
+          <a:effectRef idx="0">
+            <a:schemeClr val="accent1"/>
+          </a:effectRef>
+          <a:fontRef idx="minor">
+            <a:schemeClr val="lt1"/>
+          </a:fontRef>
+        </p:style>
+        <p:txBody>
+          <a:bodyPr rtlCol="0" anchor="ctr"/>
+          <a:lstStyle/>
+          <a:p>
+            <a:pPr algn="ctr"/>
+            <a:r>
+              <a:rPr lang="en-US" dirty="0"/>
+              <a:t>Feed</a:t>
+            </a:r>
+          </a:p>
+        </p:txBody>
+      </p:sp>
+      <p:cxnSp>
+        <p:nvCxnSpPr>
+          <p:cNvPr id="16" name="Connector: Elbow 15">
+            <a:extLst>
+              <a:ext uri="{FF2B5EF4-FFF2-40B4-BE49-F238E27FC236}">
+                <a16:creationId xmlns:a16="http://schemas.microsoft.com/office/drawing/2014/main" id="{7D008120-A1A7-43A0-A9C2-7FFACA3A6557}"/>
+              </a:ext>
+            </a:extLst>
+          </p:cNvPr>
+          <p:cNvCxnSpPr>
+            <a:stCxn id="13" idx="2"/>
+            <a:endCxn id="15" idx="0"/>
+          </p:cNvCxnSpPr>
+          <p:nvPr/>
+        </p:nvCxnSpPr>
+        <p:spPr>
+          <a:xfrm rot="16200000" flipH="1">
+            <a:off x="2711800" y="3741857"/>
+            <a:ext cx="386686" cy="648738"/>
+          </a:xfrm>
+          <a:prstGeom prst="bentConnector3">
+            <a:avLst/>
+          </a:prstGeom>
+          <a:ln>
+            <a:tailEnd type="triangle"/>
+          </a:ln>
+        </p:spPr>
+        <p:style>
+          <a:lnRef idx="2">
+            <a:schemeClr val="accent1">
+              <a:shade val="50000"/>
+            </a:schemeClr>
+          </a:lnRef>
+          <a:fillRef idx="1">
+            <a:schemeClr val="accent1"/>
+          </a:fillRef>
+          <a:effectRef idx="0">
+            <a:schemeClr val="accent1"/>
+          </a:effectRef>
+          <a:fontRef idx="minor">
+            <a:schemeClr val="lt1"/>
+          </a:fontRef>
+        </p:style>
+      </p:cxnSp>
+      <p:cxnSp>
+        <p:nvCxnSpPr>
+          <p:cNvPr id="17" name="Connector: Elbow 16">
+            <a:extLst>
+              <a:ext uri="{FF2B5EF4-FFF2-40B4-BE49-F238E27FC236}">
+                <a16:creationId xmlns:a16="http://schemas.microsoft.com/office/drawing/2014/main" id="{12FE26E2-709A-4A77-BE3F-E1D324CD4183}"/>
+              </a:ext>
+            </a:extLst>
+          </p:cNvPr>
+          <p:cNvCxnSpPr>
+            <a:cxnSpLocks/>
+            <a:stCxn id="13" idx="2"/>
+            <a:endCxn id="14" idx="0"/>
+          </p:cNvCxnSpPr>
+          <p:nvPr/>
+        </p:nvCxnSpPr>
+        <p:spPr>
+          <a:xfrm rot="5400000">
+            <a:off x="2066555" y="3752976"/>
+            <a:ext cx="394313" cy="634126"/>
+          </a:xfrm>
+          <a:prstGeom prst="bentConnector3">
+            <a:avLst/>
+          </a:prstGeom>
+          <a:ln>
+            <a:tailEnd type="triangle"/>
+          </a:ln>
+        </p:spPr>
+        <p:style>
+          <a:lnRef idx="2">
+            <a:schemeClr val="accent1">
+              <a:shade val="50000"/>
+            </a:schemeClr>
+          </a:lnRef>
+          <a:fillRef idx="1">
+            <a:schemeClr val="accent1"/>
+          </a:fillRef>
+          <a:effectRef idx="0">
+            <a:schemeClr val="accent1"/>
+          </a:effectRef>
+          <a:fontRef idx="minor">
+            <a:schemeClr val="lt1"/>
+          </a:fontRef>
+        </p:style>
+      </p:cxnSp>
+      <p:sp>
+        <p:nvSpPr>
+          <p:cNvPr id="18" name="Rectangle: Rounded Corners 17">
+            <a:extLst>
+              <a:ext uri="{FF2B5EF4-FFF2-40B4-BE49-F238E27FC236}">
+                <a16:creationId xmlns:a16="http://schemas.microsoft.com/office/drawing/2014/main" id="{949DA460-AA28-4848-941D-E378FF29567D}"/>
+              </a:ext>
+            </a:extLst>
+          </p:cNvPr>
+          <p:cNvSpPr/>
+          <p:nvPr/>
+        </p:nvSpPr>
+        <p:spPr>
+          <a:xfrm>
+            <a:off x="943215" y="5028737"/>
+            <a:ext cx="1313896" cy="443883"/>
+          </a:xfrm>
+          <a:prstGeom prst="roundRect">
+            <a:avLst/>
+          </a:prstGeom>
+        </p:spPr>
+        <p:style>
+          <a:lnRef idx="2">
+            <a:schemeClr val="accent1">
+              <a:shade val="50000"/>
+            </a:schemeClr>
+          </a:lnRef>
+          <a:fillRef idx="1">
+            <a:schemeClr val="accent1"/>
+          </a:fillRef>
+          <a:effectRef idx="0">
+            <a:schemeClr val="accent1"/>
+          </a:effectRef>
+          <a:fontRef idx="minor">
+            <a:schemeClr val="lt1"/>
+          </a:fontRef>
+        </p:style>
+        <p:txBody>
+          <a:bodyPr rtlCol="0" anchor="ctr"/>
+          <a:lstStyle/>
+          <a:p>
+            <a:pPr algn="ctr"/>
+            <a:r>
+              <a:rPr lang="en-US" dirty="0"/>
+              <a:t>Options</a:t>
+            </a:r>
+          </a:p>
+        </p:txBody>
+      </p:sp>
+      <p:cxnSp>
+        <p:nvCxnSpPr>
+          <p:cNvPr id="19" name="Connector: Elbow 18">
+            <a:extLst>
+              <a:ext uri="{FF2B5EF4-FFF2-40B4-BE49-F238E27FC236}">
+                <a16:creationId xmlns:a16="http://schemas.microsoft.com/office/drawing/2014/main" id="{5EC1D5D4-4D2F-4210-8491-621FD4FF7345}"/>
+              </a:ext>
+            </a:extLst>
+          </p:cNvPr>
+          <p:cNvCxnSpPr>
+            <a:cxnSpLocks/>
+            <a:stCxn id="14" idx="2"/>
+            <a:endCxn id="18" idx="0"/>
+          </p:cNvCxnSpPr>
+          <p:nvPr/>
+        </p:nvCxnSpPr>
+        <p:spPr>
+          <a:xfrm rot="5400000">
+            <a:off x="1614577" y="4696666"/>
+            <a:ext cx="317658" cy="346485"/>
+          </a:xfrm>
+          <a:prstGeom prst="bentConnector3">
+            <a:avLst/>
+          </a:prstGeom>
+          <a:ln>
+            <a:tailEnd type="triangle"/>
+          </a:ln>
+        </p:spPr>
+        <p:style>
+          <a:lnRef idx="2">
+            <a:schemeClr val="accent1">
+              <a:shade val="50000"/>
+            </a:schemeClr>
+          </a:lnRef>
+          <a:fillRef idx="1">
+            <a:schemeClr val="accent1"/>
+          </a:fillRef>
+          <a:effectRef idx="0">
+            <a:schemeClr val="accent1"/>
+          </a:effectRef>
+          <a:fontRef idx="minor">
+            <a:schemeClr val="lt1"/>
+          </a:fontRef>
+        </p:style>
+      </p:cxnSp>
+    </p:spTree>
+    <p:extLst>
+      <p:ext uri="{BB962C8B-B14F-4D97-AF65-F5344CB8AC3E}">
+        <p14:creationId xmlns:p14="http://schemas.microsoft.com/office/powerpoint/2010/main" val="2223093157"/>
+      </p:ext>
+    </p:extLst>
+  </p:cSld>
+  <p:clrMapOvr>
+    <a:masterClrMapping/>
+  </p:clrMapOvr>
+</p:sld>
+</file>
+
+<file path=ppt/slides/slide33.xml><?xml version="1.0" encoding="utf-8"?>
+<p:sld xmlns:a="http://schemas.openxmlformats.org/drawingml/2006/main" xmlns:r="http://schemas.openxmlformats.org/officeDocument/2006/relationships" xmlns:p="http://schemas.openxmlformats.org/presentationml/2006/main">
+  <p:cSld>
+    <p:spTree>
+      <p:nvGrpSpPr>
+        <p:cNvPr id="1" name=""/>
+        <p:cNvGrpSpPr/>
+        <p:nvPr/>
+      </p:nvGrpSpPr>
+      <p:grpSpPr>
+        <a:xfrm>
+          <a:off x="0" y="0"/>
+          <a:ext cx="0" cy="0"/>
+          <a:chOff x="0" y="0"/>
+          <a:chExt cx="0" cy="0"/>
+        </a:xfrm>
+      </p:grpSpPr>
+      <p:sp>
+        <p:nvSpPr>
+          <p:cNvPr id="2" name="Title 1">
+            <a:extLst>
+              <a:ext uri="{FF2B5EF4-FFF2-40B4-BE49-F238E27FC236}">
+                <a16:creationId xmlns:a16="http://schemas.microsoft.com/office/drawing/2014/main" id="{7C26DD32-8D7C-4139-8C5F-827E8599EA85}"/>
+              </a:ext>
+            </a:extLst>
+          </p:cNvPr>
+          <p:cNvSpPr>
+            <a:spLocks noGrp="1"/>
+          </p:cNvSpPr>
+          <p:nvPr>
+            <p:ph type="title"/>
+          </p:nvPr>
+        </p:nvSpPr>
+        <p:spPr/>
+        <p:txBody>
+          <a:bodyPr/>
+          <a:lstStyle/>
+          <a:p>
+            <a:r>
+              <a:rPr lang="en-US" dirty="0"/>
+              <a:t>Example</a:t>
+            </a:r>
+          </a:p>
+        </p:txBody>
+      </p:sp>
+      <p:sp>
+        <p:nvSpPr>
+          <p:cNvPr id="3" name="Content Placeholder 2">
+            <a:extLst>
+              <a:ext uri="{FF2B5EF4-FFF2-40B4-BE49-F238E27FC236}">
+                <a16:creationId xmlns:a16="http://schemas.microsoft.com/office/drawing/2014/main" id="{AFC33335-1038-45D8-B9B1-4E247AE80B8B}"/>
+              </a:ext>
+            </a:extLst>
+          </p:cNvPr>
+          <p:cNvSpPr>
+            <a:spLocks noGrp="1"/>
+          </p:cNvSpPr>
+          <p:nvPr>
+            <p:ph idx="1"/>
+          </p:nvPr>
+        </p:nvSpPr>
+        <p:spPr>
+          <a:xfrm>
+            <a:off x="838200" y="1825625"/>
+            <a:ext cx="3849210" cy="4351338"/>
+          </a:xfrm>
+        </p:spPr>
+        <p:txBody>
+          <a:bodyPr/>
+          <a:lstStyle/>
+          <a:p>
+            <a:r>
+              <a:rPr lang="en-US" dirty="0"/>
+              <a:t>Now consider the Homepage of the Twitter</a:t>
+            </a:r>
+          </a:p>
+        </p:txBody>
+      </p:sp>
+      <p:pic>
+        <p:nvPicPr>
+          <p:cNvPr id="9" name="Picture 8">
+            <a:extLst>
+              <a:ext uri="{FF2B5EF4-FFF2-40B4-BE49-F238E27FC236}">
+                <a16:creationId xmlns:a16="http://schemas.microsoft.com/office/drawing/2014/main" id="{F00C5E31-6303-4BF7-945B-BCB352468EAF}"/>
+              </a:ext>
+            </a:extLst>
+          </p:cNvPr>
+          <p:cNvPicPr>
+            <a:picLocks noChangeAspect="1"/>
+          </p:cNvPicPr>
+          <p:nvPr/>
+        </p:nvPicPr>
+        <p:blipFill>
+          <a:blip r:embed="rId2"/>
+          <a:stretch>
+            <a:fillRect/>
+          </a:stretch>
+        </p:blipFill>
+        <p:spPr>
+          <a:xfrm>
+            <a:off x="5047141" y="182560"/>
+            <a:ext cx="6377830" cy="6492875"/>
+          </a:xfrm>
+          <a:prstGeom prst="rect">
+            <a:avLst/>
+          </a:prstGeom>
+          <a:ln>
+            <a:solidFill>
+              <a:schemeClr val="tx1"/>
+            </a:solidFill>
+          </a:ln>
+        </p:spPr>
+      </p:pic>
+      <p:sp>
+        <p:nvSpPr>
+          <p:cNvPr id="5" name="Rectangle 4">
+            <a:extLst>
+              <a:ext uri="{FF2B5EF4-FFF2-40B4-BE49-F238E27FC236}">
+                <a16:creationId xmlns:a16="http://schemas.microsoft.com/office/drawing/2014/main" id="{2356D33C-D252-4EB3-A3EA-34F5E5B6C3B7}"/>
+              </a:ext>
+            </a:extLst>
+          </p:cNvPr>
+          <p:cNvSpPr/>
+          <p:nvPr/>
+        </p:nvSpPr>
+        <p:spPr>
+          <a:xfrm>
+            <a:off x="5047141" y="182560"/>
+            <a:ext cx="1957191" cy="6492875"/>
+          </a:xfrm>
+          <a:prstGeom prst="rect">
+            <a:avLst/>
+          </a:prstGeom>
+          <a:noFill/>
+          <a:ln w="38100">
+            <a:solidFill>
+              <a:schemeClr val="accent2"/>
+            </a:solidFill>
+          </a:ln>
+        </p:spPr>
+        <p:style>
+          <a:lnRef idx="2">
+            <a:schemeClr val="accent1">
+              <a:shade val="50000"/>
+            </a:schemeClr>
+          </a:lnRef>
+          <a:fillRef idx="1">
+            <a:schemeClr val="accent1"/>
+          </a:fillRef>
+          <a:effectRef idx="0">
+            <a:schemeClr val="accent1"/>
+          </a:effectRef>
+          <a:fontRef idx="minor">
+            <a:schemeClr val="lt1"/>
+          </a:fontRef>
+        </p:style>
+        <p:txBody>
+          <a:bodyPr rtlCol="0" anchor="ctr"/>
+          <a:lstStyle/>
+          <a:p>
+            <a:pPr algn="ctr"/>
+            <a:endParaRPr lang="en-US"/>
+          </a:p>
+        </p:txBody>
+      </p:sp>
+      <p:sp>
+        <p:nvSpPr>
+          <p:cNvPr id="8" name="Rectangle 7">
+            <a:extLst>
+              <a:ext uri="{FF2B5EF4-FFF2-40B4-BE49-F238E27FC236}">
+                <a16:creationId xmlns:a16="http://schemas.microsoft.com/office/drawing/2014/main" id="{ADBE58E6-3AAA-4CC5-BF72-F71A60170E6F}"/>
+              </a:ext>
+            </a:extLst>
+          </p:cNvPr>
+          <p:cNvSpPr/>
+          <p:nvPr/>
+        </p:nvSpPr>
+        <p:spPr>
+          <a:xfrm>
+            <a:off x="7063740" y="182560"/>
+            <a:ext cx="4361231" cy="6492875"/>
+          </a:xfrm>
+          <a:prstGeom prst="rect">
+            <a:avLst/>
+          </a:prstGeom>
+          <a:noFill/>
+          <a:ln w="38100">
+            <a:solidFill>
+              <a:srgbClr val="00B0F0"/>
+            </a:solidFill>
+          </a:ln>
+        </p:spPr>
+        <p:style>
+          <a:lnRef idx="2">
+            <a:schemeClr val="accent1">
+              <a:shade val="50000"/>
+            </a:schemeClr>
+          </a:lnRef>
+          <a:fillRef idx="1">
+            <a:schemeClr val="accent1"/>
+          </a:fillRef>
+          <a:effectRef idx="0">
+            <a:schemeClr val="accent1"/>
+          </a:effectRef>
+          <a:fontRef idx="minor">
+            <a:schemeClr val="lt1"/>
+          </a:fontRef>
+        </p:style>
+        <p:txBody>
+          <a:bodyPr rtlCol="0" anchor="ctr"/>
+          <a:lstStyle/>
+          <a:p>
+            <a:pPr algn="ctr"/>
+            <a:endParaRPr lang="en-US"/>
+          </a:p>
+        </p:txBody>
+      </p:sp>
+      <p:sp>
+        <p:nvSpPr>
+          <p:cNvPr id="7" name="Rectangle 6">
+            <a:extLst>
+              <a:ext uri="{FF2B5EF4-FFF2-40B4-BE49-F238E27FC236}">
+                <a16:creationId xmlns:a16="http://schemas.microsoft.com/office/drawing/2014/main" id="{B38BA0A3-6D99-4148-9C50-2AF32E8A0A4A}"/>
+              </a:ext>
+            </a:extLst>
+          </p:cNvPr>
+          <p:cNvSpPr/>
+          <p:nvPr/>
+        </p:nvSpPr>
+        <p:spPr>
+          <a:xfrm>
+            <a:off x="5106549" y="653254"/>
+            <a:ext cx="1839434" cy="283369"/>
+          </a:xfrm>
+          <a:prstGeom prst="rect">
+            <a:avLst/>
+          </a:prstGeom>
+          <a:noFill/>
+          <a:ln w="38100">
+            <a:solidFill>
+              <a:schemeClr val="accent6">
+                <a:lumMod val="75000"/>
+              </a:schemeClr>
+            </a:solidFill>
+          </a:ln>
+        </p:spPr>
+        <p:style>
+          <a:lnRef idx="2">
+            <a:schemeClr val="accent1">
+              <a:shade val="50000"/>
+            </a:schemeClr>
+          </a:lnRef>
+          <a:fillRef idx="1">
+            <a:schemeClr val="accent1"/>
+          </a:fillRef>
+          <a:effectRef idx="0">
+            <a:schemeClr val="accent1"/>
+          </a:effectRef>
+          <a:fontRef idx="minor">
+            <a:schemeClr val="lt1"/>
+          </a:fontRef>
+        </p:style>
+        <p:txBody>
+          <a:bodyPr rtlCol="0" anchor="ctr"/>
+          <a:lstStyle/>
+          <a:p>
+            <a:pPr algn="ctr"/>
+            <a:endParaRPr lang="en-US"/>
+          </a:p>
+        </p:txBody>
+      </p:sp>
+      <p:sp>
+        <p:nvSpPr>
+          <p:cNvPr id="12" name="Rectangle 11">
+            <a:extLst>
+              <a:ext uri="{FF2B5EF4-FFF2-40B4-BE49-F238E27FC236}">
+                <a16:creationId xmlns:a16="http://schemas.microsoft.com/office/drawing/2014/main" id="{80EAF265-5C41-456A-9041-D80EF333BAD8}"/>
+              </a:ext>
+            </a:extLst>
+          </p:cNvPr>
+          <p:cNvSpPr/>
+          <p:nvPr/>
+        </p:nvSpPr>
+        <p:spPr>
+          <a:xfrm>
+            <a:off x="5103849" y="1071560"/>
+            <a:ext cx="1839434" cy="283369"/>
+          </a:xfrm>
+          <a:prstGeom prst="rect">
+            <a:avLst/>
+          </a:prstGeom>
+          <a:noFill/>
+          <a:ln w="38100">
+            <a:solidFill>
+              <a:schemeClr val="accent6">
+                <a:lumMod val="75000"/>
+              </a:schemeClr>
+            </a:solidFill>
+          </a:ln>
+        </p:spPr>
+        <p:style>
+          <a:lnRef idx="2">
+            <a:schemeClr val="accent1">
+              <a:shade val="50000"/>
+            </a:schemeClr>
+          </a:lnRef>
+          <a:fillRef idx="1">
+            <a:schemeClr val="accent1"/>
+          </a:fillRef>
+          <a:effectRef idx="0">
+            <a:schemeClr val="accent1"/>
+          </a:effectRef>
+          <a:fontRef idx="minor">
+            <a:schemeClr val="lt1"/>
+          </a:fontRef>
+        </p:style>
+        <p:txBody>
+          <a:bodyPr rtlCol="0" anchor="ctr"/>
+          <a:lstStyle/>
+          <a:p>
+            <a:pPr algn="ctr"/>
+            <a:endParaRPr lang="en-US"/>
+          </a:p>
+        </p:txBody>
+      </p:sp>
+      <p:sp>
+        <p:nvSpPr>
+          <p:cNvPr id="10" name="Rectangle 9">
+            <a:extLst>
+              <a:ext uri="{FF2B5EF4-FFF2-40B4-BE49-F238E27FC236}">
+                <a16:creationId xmlns:a16="http://schemas.microsoft.com/office/drawing/2014/main" id="{81E56781-E085-4E18-AC5E-F356F4B48C16}"/>
+              </a:ext>
+            </a:extLst>
+          </p:cNvPr>
+          <p:cNvSpPr/>
+          <p:nvPr/>
+        </p:nvSpPr>
+        <p:spPr>
+          <a:xfrm>
+            <a:off x="7123148" y="230188"/>
+            <a:ext cx="4230652" cy="1227137"/>
+          </a:xfrm>
+          <a:prstGeom prst="rect">
+            <a:avLst/>
+          </a:prstGeom>
+          <a:noFill/>
+          <a:ln w="38100">
+            <a:solidFill>
+              <a:srgbClr val="7030A0"/>
+            </a:solidFill>
+          </a:ln>
+        </p:spPr>
+        <p:style>
+          <a:lnRef idx="2">
+            <a:schemeClr val="accent1">
+              <a:shade val="50000"/>
+            </a:schemeClr>
+          </a:lnRef>
+          <a:fillRef idx="1">
+            <a:schemeClr val="accent1"/>
+          </a:fillRef>
+          <a:effectRef idx="0">
+            <a:schemeClr val="accent1"/>
+          </a:effectRef>
+          <a:fontRef idx="minor">
+            <a:schemeClr val="lt1"/>
+          </a:fontRef>
+        </p:style>
+        <p:txBody>
+          <a:bodyPr rtlCol="0" anchor="ctr"/>
+          <a:lstStyle/>
+          <a:p>
+            <a:pPr algn="ctr"/>
+            <a:endParaRPr lang="en-US"/>
+          </a:p>
+        </p:txBody>
+      </p:sp>
+      <p:sp>
+        <p:nvSpPr>
+          <p:cNvPr id="11" name="Rectangle: Rounded Corners 10">
+            <a:extLst>
+              <a:ext uri="{FF2B5EF4-FFF2-40B4-BE49-F238E27FC236}">
+                <a16:creationId xmlns:a16="http://schemas.microsoft.com/office/drawing/2014/main" id="{D2379B5D-C1F1-4C3E-A606-AA6195072275}"/>
+              </a:ext>
+            </a:extLst>
+          </p:cNvPr>
+          <p:cNvSpPr/>
+          <p:nvPr/>
+        </p:nvSpPr>
+        <p:spPr>
+          <a:xfrm>
+            <a:off x="2061430" y="3429000"/>
+            <a:ext cx="1038687" cy="443883"/>
+          </a:xfrm>
+          <a:prstGeom prst="roundRect">
+            <a:avLst/>
+          </a:prstGeom>
+        </p:spPr>
+        <p:style>
+          <a:lnRef idx="2">
+            <a:schemeClr val="accent1">
+              <a:shade val="50000"/>
+            </a:schemeClr>
+          </a:lnRef>
+          <a:fillRef idx="1">
+            <a:schemeClr val="accent1"/>
+          </a:fillRef>
+          <a:effectRef idx="0">
+            <a:schemeClr val="accent1"/>
+          </a:effectRef>
+          <a:fontRef idx="minor">
+            <a:schemeClr val="lt1"/>
+          </a:fontRef>
+        </p:style>
+        <p:txBody>
+          <a:bodyPr rtlCol="0" anchor="ctr"/>
+          <a:lstStyle/>
+          <a:p>
+            <a:pPr algn="ctr"/>
+            <a:r>
+              <a:rPr lang="en-US" dirty="0"/>
+              <a:t>App</a:t>
+            </a:r>
+          </a:p>
+        </p:txBody>
+      </p:sp>
+      <p:sp>
+        <p:nvSpPr>
+          <p:cNvPr id="13" name="Rectangle: Rounded Corners 12">
+            <a:extLst>
+              <a:ext uri="{FF2B5EF4-FFF2-40B4-BE49-F238E27FC236}">
+                <a16:creationId xmlns:a16="http://schemas.microsoft.com/office/drawing/2014/main" id="{1D0361B6-1C1A-4FBB-B2A5-F61B9217084D}"/>
+              </a:ext>
+            </a:extLst>
+          </p:cNvPr>
+          <p:cNvSpPr/>
+          <p:nvPr/>
+        </p:nvSpPr>
+        <p:spPr>
+          <a:xfrm>
+            <a:off x="1353694" y="4267196"/>
+            <a:ext cx="1185908" cy="443883"/>
+          </a:xfrm>
+          <a:prstGeom prst="roundRect">
+            <a:avLst/>
+          </a:prstGeom>
+        </p:spPr>
+        <p:style>
+          <a:lnRef idx="2">
+            <a:schemeClr val="accent1">
+              <a:shade val="50000"/>
+            </a:schemeClr>
+          </a:lnRef>
+          <a:fillRef idx="1">
+            <a:schemeClr val="accent1"/>
+          </a:fillRef>
+          <a:effectRef idx="0">
+            <a:schemeClr val="accent1"/>
+          </a:effectRef>
+          <a:fontRef idx="minor">
+            <a:schemeClr val="lt1"/>
+          </a:fontRef>
+        </p:style>
+        <p:txBody>
+          <a:bodyPr rtlCol="0" anchor="ctr"/>
+          <a:lstStyle/>
+          <a:p>
+            <a:pPr algn="ctr"/>
+            <a:r>
+              <a:rPr lang="en-US" dirty="0"/>
+              <a:t>Side Bar</a:t>
+            </a:r>
+          </a:p>
+        </p:txBody>
+      </p:sp>
+      <p:sp>
+        <p:nvSpPr>
+          <p:cNvPr id="14" name="Rectangle: Rounded Corners 13">
+            <a:extLst>
+              <a:ext uri="{FF2B5EF4-FFF2-40B4-BE49-F238E27FC236}">
+                <a16:creationId xmlns:a16="http://schemas.microsoft.com/office/drawing/2014/main" id="{BE8A4798-D045-4A90-8268-14013B6D4AEA}"/>
+              </a:ext>
+            </a:extLst>
+          </p:cNvPr>
+          <p:cNvSpPr/>
+          <p:nvPr/>
+        </p:nvSpPr>
+        <p:spPr>
+          <a:xfrm>
+            <a:off x="2710168" y="4259569"/>
+            <a:ext cx="1038687" cy="443883"/>
+          </a:xfrm>
+          <a:prstGeom prst="roundRect">
+            <a:avLst/>
+          </a:prstGeom>
+        </p:spPr>
+        <p:style>
+          <a:lnRef idx="2">
+            <a:schemeClr val="accent1">
+              <a:shade val="50000"/>
+            </a:schemeClr>
+          </a:lnRef>
+          <a:fillRef idx="1">
+            <a:schemeClr val="accent1"/>
+          </a:fillRef>
+          <a:effectRef idx="0">
+            <a:schemeClr val="accent1"/>
+          </a:effectRef>
+          <a:fontRef idx="minor">
+            <a:schemeClr val="lt1"/>
+          </a:fontRef>
+        </p:style>
+        <p:txBody>
+          <a:bodyPr rtlCol="0" anchor="ctr"/>
+          <a:lstStyle/>
+          <a:p>
+            <a:pPr algn="ctr"/>
+            <a:r>
+              <a:rPr lang="en-US" dirty="0"/>
+              <a:t>Feed</a:t>
+            </a:r>
+          </a:p>
+        </p:txBody>
+      </p:sp>
+      <p:cxnSp>
+        <p:nvCxnSpPr>
+          <p:cNvPr id="15" name="Connector: Elbow 14">
+            <a:extLst>
+              <a:ext uri="{FF2B5EF4-FFF2-40B4-BE49-F238E27FC236}">
+                <a16:creationId xmlns:a16="http://schemas.microsoft.com/office/drawing/2014/main" id="{8E620ADD-2215-4F77-A632-B8CE4500206A}"/>
+              </a:ext>
+            </a:extLst>
+          </p:cNvPr>
+          <p:cNvCxnSpPr>
+            <a:stCxn id="11" idx="2"/>
+            <a:endCxn id="14" idx="0"/>
+          </p:cNvCxnSpPr>
+          <p:nvPr/>
+        </p:nvCxnSpPr>
+        <p:spPr>
+          <a:xfrm rot="16200000" flipH="1">
+            <a:off x="2711800" y="3741857"/>
+            <a:ext cx="386686" cy="648738"/>
+          </a:xfrm>
+          <a:prstGeom prst="bentConnector3">
+            <a:avLst/>
+          </a:prstGeom>
+          <a:ln>
+            <a:tailEnd type="triangle"/>
+          </a:ln>
+        </p:spPr>
+        <p:style>
+          <a:lnRef idx="2">
+            <a:schemeClr val="accent1">
+              <a:shade val="50000"/>
+            </a:schemeClr>
+          </a:lnRef>
+          <a:fillRef idx="1">
+            <a:schemeClr val="accent1"/>
+          </a:fillRef>
+          <a:effectRef idx="0">
+            <a:schemeClr val="accent1"/>
+          </a:effectRef>
+          <a:fontRef idx="minor">
+            <a:schemeClr val="lt1"/>
+          </a:fontRef>
+        </p:style>
+      </p:cxnSp>
+      <p:cxnSp>
+        <p:nvCxnSpPr>
+          <p:cNvPr id="16" name="Connector: Elbow 15">
+            <a:extLst>
+              <a:ext uri="{FF2B5EF4-FFF2-40B4-BE49-F238E27FC236}">
+                <a16:creationId xmlns:a16="http://schemas.microsoft.com/office/drawing/2014/main" id="{F8AF8188-D3CA-4921-ACD5-F48A13FFEC9C}"/>
+              </a:ext>
+            </a:extLst>
+          </p:cNvPr>
+          <p:cNvCxnSpPr>
+            <a:cxnSpLocks/>
+            <a:stCxn id="11" idx="2"/>
+            <a:endCxn id="13" idx="0"/>
+          </p:cNvCxnSpPr>
+          <p:nvPr/>
+        </p:nvCxnSpPr>
+        <p:spPr>
+          <a:xfrm rot="5400000">
+            <a:off x="2066555" y="3752976"/>
+            <a:ext cx="394313" cy="634126"/>
+          </a:xfrm>
+          <a:prstGeom prst="bentConnector3">
+            <a:avLst/>
+          </a:prstGeom>
+          <a:ln>
+            <a:tailEnd type="triangle"/>
+          </a:ln>
+        </p:spPr>
+        <p:style>
+          <a:lnRef idx="2">
+            <a:schemeClr val="accent1">
+              <a:shade val="50000"/>
+            </a:schemeClr>
+          </a:lnRef>
+          <a:fillRef idx="1">
+            <a:schemeClr val="accent1"/>
+          </a:fillRef>
+          <a:effectRef idx="0">
+            <a:schemeClr val="accent1"/>
+          </a:effectRef>
+          <a:fontRef idx="minor">
+            <a:schemeClr val="lt1"/>
+          </a:fontRef>
+        </p:style>
+      </p:cxnSp>
+      <p:sp>
+        <p:nvSpPr>
+          <p:cNvPr id="17" name="Rectangle: Rounded Corners 16">
+            <a:extLst>
+              <a:ext uri="{FF2B5EF4-FFF2-40B4-BE49-F238E27FC236}">
+                <a16:creationId xmlns:a16="http://schemas.microsoft.com/office/drawing/2014/main" id="{27440FA4-5FCE-4DB8-864A-887DE37641B7}"/>
+              </a:ext>
+            </a:extLst>
+          </p:cNvPr>
+          <p:cNvSpPr/>
+          <p:nvPr/>
+        </p:nvSpPr>
+        <p:spPr>
+          <a:xfrm>
+            <a:off x="943215" y="5028737"/>
+            <a:ext cx="1313896" cy="443883"/>
+          </a:xfrm>
+          <a:prstGeom prst="roundRect">
+            <a:avLst/>
+          </a:prstGeom>
+        </p:spPr>
+        <p:style>
+          <a:lnRef idx="2">
+            <a:schemeClr val="accent1">
+              <a:shade val="50000"/>
+            </a:schemeClr>
+          </a:lnRef>
+          <a:fillRef idx="1">
+            <a:schemeClr val="accent1"/>
+          </a:fillRef>
+          <a:effectRef idx="0">
+            <a:schemeClr val="accent1"/>
+          </a:effectRef>
+          <a:fontRef idx="minor">
+            <a:schemeClr val="lt1"/>
+          </a:fontRef>
+        </p:style>
+        <p:txBody>
+          <a:bodyPr rtlCol="0" anchor="ctr"/>
+          <a:lstStyle/>
+          <a:p>
+            <a:pPr algn="ctr"/>
+            <a:r>
+              <a:rPr lang="en-US" dirty="0"/>
+              <a:t>Options</a:t>
+            </a:r>
+          </a:p>
+        </p:txBody>
+      </p:sp>
+      <p:cxnSp>
+        <p:nvCxnSpPr>
+          <p:cNvPr id="18" name="Connector: Elbow 17">
+            <a:extLst>
+              <a:ext uri="{FF2B5EF4-FFF2-40B4-BE49-F238E27FC236}">
+                <a16:creationId xmlns:a16="http://schemas.microsoft.com/office/drawing/2014/main" id="{6741194D-122F-42DF-BA5A-EC4102C395B4}"/>
+              </a:ext>
+            </a:extLst>
+          </p:cNvPr>
+          <p:cNvCxnSpPr>
+            <a:cxnSpLocks/>
+            <a:stCxn id="13" idx="2"/>
+            <a:endCxn id="17" idx="0"/>
+          </p:cNvCxnSpPr>
+          <p:nvPr/>
+        </p:nvCxnSpPr>
+        <p:spPr>
+          <a:xfrm rot="5400000">
+            <a:off x="1614577" y="4696666"/>
+            <a:ext cx="317658" cy="346485"/>
+          </a:xfrm>
+          <a:prstGeom prst="bentConnector3">
+            <a:avLst/>
+          </a:prstGeom>
+          <a:ln>
+            <a:tailEnd type="triangle"/>
+          </a:ln>
+        </p:spPr>
+        <p:style>
+          <a:lnRef idx="2">
+            <a:schemeClr val="accent1">
+              <a:shade val="50000"/>
+            </a:schemeClr>
+          </a:lnRef>
+          <a:fillRef idx="1">
+            <a:schemeClr val="accent1"/>
+          </a:fillRef>
+          <a:effectRef idx="0">
+            <a:schemeClr val="accent1"/>
+          </a:effectRef>
+          <a:fontRef idx="minor">
+            <a:schemeClr val="lt1"/>
+          </a:fontRef>
+        </p:style>
+      </p:cxnSp>
+      <p:sp>
+        <p:nvSpPr>
+          <p:cNvPr id="19" name="Rectangle: Rounded Corners 18">
+            <a:extLst>
+              <a:ext uri="{FF2B5EF4-FFF2-40B4-BE49-F238E27FC236}">
+                <a16:creationId xmlns:a16="http://schemas.microsoft.com/office/drawing/2014/main" id="{3066BB8D-99EC-457B-9A03-7B886DAFC897}"/>
+              </a:ext>
+            </a:extLst>
+          </p:cNvPr>
+          <p:cNvSpPr/>
+          <p:nvPr/>
+        </p:nvSpPr>
+        <p:spPr>
+          <a:xfrm>
+            <a:off x="2362126" y="5028737"/>
+            <a:ext cx="1313896" cy="443883"/>
+          </a:xfrm>
+          <a:prstGeom prst="roundRect">
+            <a:avLst/>
+          </a:prstGeom>
+        </p:spPr>
+        <p:style>
+          <a:lnRef idx="2">
+            <a:schemeClr val="accent1">
+              <a:shade val="50000"/>
+            </a:schemeClr>
+          </a:lnRef>
+          <a:fillRef idx="1">
+            <a:schemeClr val="accent1"/>
+          </a:fillRef>
+          <a:effectRef idx="0">
+            <a:schemeClr val="accent1"/>
+          </a:effectRef>
+          <a:fontRef idx="minor">
+            <a:schemeClr val="lt1"/>
+          </a:fontRef>
+        </p:style>
+        <p:txBody>
+          <a:bodyPr rtlCol="0" anchor="ctr"/>
+          <a:lstStyle/>
+          <a:p>
+            <a:pPr algn="ctr"/>
+            <a:r>
+              <a:rPr lang="en-US" dirty="0"/>
+              <a:t>InputBox</a:t>
+            </a:r>
+          </a:p>
+        </p:txBody>
+      </p:sp>
+      <p:cxnSp>
+        <p:nvCxnSpPr>
+          <p:cNvPr id="20" name="Connector: Elbow 19">
+            <a:extLst>
+              <a:ext uri="{FF2B5EF4-FFF2-40B4-BE49-F238E27FC236}">
+                <a16:creationId xmlns:a16="http://schemas.microsoft.com/office/drawing/2014/main" id="{46AD3A9A-ADC2-41E4-ADD0-EE5E6E017467}"/>
+              </a:ext>
+            </a:extLst>
+          </p:cNvPr>
+          <p:cNvCxnSpPr>
+            <a:stCxn id="14" idx="2"/>
+            <a:endCxn id="19" idx="0"/>
+          </p:cNvCxnSpPr>
+          <p:nvPr/>
+        </p:nvCxnSpPr>
+        <p:spPr>
+          <a:xfrm rot="5400000">
+            <a:off x="2961651" y="4760875"/>
+            <a:ext cx="325285" cy="210438"/>
+          </a:xfrm>
+          <a:prstGeom prst="bentConnector3">
+            <a:avLst/>
+          </a:prstGeom>
+          <a:ln>
+            <a:tailEnd type="triangle"/>
+          </a:ln>
+        </p:spPr>
+        <p:style>
+          <a:lnRef idx="2">
+            <a:schemeClr val="accent1">
+              <a:shade val="50000"/>
+            </a:schemeClr>
+          </a:lnRef>
+          <a:fillRef idx="1">
+            <a:schemeClr val="accent1"/>
+          </a:fillRef>
+          <a:effectRef idx="0">
+            <a:schemeClr val="accent1"/>
+          </a:effectRef>
+          <a:fontRef idx="minor">
+            <a:schemeClr val="lt1"/>
+          </a:fontRef>
+        </p:style>
+      </p:cxnSp>
+    </p:spTree>
+    <p:extLst>
+      <p:ext uri="{BB962C8B-B14F-4D97-AF65-F5344CB8AC3E}">
+        <p14:creationId xmlns:p14="http://schemas.microsoft.com/office/powerpoint/2010/main" val="3709715530"/>
+      </p:ext>
+    </p:extLst>
+  </p:cSld>
+  <p:clrMapOvr>
+    <a:masterClrMapping/>
+  </p:clrMapOvr>
+</p:sld>
+</file>
+
+<file path=ppt/slides/slide34.xml><?xml version="1.0" encoding="utf-8"?>
+<p:sld xmlns:a="http://schemas.openxmlformats.org/drawingml/2006/main" xmlns:r="http://schemas.openxmlformats.org/officeDocument/2006/relationships" xmlns:p="http://schemas.openxmlformats.org/presentationml/2006/main">
+  <p:cSld>
+    <p:spTree>
+      <p:nvGrpSpPr>
+        <p:cNvPr id="1" name=""/>
+        <p:cNvGrpSpPr/>
+        <p:nvPr/>
+      </p:nvGrpSpPr>
+      <p:grpSpPr>
+        <a:xfrm>
+          <a:off x="0" y="0"/>
+          <a:ext cx="0" cy="0"/>
+          <a:chOff x="0" y="0"/>
+          <a:chExt cx="0" cy="0"/>
+        </a:xfrm>
+      </p:grpSpPr>
+      <p:sp>
+        <p:nvSpPr>
+          <p:cNvPr id="2" name="Title 1">
+            <a:extLst>
+              <a:ext uri="{FF2B5EF4-FFF2-40B4-BE49-F238E27FC236}">
+                <a16:creationId xmlns:a16="http://schemas.microsoft.com/office/drawing/2014/main" id="{7C26DD32-8D7C-4139-8C5F-827E8599EA85}"/>
+              </a:ext>
+            </a:extLst>
+          </p:cNvPr>
+          <p:cNvSpPr>
+            <a:spLocks noGrp="1"/>
+          </p:cNvSpPr>
+          <p:nvPr>
+            <p:ph type="title"/>
+          </p:nvPr>
+        </p:nvSpPr>
+        <p:spPr/>
+        <p:txBody>
+          <a:bodyPr/>
+          <a:lstStyle/>
+          <a:p>
+            <a:r>
+              <a:rPr lang="en-US" dirty="0"/>
+              <a:t>Example</a:t>
+            </a:r>
+          </a:p>
+        </p:txBody>
+      </p:sp>
+      <p:sp>
+        <p:nvSpPr>
+          <p:cNvPr id="3" name="Content Placeholder 2">
+            <a:extLst>
+              <a:ext uri="{FF2B5EF4-FFF2-40B4-BE49-F238E27FC236}">
+                <a16:creationId xmlns:a16="http://schemas.microsoft.com/office/drawing/2014/main" id="{AFC33335-1038-45D8-B9B1-4E247AE80B8B}"/>
+              </a:ext>
+            </a:extLst>
+          </p:cNvPr>
+          <p:cNvSpPr>
+            <a:spLocks noGrp="1"/>
+          </p:cNvSpPr>
+          <p:nvPr>
+            <p:ph idx="1"/>
+          </p:nvPr>
+        </p:nvSpPr>
+        <p:spPr>
+          <a:xfrm>
+            <a:off x="838200" y="1825625"/>
+            <a:ext cx="3849210" cy="4351338"/>
+          </a:xfrm>
+        </p:spPr>
+        <p:txBody>
+          <a:bodyPr/>
+          <a:lstStyle/>
+          <a:p>
+            <a:r>
+              <a:rPr lang="en-US" dirty="0"/>
+              <a:t>Now consider the Homepage of the Twitter</a:t>
+            </a:r>
+          </a:p>
+        </p:txBody>
+      </p:sp>
+      <p:pic>
+        <p:nvPicPr>
+          <p:cNvPr id="9" name="Picture 8">
+            <a:extLst>
+              <a:ext uri="{FF2B5EF4-FFF2-40B4-BE49-F238E27FC236}">
+                <a16:creationId xmlns:a16="http://schemas.microsoft.com/office/drawing/2014/main" id="{F00C5E31-6303-4BF7-945B-BCB352468EAF}"/>
+              </a:ext>
+            </a:extLst>
+          </p:cNvPr>
+          <p:cNvPicPr>
+            <a:picLocks noChangeAspect="1"/>
+          </p:cNvPicPr>
+          <p:nvPr/>
+        </p:nvPicPr>
+        <p:blipFill>
+          <a:blip r:embed="rId2"/>
+          <a:stretch>
+            <a:fillRect/>
+          </a:stretch>
+        </p:blipFill>
+        <p:spPr>
+          <a:xfrm>
+            <a:off x="5047141" y="182560"/>
+            <a:ext cx="6377830" cy="6492875"/>
+          </a:xfrm>
+          <a:prstGeom prst="rect">
+            <a:avLst/>
+          </a:prstGeom>
+          <a:ln>
+            <a:solidFill>
+              <a:schemeClr val="tx1"/>
+            </a:solidFill>
+          </a:ln>
+        </p:spPr>
+      </p:pic>
+      <p:sp>
+        <p:nvSpPr>
+          <p:cNvPr id="5" name="Rectangle 4">
+            <a:extLst>
+              <a:ext uri="{FF2B5EF4-FFF2-40B4-BE49-F238E27FC236}">
+                <a16:creationId xmlns:a16="http://schemas.microsoft.com/office/drawing/2014/main" id="{2356D33C-D252-4EB3-A3EA-34F5E5B6C3B7}"/>
+              </a:ext>
+            </a:extLst>
+          </p:cNvPr>
+          <p:cNvSpPr/>
+          <p:nvPr/>
+        </p:nvSpPr>
+        <p:spPr>
+          <a:xfrm>
+            <a:off x="5047141" y="182560"/>
+            <a:ext cx="1957191" cy="6492875"/>
+          </a:xfrm>
+          <a:prstGeom prst="rect">
+            <a:avLst/>
+          </a:prstGeom>
+          <a:noFill/>
+          <a:ln w="38100">
+            <a:solidFill>
+              <a:schemeClr val="accent2"/>
+            </a:solidFill>
+          </a:ln>
+        </p:spPr>
+        <p:style>
+          <a:lnRef idx="2">
+            <a:schemeClr val="accent1">
+              <a:shade val="50000"/>
+            </a:schemeClr>
+          </a:lnRef>
+          <a:fillRef idx="1">
+            <a:schemeClr val="accent1"/>
+          </a:fillRef>
+          <a:effectRef idx="0">
+            <a:schemeClr val="accent1"/>
+          </a:effectRef>
+          <a:fontRef idx="minor">
+            <a:schemeClr val="lt1"/>
+          </a:fontRef>
+        </p:style>
+        <p:txBody>
+          <a:bodyPr rtlCol="0" anchor="ctr"/>
+          <a:lstStyle/>
+          <a:p>
+            <a:pPr algn="ctr"/>
+            <a:endParaRPr lang="en-US"/>
+          </a:p>
+        </p:txBody>
+      </p:sp>
+      <p:sp>
+        <p:nvSpPr>
+          <p:cNvPr id="8" name="Rectangle 7">
+            <a:extLst>
+              <a:ext uri="{FF2B5EF4-FFF2-40B4-BE49-F238E27FC236}">
+                <a16:creationId xmlns:a16="http://schemas.microsoft.com/office/drawing/2014/main" id="{ADBE58E6-3AAA-4CC5-BF72-F71A60170E6F}"/>
+              </a:ext>
+            </a:extLst>
+          </p:cNvPr>
+          <p:cNvSpPr/>
+          <p:nvPr/>
+        </p:nvSpPr>
+        <p:spPr>
+          <a:xfrm>
+            <a:off x="7063740" y="182560"/>
+            <a:ext cx="4361231" cy="6492875"/>
+          </a:xfrm>
+          <a:prstGeom prst="rect">
+            <a:avLst/>
+          </a:prstGeom>
+          <a:noFill/>
+          <a:ln w="38100">
+            <a:solidFill>
+              <a:srgbClr val="00B0F0"/>
+            </a:solidFill>
+          </a:ln>
+        </p:spPr>
+        <p:style>
+          <a:lnRef idx="2">
+            <a:schemeClr val="accent1">
+              <a:shade val="50000"/>
+            </a:schemeClr>
+          </a:lnRef>
+          <a:fillRef idx="1">
+            <a:schemeClr val="accent1"/>
+          </a:fillRef>
+          <a:effectRef idx="0">
+            <a:schemeClr val="accent1"/>
+          </a:effectRef>
+          <a:fontRef idx="minor">
+            <a:schemeClr val="lt1"/>
+          </a:fontRef>
+        </p:style>
+        <p:txBody>
+          <a:bodyPr rtlCol="0" anchor="ctr"/>
+          <a:lstStyle/>
+          <a:p>
+            <a:pPr algn="ctr"/>
+            <a:endParaRPr lang="en-US"/>
+          </a:p>
+        </p:txBody>
+      </p:sp>
+      <p:sp>
+        <p:nvSpPr>
+          <p:cNvPr id="7" name="Rectangle 6">
+            <a:extLst>
+              <a:ext uri="{FF2B5EF4-FFF2-40B4-BE49-F238E27FC236}">
+                <a16:creationId xmlns:a16="http://schemas.microsoft.com/office/drawing/2014/main" id="{B38BA0A3-6D99-4148-9C50-2AF32E8A0A4A}"/>
+              </a:ext>
+            </a:extLst>
+          </p:cNvPr>
+          <p:cNvSpPr/>
+          <p:nvPr/>
+        </p:nvSpPr>
+        <p:spPr>
+          <a:xfrm>
+            <a:off x="5106549" y="653254"/>
+            <a:ext cx="1839434" cy="283369"/>
+          </a:xfrm>
+          <a:prstGeom prst="rect">
+            <a:avLst/>
+          </a:prstGeom>
+          <a:noFill/>
+          <a:ln w="38100">
+            <a:solidFill>
+              <a:schemeClr val="accent6">
+                <a:lumMod val="75000"/>
+              </a:schemeClr>
+            </a:solidFill>
+          </a:ln>
+        </p:spPr>
+        <p:style>
+          <a:lnRef idx="2">
+            <a:schemeClr val="accent1">
+              <a:shade val="50000"/>
+            </a:schemeClr>
+          </a:lnRef>
+          <a:fillRef idx="1">
+            <a:schemeClr val="accent1"/>
+          </a:fillRef>
+          <a:effectRef idx="0">
+            <a:schemeClr val="accent1"/>
+          </a:effectRef>
+          <a:fontRef idx="minor">
+            <a:schemeClr val="lt1"/>
+          </a:fontRef>
+        </p:style>
+        <p:txBody>
+          <a:bodyPr rtlCol="0" anchor="ctr"/>
+          <a:lstStyle/>
+          <a:p>
+            <a:pPr algn="ctr"/>
+            <a:endParaRPr lang="en-US"/>
+          </a:p>
+        </p:txBody>
+      </p:sp>
+      <p:sp>
+        <p:nvSpPr>
+          <p:cNvPr id="12" name="Rectangle 11">
+            <a:extLst>
+              <a:ext uri="{FF2B5EF4-FFF2-40B4-BE49-F238E27FC236}">
+                <a16:creationId xmlns:a16="http://schemas.microsoft.com/office/drawing/2014/main" id="{80EAF265-5C41-456A-9041-D80EF333BAD8}"/>
+              </a:ext>
+            </a:extLst>
+          </p:cNvPr>
+          <p:cNvSpPr/>
+          <p:nvPr/>
+        </p:nvSpPr>
+        <p:spPr>
+          <a:xfrm>
+            <a:off x="5103849" y="1071560"/>
+            <a:ext cx="1839434" cy="283369"/>
+          </a:xfrm>
+          <a:prstGeom prst="rect">
+            <a:avLst/>
+          </a:prstGeom>
+          <a:noFill/>
+          <a:ln w="38100">
+            <a:solidFill>
+              <a:schemeClr val="accent6">
+                <a:lumMod val="75000"/>
+              </a:schemeClr>
+            </a:solidFill>
+          </a:ln>
+        </p:spPr>
+        <p:style>
+          <a:lnRef idx="2">
+            <a:schemeClr val="accent1">
+              <a:shade val="50000"/>
+            </a:schemeClr>
+          </a:lnRef>
+          <a:fillRef idx="1">
+            <a:schemeClr val="accent1"/>
+          </a:fillRef>
+          <a:effectRef idx="0">
+            <a:schemeClr val="accent1"/>
+          </a:effectRef>
+          <a:fontRef idx="minor">
+            <a:schemeClr val="lt1"/>
+          </a:fontRef>
+        </p:style>
+        <p:txBody>
+          <a:bodyPr rtlCol="0" anchor="ctr"/>
+          <a:lstStyle/>
+          <a:p>
+            <a:pPr algn="ctr"/>
+            <a:endParaRPr lang="en-US"/>
+          </a:p>
+        </p:txBody>
+      </p:sp>
+      <p:sp>
+        <p:nvSpPr>
+          <p:cNvPr id="10" name="Rectangle 9">
+            <a:extLst>
+              <a:ext uri="{FF2B5EF4-FFF2-40B4-BE49-F238E27FC236}">
+                <a16:creationId xmlns:a16="http://schemas.microsoft.com/office/drawing/2014/main" id="{81E56781-E085-4E18-AC5E-F356F4B48C16}"/>
+              </a:ext>
+            </a:extLst>
+          </p:cNvPr>
+          <p:cNvSpPr/>
+          <p:nvPr/>
+        </p:nvSpPr>
+        <p:spPr>
+          <a:xfrm>
+            <a:off x="7123148" y="230188"/>
+            <a:ext cx="4230652" cy="1227137"/>
+          </a:xfrm>
+          <a:prstGeom prst="rect">
+            <a:avLst/>
+          </a:prstGeom>
+          <a:noFill/>
+          <a:ln w="38100">
+            <a:solidFill>
+              <a:srgbClr val="7030A0"/>
+            </a:solidFill>
+          </a:ln>
+        </p:spPr>
+        <p:style>
+          <a:lnRef idx="2">
+            <a:schemeClr val="accent1">
+              <a:shade val="50000"/>
+            </a:schemeClr>
+          </a:lnRef>
+          <a:fillRef idx="1">
+            <a:schemeClr val="accent1"/>
+          </a:fillRef>
+          <a:effectRef idx="0">
+            <a:schemeClr val="accent1"/>
+          </a:effectRef>
+          <a:fontRef idx="minor">
+            <a:schemeClr val="lt1"/>
+          </a:fontRef>
+        </p:style>
+        <p:txBody>
+          <a:bodyPr rtlCol="0" anchor="ctr"/>
+          <a:lstStyle/>
+          <a:p>
+            <a:pPr algn="ctr"/>
+            <a:endParaRPr lang="en-US"/>
+          </a:p>
+        </p:txBody>
+      </p:sp>
+      <p:sp>
+        <p:nvSpPr>
+          <p:cNvPr id="4" name="Rectangle 3">
+            <a:extLst>
+              <a:ext uri="{FF2B5EF4-FFF2-40B4-BE49-F238E27FC236}">
+                <a16:creationId xmlns:a16="http://schemas.microsoft.com/office/drawing/2014/main" id="{0BEAF9C5-8F61-4639-B257-E9D0CA6B4A22}"/>
+              </a:ext>
+            </a:extLst>
+          </p:cNvPr>
+          <p:cNvSpPr/>
+          <p:nvPr/>
+        </p:nvSpPr>
+        <p:spPr>
+          <a:xfrm>
+            <a:off x="7123148" y="1531620"/>
+            <a:ext cx="4230652" cy="5096192"/>
+          </a:xfrm>
+          <a:prstGeom prst="rect">
+            <a:avLst/>
+          </a:prstGeom>
+          <a:noFill/>
+          <a:ln w="38100">
+            <a:solidFill>
+              <a:srgbClr val="92D050"/>
+            </a:solidFill>
+          </a:ln>
+        </p:spPr>
+        <p:style>
+          <a:lnRef idx="2">
+            <a:schemeClr val="accent1">
+              <a:shade val="50000"/>
+            </a:schemeClr>
+          </a:lnRef>
+          <a:fillRef idx="1">
+            <a:schemeClr val="accent1"/>
+          </a:fillRef>
+          <a:effectRef idx="0">
+            <a:schemeClr val="accent1"/>
+          </a:effectRef>
+          <a:fontRef idx="minor">
+            <a:schemeClr val="lt1"/>
+          </a:fontRef>
+        </p:style>
+        <p:txBody>
+          <a:bodyPr rtlCol="0" anchor="ctr"/>
+          <a:lstStyle/>
+          <a:p>
+            <a:pPr algn="ctr"/>
+            <a:endParaRPr lang="en-US"/>
+          </a:p>
+        </p:txBody>
+      </p:sp>
+      <p:sp>
+        <p:nvSpPr>
+          <p:cNvPr id="22" name="Rectangle: Rounded Corners 21">
+            <a:extLst>
+              <a:ext uri="{FF2B5EF4-FFF2-40B4-BE49-F238E27FC236}">
+                <a16:creationId xmlns:a16="http://schemas.microsoft.com/office/drawing/2014/main" id="{4ED0A3C6-29A6-4FB9-9811-32D52816042D}"/>
+              </a:ext>
+            </a:extLst>
+          </p:cNvPr>
+          <p:cNvSpPr/>
+          <p:nvPr/>
+        </p:nvSpPr>
+        <p:spPr>
+          <a:xfrm>
+            <a:off x="2061430" y="3429000"/>
+            <a:ext cx="1038687" cy="443883"/>
+          </a:xfrm>
+          <a:prstGeom prst="roundRect">
+            <a:avLst/>
+          </a:prstGeom>
+        </p:spPr>
+        <p:style>
+          <a:lnRef idx="2">
+            <a:schemeClr val="accent1">
+              <a:shade val="50000"/>
+            </a:schemeClr>
+          </a:lnRef>
+          <a:fillRef idx="1">
+            <a:schemeClr val="accent1"/>
+          </a:fillRef>
+          <a:effectRef idx="0">
+            <a:schemeClr val="accent1"/>
+          </a:effectRef>
+          <a:fontRef idx="minor">
+            <a:schemeClr val="lt1"/>
+          </a:fontRef>
+        </p:style>
+        <p:txBody>
+          <a:bodyPr rtlCol="0" anchor="ctr"/>
+          <a:lstStyle/>
+          <a:p>
+            <a:pPr algn="ctr"/>
+            <a:r>
+              <a:rPr lang="en-US" dirty="0"/>
+              <a:t>App</a:t>
+            </a:r>
+          </a:p>
+        </p:txBody>
+      </p:sp>
+      <p:sp>
+        <p:nvSpPr>
+          <p:cNvPr id="23" name="Rectangle: Rounded Corners 22">
+            <a:extLst>
+              <a:ext uri="{FF2B5EF4-FFF2-40B4-BE49-F238E27FC236}">
+                <a16:creationId xmlns:a16="http://schemas.microsoft.com/office/drawing/2014/main" id="{81CF1BFB-8127-4A8F-8C99-47DAA9BFCB47}"/>
+              </a:ext>
+            </a:extLst>
+          </p:cNvPr>
+          <p:cNvSpPr/>
+          <p:nvPr/>
+        </p:nvSpPr>
+        <p:spPr>
+          <a:xfrm>
+            <a:off x="1353694" y="4267196"/>
+            <a:ext cx="1185908" cy="443883"/>
+          </a:xfrm>
+          <a:prstGeom prst="roundRect">
+            <a:avLst/>
+          </a:prstGeom>
+        </p:spPr>
+        <p:style>
+          <a:lnRef idx="2">
+            <a:schemeClr val="accent1">
+              <a:shade val="50000"/>
+            </a:schemeClr>
+          </a:lnRef>
+          <a:fillRef idx="1">
+            <a:schemeClr val="accent1"/>
+          </a:fillRef>
+          <a:effectRef idx="0">
+            <a:schemeClr val="accent1"/>
+          </a:effectRef>
+          <a:fontRef idx="minor">
+            <a:schemeClr val="lt1"/>
+          </a:fontRef>
+        </p:style>
+        <p:txBody>
+          <a:bodyPr rtlCol="0" anchor="ctr"/>
+          <a:lstStyle/>
+          <a:p>
+            <a:pPr algn="ctr"/>
+            <a:r>
+              <a:rPr lang="en-US" dirty="0"/>
+              <a:t>Side Bar</a:t>
+            </a:r>
+          </a:p>
+        </p:txBody>
+      </p:sp>
+      <p:sp>
+        <p:nvSpPr>
+          <p:cNvPr id="24" name="Rectangle: Rounded Corners 23">
+            <a:extLst>
+              <a:ext uri="{FF2B5EF4-FFF2-40B4-BE49-F238E27FC236}">
+                <a16:creationId xmlns:a16="http://schemas.microsoft.com/office/drawing/2014/main" id="{2E8130BD-EF2E-4B29-AC39-C2CB12DF7009}"/>
+              </a:ext>
+            </a:extLst>
+          </p:cNvPr>
+          <p:cNvSpPr/>
+          <p:nvPr/>
+        </p:nvSpPr>
+        <p:spPr>
+          <a:xfrm>
+            <a:off x="2710168" y="4259569"/>
+            <a:ext cx="1038687" cy="443883"/>
+          </a:xfrm>
+          <a:prstGeom prst="roundRect">
+            <a:avLst/>
+          </a:prstGeom>
+        </p:spPr>
+        <p:style>
+          <a:lnRef idx="2">
+            <a:schemeClr val="accent1">
+              <a:shade val="50000"/>
+            </a:schemeClr>
+          </a:lnRef>
+          <a:fillRef idx="1">
+            <a:schemeClr val="accent1"/>
+          </a:fillRef>
+          <a:effectRef idx="0">
+            <a:schemeClr val="accent1"/>
+          </a:effectRef>
+          <a:fontRef idx="minor">
+            <a:schemeClr val="lt1"/>
+          </a:fontRef>
+        </p:style>
+        <p:txBody>
+          <a:bodyPr rtlCol="0" anchor="ctr"/>
+          <a:lstStyle/>
+          <a:p>
+            <a:pPr algn="ctr"/>
+            <a:r>
+              <a:rPr lang="en-US" dirty="0"/>
+              <a:t>Feed</a:t>
+            </a:r>
+          </a:p>
+        </p:txBody>
+      </p:sp>
+      <p:cxnSp>
+        <p:nvCxnSpPr>
+          <p:cNvPr id="25" name="Connector: Elbow 24">
+            <a:extLst>
+              <a:ext uri="{FF2B5EF4-FFF2-40B4-BE49-F238E27FC236}">
+                <a16:creationId xmlns:a16="http://schemas.microsoft.com/office/drawing/2014/main" id="{F484A517-0EBA-454D-8DE8-7F65BD63A499}"/>
+              </a:ext>
+            </a:extLst>
+          </p:cNvPr>
+          <p:cNvCxnSpPr>
+            <a:stCxn id="22" idx="2"/>
+            <a:endCxn id="24" idx="0"/>
+          </p:cNvCxnSpPr>
+          <p:nvPr/>
+        </p:nvCxnSpPr>
+        <p:spPr>
+          <a:xfrm rot="16200000" flipH="1">
+            <a:off x="2711800" y="3741857"/>
+            <a:ext cx="386686" cy="648738"/>
+          </a:xfrm>
+          <a:prstGeom prst="bentConnector3">
+            <a:avLst/>
+          </a:prstGeom>
+          <a:ln>
+            <a:tailEnd type="triangle"/>
+          </a:ln>
+        </p:spPr>
+        <p:style>
+          <a:lnRef idx="2">
+            <a:schemeClr val="accent1">
+              <a:shade val="50000"/>
+            </a:schemeClr>
+          </a:lnRef>
+          <a:fillRef idx="1">
+            <a:schemeClr val="accent1"/>
+          </a:fillRef>
+          <a:effectRef idx="0">
+            <a:schemeClr val="accent1"/>
+          </a:effectRef>
+          <a:fontRef idx="minor">
+            <a:schemeClr val="lt1"/>
+          </a:fontRef>
+        </p:style>
+      </p:cxnSp>
+      <p:cxnSp>
+        <p:nvCxnSpPr>
+          <p:cNvPr id="26" name="Connector: Elbow 25">
+            <a:extLst>
+              <a:ext uri="{FF2B5EF4-FFF2-40B4-BE49-F238E27FC236}">
+                <a16:creationId xmlns:a16="http://schemas.microsoft.com/office/drawing/2014/main" id="{B8CA55F6-260B-4D8E-BECD-335554D2DD3A}"/>
+              </a:ext>
+            </a:extLst>
+          </p:cNvPr>
+          <p:cNvCxnSpPr>
+            <a:cxnSpLocks/>
+            <a:stCxn id="22" idx="2"/>
+            <a:endCxn id="23" idx="0"/>
+          </p:cNvCxnSpPr>
+          <p:nvPr/>
+        </p:nvCxnSpPr>
+        <p:spPr>
+          <a:xfrm rot="5400000">
+            <a:off x="2066555" y="3752976"/>
+            <a:ext cx="394313" cy="634126"/>
+          </a:xfrm>
+          <a:prstGeom prst="bentConnector3">
+            <a:avLst/>
+          </a:prstGeom>
+          <a:ln>
+            <a:tailEnd type="triangle"/>
+          </a:ln>
+        </p:spPr>
+        <p:style>
+          <a:lnRef idx="2">
+            <a:schemeClr val="accent1">
+              <a:shade val="50000"/>
+            </a:schemeClr>
+          </a:lnRef>
+          <a:fillRef idx="1">
+            <a:schemeClr val="accent1"/>
+          </a:fillRef>
+          <a:effectRef idx="0">
+            <a:schemeClr val="accent1"/>
+          </a:effectRef>
+          <a:fontRef idx="minor">
+            <a:schemeClr val="lt1"/>
+          </a:fontRef>
+        </p:style>
+      </p:cxnSp>
+      <p:sp>
+        <p:nvSpPr>
+          <p:cNvPr id="27" name="Rectangle: Rounded Corners 26">
+            <a:extLst>
+              <a:ext uri="{FF2B5EF4-FFF2-40B4-BE49-F238E27FC236}">
+                <a16:creationId xmlns:a16="http://schemas.microsoft.com/office/drawing/2014/main" id="{E2AA70DE-3977-4BF9-9C52-0F60E2BA3BB3}"/>
+              </a:ext>
+            </a:extLst>
+          </p:cNvPr>
+          <p:cNvSpPr/>
+          <p:nvPr/>
+        </p:nvSpPr>
+        <p:spPr>
+          <a:xfrm>
+            <a:off x="767029" y="5032375"/>
+            <a:ext cx="1313896" cy="443883"/>
+          </a:xfrm>
+          <a:prstGeom prst="roundRect">
+            <a:avLst/>
+          </a:prstGeom>
+        </p:spPr>
+        <p:style>
+          <a:lnRef idx="2">
+            <a:schemeClr val="accent1">
+              <a:shade val="50000"/>
+            </a:schemeClr>
+          </a:lnRef>
+          <a:fillRef idx="1">
+            <a:schemeClr val="accent1"/>
+          </a:fillRef>
+          <a:effectRef idx="0">
+            <a:schemeClr val="accent1"/>
+          </a:effectRef>
+          <a:fontRef idx="minor">
+            <a:schemeClr val="lt1"/>
+          </a:fontRef>
+        </p:style>
+        <p:txBody>
+          <a:bodyPr rtlCol="0" anchor="ctr"/>
+          <a:lstStyle/>
+          <a:p>
+            <a:pPr algn="ctr"/>
+            <a:r>
+              <a:rPr lang="en-US" dirty="0"/>
+              <a:t>Options</a:t>
+            </a:r>
+          </a:p>
+        </p:txBody>
+      </p:sp>
+      <p:cxnSp>
+        <p:nvCxnSpPr>
+          <p:cNvPr id="28" name="Connector: Elbow 27">
+            <a:extLst>
+              <a:ext uri="{FF2B5EF4-FFF2-40B4-BE49-F238E27FC236}">
+                <a16:creationId xmlns:a16="http://schemas.microsoft.com/office/drawing/2014/main" id="{B0714DC5-5623-4DC2-8309-0B3AEAADCAA9}"/>
+              </a:ext>
+            </a:extLst>
+          </p:cNvPr>
+          <p:cNvCxnSpPr>
+            <a:cxnSpLocks/>
+            <a:stCxn id="23" idx="2"/>
+            <a:endCxn id="27" idx="0"/>
+          </p:cNvCxnSpPr>
+          <p:nvPr/>
+        </p:nvCxnSpPr>
+        <p:spPr>
+          <a:xfrm rot="5400000">
+            <a:off x="1524665" y="4610392"/>
+            <a:ext cx="321296" cy="522671"/>
+          </a:xfrm>
+          <a:prstGeom prst="bentConnector3">
+            <a:avLst/>
+          </a:prstGeom>
+          <a:ln>
+            <a:tailEnd type="triangle"/>
+          </a:ln>
+        </p:spPr>
+        <p:style>
+          <a:lnRef idx="2">
+            <a:schemeClr val="accent1">
+              <a:shade val="50000"/>
+            </a:schemeClr>
+          </a:lnRef>
+          <a:fillRef idx="1">
+            <a:schemeClr val="accent1"/>
+          </a:fillRef>
+          <a:effectRef idx="0">
+            <a:schemeClr val="accent1"/>
+          </a:effectRef>
+          <a:fontRef idx="minor">
+            <a:schemeClr val="lt1"/>
+          </a:fontRef>
+        </p:style>
+      </p:cxnSp>
+      <p:sp>
+        <p:nvSpPr>
+          <p:cNvPr id="29" name="Rectangle: Rounded Corners 28">
+            <a:extLst>
+              <a:ext uri="{FF2B5EF4-FFF2-40B4-BE49-F238E27FC236}">
+                <a16:creationId xmlns:a16="http://schemas.microsoft.com/office/drawing/2014/main" id="{154F2E5A-DB4A-4840-9489-51F5F54D807D}"/>
+              </a:ext>
+            </a:extLst>
+          </p:cNvPr>
+          <p:cNvSpPr/>
+          <p:nvPr/>
+        </p:nvSpPr>
+        <p:spPr>
+          <a:xfrm>
+            <a:off x="2185940" y="5032375"/>
+            <a:ext cx="1313896" cy="443883"/>
+          </a:xfrm>
+          <a:prstGeom prst="roundRect">
+            <a:avLst/>
+          </a:prstGeom>
+        </p:spPr>
+        <p:style>
+          <a:lnRef idx="2">
+            <a:schemeClr val="accent1">
+              <a:shade val="50000"/>
+            </a:schemeClr>
+          </a:lnRef>
+          <a:fillRef idx="1">
+            <a:schemeClr val="accent1"/>
+          </a:fillRef>
+          <a:effectRef idx="0">
+            <a:schemeClr val="accent1"/>
+          </a:effectRef>
+          <a:fontRef idx="minor">
+            <a:schemeClr val="lt1"/>
+          </a:fontRef>
+        </p:style>
+        <p:txBody>
+          <a:bodyPr rtlCol="0" anchor="ctr"/>
+          <a:lstStyle/>
+          <a:p>
+            <a:pPr algn="ctr"/>
+            <a:r>
+              <a:rPr lang="en-US" dirty="0"/>
+              <a:t>InputBox</a:t>
+            </a:r>
+          </a:p>
+        </p:txBody>
+      </p:sp>
+      <p:cxnSp>
+        <p:nvCxnSpPr>
+          <p:cNvPr id="30" name="Connector: Elbow 29">
+            <a:extLst>
+              <a:ext uri="{FF2B5EF4-FFF2-40B4-BE49-F238E27FC236}">
+                <a16:creationId xmlns:a16="http://schemas.microsoft.com/office/drawing/2014/main" id="{BFE3FCBF-8E91-492B-8A54-AB8C22A3A6B1}"/>
+              </a:ext>
+            </a:extLst>
+          </p:cNvPr>
+          <p:cNvCxnSpPr>
+            <a:stCxn id="24" idx="2"/>
+            <a:endCxn id="29" idx="0"/>
+          </p:cNvCxnSpPr>
+          <p:nvPr/>
+        </p:nvCxnSpPr>
+        <p:spPr>
+          <a:xfrm rot="5400000">
+            <a:off x="2871739" y="4674601"/>
+            <a:ext cx="328923" cy="386624"/>
+          </a:xfrm>
+          <a:prstGeom prst="bentConnector3">
+            <a:avLst/>
+          </a:prstGeom>
+          <a:ln>
+            <a:tailEnd type="triangle"/>
+          </a:ln>
+        </p:spPr>
+        <p:style>
+          <a:lnRef idx="2">
+            <a:schemeClr val="accent1">
+              <a:shade val="50000"/>
+            </a:schemeClr>
+          </a:lnRef>
+          <a:fillRef idx="1">
+            <a:schemeClr val="accent1"/>
+          </a:fillRef>
+          <a:effectRef idx="0">
+            <a:schemeClr val="accent1"/>
+          </a:effectRef>
+          <a:fontRef idx="minor">
+            <a:schemeClr val="lt1"/>
+          </a:fontRef>
+        </p:style>
+      </p:cxnSp>
+      <p:sp>
+        <p:nvSpPr>
+          <p:cNvPr id="33" name="Rectangle: Rounded Corners 32">
+            <a:extLst>
+              <a:ext uri="{FF2B5EF4-FFF2-40B4-BE49-F238E27FC236}">
+                <a16:creationId xmlns:a16="http://schemas.microsoft.com/office/drawing/2014/main" id="{24A2AF13-BBF1-49C5-8CFD-F3EA1A567A70}"/>
+              </a:ext>
+            </a:extLst>
+          </p:cNvPr>
+          <p:cNvSpPr/>
+          <p:nvPr/>
+        </p:nvSpPr>
+        <p:spPr>
+          <a:xfrm>
+            <a:off x="3638550" y="5032375"/>
+            <a:ext cx="1108268" cy="443883"/>
+          </a:xfrm>
+          <a:prstGeom prst="roundRect">
+            <a:avLst/>
+          </a:prstGeom>
+        </p:spPr>
+        <p:style>
+          <a:lnRef idx="2">
+            <a:schemeClr val="accent1">
+              <a:shade val="50000"/>
+            </a:schemeClr>
+          </a:lnRef>
+          <a:fillRef idx="1">
+            <a:schemeClr val="accent1"/>
+          </a:fillRef>
+          <a:effectRef idx="0">
+            <a:schemeClr val="accent1"/>
+          </a:effectRef>
+          <a:fontRef idx="minor">
+            <a:schemeClr val="lt1"/>
+          </a:fontRef>
+        </p:style>
+        <p:txBody>
+          <a:bodyPr rtlCol="0" anchor="ctr"/>
+          <a:lstStyle/>
+          <a:p>
+            <a:pPr algn="ctr"/>
+            <a:r>
+              <a:rPr lang="en-US" dirty="0"/>
+              <a:t>PostList</a:t>
+            </a:r>
+          </a:p>
+        </p:txBody>
+      </p:sp>
+      <p:cxnSp>
+        <p:nvCxnSpPr>
+          <p:cNvPr id="35" name="Connector: Elbow 34">
+            <a:extLst>
+              <a:ext uri="{FF2B5EF4-FFF2-40B4-BE49-F238E27FC236}">
+                <a16:creationId xmlns:a16="http://schemas.microsoft.com/office/drawing/2014/main" id="{FAC2A429-42CA-414A-8F5D-1F645DD90388}"/>
+              </a:ext>
+            </a:extLst>
+          </p:cNvPr>
+          <p:cNvCxnSpPr>
+            <a:stCxn id="24" idx="2"/>
+            <a:endCxn id="33" idx="0"/>
+          </p:cNvCxnSpPr>
+          <p:nvPr/>
+        </p:nvCxnSpPr>
+        <p:spPr>
+          <a:xfrm rot="16200000" flipH="1">
+            <a:off x="3546637" y="4386327"/>
+            <a:ext cx="328923" cy="963172"/>
+          </a:xfrm>
+          <a:prstGeom prst="bentConnector3">
+            <a:avLst/>
+          </a:prstGeom>
+          <a:ln>
+            <a:tailEnd type="triangle"/>
+          </a:ln>
+        </p:spPr>
+        <p:style>
+          <a:lnRef idx="2">
+            <a:schemeClr val="accent1">
+              <a:shade val="50000"/>
+            </a:schemeClr>
+          </a:lnRef>
+          <a:fillRef idx="1">
+            <a:schemeClr val="accent1"/>
+          </a:fillRef>
+          <a:effectRef idx="0">
+            <a:schemeClr val="accent1"/>
+          </a:effectRef>
+          <a:fontRef idx="minor">
+            <a:schemeClr val="lt1"/>
+          </a:fontRef>
+        </p:style>
+      </p:cxnSp>
+    </p:spTree>
+    <p:extLst>
+      <p:ext uri="{BB962C8B-B14F-4D97-AF65-F5344CB8AC3E}">
+        <p14:creationId xmlns:p14="http://schemas.microsoft.com/office/powerpoint/2010/main" val="1762125664"/>
+      </p:ext>
+    </p:extLst>
+  </p:cSld>
+  <p:clrMapOvr>
+    <a:masterClrMapping/>
+  </p:clrMapOvr>
+</p:sld>
+</file>
+
+<file path=ppt/slides/slide35.xml><?xml version="1.0" encoding="utf-8"?>
+<p:sld xmlns:a="http://schemas.openxmlformats.org/drawingml/2006/main" xmlns:r="http://schemas.openxmlformats.org/officeDocument/2006/relationships" xmlns:p="http://schemas.openxmlformats.org/presentationml/2006/main">
+  <p:cSld>
+    <p:spTree>
+      <p:nvGrpSpPr>
+        <p:cNvPr id="1" name=""/>
+        <p:cNvGrpSpPr/>
+        <p:nvPr/>
+      </p:nvGrpSpPr>
+      <p:grpSpPr>
+        <a:xfrm>
+          <a:off x="0" y="0"/>
+          <a:ext cx="0" cy="0"/>
+          <a:chOff x="0" y="0"/>
+          <a:chExt cx="0" cy="0"/>
+        </a:xfrm>
+      </p:grpSpPr>
+      <p:sp>
+        <p:nvSpPr>
+          <p:cNvPr id="2" name="Title 1">
+            <a:extLst>
+              <a:ext uri="{FF2B5EF4-FFF2-40B4-BE49-F238E27FC236}">
+                <a16:creationId xmlns:a16="http://schemas.microsoft.com/office/drawing/2014/main" id="{381CE2C0-3C4D-4095-B553-654E3E0938A8}"/>
+              </a:ext>
+            </a:extLst>
+          </p:cNvPr>
+          <p:cNvSpPr>
+            <a:spLocks noGrp="1"/>
+          </p:cNvSpPr>
+          <p:nvPr>
+            <p:ph type="title"/>
+          </p:nvPr>
+        </p:nvSpPr>
+        <p:spPr/>
+        <p:txBody>
+          <a:bodyPr/>
+          <a:lstStyle/>
+          <a:p>
+            <a:r>
+              <a:rPr lang="en-US" dirty="0"/>
+              <a:t>Example</a:t>
+            </a:r>
+          </a:p>
+        </p:txBody>
+      </p:sp>
+      <p:sp>
+        <p:nvSpPr>
+          <p:cNvPr id="4" name="Rectangle: Rounded Corners 3">
+            <a:extLst>
+              <a:ext uri="{FF2B5EF4-FFF2-40B4-BE49-F238E27FC236}">
+                <a16:creationId xmlns:a16="http://schemas.microsoft.com/office/drawing/2014/main" id="{952F17CF-E2DC-4B32-ADDF-F109C1819D8D}"/>
+              </a:ext>
+            </a:extLst>
+          </p:cNvPr>
+          <p:cNvSpPr/>
+          <p:nvPr/>
+        </p:nvSpPr>
+        <p:spPr>
+          <a:xfrm>
+            <a:off x="2529996" y="2154547"/>
+            <a:ext cx="1038687" cy="443883"/>
+          </a:xfrm>
+          <a:prstGeom prst="roundRect">
+            <a:avLst/>
+          </a:prstGeom>
+        </p:spPr>
+        <p:style>
+          <a:lnRef idx="2">
+            <a:schemeClr val="accent1">
+              <a:shade val="50000"/>
+            </a:schemeClr>
+          </a:lnRef>
+          <a:fillRef idx="1">
+            <a:schemeClr val="accent1"/>
+          </a:fillRef>
+          <a:effectRef idx="0">
+            <a:schemeClr val="accent1"/>
+          </a:effectRef>
+          <a:fontRef idx="minor">
+            <a:schemeClr val="lt1"/>
+          </a:fontRef>
+        </p:style>
+        <p:txBody>
+          <a:bodyPr rtlCol="0" anchor="ctr"/>
+          <a:lstStyle/>
+          <a:p>
+            <a:pPr algn="ctr"/>
+            <a:r>
+              <a:rPr lang="en-US" dirty="0"/>
+              <a:t>App</a:t>
+            </a:r>
+          </a:p>
+        </p:txBody>
+      </p:sp>
+      <p:sp>
+        <p:nvSpPr>
+          <p:cNvPr id="5" name="Rectangle: Rounded Corners 4">
+            <a:extLst>
+              <a:ext uri="{FF2B5EF4-FFF2-40B4-BE49-F238E27FC236}">
+                <a16:creationId xmlns:a16="http://schemas.microsoft.com/office/drawing/2014/main" id="{AAFCF0FB-BA6E-4BAE-B868-BEB1A9ED2550}"/>
+              </a:ext>
+            </a:extLst>
+          </p:cNvPr>
+          <p:cNvSpPr/>
+          <p:nvPr/>
+        </p:nvSpPr>
+        <p:spPr>
+          <a:xfrm>
+            <a:off x="1491309" y="2985117"/>
+            <a:ext cx="1185908" cy="443883"/>
+          </a:xfrm>
+          <a:prstGeom prst="roundRect">
+            <a:avLst/>
+          </a:prstGeom>
+        </p:spPr>
+        <p:style>
+          <a:lnRef idx="2">
+            <a:schemeClr val="accent1">
+              <a:shade val="50000"/>
+            </a:schemeClr>
+          </a:lnRef>
+          <a:fillRef idx="1">
+            <a:schemeClr val="accent1"/>
+          </a:fillRef>
+          <a:effectRef idx="0">
+            <a:schemeClr val="accent1"/>
+          </a:effectRef>
+          <a:fontRef idx="minor">
+            <a:schemeClr val="lt1"/>
+          </a:fontRef>
+        </p:style>
+        <p:txBody>
+          <a:bodyPr rtlCol="0" anchor="ctr"/>
+          <a:lstStyle/>
+          <a:p>
+            <a:pPr algn="ctr"/>
+            <a:r>
+              <a:rPr lang="en-US" dirty="0"/>
+              <a:t>Side Bar</a:t>
+            </a:r>
+          </a:p>
+        </p:txBody>
+      </p:sp>
+      <p:sp>
+        <p:nvSpPr>
+          <p:cNvPr id="6" name="Rectangle: Rounded Corners 5">
+            <a:extLst>
+              <a:ext uri="{FF2B5EF4-FFF2-40B4-BE49-F238E27FC236}">
+                <a16:creationId xmlns:a16="http://schemas.microsoft.com/office/drawing/2014/main" id="{29627189-17F9-4075-BBBB-73DBA9DABAE3}"/>
+              </a:ext>
+            </a:extLst>
+          </p:cNvPr>
+          <p:cNvSpPr/>
+          <p:nvPr/>
+        </p:nvSpPr>
+        <p:spPr>
+          <a:xfrm>
+            <a:off x="3438478" y="2985116"/>
+            <a:ext cx="1038687" cy="443883"/>
+          </a:xfrm>
+          <a:prstGeom prst="roundRect">
+            <a:avLst/>
+          </a:prstGeom>
+        </p:spPr>
+        <p:style>
+          <a:lnRef idx="2">
+            <a:schemeClr val="accent1">
+              <a:shade val="50000"/>
+            </a:schemeClr>
+          </a:lnRef>
+          <a:fillRef idx="1">
+            <a:schemeClr val="accent1"/>
+          </a:fillRef>
+          <a:effectRef idx="0">
+            <a:schemeClr val="accent1"/>
+          </a:effectRef>
+          <a:fontRef idx="minor">
+            <a:schemeClr val="lt1"/>
+          </a:fontRef>
+        </p:style>
+        <p:txBody>
+          <a:bodyPr rtlCol="0" anchor="ctr"/>
+          <a:lstStyle/>
+          <a:p>
+            <a:pPr algn="ctr"/>
             <a:r>
               <a:rPr lang="en-US" dirty="0"/>
               <a:t>Feed</a:t>
@@ -8449,7 +11128,7 @@
         </p:nvCxnSpPr>
         <p:spPr>
           <a:xfrm rot="16200000" flipH="1">
-            <a:off x="3607040" y="2337533"/>
+            <a:off x="3310238" y="2337532"/>
             <a:ext cx="386686" cy="908482"/>
           </a:xfrm>
           <a:prstGeom prst="bentConnector3">
@@ -8484,6 +11163,7 @@
             </a:extLst>
           </p:cNvPr>
           <p:cNvCxnSpPr>
+            <a:cxnSpLocks/>
             <a:stCxn id="4" idx="2"/>
             <a:endCxn id="5" idx="0"/>
           </p:cNvCxnSpPr>
@@ -8491,8 +11171,8 @@
         </p:nvCxnSpPr>
         <p:spPr>
           <a:xfrm rot="5400000">
-            <a:off x="2633456" y="2272431"/>
-            <a:ext cx="386687" cy="1038687"/>
+            <a:off x="2373459" y="2309235"/>
+            <a:ext cx="386687" cy="965077"/>
           </a:xfrm>
           <a:prstGeom prst="bentConnector3">
             <a:avLst/>
@@ -8530,7 +11210,7 @@
         </p:nvSpPr>
         <p:spPr>
           <a:xfrm>
-            <a:off x="1131163" y="3815685"/>
+            <a:off x="834361" y="3815684"/>
             <a:ext cx="1313896" cy="443883"/>
           </a:xfrm>
           <a:prstGeom prst="roundRect">
@@ -8560,7 +11240,7 @@
             <a:pPr algn="ctr"/>
             <a:r>
               <a:rPr lang="en-US" dirty="0"/>
-              <a:t>Nav Links</a:t>
+              <a:t>Options</a:t>
             </a:r>
           </a:p>
         </p:txBody>
@@ -8579,8 +11259,8 @@
         </p:nvSpPr>
         <p:spPr>
           <a:xfrm>
-            <a:off x="2800163" y="3815683"/>
-            <a:ext cx="1099355" cy="443883"/>
+            <a:off x="2444918" y="3815682"/>
+            <a:ext cx="1185908" cy="443883"/>
           </a:xfrm>
           <a:prstGeom prst="roundRect">
             <a:avLst/>
@@ -8609,56 +11289,7 @@
             <a:pPr algn="ctr"/>
             <a:r>
               <a:rPr lang="en-US" dirty="0"/>
-              <a:t>Post List</a:t>
-            </a:r>
-          </a:p>
-        </p:txBody>
-      </p:sp>
-      <p:sp>
-        <p:nvSpPr>
-          <p:cNvPr id="13" name="Rectangle: Rounded Corners 12">
-            <a:extLst>
-              <a:ext uri="{FF2B5EF4-FFF2-40B4-BE49-F238E27FC236}">
-                <a16:creationId xmlns:a16="http://schemas.microsoft.com/office/drawing/2014/main" id="{16FEAB9E-057D-4768-8785-D84AD64AFBAD}"/>
-              </a:ext>
-            </a:extLst>
-          </p:cNvPr>
-          <p:cNvSpPr/>
-          <p:nvPr/>
-        </p:nvSpPr>
-        <p:spPr>
-          <a:xfrm>
-            <a:off x="4254624" y="3815684"/>
-            <a:ext cx="1239917" cy="443883"/>
-          </a:xfrm>
-          <a:prstGeom prst="roundRect">
-            <a:avLst/>
-          </a:prstGeom>
-        </p:spPr>
-        <p:style>
-          <a:lnRef idx="2">
-            <a:schemeClr val="accent1">
-              <a:shade val="50000"/>
-            </a:schemeClr>
-          </a:lnRef>
-          <a:fillRef idx="1">
-            <a:schemeClr val="accent1"/>
-          </a:fillRef>
-          <a:effectRef idx="0">
-            <a:schemeClr val="accent1"/>
-          </a:effectRef>
-          <a:fontRef idx="minor">
-            <a:schemeClr val="lt1"/>
-          </a:fontRef>
-        </p:style>
-        <p:txBody>
-          <a:bodyPr rtlCol="0" anchor="ctr"/>
-          <a:lstStyle/>
-          <a:p>
-            <a:pPr algn="ctr"/>
-            <a:r>
-              <a:rPr lang="en-US" dirty="0"/>
-              <a:t>Side Bar</a:t>
+              <a:t>InputBox</a:t>
             </a:r>
           </a:p>
         </p:txBody>
@@ -8673,15 +11304,16 @@
             </a:extLst>
           </p:cNvPr>
           <p:cNvCxnSpPr>
+            <a:cxnSpLocks/>
             <a:stCxn id="6" idx="2"/>
-            <a:endCxn id="13" idx="0"/>
+            <a:endCxn id="43" idx="0"/>
           </p:cNvCxnSpPr>
           <p:nvPr/>
         </p:nvCxnSpPr>
         <p:spPr>
           <a:xfrm rot="16200000" flipH="1">
-            <a:off x="4371261" y="3312362"/>
-            <a:ext cx="386684" cy="619959"/>
+            <a:off x="4024152" y="3362668"/>
+            <a:ext cx="386682" cy="519343"/>
           </a:xfrm>
           <a:prstGeom prst="bentConnector3">
             <a:avLst/>
@@ -8723,8 +11355,8 @@
         </p:nvCxnSpPr>
         <p:spPr>
           <a:xfrm rot="5400000">
-            <a:off x="3608892" y="3169950"/>
-            <a:ext cx="386683" cy="904783"/>
+            <a:off x="3304506" y="3162365"/>
+            <a:ext cx="386683" cy="919950"/>
           </a:xfrm>
           <a:prstGeom prst="bentConnector3">
             <a:avLst/>
@@ -8758,6 +11390,7 @@
             </a:extLst>
           </p:cNvPr>
           <p:cNvCxnSpPr>
+            <a:cxnSpLocks/>
             <a:stCxn id="5" idx="2"/>
             <a:endCxn id="11" idx="0"/>
           </p:cNvCxnSpPr>
@@ -8765,8 +11398,8 @@
         </p:nvCxnSpPr>
         <p:spPr>
           <a:xfrm rot="5400000">
-            <a:off x="1854441" y="3362671"/>
-            <a:ext cx="386684" cy="519344"/>
+            <a:off x="1594444" y="3325865"/>
+            <a:ext cx="386684" cy="592954"/>
           </a:xfrm>
           <a:prstGeom prst="bentConnector3">
             <a:avLst/>
@@ -8792,10 +11425,10 @@
       </p:cxnSp>
       <p:sp>
         <p:nvSpPr>
-          <p:cNvPr id="29" name="Rectangle: Rounded Corners 28">
-            <a:extLst>
-              <a:ext uri="{FF2B5EF4-FFF2-40B4-BE49-F238E27FC236}">
-                <a16:creationId xmlns:a16="http://schemas.microsoft.com/office/drawing/2014/main" id="{66EDD653-FD45-405D-85AF-F7A8E89706F5}"/>
+          <p:cNvPr id="43" name="Rectangle: Rounded Corners 42">
+            <a:extLst>
+              <a:ext uri="{FF2B5EF4-FFF2-40B4-BE49-F238E27FC236}">
+                <a16:creationId xmlns:a16="http://schemas.microsoft.com/office/drawing/2014/main" id="{21931628-267E-4758-BE89-87D72229A0FA}"/>
               </a:ext>
             </a:extLst>
           </p:cNvPr>
@@ -8804,7 +11437,275 @@
         </p:nvSpPr>
         <p:spPr>
           <a:xfrm>
-            <a:off x="8379783" y="2154548"/>
+            <a:off x="3927487" y="3815681"/>
+            <a:ext cx="1099355" cy="443883"/>
+          </a:xfrm>
+          <a:prstGeom prst="roundRect">
+            <a:avLst/>
+          </a:prstGeom>
+        </p:spPr>
+        <p:style>
+          <a:lnRef idx="2">
+            <a:schemeClr val="accent1">
+              <a:shade val="50000"/>
+            </a:schemeClr>
+          </a:lnRef>
+          <a:fillRef idx="1">
+            <a:schemeClr val="accent1"/>
+          </a:fillRef>
+          <a:effectRef idx="0">
+            <a:schemeClr val="accent1"/>
+          </a:effectRef>
+          <a:fontRef idx="minor">
+            <a:schemeClr val="lt1"/>
+          </a:fontRef>
+        </p:style>
+        <p:txBody>
+          <a:bodyPr rtlCol="0" anchor="ctr"/>
+          <a:lstStyle/>
+          <a:p>
+            <a:pPr algn="ctr"/>
+            <a:r>
+              <a:rPr lang="en-US" dirty="0"/>
+              <a:t>Post List</a:t>
+            </a:r>
+          </a:p>
+        </p:txBody>
+      </p:sp>
+      <p:sp>
+        <p:nvSpPr>
+          <p:cNvPr id="55" name="Rectangle: Rounded Corners 54">
+            <a:extLst>
+              <a:ext uri="{FF2B5EF4-FFF2-40B4-BE49-F238E27FC236}">
+                <a16:creationId xmlns:a16="http://schemas.microsoft.com/office/drawing/2014/main" id="{FE9AD847-DAAA-4832-8A71-D08B91438050}"/>
+              </a:ext>
+            </a:extLst>
+          </p:cNvPr>
+          <p:cNvSpPr/>
+          <p:nvPr/>
+        </p:nvSpPr>
+        <p:spPr>
+          <a:xfrm>
+            <a:off x="2858466" y="4640593"/>
+            <a:ext cx="1099355" cy="443883"/>
+          </a:xfrm>
+          <a:prstGeom prst="roundRect">
+            <a:avLst/>
+          </a:prstGeom>
+        </p:spPr>
+        <p:style>
+          <a:lnRef idx="2">
+            <a:schemeClr val="accent1">
+              <a:shade val="50000"/>
+            </a:schemeClr>
+          </a:lnRef>
+          <a:fillRef idx="1">
+            <a:schemeClr val="accent1"/>
+          </a:fillRef>
+          <a:effectRef idx="0">
+            <a:schemeClr val="accent1"/>
+          </a:effectRef>
+          <a:fontRef idx="minor">
+            <a:schemeClr val="lt1"/>
+          </a:fontRef>
+        </p:style>
+        <p:txBody>
+          <a:bodyPr rtlCol="0" anchor="ctr"/>
+          <a:lstStyle/>
+          <a:p>
+            <a:pPr algn="ctr"/>
+            <a:r>
+              <a:rPr lang="en-US" dirty="0"/>
+              <a:t>Post 1</a:t>
+            </a:r>
+          </a:p>
+        </p:txBody>
+      </p:sp>
+      <p:sp>
+        <p:nvSpPr>
+          <p:cNvPr id="56" name="Rectangle: Rounded Corners 55">
+            <a:extLst>
+              <a:ext uri="{FF2B5EF4-FFF2-40B4-BE49-F238E27FC236}">
+                <a16:creationId xmlns:a16="http://schemas.microsoft.com/office/drawing/2014/main" id="{E2B29167-26A9-498F-A72D-DE0AA8841AA5}"/>
+              </a:ext>
+            </a:extLst>
+          </p:cNvPr>
+          <p:cNvSpPr/>
+          <p:nvPr/>
+        </p:nvSpPr>
+        <p:spPr>
+          <a:xfrm>
+            <a:off x="4180500" y="4640592"/>
+            <a:ext cx="1099355" cy="443883"/>
+          </a:xfrm>
+          <a:prstGeom prst="roundRect">
+            <a:avLst/>
+          </a:prstGeom>
+        </p:spPr>
+        <p:style>
+          <a:lnRef idx="2">
+            <a:schemeClr val="accent1">
+              <a:shade val="50000"/>
+            </a:schemeClr>
+          </a:lnRef>
+          <a:fillRef idx="1">
+            <a:schemeClr val="accent1"/>
+          </a:fillRef>
+          <a:effectRef idx="0">
+            <a:schemeClr val="accent1"/>
+          </a:effectRef>
+          <a:fontRef idx="minor">
+            <a:schemeClr val="lt1"/>
+          </a:fontRef>
+        </p:style>
+        <p:txBody>
+          <a:bodyPr rtlCol="0" anchor="ctr"/>
+          <a:lstStyle/>
+          <a:p>
+            <a:pPr algn="ctr"/>
+            <a:r>
+              <a:rPr lang="en-US" dirty="0"/>
+              <a:t>Post 2</a:t>
+            </a:r>
+          </a:p>
+        </p:txBody>
+      </p:sp>
+      <p:sp>
+        <p:nvSpPr>
+          <p:cNvPr id="21" name="TextBox 20">
+            <a:extLst>
+              <a:ext uri="{FF2B5EF4-FFF2-40B4-BE49-F238E27FC236}">
+                <a16:creationId xmlns:a16="http://schemas.microsoft.com/office/drawing/2014/main" id="{013916CF-5FF1-47C4-B283-882D6DE8DA16}"/>
+              </a:ext>
+            </a:extLst>
+          </p:cNvPr>
+          <p:cNvSpPr txBox="1"/>
+          <p:nvPr/>
+        </p:nvSpPr>
+        <p:spPr>
+          <a:xfrm>
+            <a:off x="5502534" y="4640592"/>
+            <a:ext cx="354584" cy="369332"/>
+          </a:xfrm>
+          <a:prstGeom prst="rect">
+            <a:avLst/>
+          </a:prstGeom>
+          <a:noFill/>
+        </p:spPr>
+        <p:txBody>
+          <a:bodyPr wrap="none" rtlCol="0">
+            <a:spAutoFit/>
+          </a:bodyPr>
+          <a:lstStyle/>
+          <a:p>
+            <a:r>
+              <a:rPr lang="en-US" dirty="0"/>
+              <a:t>…</a:t>
+            </a:r>
+          </a:p>
+        </p:txBody>
+      </p:sp>
+      <p:cxnSp>
+        <p:nvCxnSpPr>
+          <p:cNvPr id="23" name="Connector: Elbow 22">
+            <a:extLst>
+              <a:ext uri="{FF2B5EF4-FFF2-40B4-BE49-F238E27FC236}">
+                <a16:creationId xmlns:a16="http://schemas.microsoft.com/office/drawing/2014/main" id="{6AFE779B-8A6D-430D-82E4-9FD01BBA4EE9}"/>
+              </a:ext>
+            </a:extLst>
+          </p:cNvPr>
+          <p:cNvCxnSpPr>
+            <a:cxnSpLocks/>
+            <a:stCxn id="43" idx="2"/>
+            <a:endCxn id="55" idx="0"/>
+          </p:cNvCxnSpPr>
+          <p:nvPr/>
+        </p:nvCxnSpPr>
+        <p:spPr>
+          <a:xfrm rot="5400000">
+            <a:off x="3752141" y="3915568"/>
+            <a:ext cx="381029" cy="1069021"/>
+          </a:xfrm>
+          <a:prstGeom prst="bentConnector3">
+            <a:avLst/>
+          </a:prstGeom>
+          <a:ln>
+            <a:tailEnd type="triangle"/>
+          </a:ln>
+        </p:spPr>
+        <p:style>
+          <a:lnRef idx="1">
+            <a:schemeClr val="accent1"/>
+          </a:lnRef>
+          <a:fillRef idx="0">
+            <a:schemeClr val="accent1"/>
+          </a:fillRef>
+          <a:effectRef idx="0">
+            <a:schemeClr val="accent1"/>
+          </a:effectRef>
+          <a:fontRef idx="minor">
+            <a:schemeClr val="tx1"/>
+          </a:fontRef>
+        </p:style>
+      </p:cxnSp>
+      <p:cxnSp>
+        <p:nvCxnSpPr>
+          <p:cNvPr id="25" name="Connector: Elbow 24">
+            <a:extLst>
+              <a:ext uri="{FF2B5EF4-FFF2-40B4-BE49-F238E27FC236}">
+                <a16:creationId xmlns:a16="http://schemas.microsoft.com/office/drawing/2014/main" id="{C45CCAF8-8C47-4880-8780-585457262655}"/>
+              </a:ext>
+            </a:extLst>
+          </p:cNvPr>
+          <p:cNvCxnSpPr>
+            <a:cxnSpLocks/>
+            <a:stCxn id="43" idx="2"/>
+            <a:endCxn id="56" idx="0"/>
+          </p:cNvCxnSpPr>
+          <p:nvPr/>
+        </p:nvCxnSpPr>
+        <p:spPr>
+          <a:xfrm rot="16200000" flipH="1">
+            <a:off x="4413157" y="4323571"/>
+            <a:ext cx="381028" cy="253013"/>
+          </a:xfrm>
+          <a:prstGeom prst="bentConnector3">
+            <a:avLst/>
+          </a:prstGeom>
+          <a:ln>
+            <a:tailEnd type="triangle"/>
+          </a:ln>
+        </p:spPr>
+        <p:style>
+          <a:lnRef idx="1">
+            <a:schemeClr val="accent1"/>
+          </a:lnRef>
+          <a:fillRef idx="0">
+            <a:schemeClr val="accent1"/>
+          </a:fillRef>
+          <a:effectRef idx="0">
+            <a:schemeClr val="accent1"/>
+          </a:effectRef>
+          <a:fontRef idx="minor">
+            <a:schemeClr val="tx1"/>
+          </a:fontRef>
+        </p:style>
+      </p:cxnSp>
+      <p:sp>
+        <p:nvSpPr>
+          <p:cNvPr id="58" name="Rectangle: Rounded Corners 57">
+            <a:extLst>
+              <a:ext uri="{FF2B5EF4-FFF2-40B4-BE49-F238E27FC236}">
+                <a16:creationId xmlns:a16="http://schemas.microsoft.com/office/drawing/2014/main" id="{9E819190-A683-4519-9926-8A5F797CA50F}"/>
+              </a:ext>
+            </a:extLst>
+          </p:cNvPr>
+          <p:cNvSpPr/>
+          <p:nvPr/>
+        </p:nvSpPr>
+        <p:spPr>
+          <a:xfrm>
+            <a:off x="8052789" y="2154547"/>
             <a:ext cx="1038687" cy="443883"/>
           </a:xfrm>
           <a:prstGeom prst="roundRect">
@@ -8834,17 +11735,17 @@
             <a:pPr algn="ctr"/>
             <a:r>
               <a:rPr lang="en-US" dirty="0"/>
-              <a:t>Root</a:t>
-            </a:r>
-          </a:p>
-        </p:txBody>
-      </p:sp>
-      <p:sp>
-        <p:nvSpPr>
-          <p:cNvPr id="30" name="Rectangle: Rounded Corners 29">
-            <a:extLst>
-              <a:ext uri="{FF2B5EF4-FFF2-40B4-BE49-F238E27FC236}">
-                <a16:creationId xmlns:a16="http://schemas.microsoft.com/office/drawing/2014/main" id="{9E127CA0-E2AD-4ED4-A464-113C28B86061}"/>
+              <a:t>App</a:t>
+            </a:r>
+          </a:p>
+        </p:txBody>
+      </p:sp>
+      <p:sp>
+        <p:nvSpPr>
+          <p:cNvPr id="59" name="Rectangle: Rounded Corners 58">
+            <a:extLst>
+              <a:ext uri="{FF2B5EF4-FFF2-40B4-BE49-F238E27FC236}">
+                <a16:creationId xmlns:a16="http://schemas.microsoft.com/office/drawing/2014/main" id="{0BCEE177-5CEB-4729-887C-DBF1C8105A2A}"/>
               </a:ext>
             </a:extLst>
           </p:cNvPr>
@@ -8853,8 +11754,8 @@
         </p:nvSpPr>
         <p:spPr>
           <a:xfrm>
-            <a:off x="7341096" y="2985118"/>
-            <a:ext cx="1038687" cy="443883"/>
+            <a:off x="7014102" y="2985117"/>
+            <a:ext cx="1185908" cy="443883"/>
           </a:xfrm>
           <a:prstGeom prst="roundRect">
             <a:avLst/>
@@ -8883,17 +11784,17 @@
             <a:pPr algn="ctr"/>
             <a:r>
               <a:rPr lang="en-US" dirty="0"/>
-              <a:t>Nav Bar</a:t>
-            </a:r>
-          </a:p>
-        </p:txBody>
-      </p:sp>
-      <p:sp>
-        <p:nvSpPr>
-          <p:cNvPr id="31" name="Rectangle: Rounded Corners 30">
-            <a:extLst>
-              <a:ext uri="{FF2B5EF4-FFF2-40B4-BE49-F238E27FC236}">
-                <a16:creationId xmlns:a16="http://schemas.microsoft.com/office/drawing/2014/main" id="{8B1DFE27-574F-4EC5-8988-7223D7F389BB}"/>
+              <a:t>Side Bar</a:t>
+            </a:r>
+          </a:p>
+        </p:txBody>
+      </p:sp>
+      <p:sp>
+        <p:nvSpPr>
+          <p:cNvPr id="60" name="Rectangle: Rounded Corners 59">
+            <a:extLst>
+              <a:ext uri="{FF2B5EF4-FFF2-40B4-BE49-F238E27FC236}">
+                <a16:creationId xmlns:a16="http://schemas.microsoft.com/office/drawing/2014/main" id="{D18BB22E-4C38-408A-AB3A-166B89AC01A6}"/>
               </a:ext>
             </a:extLst>
           </p:cNvPr>
@@ -8902,7 +11803,7 @@
         </p:nvSpPr>
         <p:spPr>
           <a:xfrm>
-            <a:off x="9288265" y="2985117"/>
+            <a:off x="8961271" y="2985116"/>
             <a:ext cx="1038687" cy="443883"/>
           </a:xfrm>
           <a:prstGeom prst="roundRect">
@@ -8939,22 +11840,22 @@
       </p:sp>
       <p:cxnSp>
         <p:nvCxnSpPr>
-          <p:cNvPr id="32" name="Connector: Elbow 31">
-            <a:extLst>
-              <a:ext uri="{FF2B5EF4-FFF2-40B4-BE49-F238E27FC236}">
-                <a16:creationId xmlns:a16="http://schemas.microsoft.com/office/drawing/2014/main" id="{65080CEE-6D34-430B-9FE7-D230FA039E8C}"/>
+          <p:cNvPr id="61" name="Connector: Elbow 60">
+            <a:extLst>
+              <a:ext uri="{FF2B5EF4-FFF2-40B4-BE49-F238E27FC236}">
+                <a16:creationId xmlns:a16="http://schemas.microsoft.com/office/drawing/2014/main" id="{1A3CCE40-BF54-4ABC-84EB-AFCBB5C73B76}"/>
               </a:ext>
             </a:extLst>
           </p:cNvPr>
           <p:cNvCxnSpPr>
-            <a:stCxn id="29" idx="2"/>
-            <a:endCxn id="31" idx="0"/>
+            <a:stCxn id="58" idx="2"/>
+            <a:endCxn id="60" idx="0"/>
           </p:cNvCxnSpPr>
           <p:nvPr/>
         </p:nvCxnSpPr>
         <p:spPr>
           <a:xfrm rot="16200000" flipH="1">
-            <a:off x="9160025" y="2337533"/>
+            <a:off x="8833031" y="2337532"/>
             <a:ext cx="386686" cy="908482"/>
           </a:xfrm>
           <a:prstGeom prst="bentConnector3">
@@ -8983,23 +11884,24 @@
       </p:cxnSp>
       <p:cxnSp>
         <p:nvCxnSpPr>
-          <p:cNvPr id="33" name="Connector: Elbow 32">
-            <a:extLst>
-              <a:ext uri="{FF2B5EF4-FFF2-40B4-BE49-F238E27FC236}">
-                <a16:creationId xmlns:a16="http://schemas.microsoft.com/office/drawing/2014/main" id="{B659A47B-8C85-4523-A5D2-E5B32864FCC4}"/>
+          <p:cNvPr id="62" name="Connector: Elbow 61">
+            <a:extLst>
+              <a:ext uri="{FF2B5EF4-FFF2-40B4-BE49-F238E27FC236}">
+                <a16:creationId xmlns:a16="http://schemas.microsoft.com/office/drawing/2014/main" id="{01D644BE-8D33-4F35-83D5-D50D3722B339}"/>
               </a:ext>
             </a:extLst>
           </p:cNvPr>
           <p:cNvCxnSpPr>
-            <a:stCxn id="29" idx="2"/>
-            <a:endCxn id="30" idx="0"/>
+            <a:cxnSpLocks/>
+            <a:stCxn id="58" idx="2"/>
+            <a:endCxn id="59" idx="0"/>
           </p:cNvCxnSpPr>
           <p:nvPr/>
         </p:nvCxnSpPr>
         <p:spPr>
           <a:xfrm rot="5400000">
-            <a:off x="8186441" y="2272431"/>
-            <a:ext cx="386687" cy="1038687"/>
+            <a:off x="7896252" y="2309235"/>
+            <a:ext cx="386687" cy="965077"/>
           </a:xfrm>
           <a:prstGeom prst="bentConnector3">
             <a:avLst/>
@@ -9027,10 +11929,10 @@
       </p:cxnSp>
       <p:sp>
         <p:nvSpPr>
-          <p:cNvPr id="34" name="Rectangle: Rounded Corners 33">
-            <a:extLst>
-              <a:ext uri="{FF2B5EF4-FFF2-40B4-BE49-F238E27FC236}">
-                <a16:creationId xmlns:a16="http://schemas.microsoft.com/office/drawing/2014/main" id="{D320C371-2D3D-4600-BCD2-9D3552BB1293}"/>
+          <p:cNvPr id="63" name="Rectangle: Rounded Corners 62">
+            <a:extLst>
+              <a:ext uri="{FF2B5EF4-FFF2-40B4-BE49-F238E27FC236}">
+                <a16:creationId xmlns:a16="http://schemas.microsoft.com/office/drawing/2014/main" id="{A7FA367D-7D2B-4A8E-B004-D6960570D104}"/>
               </a:ext>
             </a:extLst>
           </p:cNvPr>
@@ -9039,7 +11941,7 @@
         </p:nvSpPr>
         <p:spPr>
           <a:xfrm>
-            <a:off x="6684148" y="3815685"/>
+            <a:off x="6357154" y="3815684"/>
             <a:ext cx="1313896" cy="443883"/>
           </a:xfrm>
           <a:prstGeom prst="roundRect">
@@ -9069,17 +11971,17 @@
             <a:pPr algn="ctr"/>
             <a:r>
               <a:rPr lang="en-US" dirty="0"/>
-              <a:t>Nav Links</a:t>
-            </a:r>
-          </a:p>
-        </p:txBody>
-      </p:sp>
-      <p:sp>
-        <p:nvSpPr>
-          <p:cNvPr id="35" name="Rectangle: Rounded Corners 34">
-            <a:extLst>
-              <a:ext uri="{FF2B5EF4-FFF2-40B4-BE49-F238E27FC236}">
-                <a16:creationId xmlns:a16="http://schemas.microsoft.com/office/drawing/2014/main" id="{0BB0D2C1-5CCB-4D74-A737-10B4F7AF6131}"/>
+              <a:t>Option</a:t>
+            </a:r>
+          </a:p>
+        </p:txBody>
+      </p:sp>
+      <p:sp>
+        <p:nvSpPr>
+          <p:cNvPr id="64" name="Rectangle: Rounded Corners 63">
+            <a:extLst>
+              <a:ext uri="{FF2B5EF4-FFF2-40B4-BE49-F238E27FC236}">
+                <a16:creationId xmlns:a16="http://schemas.microsoft.com/office/drawing/2014/main" id="{05E2B1AA-04CF-495E-B44F-259971918A88}"/>
               </a:ext>
             </a:extLst>
           </p:cNvPr>
@@ -9088,8 +11990,8 @@
         </p:nvSpPr>
         <p:spPr>
           <a:xfrm>
-            <a:off x="8279171" y="3815681"/>
-            <a:ext cx="1239917" cy="443883"/>
+            <a:off x="7967711" y="3815682"/>
+            <a:ext cx="1185908" cy="443883"/>
           </a:xfrm>
           <a:prstGeom prst="roundRect">
             <a:avLst/>
@@ -9118,79 +12020,31 @@
             <a:pPr algn="ctr"/>
             <a:r>
               <a:rPr lang="en-US" dirty="0"/>
-              <a:t>Posts List</a:t>
-            </a:r>
-          </a:p>
-        </p:txBody>
-      </p:sp>
-      <p:sp>
-        <p:nvSpPr>
-          <p:cNvPr id="36" name="Rectangle: Rounded Corners 35">
-            <a:extLst>
-              <a:ext uri="{FF2B5EF4-FFF2-40B4-BE49-F238E27FC236}">
-                <a16:creationId xmlns:a16="http://schemas.microsoft.com/office/drawing/2014/main" id="{5A88EC01-49AB-46F5-9765-C0DF16492692}"/>
-              </a:ext>
-            </a:extLst>
-          </p:cNvPr>
-          <p:cNvSpPr/>
-          <p:nvPr/>
-        </p:nvSpPr>
-        <p:spPr>
-          <a:xfrm>
-            <a:off x="9807609" y="3815684"/>
-            <a:ext cx="1239917" cy="443883"/>
-          </a:xfrm>
-          <a:prstGeom prst="roundRect">
-            <a:avLst/>
-          </a:prstGeom>
-        </p:spPr>
-        <p:style>
-          <a:lnRef idx="2">
-            <a:schemeClr val="accent3">
-              <a:shade val="50000"/>
-            </a:schemeClr>
-          </a:lnRef>
-          <a:fillRef idx="1">
-            <a:schemeClr val="accent3"/>
-          </a:fillRef>
-          <a:effectRef idx="0">
-            <a:schemeClr val="accent3"/>
-          </a:effectRef>
-          <a:fontRef idx="minor">
-            <a:schemeClr val="lt1"/>
-          </a:fontRef>
-        </p:style>
-        <p:txBody>
-          <a:bodyPr rtlCol="0" anchor="ctr"/>
-          <a:lstStyle/>
-          <a:p>
-            <a:pPr algn="ctr"/>
-            <a:r>
-              <a:rPr lang="en-US" dirty="0"/>
-              <a:t>Side Bar</a:t>
+              <a:t>InputBox</a:t>
             </a:r>
           </a:p>
         </p:txBody>
       </p:sp>
       <p:cxnSp>
         <p:nvCxnSpPr>
-          <p:cNvPr id="37" name="Connector: Elbow 36">
-            <a:extLst>
-              <a:ext uri="{FF2B5EF4-FFF2-40B4-BE49-F238E27FC236}">
-                <a16:creationId xmlns:a16="http://schemas.microsoft.com/office/drawing/2014/main" id="{044309DE-D0BD-44EC-A276-C296A34D8D6D}"/>
+          <p:cNvPr id="65" name="Connector: Elbow 64">
+            <a:extLst>
+              <a:ext uri="{FF2B5EF4-FFF2-40B4-BE49-F238E27FC236}">
+                <a16:creationId xmlns:a16="http://schemas.microsoft.com/office/drawing/2014/main" id="{E65927E9-DBEA-4B27-9B13-D40043E9B0A6}"/>
               </a:ext>
             </a:extLst>
           </p:cNvPr>
           <p:cNvCxnSpPr>
-            <a:stCxn id="31" idx="2"/>
-            <a:endCxn id="36" idx="0"/>
+            <a:cxnSpLocks/>
+            <a:stCxn id="60" idx="2"/>
+            <a:endCxn id="68" idx="0"/>
           </p:cNvCxnSpPr>
           <p:nvPr/>
         </p:nvCxnSpPr>
         <p:spPr>
           <a:xfrm rot="16200000" flipH="1">
-            <a:off x="9924246" y="3312362"/>
-            <a:ext cx="386684" cy="619959"/>
+            <a:off x="9546945" y="3362668"/>
+            <a:ext cx="386682" cy="519343"/>
           </a:xfrm>
           <a:prstGeom prst="bentConnector3">
             <a:avLst/>
@@ -9218,24 +12072,24 @@
       </p:cxnSp>
       <p:cxnSp>
         <p:nvCxnSpPr>
-          <p:cNvPr id="38" name="Connector: Elbow 37">
-            <a:extLst>
-              <a:ext uri="{FF2B5EF4-FFF2-40B4-BE49-F238E27FC236}">
-                <a16:creationId xmlns:a16="http://schemas.microsoft.com/office/drawing/2014/main" id="{454DDE29-25CE-4835-A4A9-F2A72E9F66D3}"/>
+          <p:cNvPr id="66" name="Connector: Elbow 65">
+            <a:extLst>
+              <a:ext uri="{FF2B5EF4-FFF2-40B4-BE49-F238E27FC236}">
+                <a16:creationId xmlns:a16="http://schemas.microsoft.com/office/drawing/2014/main" id="{E5870B8A-1722-417F-AA56-FE7D4BB9F7FA}"/>
               </a:ext>
             </a:extLst>
           </p:cNvPr>
           <p:cNvCxnSpPr>
             <a:cxnSpLocks/>
-            <a:stCxn id="31" idx="2"/>
-            <a:endCxn id="35" idx="0"/>
+            <a:stCxn id="60" idx="2"/>
+            <a:endCxn id="64" idx="0"/>
           </p:cNvCxnSpPr>
           <p:nvPr/>
         </p:nvCxnSpPr>
         <p:spPr>
           <a:xfrm rot="5400000">
-            <a:off x="9160030" y="3168101"/>
-            <a:ext cx="386681" cy="908479"/>
+            <a:off x="8827299" y="3162365"/>
+            <a:ext cx="386683" cy="919950"/>
           </a:xfrm>
           <a:prstGeom prst="bentConnector3">
             <a:avLst/>
@@ -9263,23 +12117,24 @@
       </p:cxnSp>
       <p:cxnSp>
         <p:nvCxnSpPr>
-          <p:cNvPr id="39" name="Connector: Elbow 38">
-            <a:extLst>
-              <a:ext uri="{FF2B5EF4-FFF2-40B4-BE49-F238E27FC236}">
-                <a16:creationId xmlns:a16="http://schemas.microsoft.com/office/drawing/2014/main" id="{325F0D88-7593-4D11-B707-CE8969720101}"/>
+          <p:cNvPr id="67" name="Connector: Elbow 66">
+            <a:extLst>
+              <a:ext uri="{FF2B5EF4-FFF2-40B4-BE49-F238E27FC236}">
+                <a16:creationId xmlns:a16="http://schemas.microsoft.com/office/drawing/2014/main" id="{E20E4833-3967-4EBC-ADA3-B5D01AB16BB5}"/>
               </a:ext>
             </a:extLst>
           </p:cNvPr>
           <p:cNvCxnSpPr>
-            <a:stCxn id="30" idx="2"/>
-            <a:endCxn id="34" idx="0"/>
+            <a:cxnSpLocks/>
+            <a:stCxn id="59" idx="2"/>
+            <a:endCxn id="63" idx="0"/>
           </p:cNvCxnSpPr>
           <p:nvPr/>
         </p:nvCxnSpPr>
         <p:spPr>
           <a:xfrm rot="5400000">
-            <a:off x="7407426" y="3362671"/>
-            <a:ext cx="386684" cy="519344"/>
+            <a:off x="7117237" y="3325865"/>
+            <a:ext cx="386684" cy="592954"/>
           </a:xfrm>
           <a:prstGeom prst="bentConnector3">
             <a:avLst/>
@@ -9307,10 +12162,157 @@
       </p:cxnSp>
       <p:sp>
         <p:nvSpPr>
-          <p:cNvPr id="40" name="TextBox 39">
-            <a:extLst>
-              <a:ext uri="{FF2B5EF4-FFF2-40B4-BE49-F238E27FC236}">
-                <a16:creationId xmlns:a16="http://schemas.microsoft.com/office/drawing/2014/main" id="{F7381A31-486E-4867-A372-105FE982F11A}"/>
+          <p:cNvPr id="68" name="Rectangle: Rounded Corners 67">
+            <a:extLst>
+              <a:ext uri="{FF2B5EF4-FFF2-40B4-BE49-F238E27FC236}">
+                <a16:creationId xmlns:a16="http://schemas.microsoft.com/office/drawing/2014/main" id="{09701442-D47D-462A-995C-4B9532CB0672}"/>
+              </a:ext>
+            </a:extLst>
+          </p:cNvPr>
+          <p:cNvSpPr/>
+          <p:nvPr/>
+        </p:nvSpPr>
+        <p:spPr>
+          <a:xfrm>
+            <a:off x="9450280" y="3815681"/>
+            <a:ext cx="1099355" cy="443883"/>
+          </a:xfrm>
+          <a:prstGeom prst="roundRect">
+            <a:avLst/>
+          </a:prstGeom>
+        </p:spPr>
+        <p:style>
+          <a:lnRef idx="2">
+            <a:schemeClr val="accent3">
+              <a:shade val="50000"/>
+            </a:schemeClr>
+          </a:lnRef>
+          <a:fillRef idx="1">
+            <a:schemeClr val="accent3"/>
+          </a:fillRef>
+          <a:effectRef idx="0">
+            <a:schemeClr val="accent3"/>
+          </a:effectRef>
+          <a:fontRef idx="minor">
+            <a:schemeClr val="lt1"/>
+          </a:fontRef>
+        </p:style>
+        <p:txBody>
+          <a:bodyPr rtlCol="0" anchor="ctr"/>
+          <a:lstStyle/>
+          <a:p>
+            <a:pPr algn="ctr"/>
+            <a:r>
+              <a:rPr lang="en-US" dirty="0"/>
+              <a:t>Post List</a:t>
+            </a:r>
+          </a:p>
+        </p:txBody>
+      </p:sp>
+      <p:sp>
+        <p:nvSpPr>
+          <p:cNvPr id="69" name="Rectangle: Rounded Corners 68">
+            <a:extLst>
+              <a:ext uri="{FF2B5EF4-FFF2-40B4-BE49-F238E27FC236}">
+                <a16:creationId xmlns:a16="http://schemas.microsoft.com/office/drawing/2014/main" id="{F45E632A-EE7F-4753-B2BF-6A187F5A43EF}"/>
+              </a:ext>
+            </a:extLst>
+          </p:cNvPr>
+          <p:cNvSpPr/>
+          <p:nvPr/>
+        </p:nvSpPr>
+        <p:spPr>
+          <a:xfrm>
+            <a:off x="8381259" y="4640593"/>
+            <a:ext cx="1099355" cy="443883"/>
+          </a:xfrm>
+          <a:prstGeom prst="roundRect">
+            <a:avLst/>
+          </a:prstGeom>
+        </p:spPr>
+        <p:style>
+          <a:lnRef idx="2">
+            <a:schemeClr val="accent3">
+              <a:shade val="50000"/>
+            </a:schemeClr>
+          </a:lnRef>
+          <a:fillRef idx="1">
+            <a:schemeClr val="accent3"/>
+          </a:fillRef>
+          <a:effectRef idx="0">
+            <a:schemeClr val="accent3"/>
+          </a:effectRef>
+          <a:fontRef idx="minor">
+            <a:schemeClr val="lt1"/>
+          </a:fontRef>
+        </p:style>
+        <p:txBody>
+          <a:bodyPr rtlCol="0" anchor="ctr"/>
+          <a:lstStyle/>
+          <a:p>
+            <a:pPr algn="ctr"/>
+            <a:r>
+              <a:rPr lang="en-US" dirty="0"/>
+              <a:t>Post 1</a:t>
+            </a:r>
+          </a:p>
+        </p:txBody>
+      </p:sp>
+      <p:sp>
+        <p:nvSpPr>
+          <p:cNvPr id="70" name="Rectangle: Rounded Corners 69">
+            <a:extLst>
+              <a:ext uri="{FF2B5EF4-FFF2-40B4-BE49-F238E27FC236}">
+                <a16:creationId xmlns:a16="http://schemas.microsoft.com/office/drawing/2014/main" id="{6BE76622-701E-4E2B-A73B-2AD057231D0F}"/>
+              </a:ext>
+            </a:extLst>
+          </p:cNvPr>
+          <p:cNvSpPr/>
+          <p:nvPr/>
+        </p:nvSpPr>
+        <p:spPr>
+          <a:xfrm>
+            <a:off x="9703293" y="4640592"/>
+            <a:ext cx="1099355" cy="443883"/>
+          </a:xfrm>
+          <a:prstGeom prst="roundRect">
+            <a:avLst/>
+          </a:prstGeom>
+        </p:spPr>
+        <p:style>
+          <a:lnRef idx="2">
+            <a:schemeClr val="accent3">
+              <a:shade val="50000"/>
+            </a:schemeClr>
+          </a:lnRef>
+          <a:fillRef idx="1">
+            <a:schemeClr val="accent3"/>
+          </a:fillRef>
+          <a:effectRef idx="0">
+            <a:schemeClr val="accent3"/>
+          </a:effectRef>
+          <a:fontRef idx="minor">
+            <a:schemeClr val="lt1"/>
+          </a:fontRef>
+        </p:style>
+        <p:txBody>
+          <a:bodyPr rtlCol="0" anchor="ctr"/>
+          <a:lstStyle/>
+          <a:p>
+            <a:pPr algn="ctr"/>
+            <a:r>
+              <a:rPr lang="en-US" dirty="0"/>
+              <a:t>Post 2</a:t>
+            </a:r>
+          </a:p>
+        </p:txBody>
+      </p:sp>
+      <p:sp>
+        <p:nvSpPr>
+          <p:cNvPr id="71" name="TextBox 70">
+            <a:extLst>
+              <a:ext uri="{FF2B5EF4-FFF2-40B4-BE49-F238E27FC236}">
+                <a16:creationId xmlns:a16="http://schemas.microsoft.com/office/drawing/2014/main" id="{D99654EA-44BE-4992-B21E-7D6FFB7FCABC}"/>
               </a:ext>
             </a:extLst>
           </p:cNvPr>
@@ -9319,33 +12321,146 @@
         </p:nvSpPr>
         <p:spPr>
           <a:xfrm>
-            <a:off x="838200" y="5090134"/>
-            <a:ext cx="10515600" cy="830997"/>
+            <a:off x="11025327" y="4640592"/>
+            <a:ext cx="354584" cy="369332"/>
           </a:xfrm>
           <a:prstGeom prst="rect">
             <a:avLst/>
           </a:prstGeom>
           <a:noFill/>
-        </p:spPr>
-        <p:txBody>
-          <a:bodyPr wrap="square" rtlCol="0">
+          <a:ln>
+            <a:noFill/>
+          </a:ln>
+        </p:spPr>
+        <p:style>
+          <a:lnRef idx="2">
+            <a:schemeClr val="accent3">
+              <a:shade val="50000"/>
+            </a:schemeClr>
+          </a:lnRef>
+          <a:fillRef idx="1">
+            <a:schemeClr val="accent3"/>
+          </a:fillRef>
+          <a:effectRef idx="0">
+            <a:schemeClr val="accent3"/>
+          </a:effectRef>
+          <a:fontRef idx="minor">
+            <a:schemeClr val="lt1"/>
+          </a:fontRef>
+        </p:style>
+        <p:txBody>
+          <a:bodyPr wrap="none" rtlCol="0">
             <a:spAutoFit/>
           </a:bodyPr>
           <a:lstStyle/>
           <a:p>
             <a:r>
-              <a:rPr lang="en-US" sz="2400" dirty="0"/>
-              <a:t>Post List component will have multiple post in it and number of post in this component will change over time that means post will be a state for post list</a:t>
-            </a:r>
-          </a:p>
-        </p:txBody>
-      </p:sp>
-      <p:sp>
-        <p:nvSpPr>
-          <p:cNvPr id="42" name="Rectangle: Rounded Corners 41">
-            <a:extLst>
-              <a:ext uri="{FF2B5EF4-FFF2-40B4-BE49-F238E27FC236}">
-                <a16:creationId xmlns:a16="http://schemas.microsoft.com/office/drawing/2014/main" id="{18EC6BAF-3E2D-445E-9286-A83BAF615585}"/>
+              <a:rPr lang="en-US" dirty="0">
+                <a:solidFill>
+                  <a:schemeClr val="tx1"/>
+                </a:solidFill>
+              </a:rPr>
+              <a:t>…</a:t>
+            </a:r>
+          </a:p>
+        </p:txBody>
+      </p:sp>
+      <p:cxnSp>
+        <p:nvCxnSpPr>
+          <p:cNvPr id="72" name="Connector: Elbow 71">
+            <a:extLst>
+              <a:ext uri="{FF2B5EF4-FFF2-40B4-BE49-F238E27FC236}">
+                <a16:creationId xmlns:a16="http://schemas.microsoft.com/office/drawing/2014/main" id="{C73B8A37-E2A8-45D6-8B93-AD550C7B756A}"/>
+              </a:ext>
+            </a:extLst>
+          </p:cNvPr>
+          <p:cNvCxnSpPr>
+            <a:cxnSpLocks/>
+            <a:stCxn id="68" idx="2"/>
+            <a:endCxn id="69" idx="0"/>
+          </p:cNvCxnSpPr>
+          <p:nvPr/>
+        </p:nvCxnSpPr>
+        <p:spPr>
+          <a:xfrm rot="5400000">
+            <a:off x="9274934" y="3915568"/>
+            <a:ext cx="381029" cy="1069021"/>
+          </a:xfrm>
+          <a:prstGeom prst="bentConnector3">
+            <a:avLst/>
+          </a:prstGeom>
+          <a:ln>
+            <a:tailEnd type="triangle"/>
+          </a:ln>
+        </p:spPr>
+        <p:style>
+          <a:lnRef idx="2">
+            <a:schemeClr val="accent3">
+              <a:shade val="50000"/>
+            </a:schemeClr>
+          </a:lnRef>
+          <a:fillRef idx="1">
+            <a:schemeClr val="accent3"/>
+          </a:fillRef>
+          <a:effectRef idx="0">
+            <a:schemeClr val="accent3"/>
+          </a:effectRef>
+          <a:fontRef idx="minor">
+            <a:schemeClr val="lt1"/>
+          </a:fontRef>
+        </p:style>
+      </p:cxnSp>
+      <p:cxnSp>
+        <p:nvCxnSpPr>
+          <p:cNvPr id="73" name="Connector: Elbow 72">
+            <a:extLst>
+              <a:ext uri="{FF2B5EF4-FFF2-40B4-BE49-F238E27FC236}">
+                <a16:creationId xmlns:a16="http://schemas.microsoft.com/office/drawing/2014/main" id="{A3ED0106-CA6F-4127-A339-0D1A40A1A1B9}"/>
+              </a:ext>
+            </a:extLst>
+          </p:cNvPr>
+          <p:cNvCxnSpPr>
+            <a:cxnSpLocks/>
+            <a:stCxn id="68" idx="2"/>
+            <a:endCxn id="70" idx="0"/>
+          </p:cNvCxnSpPr>
+          <p:nvPr/>
+        </p:nvCxnSpPr>
+        <p:spPr>
+          <a:xfrm rot="16200000" flipH="1">
+            <a:off x="9935950" y="4323571"/>
+            <a:ext cx="381028" cy="253013"/>
+          </a:xfrm>
+          <a:prstGeom prst="bentConnector3">
+            <a:avLst/>
+          </a:prstGeom>
+          <a:ln>
+            <a:tailEnd type="triangle"/>
+          </a:ln>
+        </p:spPr>
+        <p:style>
+          <a:lnRef idx="2">
+            <a:schemeClr val="accent3">
+              <a:shade val="50000"/>
+            </a:schemeClr>
+          </a:lnRef>
+          <a:fillRef idx="1">
+            <a:schemeClr val="accent3"/>
+          </a:fillRef>
+          <a:effectRef idx="0">
+            <a:schemeClr val="accent3"/>
+          </a:effectRef>
+          <a:fontRef idx="minor">
+            <a:schemeClr val="lt1"/>
+          </a:fontRef>
+        </p:style>
+      </p:cxnSp>
+      <p:sp>
+        <p:nvSpPr>
+          <p:cNvPr id="28" name="Rectangle: Rounded Corners 27">
+            <a:extLst>
+              <a:ext uri="{FF2B5EF4-FFF2-40B4-BE49-F238E27FC236}">
+                <a16:creationId xmlns:a16="http://schemas.microsoft.com/office/drawing/2014/main" id="{802EF3D3-8595-49A8-B8F4-6F5BC4646DCF}"/>
               </a:ext>
             </a:extLst>
           </p:cNvPr>
@@ -9354,8 +12469,8 @@
         </p:nvSpPr>
         <p:spPr>
           <a:xfrm>
-            <a:off x="8468927" y="4202369"/>
-            <a:ext cx="860397" cy="310719"/>
+            <a:off x="10277519" y="3669198"/>
+            <a:ext cx="791459" cy="292963"/>
           </a:xfrm>
           <a:prstGeom prst="roundRect">
             <a:avLst/>
@@ -9384,7 +12499,126 @@
             <a:pPr algn="ctr"/>
             <a:r>
               <a:rPr lang="en-US" dirty="0"/>
-              <a:t>post</a:t>
+              <a:t>posts</a:t>
+            </a:r>
+          </a:p>
+        </p:txBody>
+      </p:sp>
+      <p:sp>
+        <p:nvSpPr>
+          <p:cNvPr id="74" name="Rectangle: Rounded Corners 73">
+            <a:extLst>
+              <a:ext uri="{FF2B5EF4-FFF2-40B4-BE49-F238E27FC236}">
+                <a16:creationId xmlns:a16="http://schemas.microsoft.com/office/drawing/2014/main" id="{3352C5E6-655B-4A9F-87E2-652B466243DB}"/>
+              </a:ext>
+            </a:extLst>
+          </p:cNvPr>
+          <p:cNvSpPr/>
+          <p:nvPr/>
+        </p:nvSpPr>
+        <p:spPr>
+          <a:xfrm>
+            <a:off x="8633168" y="3669198"/>
+            <a:ext cx="774943" cy="292963"/>
+          </a:xfrm>
+          <a:prstGeom prst="roundRect">
+            <a:avLst/>
+          </a:prstGeom>
+        </p:spPr>
+        <p:style>
+          <a:lnRef idx="2">
+            <a:schemeClr val="accent2">
+              <a:shade val="50000"/>
+            </a:schemeClr>
+          </a:lnRef>
+          <a:fillRef idx="1">
+            <a:schemeClr val="accent2"/>
+          </a:fillRef>
+          <a:effectRef idx="0">
+            <a:schemeClr val="accent2"/>
+          </a:effectRef>
+          <a:fontRef idx="minor">
+            <a:schemeClr val="lt1"/>
+          </a:fontRef>
+        </p:style>
+        <p:txBody>
+          <a:bodyPr rtlCol="0" anchor="ctr"/>
+          <a:lstStyle/>
+          <a:p>
+            <a:pPr algn="ctr"/>
+            <a:r>
+              <a:rPr lang="en-US" dirty="0"/>
+              <a:t>input</a:t>
+            </a:r>
+          </a:p>
+        </p:txBody>
+      </p:sp>
+      <p:sp>
+        <p:nvSpPr>
+          <p:cNvPr id="75" name="TextBox 74">
+            <a:extLst>
+              <a:ext uri="{FF2B5EF4-FFF2-40B4-BE49-F238E27FC236}">
+                <a16:creationId xmlns:a16="http://schemas.microsoft.com/office/drawing/2014/main" id="{14430A59-3079-4FBE-835B-E2B1C610B33A}"/>
+              </a:ext>
+            </a:extLst>
+          </p:cNvPr>
+          <p:cNvSpPr txBox="1"/>
+          <p:nvPr/>
+        </p:nvSpPr>
+        <p:spPr>
+          <a:xfrm>
+            <a:off x="2323574" y="5734975"/>
+            <a:ext cx="1428596" cy="369332"/>
+          </a:xfrm>
+          <a:prstGeom prst="rect">
+            <a:avLst/>
+          </a:prstGeom>
+          <a:noFill/>
+        </p:spPr>
+        <p:txBody>
+          <a:bodyPr wrap="none" rtlCol="0">
+            <a:spAutoFit/>
+          </a:bodyPr>
+          <a:lstStyle/>
+          <a:p>
+            <a:r>
+              <a:rPr lang="en-US" dirty="0"/>
+              <a:t>Actual DOM</a:t>
+            </a:r>
+          </a:p>
+        </p:txBody>
+      </p:sp>
+      <p:sp>
+        <p:nvSpPr>
+          <p:cNvPr id="76" name="TextBox 75">
+            <a:extLst>
+              <a:ext uri="{FF2B5EF4-FFF2-40B4-BE49-F238E27FC236}">
+                <a16:creationId xmlns:a16="http://schemas.microsoft.com/office/drawing/2014/main" id="{CBAFD281-B487-4E7E-8BAD-934040BFF127}"/>
+              </a:ext>
+            </a:extLst>
+          </p:cNvPr>
+          <p:cNvSpPr txBox="1"/>
+          <p:nvPr/>
+        </p:nvSpPr>
+        <p:spPr>
+          <a:xfrm>
+            <a:off x="7831811" y="5734975"/>
+            <a:ext cx="1457707" cy="369332"/>
+          </a:xfrm>
+          <a:prstGeom prst="rect">
+            <a:avLst/>
+          </a:prstGeom>
+          <a:noFill/>
+        </p:spPr>
+        <p:txBody>
+          <a:bodyPr wrap="none" rtlCol="0">
+            <a:spAutoFit/>
+          </a:bodyPr>
+          <a:lstStyle/>
+          <a:p>
+            <a:r>
+              <a:rPr lang="en-US" dirty="0"/>
+              <a:t>Virtual DOM</a:t>
             </a:r>
           </a:p>
         </p:txBody>
@@ -10588,7 +13822,7 @@
                 <a:latin typeface="Segoe UI" panose="020B0502040204020203" pitchFamily="34" charset="0"/>
                 <a:cs typeface="Segoe UI" panose="020B0502040204020203" pitchFamily="34" charset="0"/>
               </a:rPr>
-              <a:t>A markup language is used for storing and retrieving representational data from a file easily. E.g. HTML, XML, YAML, TOML etc.</a:t>
+              <a:t>A markup language is used for storing and retrieving representational data from a file easily. E.g. HTML, XML, YAML, TOML are some data representational language.</a:t>
             </a:r>
           </a:p>
           <a:p>
